--- a/系統分析/系統分析期中報告.pptx
+++ b/系統分析/系統分析期中報告.pptx
@@ -124,7 +124,7 @@
   </p:defaultTextStyle>
   <p:extLst>
     <p:ext uri="{EFAFB233-063F-42B5-8137-9DF3F51BA10A}">
-      <p15:sldGuideLst xmlns:p15="http://schemas.microsoft.com/office/powerpoint/2012/main">
+      <p15:sldGuideLst xmlns:p15="http://schemas.microsoft.com/office/powerpoint/2012/main" xmlns="">
         <p15:guide id="1" orient="horz" pos="1620">
           <p15:clr>
             <a:srgbClr val="A4A3A4"/>
@@ -223,7 +223,7 @@
           <a:p>
             <a:fld id="{4ABF6D0B-8263-8241-BF99-08149363C526}" type="datetimeFigureOut">
               <a:rPr lang="en-US" smtClean="0"/>
-              <a:t>4/22/18</a:t>
+              <a:t>4/24/2018</a:t>
             </a:fld>
             <a:endParaRPr lang="en-US"/>
           </a:p>
@@ -534,6 +534,94 @@
           <a:bodyPr/>
           <a:lstStyle/>
           <a:p>
+            <a:r>
+              <a:rPr lang="zh-CN" altLang="en-US" dirty="0" smtClean="0"/>
+              <a:t>第一階至第零階的處理與資料流整合</a:t>
+            </a:r>
+            <a:endParaRPr lang="en-MY" dirty="0"/>
+          </a:p>
+        </p:txBody>
+      </p:sp>
+      <p:sp>
+        <p:nvSpPr>
+          <p:cNvPr id="4" name="Slide Number Placeholder 3"/>
+          <p:cNvSpPr>
+            <a:spLocks noGrp="1"/>
+          </p:cNvSpPr>
+          <p:nvPr>
+            <p:ph type="sldNum" sz="quarter" idx="10"/>
+          </p:nvPr>
+        </p:nvSpPr>
+        <p:spPr/>
+        <p:txBody>
+          <a:bodyPr/>
+          <a:lstStyle/>
+          <a:p>
+            <a:fld id="{296C4F53-6BE1-5844-B3C4-6E34DA698919}" type="slidenum">
+              <a:rPr lang="en-US" smtClean="0"/>
+              <a:t>10</a:t>
+            </a:fld>
+            <a:endParaRPr lang="en-US"/>
+          </a:p>
+        </p:txBody>
+      </p:sp>
+    </p:spTree>
+    <p:extLst>
+      <p:ext uri="{BB962C8B-B14F-4D97-AF65-F5344CB8AC3E}">
+        <p14:creationId xmlns:p14="http://schemas.microsoft.com/office/powerpoint/2010/main" val="199383415"/>
+      </p:ext>
+    </p:extLst>
+  </p:cSld>
+  <p:clrMapOvr>
+    <a:masterClrMapping/>
+  </p:clrMapOvr>
+</p:notes>
+</file>
+
+<file path=ppt/notesSlides/notesSlide2.xml><?xml version="1.0" encoding="utf-8"?>
+<p:notes xmlns:a="http://schemas.openxmlformats.org/drawingml/2006/main" xmlns:r="http://schemas.openxmlformats.org/officeDocument/2006/relationships" xmlns:p="http://schemas.openxmlformats.org/presentationml/2006/main">
+  <p:cSld>
+    <p:spTree>
+      <p:nvGrpSpPr>
+        <p:cNvPr id="1" name=""/>
+        <p:cNvGrpSpPr/>
+        <p:nvPr/>
+      </p:nvGrpSpPr>
+      <p:grpSpPr>
+        <a:xfrm>
+          <a:off x="0" y="0"/>
+          <a:ext cx="0" cy="0"/>
+          <a:chOff x="0" y="0"/>
+          <a:chExt cx="0" cy="0"/>
+        </a:xfrm>
+      </p:grpSpPr>
+      <p:sp>
+        <p:nvSpPr>
+          <p:cNvPr id="2" name="Slide Image Placeholder 1"/>
+          <p:cNvSpPr>
+            <a:spLocks noGrp="1" noRot="1" noChangeAspect="1"/>
+          </p:cNvSpPr>
+          <p:nvPr>
+            <p:ph type="sldImg"/>
+          </p:nvPr>
+        </p:nvSpPr>
+        <p:spPr/>
+      </p:sp>
+      <p:sp>
+        <p:nvSpPr>
+          <p:cNvPr id="3" name="Notes Placeholder 2"/>
+          <p:cNvSpPr>
+            <a:spLocks noGrp="1"/>
+          </p:cNvSpPr>
+          <p:nvPr>
+            <p:ph type="body" idx="1"/>
+          </p:nvPr>
+        </p:nvSpPr>
+        <p:spPr/>
+        <p:txBody>
+          <a:bodyPr/>
+          <a:lstStyle/>
+          <a:p>
             <a:endParaRPr lang="en-US" dirty="0"/>
           </a:p>
         </p:txBody>
@@ -652,7 +740,7 @@
           <a:p>
             <a:fld id="{63937D59-5EDB-4C39-B697-625748F703B6}" type="datetimeFigureOut">
               <a:rPr lang="en-US" smtClean="0"/>
-              <a:t>4/22/18</a:t>
+              <a:t>4/24/2018</a:t>
             </a:fld>
             <a:endParaRPr lang="en-US"/>
           </a:p>
@@ -927,7 +1015,7 @@
           <a:p>
             <a:fld id="{63937D59-5EDB-4C39-B697-625748F703B6}" type="datetimeFigureOut">
               <a:rPr lang="en-US" smtClean="0"/>
-              <a:t>4/22/18</a:t>
+              <a:t>4/24/2018</a:t>
             </a:fld>
             <a:endParaRPr lang="en-US"/>
           </a:p>
@@ -1179,7 +1267,7 @@
           <a:p>
             <a:fld id="{63937D59-5EDB-4C39-B697-625748F703B6}" type="datetimeFigureOut">
               <a:rPr lang="en-US" smtClean="0"/>
-              <a:t>4/22/18</a:t>
+              <a:t>4/24/2018</a:t>
             </a:fld>
             <a:endParaRPr lang="en-US"/>
           </a:p>
@@ -1347,7 +1435,7 @@
           <a:p>
             <a:fld id="{63937D59-5EDB-4C39-B697-625748F703B6}" type="datetimeFigureOut">
               <a:rPr lang="en-US" smtClean="0"/>
-              <a:t>4/22/18</a:t>
+              <a:t>4/24/2018</a:t>
             </a:fld>
             <a:endParaRPr lang="en-US"/>
           </a:p>
@@ -1525,7 +1613,7 @@
           <a:p>
             <a:fld id="{63937D59-5EDB-4C39-B697-625748F703B6}" type="datetimeFigureOut">
               <a:rPr lang="en-US" smtClean="0"/>
-              <a:t>4/22/18</a:t>
+              <a:t>4/24/2018</a:t>
             </a:fld>
             <a:endParaRPr lang="en-US"/>
           </a:p>
@@ -2103,7 +2191,7 @@
           <a:p>
             <a:fld id="{63937D59-5EDB-4C39-B697-625748F703B6}" type="datetimeFigureOut">
               <a:rPr lang="en-US" smtClean="0"/>
-              <a:t>4/22/18</a:t>
+              <a:t>4/24/2018</a:t>
             </a:fld>
             <a:endParaRPr lang="en-US"/>
           </a:p>
@@ -2271,7 +2359,7 @@
           <a:p>
             <a:fld id="{63937D59-5EDB-4C39-B697-625748F703B6}" type="datetimeFigureOut">
               <a:rPr lang="en-US" smtClean="0"/>
-              <a:t>4/22/18</a:t>
+              <a:t>4/24/2018</a:t>
             </a:fld>
             <a:endParaRPr lang="en-US"/>
           </a:p>
@@ -2516,7 +2604,7 @@
           <a:p>
             <a:fld id="{63937D59-5EDB-4C39-B697-625748F703B6}" type="datetimeFigureOut">
               <a:rPr lang="en-US" smtClean="0"/>
-              <a:t>4/22/18</a:t>
+              <a:t>4/24/2018</a:t>
             </a:fld>
             <a:endParaRPr lang="en-US"/>
           </a:p>
@@ -2801,7 +2889,7 @@
           <a:p>
             <a:fld id="{63937D59-5EDB-4C39-B697-625748F703B6}" type="datetimeFigureOut">
               <a:rPr lang="en-US" smtClean="0"/>
-              <a:t>4/22/18</a:t>
+              <a:t>4/24/2018</a:t>
             </a:fld>
             <a:endParaRPr lang="en-US"/>
           </a:p>
@@ -3220,7 +3308,7 @@
           <a:p>
             <a:fld id="{63937D59-5EDB-4C39-B697-625748F703B6}" type="datetimeFigureOut">
               <a:rPr lang="en-US" smtClean="0"/>
-              <a:t>4/22/18</a:t>
+              <a:t>4/24/2018</a:t>
             </a:fld>
             <a:endParaRPr lang="en-US"/>
           </a:p>
@@ -3337,7 +3425,7 @@
           <a:p>
             <a:fld id="{63937D59-5EDB-4C39-B697-625748F703B6}" type="datetimeFigureOut">
               <a:rPr lang="en-US" smtClean="0"/>
-              <a:t>4/22/18</a:t>
+              <a:t>4/24/2018</a:t>
             </a:fld>
             <a:endParaRPr lang="en-US"/>
           </a:p>
@@ -3839,7 +3927,7 @@
           <a:p>
             <a:fld id="{63937D59-5EDB-4C39-B697-625748F703B6}" type="datetimeFigureOut">
               <a:rPr lang="en-US" smtClean="0"/>
-              <a:t>4/22/18</a:t>
+              <a:t>4/24/2018</a:t>
             </a:fld>
             <a:endParaRPr lang="en-US"/>
           </a:p>
@@ -4370,7 +4458,21 @@
                 <a:latin typeface="Arial" pitchFamily="34" charset="0"/>
                 <a:cs typeface="Arial" pitchFamily="34" charset="0"/>
               </a:rPr>
-              <a:t>陳欣惠</a:t>
+              <a:t>陳欣</a:t>
+            </a:r>
+            <a:r>
+              <a:rPr kumimoji="0" lang="zh-Hant" altLang="en-US" sz="1400" b="1" dirty="0" smtClean="0">
+                <a:latin typeface="Arial" pitchFamily="34" charset="0"/>
+                <a:cs typeface="Arial" pitchFamily="34" charset="0"/>
+              </a:rPr>
+              <a:t>惠 </a:t>
+            </a:r>
+            <a:r>
+              <a:rPr kumimoji="0" lang="en-US" altLang="zh-Hant" sz="1400" b="1" dirty="0" smtClean="0">
+                <a:latin typeface="Arial" pitchFamily="34" charset="0"/>
+                <a:cs typeface="Arial" pitchFamily="34" charset="0"/>
+              </a:rPr>
+              <a:t>D0527783</a:t>
             </a:r>
             <a:endParaRPr kumimoji="0" lang="en-US" altLang="zh-Hant" sz="1400" b="1" dirty="0">
               <a:latin typeface="Arial" pitchFamily="34" charset="0"/>
@@ -4511,7 +4613,7 @@
           <p:cNvPr id="15" name="Title 1">
             <a:extLst>
               <a:ext uri="{FF2B5EF4-FFF2-40B4-BE49-F238E27FC236}">
-                <a16:creationId xmlns:a16="http://schemas.microsoft.com/office/drawing/2014/main" id="{F4C4A796-8AEB-7641-8B55-458C4FE2D291}"/>
+                <a16:creationId xmlns:a16="http://schemas.microsoft.com/office/drawing/2014/main" xmlns="" id="{F4C4A796-8AEB-7641-8B55-458C4FE2D291}"/>
               </a:ext>
             </a:extLst>
           </p:cNvPr>
@@ -4569,7 +4671,7 @@
           <p:cNvPr id="31" name="Picture 30">
             <a:extLst>
               <a:ext uri="{FF2B5EF4-FFF2-40B4-BE49-F238E27FC236}">
-                <a16:creationId xmlns:a16="http://schemas.microsoft.com/office/drawing/2014/main" id="{4FFEC185-6FEF-3F42-8084-C69259FD5ADA}"/>
+                <a16:creationId xmlns:a16="http://schemas.microsoft.com/office/drawing/2014/main" xmlns="" id="{4FFEC185-6FEF-3F42-8084-C69259FD5ADA}"/>
               </a:ext>
             </a:extLst>
           </p:cNvPr>
@@ -4605,7 +4707,7 @@
           <p:cNvPr id="33" name="Picture 32">
             <a:extLst>
               <a:ext uri="{FF2B5EF4-FFF2-40B4-BE49-F238E27FC236}">
-                <a16:creationId xmlns:a16="http://schemas.microsoft.com/office/drawing/2014/main" id="{74DE0983-9153-194E-8E13-5F518B0C2D8A}"/>
+                <a16:creationId xmlns:a16="http://schemas.microsoft.com/office/drawing/2014/main" xmlns="" id="{74DE0983-9153-194E-8E13-5F518B0C2D8A}"/>
               </a:ext>
             </a:extLst>
           </p:cNvPr>
@@ -4641,7 +4743,7 @@
           <p:cNvPr id="34" name="Arrow: Down 128">
             <a:extLst>
               <a:ext uri="{FF2B5EF4-FFF2-40B4-BE49-F238E27FC236}">
-                <a16:creationId xmlns:a16="http://schemas.microsoft.com/office/drawing/2014/main" id="{007661F0-5D1F-F14E-AEA8-08A4A330E6D1}"/>
+                <a16:creationId xmlns:a16="http://schemas.microsoft.com/office/drawing/2014/main" xmlns="" id="{007661F0-5D1F-F14E-AEA8-08A4A330E6D1}"/>
               </a:ext>
             </a:extLst>
           </p:cNvPr>
@@ -4691,7 +4793,7 @@
           <p:cNvPr id="35" name="Rectangle 34">
             <a:extLst>
               <a:ext uri="{FF2B5EF4-FFF2-40B4-BE49-F238E27FC236}">
-                <a16:creationId xmlns:a16="http://schemas.microsoft.com/office/drawing/2014/main" id="{45A947F6-B5AC-4F42-A660-15042FC37403}"/>
+                <a16:creationId xmlns:a16="http://schemas.microsoft.com/office/drawing/2014/main" xmlns="" id="{45A947F6-B5AC-4F42-A660-15042FC37403}"/>
               </a:ext>
             </a:extLst>
           </p:cNvPr>
@@ -4791,7 +4893,7 @@
           <p:cNvPr id="9" name="Content Placeholder 6">
             <a:extLst>
               <a:ext uri="{FF2B5EF4-FFF2-40B4-BE49-F238E27FC236}">
-                <a16:creationId xmlns:a16="http://schemas.microsoft.com/office/drawing/2014/main" id="{65B99FB5-8778-7F44-9454-FB20081C092A}"/>
+                <a16:creationId xmlns:a16="http://schemas.microsoft.com/office/drawing/2014/main" xmlns="" id="{65B99FB5-8778-7F44-9454-FB20081C092A}"/>
               </a:ext>
             </a:extLst>
           </p:cNvPr>
@@ -4803,7 +4905,7 @@
           </p:nvPr>
         </p:nvPicPr>
         <p:blipFill>
-          <a:blip r:embed="rId3">
+          <a:blip r:embed="rId2" cstate="print">
             <a:extLst>
               <a:ext uri="{28A0092B-C50C-407E-A947-70E740481C1C}">
                 <a14:useLocalDpi xmlns:a14="http://schemas.microsoft.com/office/drawing/2010/main" val="0"/>
@@ -4826,7 +4928,7 @@
           <p:cNvPr id="10" name="Picture 9">
             <a:extLst>
               <a:ext uri="{FF2B5EF4-FFF2-40B4-BE49-F238E27FC236}">
-                <a16:creationId xmlns:a16="http://schemas.microsoft.com/office/drawing/2014/main" id="{F1251362-201C-3E43-822F-4765AF33BA16}"/>
+                <a16:creationId xmlns:a16="http://schemas.microsoft.com/office/drawing/2014/main" xmlns="" id="{F1251362-201C-3E43-822F-4765AF33BA16}"/>
               </a:ext>
             </a:extLst>
           </p:cNvPr>
@@ -4834,7 +4936,7 @@
           <p:nvPr/>
         </p:nvPicPr>
         <p:blipFill>
-          <a:blip r:embed="rId4">
+          <a:blip r:embed="rId3">
             <a:extLst>
               <a:ext uri="{28A0092B-C50C-407E-A947-70E740481C1C}">
                 <a14:useLocalDpi xmlns:a14="http://schemas.microsoft.com/office/drawing/2010/main" val="0"/>
@@ -4863,7 +4965,7 @@
           <p:cNvPr id="11" name="Bent-Up Arrow 10">
             <a:extLst>
               <a:ext uri="{FF2B5EF4-FFF2-40B4-BE49-F238E27FC236}">
-                <a16:creationId xmlns:a16="http://schemas.microsoft.com/office/drawing/2014/main" id="{25C3EAC7-84DE-5D42-B13D-495D0184D8CA}"/>
+                <a16:creationId xmlns:a16="http://schemas.microsoft.com/office/drawing/2014/main" xmlns="" id="{25C3EAC7-84DE-5D42-B13D-495D0184D8CA}"/>
               </a:ext>
             </a:extLst>
           </p:cNvPr>
@@ -4909,7 +5011,7 @@
           <p:cNvPr id="12" name="Rectangle 11">
             <a:extLst>
               <a:ext uri="{FF2B5EF4-FFF2-40B4-BE49-F238E27FC236}">
-                <a16:creationId xmlns:a16="http://schemas.microsoft.com/office/drawing/2014/main" id="{241CE9AE-2559-F941-8795-C1BC68F0E16C}"/>
+                <a16:creationId xmlns:a16="http://schemas.microsoft.com/office/drawing/2014/main" xmlns="" id="{241CE9AE-2559-F941-8795-C1BC68F0E16C}"/>
               </a:ext>
             </a:extLst>
           </p:cNvPr>
@@ -4958,7 +5060,7 @@
           <p:cNvPr id="14" name="Rectangle 13">
             <a:extLst>
               <a:ext uri="{FF2B5EF4-FFF2-40B4-BE49-F238E27FC236}">
-                <a16:creationId xmlns:a16="http://schemas.microsoft.com/office/drawing/2014/main" id="{214AA10B-4D75-F14A-A46F-83D47C738BFA}"/>
+                <a16:creationId xmlns:a16="http://schemas.microsoft.com/office/drawing/2014/main" xmlns="" id="{214AA10B-4D75-F14A-A46F-83D47C738BFA}"/>
               </a:ext>
             </a:extLst>
           </p:cNvPr>
@@ -5062,7 +5164,7 @@
           <p:cNvPr id="15" name="Title 1">
             <a:extLst>
               <a:ext uri="{FF2B5EF4-FFF2-40B4-BE49-F238E27FC236}">
-                <a16:creationId xmlns:a16="http://schemas.microsoft.com/office/drawing/2014/main" id="{F4C4A796-8AEB-7641-8B55-458C4FE2D291}"/>
+                <a16:creationId xmlns:a16="http://schemas.microsoft.com/office/drawing/2014/main" xmlns="" id="{F4C4A796-8AEB-7641-8B55-458C4FE2D291}"/>
               </a:ext>
             </a:extLst>
           </p:cNvPr>
@@ -5112,7 +5214,7 @@
           <p:cNvPr id="34" name="Arrow: Down 128">
             <a:extLst>
               <a:ext uri="{FF2B5EF4-FFF2-40B4-BE49-F238E27FC236}">
-                <a16:creationId xmlns:a16="http://schemas.microsoft.com/office/drawing/2014/main" id="{007661F0-5D1F-F14E-AEA8-08A4A330E6D1}"/>
+                <a16:creationId xmlns:a16="http://schemas.microsoft.com/office/drawing/2014/main" xmlns="" id="{007661F0-5D1F-F14E-AEA8-08A4A330E6D1}"/>
               </a:ext>
             </a:extLst>
           </p:cNvPr>
@@ -5162,7 +5264,7 @@
           <p:cNvPr id="35" name="Rectangle 34">
             <a:extLst>
               <a:ext uri="{FF2B5EF4-FFF2-40B4-BE49-F238E27FC236}">
-                <a16:creationId xmlns:a16="http://schemas.microsoft.com/office/drawing/2014/main" id="{45A947F6-B5AC-4F42-A660-15042FC37403}"/>
+                <a16:creationId xmlns:a16="http://schemas.microsoft.com/office/drawing/2014/main" xmlns="" id="{45A947F6-B5AC-4F42-A660-15042FC37403}"/>
               </a:ext>
             </a:extLst>
           </p:cNvPr>
@@ -5204,7 +5306,7 @@
           <p:cNvPr id="6" name="Picture 5">
             <a:extLst>
               <a:ext uri="{FF2B5EF4-FFF2-40B4-BE49-F238E27FC236}">
-                <a16:creationId xmlns:a16="http://schemas.microsoft.com/office/drawing/2014/main" id="{9952234D-A5A3-9646-8FD0-040AE91DB55F}"/>
+                <a16:creationId xmlns:a16="http://schemas.microsoft.com/office/drawing/2014/main" xmlns="" id="{9952234D-A5A3-9646-8FD0-040AE91DB55F}"/>
               </a:ext>
             </a:extLst>
           </p:cNvPr>
@@ -5214,7 +5316,7 @@
           <p:nvPr/>
         </p:nvPicPr>
         <p:blipFill>
-          <a:blip r:embed="rId4">
+          <a:blip r:embed="rId3">
             <a:extLst>
               <a:ext uri="{28A0092B-C50C-407E-A947-70E740481C1C}">
                 <a14:useLocalDpi xmlns:a14="http://schemas.microsoft.com/office/drawing/2010/main" val="0"/>
@@ -5240,7 +5342,7 @@
           <p:cNvPr id="8" name="Picture 7">
             <a:extLst>
               <a:ext uri="{FF2B5EF4-FFF2-40B4-BE49-F238E27FC236}">
-                <a16:creationId xmlns:a16="http://schemas.microsoft.com/office/drawing/2014/main" id="{041BCA3A-636B-B848-9EA7-7FCBEAA61954}"/>
+                <a16:creationId xmlns:a16="http://schemas.microsoft.com/office/drawing/2014/main" xmlns="" id="{041BCA3A-636B-B848-9EA7-7FCBEAA61954}"/>
               </a:ext>
             </a:extLst>
           </p:cNvPr>
@@ -5250,7 +5352,7 @@
           <p:nvPr/>
         </p:nvPicPr>
         <p:blipFill>
-          <a:blip r:embed="rId5">
+          <a:blip r:embed="rId4">
             <a:extLst>
               <a:ext uri="{28A0092B-C50C-407E-A947-70E740481C1C}">
                 <a14:useLocalDpi xmlns:a14="http://schemas.microsoft.com/office/drawing/2010/main" val="0"/>
@@ -5334,7 +5436,7 @@
           <p:cNvPr id="2" name="Rectangle 1">
             <a:extLst>
               <a:ext uri="{FF2B5EF4-FFF2-40B4-BE49-F238E27FC236}">
-                <a16:creationId xmlns:a16="http://schemas.microsoft.com/office/drawing/2014/main" id="{EB48C46F-EDFC-EB4B-B22B-751E02B2BD81}"/>
+                <a16:creationId xmlns:a16="http://schemas.microsoft.com/office/drawing/2014/main" xmlns="" id="{EB48C46F-EDFC-EB4B-B22B-751E02B2BD81}"/>
               </a:ext>
             </a:extLst>
           </p:cNvPr>
@@ -5383,7 +5485,7 @@
           <p:cNvPr id="3" name="Picture 2">
             <a:extLst>
               <a:ext uri="{FF2B5EF4-FFF2-40B4-BE49-F238E27FC236}">
-                <a16:creationId xmlns:a16="http://schemas.microsoft.com/office/drawing/2014/main" id="{8228CACA-4A23-9C4B-8BD6-E34BCE5CF66B}"/>
+                <a16:creationId xmlns:a16="http://schemas.microsoft.com/office/drawing/2014/main" xmlns="" id="{8228CACA-4A23-9C4B-8BD6-E34BCE5CF66B}"/>
               </a:ext>
             </a:extLst>
           </p:cNvPr>
@@ -5391,7 +5493,7 @@
           <p:nvPr/>
         </p:nvPicPr>
         <p:blipFill>
-          <a:blip r:embed="rId3">
+          <a:blip r:embed="rId2">
             <a:extLst>
               <a:ext uri="{28A0092B-C50C-407E-A947-70E740481C1C}">
                 <a14:useLocalDpi xmlns:a14="http://schemas.microsoft.com/office/drawing/2010/main" val="0"/>
@@ -5483,7 +5585,7 @@
           <p:cNvPr id="11" name="Picture 10">
             <a:extLst>
               <a:ext uri="{FF2B5EF4-FFF2-40B4-BE49-F238E27FC236}">
-                <a16:creationId xmlns:a16="http://schemas.microsoft.com/office/drawing/2014/main" id="{7AD26D1F-531B-CD4D-B741-1E4D51D50455}"/>
+                <a16:creationId xmlns:a16="http://schemas.microsoft.com/office/drawing/2014/main" xmlns="" id="{7AD26D1F-531B-CD4D-B741-1E4D51D50455}"/>
               </a:ext>
             </a:extLst>
           </p:cNvPr>
@@ -5491,7 +5593,7 @@
           <p:nvPr/>
         </p:nvPicPr>
         <p:blipFill>
-          <a:blip r:embed="rId3">
+          <a:blip r:embed="rId2">
             <a:extLst>
               <a:ext uri="{28A0092B-C50C-407E-A947-70E740481C1C}">
                 <a14:useLocalDpi xmlns:a14="http://schemas.microsoft.com/office/drawing/2010/main" val="0"/>
@@ -5517,7 +5619,7 @@
           <p:cNvPr id="12" name="Rectangle 11">
             <a:extLst>
               <a:ext uri="{FF2B5EF4-FFF2-40B4-BE49-F238E27FC236}">
-                <a16:creationId xmlns:a16="http://schemas.microsoft.com/office/drawing/2014/main" id="{C97B75BD-EF10-C44A-A586-429A6292B44D}"/>
+                <a16:creationId xmlns:a16="http://schemas.microsoft.com/office/drawing/2014/main" xmlns="" id="{C97B75BD-EF10-C44A-A586-429A6292B44D}"/>
               </a:ext>
             </a:extLst>
           </p:cNvPr>
@@ -5680,7 +5782,7 @@
           <p:cNvPr id="8" name="Content Placeholder 7">
             <a:extLst>
               <a:ext uri="{FF2B5EF4-FFF2-40B4-BE49-F238E27FC236}">
-                <a16:creationId xmlns:a16="http://schemas.microsoft.com/office/drawing/2014/main" id="{D0F58796-F20D-2740-A72A-4E167EE31200}"/>
+                <a16:creationId xmlns:a16="http://schemas.microsoft.com/office/drawing/2014/main" xmlns="" id="{D0F58796-F20D-2740-A72A-4E167EE31200}"/>
               </a:ext>
             </a:extLst>
           </p:cNvPr>
@@ -5698,7 +5800,7 @@
         </p:nvGraphicFramePr>
         <p:xfrm>
           <a:off x="1255135" y="843558"/>
-          <a:ext cx="6633730" cy="4060953"/>
+          <a:ext cx="6633730" cy="4072609"/>
         </p:xfrm>
         <a:graphic>
           <a:graphicData uri="http://schemas.openxmlformats.org/drawingml/2006/table">
@@ -5710,14 +5812,14 @@
                 <a:gridCol w="3316865">
                   <a:extLst>
                     <a:ext uri="{9D8B030D-6E8A-4147-A177-3AD203B41FA5}">
-                      <a16:colId xmlns:a16="http://schemas.microsoft.com/office/drawing/2014/main" val="4170412860"/>
+                      <a16:colId xmlns:a16="http://schemas.microsoft.com/office/drawing/2014/main" xmlns="" val="4170412860"/>
                     </a:ext>
                   </a:extLst>
                 </a:gridCol>
                 <a:gridCol w="3316865">
                   <a:extLst>
                     <a:ext uri="{9D8B030D-6E8A-4147-A177-3AD203B41FA5}">
-                      <a16:colId xmlns:a16="http://schemas.microsoft.com/office/drawing/2014/main" val="4227658176"/>
+                      <a16:colId xmlns:a16="http://schemas.microsoft.com/office/drawing/2014/main" xmlns="" val="4227658176"/>
                     </a:ext>
                   </a:extLst>
                 </a:gridCol>
@@ -5797,7 +5899,7 @@
                 </a:tc>
                 <a:extLst>
                   <a:ext uri="{0D108BD9-81ED-4DB2-BD59-A6C34878D82A}">
-                    <a16:rowId xmlns:a16="http://schemas.microsoft.com/office/drawing/2014/main" val="608201287"/>
+                    <a16:rowId xmlns:a16="http://schemas.microsoft.com/office/drawing/2014/main" xmlns="" val="608201287"/>
                   </a:ext>
                 </a:extLst>
               </a:tr>
@@ -6404,7 +6506,7 @@
                 </a:tc>
                 <a:extLst>
                   <a:ext uri="{0D108BD9-81ED-4DB2-BD59-A6C34878D82A}">
-                    <a16:rowId xmlns:a16="http://schemas.microsoft.com/office/drawing/2014/main" val="2915758028"/>
+                    <a16:rowId xmlns:a16="http://schemas.microsoft.com/office/drawing/2014/main" xmlns="" val="2915758028"/>
                   </a:ext>
                 </a:extLst>
               </a:tr>
@@ -6753,7 +6855,7 @@
                 </a:tc>
                 <a:extLst>
                   <a:ext uri="{0D108BD9-81ED-4DB2-BD59-A6C34878D82A}">
-                    <a16:rowId xmlns:a16="http://schemas.microsoft.com/office/drawing/2014/main" val="4263870807"/>
+                    <a16:rowId xmlns:a16="http://schemas.microsoft.com/office/drawing/2014/main" xmlns="" val="4263870807"/>
                   </a:ext>
                 </a:extLst>
               </a:tr>
@@ -6766,7 +6868,7 @@
           <p:cNvPr id="9" name="Title 1">
             <a:extLst>
               <a:ext uri="{FF2B5EF4-FFF2-40B4-BE49-F238E27FC236}">
-                <a16:creationId xmlns:a16="http://schemas.microsoft.com/office/drawing/2014/main" id="{C31DB15B-7C35-8E4A-98EF-B2D7793BE7F1}"/>
+                <a16:creationId xmlns:a16="http://schemas.microsoft.com/office/drawing/2014/main" xmlns="" id="{C31DB15B-7C35-8E4A-98EF-B2D7793BE7F1}"/>
               </a:ext>
             </a:extLst>
           </p:cNvPr>
@@ -6914,7 +7016,7 @@
           <p:cNvPr id="2" name="Title 1">
             <a:extLst>
               <a:ext uri="{FF2B5EF4-FFF2-40B4-BE49-F238E27FC236}">
-                <a16:creationId xmlns:a16="http://schemas.microsoft.com/office/drawing/2014/main" id="{5DE67083-97B1-0448-8E01-02F477F3C7EB}"/>
+                <a16:creationId xmlns:a16="http://schemas.microsoft.com/office/drawing/2014/main" xmlns="" id="{5DE67083-97B1-0448-8E01-02F477F3C7EB}"/>
               </a:ext>
             </a:extLst>
           </p:cNvPr>
@@ -6956,7 +7058,7 @@
           <p:cNvPr id="5" name="Content Placeholder 4">
             <a:extLst>
               <a:ext uri="{FF2B5EF4-FFF2-40B4-BE49-F238E27FC236}">
-                <a16:creationId xmlns:a16="http://schemas.microsoft.com/office/drawing/2014/main" id="{BF551C20-977F-5D49-A5D4-CA3BAEE2078F}"/>
+                <a16:creationId xmlns:a16="http://schemas.microsoft.com/office/drawing/2014/main" xmlns="" id="{BF551C20-977F-5D49-A5D4-CA3BAEE2078F}"/>
               </a:ext>
             </a:extLst>
           </p:cNvPr>
@@ -7052,7 +7154,7 @@
           <p:cNvPr id="5" name="Content Placeholder 4">
             <a:extLst>
               <a:ext uri="{FF2B5EF4-FFF2-40B4-BE49-F238E27FC236}">
-                <a16:creationId xmlns:a16="http://schemas.microsoft.com/office/drawing/2014/main" id="{34E024CD-D143-6144-9F2E-85B8187FB907}"/>
+                <a16:creationId xmlns:a16="http://schemas.microsoft.com/office/drawing/2014/main" xmlns="" id="{34E024CD-D143-6144-9F2E-85B8187FB907}"/>
               </a:ext>
             </a:extLst>
           </p:cNvPr>
@@ -7090,7 +7192,7 @@
           <p:cNvPr id="6" name="Picture 5">
             <a:extLst>
               <a:ext uri="{FF2B5EF4-FFF2-40B4-BE49-F238E27FC236}">
-                <a16:creationId xmlns:a16="http://schemas.microsoft.com/office/drawing/2014/main" id="{BBC23686-A54D-3948-970F-F39190C7947D}"/>
+                <a16:creationId xmlns:a16="http://schemas.microsoft.com/office/drawing/2014/main" xmlns="" id="{BBC23686-A54D-3948-970F-F39190C7947D}"/>
               </a:ext>
             </a:extLst>
           </p:cNvPr>
@@ -7124,7 +7226,7 @@
           <p:cNvPr id="9" name="Down Arrow 8">
             <a:extLst>
               <a:ext uri="{FF2B5EF4-FFF2-40B4-BE49-F238E27FC236}">
-                <a16:creationId xmlns:a16="http://schemas.microsoft.com/office/drawing/2014/main" id="{EEF4B0DB-5DA9-5D40-A305-3CC05FEA97C4}"/>
+                <a16:creationId xmlns:a16="http://schemas.microsoft.com/office/drawing/2014/main" xmlns="" id="{EEF4B0DB-5DA9-5D40-A305-3CC05FEA97C4}"/>
               </a:ext>
             </a:extLst>
           </p:cNvPr>
@@ -7170,7 +7272,7 @@
           <p:cNvPr id="15" name="Title 1">
             <a:extLst>
               <a:ext uri="{FF2B5EF4-FFF2-40B4-BE49-F238E27FC236}">
-                <a16:creationId xmlns:a16="http://schemas.microsoft.com/office/drawing/2014/main" id="{F4C4A796-8AEB-7641-8B55-458C4FE2D291}"/>
+                <a16:creationId xmlns:a16="http://schemas.microsoft.com/office/drawing/2014/main" xmlns="" id="{F4C4A796-8AEB-7641-8B55-458C4FE2D291}"/>
               </a:ext>
             </a:extLst>
           </p:cNvPr>
@@ -7294,7 +7396,7 @@
           <p:cNvPr id="9" name="Down Arrow 8">
             <a:extLst>
               <a:ext uri="{FF2B5EF4-FFF2-40B4-BE49-F238E27FC236}">
-                <a16:creationId xmlns:a16="http://schemas.microsoft.com/office/drawing/2014/main" id="{EEF4B0DB-5DA9-5D40-A305-3CC05FEA97C4}"/>
+                <a16:creationId xmlns:a16="http://schemas.microsoft.com/office/drawing/2014/main" xmlns="" id="{EEF4B0DB-5DA9-5D40-A305-3CC05FEA97C4}"/>
               </a:ext>
             </a:extLst>
           </p:cNvPr>
@@ -7340,7 +7442,7 @@
           <p:cNvPr id="15" name="Title 1">
             <a:extLst>
               <a:ext uri="{FF2B5EF4-FFF2-40B4-BE49-F238E27FC236}">
-                <a16:creationId xmlns:a16="http://schemas.microsoft.com/office/drawing/2014/main" id="{F4C4A796-8AEB-7641-8B55-458C4FE2D291}"/>
+                <a16:creationId xmlns:a16="http://schemas.microsoft.com/office/drawing/2014/main" xmlns="" id="{F4C4A796-8AEB-7641-8B55-458C4FE2D291}"/>
               </a:ext>
             </a:extLst>
           </p:cNvPr>
@@ -7406,7 +7508,7 @@
           <p:cNvPr id="8" name="Picture 7">
             <a:extLst>
               <a:ext uri="{FF2B5EF4-FFF2-40B4-BE49-F238E27FC236}">
-                <a16:creationId xmlns:a16="http://schemas.microsoft.com/office/drawing/2014/main" id="{49D1363A-6243-6A4B-AF55-C10C2EFCDC21}"/>
+                <a16:creationId xmlns:a16="http://schemas.microsoft.com/office/drawing/2014/main" xmlns="" id="{49D1363A-6243-6A4B-AF55-C10C2EFCDC21}"/>
               </a:ext>
             </a:extLst>
           </p:cNvPr>
@@ -7414,7 +7516,7 @@
           <p:nvPr/>
         </p:nvPicPr>
         <p:blipFill>
-          <a:blip r:embed="rId2">
+          <a:blip r:embed="rId2" cstate="print">
             <a:extLst>
               <a:ext uri="{28A0092B-C50C-407E-A947-70E740481C1C}">
                 <a14:useLocalDpi xmlns:a14="http://schemas.microsoft.com/office/drawing/2010/main" val="0"/>
@@ -7440,7 +7542,7 @@
           <p:cNvPr id="10" name="Picture 9">
             <a:extLst>
               <a:ext uri="{FF2B5EF4-FFF2-40B4-BE49-F238E27FC236}">
-                <a16:creationId xmlns:a16="http://schemas.microsoft.com/office/drawing/2014/main" id="{5B7994C7-D4E8-4C4E-AA71-0106FD979C8A}"/>
+                <a16:creationId xmlns:a16="http://schemas.microsoft.com/office/drawing/2014/main" xmlns="" id="{5B7994C7-D4E8-4C4E-AA71-0106FD979C8A}"/>
               </a:ext>
             </a:extLst>
           </p:cNvPr>
@@ -7532,7 +7634,7 @@
           <p:cNvPr id="15" name="Title 1">
             <a:extLst>
               <a:ext uri="{FF2B5EF4-FFF2-40B4-BE49-F238E27FC236}">
-                <a16:creationId xmlns:a16="http://schemas.microsoft.com/office/drawing/2014/main" id="{F4C4A796-8AEB-7641-8B55-458C4FE2D291}"/>
+                <a16:creationId xmlns:a16="http://schemas.microsoft.com/office/drawing/2014/main" xmlns="" id="{F4C4A796-8AEB-7641-8B55-458C4FE2D291}"/>
               </a:ext>
             </a:extLst>
           </p:cNvPr>
@@ -7574,7 +7676,7 @@
           <p:cNvPr id="13" name="Object 12">
             <a:extLst>
               <a:ext uri="{FF2B5EF4-FFF2-40B4-BE49-F238E27FC236}">
-                <a16:creationId xmlns:a16="http://schemas.microsoft.com/office/drawing/2014/main" id="{DB914DDF-21ED-D342-968B-D15374B57C19}"/>
+                <a16:creationId xmlns:a16="http://schemas.microsoft.com/office/drawing/2014/main" xmlns="" id="{DB914DDF-21ED-D342-968B-D15374B57C19}"/>
               </a:ext>
             </a:extLst>
           </p:cNvPr>
@@ -7597,7 +7699,7 @@
           <a:graphicData uri="http://schemas.openxmlformats.org/presentationml/2006/ole">
             <mc:AlternateContent xmlns:mc="http://schemas.openxmlformats.org/markup-compatibility/2006">
               <mc:Choice xmlns:v="urn:schemas-microsoft-com:vml" Requires="v">
-                <p:oleObj spid="_x0000_s2057" name="Document" r:id="rId3" imgW="6921500" imgH="1333500" progId="Word.Document.12">
+                <p:oleObj spid="_x0000_s2058" name="Document" r:id="rId3" imgW="6921500" imgH="1333500" progId="Word.Document.12">
                   <p:embed/>
                 </p:oleObj>
               </mc:Choice>
@@ -7637,7 +7739,7 @@
           <p:cNvPr id="16" name="Rectangle 15">
             <a:extLst>
               <a:ext uri="{FF2B5EF4-FFF2-40B4-BE49-F238E27FC236}">
-                <a16:creationId xmlns:a16="http://schemas.microsoft.com/office/drawing/2014/main" id="{E196E731-7B44-5748-8622-8F33F1FB9AE8}"/>
+                <a16:creationId xmlns:a16="http://schemas.microsoft.com/office/drawing/2014/main" xmlns="" id="{E196E731-7B44-5748-8622-8F33F1FB9AE8}"/>
               </a:ext>
             </a:extLst>
           </p:cNvPr>
@@ -7672,7 +7774,7 @@
           <p:cNvPr id="17" name="Rectangle 16">
             <a:extLst>
               <a:ext uri="{FF2B5EF4-FFF2-40B4-BE49-F238E27FC236}">
-                <a16:creationId xmlns:a16="http://schemas.microsoft.com/office/drawing/2014/main" id="{AF632D80-4D78-DA4D-A95F-73C5BD52E449}"/>
+                <a16:creationId xmlns:a16="http://schemas.microsoft.com/office/drawing/2014/main" xmlns="" id="{AF632D80-4D78-DA4D-A95F-73C5BD52E449}"/>
               </a:ext>
             </a:extLst>
           </p:cNvPr>
@@ -7821,7 +7923,7 @@
           <p:cNvPr id="15" name="Title 1">
             <a:extLst>
               <a:ext uri="{FF2B5EF4-FFF2-40B4-BE49-F238E27FC236}">
-                <a16:creationId xmlns:a16="http://schemas.microsoft.com/office/drawing/2014/main" id="{F4C4A796-8AEB-7641-8B55-458C4FE2D291}"/>
+                <a16:creationId xmlns:a16="http://schemas.microsoft.com/office/drawing/2014/main" xmlns="" id="{F4C4A796-8AEB-7641-8B55-458C4FE2D291}"/>
               </a:ext>
             </a:extLst>
           </p:cNvPr>
@@ -7863,7 +7965,7 @@
           <p:cNvPr id="8" name="Picture 7">
             <a:extLst>
               <a:ext uri="{FF2B5EF4-FFF2-40B4-BE49-F238E27FC236}">
-                <a16:creationId xmlns:a16="http://schemas.microsoft.com/office/drawing/2014/main" id="{A575FBA1-D496-934A-AE00-290AA7595822}"/>
+                <a16:creationId xmlns:a16="http://schemas.microsoft.com/office/drawing/2014/main" xmlns="" id="{A575FBA1-D496-934A-AE00-290AA7595822}"/>
               </a:ext>
             </a:extLst>
           </p:cNvPr>
@@ -7957,7 +8059,7 @@
           <p:cNvPr id="15" name="Title 1">
             <a:extLst>
               <a:ext uri="{FF2B5EF4-FFF2-40B4-BE49-F238E27FC236}">
-                <a16:creationId xmlns:a16="http://schemas.microsoft.com/office/drawing/2014/main" id="{F4C4A796-8AEB-7641-8B55-458C4FE2D291}"/>
+                <a16:creationId xmlns:a16="http://schemas.microsoft.com/office/drawing/2014/main" xmlns="" id="{F4C4A796-8AEB-7641-8B55-458C4FE2D291}"/>
               </a:ext>
             </a:extLst>
           </p:cNvPr>
@@ -7999,7 +8101,7 @@
           <p:cNvPr id="3" name="Picture 2">
             <a:extLst>
               <a:ext uri="{FF2B5EF4-FFF2-40B4-BE49-F238E27FC236}">
-                <a16:creationId xmlns:a16="http://schemas.microsoft.com/office/drawing/2014/main" id="{D0DDB850-3EB4-D64D-8FC9-01CDCA1B5E7A}"/>
+                <a16:creationId xmlns:a16="http://schemas.microsoft.com/office/drawing/2014/main" xmlns="" id="{D0DDB850-3EB4-D64D-8FC9-01CDCA1B5E7A}"/>
               </a:ext>
             </a:extLst>
           </p:cNvPr>
@@ -8093,7 +8195,7 @@
           <p:cNvPr id="15" name="Title 1">
             <a:extLst>
               <a:ext uri="{FF2B5EF4-FFF2-40B4-BE49-F238E27FC236}">
-                <a16:creationId xmlns:a16="http://schemas.microsoft.com/office/drawing/2014/main" id="{F4C4A796-8AEB-7641-8B55-458C4FE2D291}"/>
+                <a16:creationId xmlns:a16="http://schemas.microsoft.com/office/drawing/2014/main" xmlns="" id="{F4C4A796-8AEB-7641-8B55-458C4FE2D291}"/>
               </a:ext>
             </a:extLst>
           </p:cNvPr>
@@ -8135,7 +8237,7 @@
           <p:cNvPr id="3" name="Picture 2">
             <a:extLst>
               <a:ext uri="{FF2B5EF4-FFF2-40B4-BE49-F238E27FC236}">
-                <a16:creationId xmlns:a16="http://schemas.microsoft.com/office/drawing/2014/main" id="{C89FF32C-708B-A246-A4A9-3A91DF58208B}"/>
+                <a16:creationId xmlns:a16="http://schemas.microsoft.com/office/drawing/2014/main" xmlns="" id="{C89FF32C-708B-A246-A4A9-3A91DF58208B}"/>
               </a:ext>
             </a:extLst>
           </p:cNvPr>
@@ -9038,7 +9140,7 @@
   <a:extraClrSchemeLst/>
   <a:extLst>
     <a:ext uri="{05A4C25C-085E-4340-85A3-A5531E510DB2}">
-      <thm15:themeFamily xmlns:thm15="http://schemas.microsoft.com/office/thememl/2012/main" name="Office Theme" id="{62F939B6-93AF-4DB8-9C6B-D6C7DFDC589F}" vid="{4A3C46E8-61CC-4603-A589-7422A47A8E4A}"/>
+      <thm15:themeFamily xmlns:thm15="http://schemas.microsoft.com/office/thememl/2012/main" xmlns="" name="Office Theme" id="{62F939B6-93AF-4DB8-9C6B-D6C7DFDC589F}" vid="{4A3C46E8-61CC-4603-A589-7422A47A8E4A}"/>
     </a:ext>
   </a:extLst>
 </a:theme>

--- a/系統分析/系統分析期中報告.pptx
+++ b/系統分析/系統分析期中報告.pptx
@@ -124,7 +124,7 @@
   </p:defaultTextStyle>
   <p:extLst>
     <p:ext uri="{EFAFB233-063F-42B5-8137-9DF3F51BA10A}">
-      <p15:sldGuideLst xmlns:p15="http://schemas.microsoft.com/office/powerpoint/2012/main" xmlns="">
+      <p15:sldGuideLst xmlns:p15="http://schemas.microsoft.com/office/powerpoint/2012/main">
         <p15:guide id="1" orient="horz" pos="1620">
           <p15:clr>
             <a:srgbClr val="A4A3A4"/>
@@ -223,7 +223,7 @@
           <a:p>
             <a:fld id="{4ABF6D0B-8263-8241-BF99-08149363C526}" type="datetimeFigureOut">
               <a:rPr lang="en-US" smtClean="0"/>
-              <a:t>4/24/2018</a:t>
+              <a:t>4/25/18</a:t>
             </a:fld>
             <a:endParaRPr lang="en-US"/>
           </a:p>
@@ -535,7 +535,7 @@
           <a:lstStyle/>
           <a:p>
             <a:r>
-              <a:rPr lang="zh-CN" altLang="en-US" dirty="0" smtClean="0"/>
+              <a:rPr lang="zh-CN" altLang="en-US" dirty="0"/>
               <a:t>第一階至第零階的處理與資料流整合</a:t>
             </a:r>
             <a:endParaRPr lang="en-MY" dirty="0"/>
@@ -740,7 +740,7 @@
           <a:p>
             <a:fld id="{63937D59-5EDB-4C39-B697-625748F703B6}" type="datetimeFigureOut">
               <a:rPr lang="en-US" smtClean="0"/>
-              <a:t>4/24/2018</a:t>
+              <a:t>4/25/18</a:t>
             </a:fld>
             <a:endParaRPr lang="en-US"/>
           </a:p>
@@ -1015,7 +1015,7 @@
           <a:p>
             <a:fld id="{63937D59-5EDB-4C39-B697-625748F703B6}" type="datetimeFigureOut">
               <a:rPr lang="en-US" smtClean="0"/>
-              <a:t>4/24/2018</a:t>
+              <a:t>4/25/18</a:t>
             </a:fld>
             <a:endParaRPr lang="en-US"/>
           </a:p>
@@ -1267,7 +1267,7 @@
           <a:p>
             <a:fld id="{63937D59-5EDB-4C39-B697-625748F703B6}" type="datetimeFigureOut">
               <a:rPr lang="en-US" smtClean="0"/>
-              <a:t>4/24/2018</a:t>
+              <a:t>4/25/18</a:t>
             </a:fld>
             <a:endParaRPr lang="en-US"/>
           </a:p>
@@ -1435,7 +1435,7 @@
           <a:p>
             <a:fld id="{63937D59-5EDB-4C39-B697-625748F703B6}" type="datetimeFigureOut">
               <a:rPr lang="en-US" smtClean="0"/>
-              <a:t>4/24/2018</a:t>
+              <a:t>4/25/18</a:t>
             </a:fld>
             <a:endParaRPr lang="en-US"/>
           </a:p>
@@ -1613,7 +1613,7 @@
           <a:p>
             <a:fld id="{63937D59-5EDB-4C39-B697-625748F703B6}" type="datetimeFigureOut">
               <a:rPr lang="en-US" smtClean="0"/>
-              <a:t>4/24/2018</a:t>
+              <a:t>4/25/18</a:t>
             </a:fld>
             <a:endParaRPr lang="en-US"/>
           </a:p>
@@ -2191,7 +2191,7 @@
           <a:p>
             <a:fld id="{63937D59-5EDB-4C39-B697-625748F703B6}" type="datetimeFigureOut">
               <a:rPr lang="en-US" smtClean="0"/>
-              <a:t>4/24/2018</a:t>
+              <a:t>4/25/18</a:t>
             </a:fld>
             <a:endParaRPr lang="en-US"/>
           </a:p>
@@ -2359,7 +2359,7 @@
           <a:p>
             <a:fld id="{63937D59-5EDB-4C39-B697-625748F703B6}" type="datetimeFigureOut">
               <a:rPr lang="en-US" smtClean="0"/>
-              <a:t>4/24/2018</a:t>
+              <a:t>4/25/18</a:t>
             </a:fld>
             <a:endParaRPr lang="en-US"/>
           </a:p>
@@ -2604,7 +2604,7 @@
           <a:p>
             <a:fld id="{63937D59-5EDB-4C39-B697-625748F703B6}" type="datetimeFigureOut">
               <a:rPr lang="en-US" smtClean="0"/>
-              <a:t>4/24/2018</a:t>
+              <a:t>4/25/18</a:t>
             </a:fld>
             <a:endParaRPr lang="en-US"/>
           </a:p>
@@ -2889,7 +2889,7 @@
           <a:p>
             <a:fld id="{63937D59-5EDB-4C39-B697-625748F703B6}" type="datetimeFigureOut">
               <a:rPr lang="en-US" smtClean="0"/>
-              <a:t>4/24/2018</a:t>
+              <a:t>4/25/18</a:t>
             </a:fld>
             <a:endParaRPr lang="en-US"/>
           </a:p>
@@ -3308,7 +3308,7 @@
           <a:p>
             <a:fld id="{63937D59-5EDB-4C39-B697-625748F703B6}" type="datetimeFigureOut">
               <a:rPr lang="en-US" smtClean="0"/>
-              <a:t>4/24/2018</a:t>
+              <a:t>4/25/18</a:t>
             </a:fld>
             <a:endParaRPr lang="en-US"/>
           </a:p>
@@ -3425,7 +3425,7 @@
           <a:p>
             <a:fld id="{63937D59-5EDB-4C39-B697-625748F703B6}" type="datetimeFigureOut">
               <a:rPr lang="en-US" smtClean="0"/>
-              <a:t>4/24/2018</a:t>
+              <a:t>4/25/18</a:t>
             </a:fld>
             <a:endParaRPr lang="en-US"/>
           </a:p>
@@ -3927,7 +3927,7 @@
           <a:p>
             <a:fld id="{63937D59-5EDB-4C39-B697-625748F703B6}" type="datetimeFigureOut">
               <a:rPr lang="en-US" smtClean="0"/>
-              <a:t>4/24/2018</a:t>
+              <a:t>4/25/18</a:t>
             </a:fld>
             <a:endParaRPr lang="en-US"/>
           </a:p>
@@ -4458,26 +4458,15 @@
                 <a:latin typeface="Arial" pitchFamily="34" charset="0"/>
                 <a:cs typeface="Arial" pitchFamily="34" charset="0"/>
               </a:rPr>
-              <a:t>陳欣</a:t>
-            </a:r>
-            <a:r>
-              <a:rPr kumimoji="0" lang="zh-Hant" altLang="en-US" sz="1400" b="1" dirty="0" smtClean="0">
-                <a:latin typeface="Arial" pitchFamily="34" charset="0"/>
-                <a:cs typeface="Arial" pitchFamily="34" charset="0"/>
-              </a:rPr>
-              <a:t>惠 </a:t>
-            </a:r>
-            <a:r>
-              <a:rPr kumimoji="0" lang="en-US" altLang="zh-Hant" sz="1400" b="1" dirty="0" smtClean="0">
+              <a:t>陳欣惠 </a:t>
+            </a:r>
+            <a:r>
+              <a:rPr kumimoji="0" lang="en-US" altLang="zh-Hant" sz="1400" b="1" dirty="0">
                 <a:latin typeface="Arial" pitchFamily="34" charset="0"/>
                 <a:cs typeface="Arial" pitchFamily="34" charset="0"/>
               </a:rPr>
               <a:t>D0527783</a:t>
             </a:r>
-            <a:endParaRPr kumimoji="0" lang="en-US" altLang="zh-Hant" sz="1400" b="1" dirty="0">
-              <a:latin typeface="Arial" pitchFamily="34" charset="0"/>
-              <a:cs typeface="Arial" pitchFamily="34" charset="0"/>
-            </a:endParaRPr>
           </a:p>
           <a:p>
             <a:pPr algn="ctr" fontAlgn="auto">
@@ -4494,7 +4483,14 @@
                 <a:latin typeface="Arial" pitchFamily="34" charset="0"/>
                 <a:cs typeface="Arial" pitchFamily="34" charset="0"/>
               </a:rPr>
-              <a:t>羅少欽</a:t>
+              <a:t>羅少欽 </a:t>
+            </a:r>
+            <a:r>
+              <a:rPr kumimoji="0" lang="en-US" altLang="zh-Hant" sz="1400" b="1">
+                <a:latin typeface="Arial" pitchFamily="34" charset="0"/>
+                <a:cs typeface="Arial" pitchFamily="34" charset="0"/>
+              </a:rPr>
+              <a:t>D0528430</a:t>
             </a:r>
             <a:endParaRPr kumimoji="0" lang="en-US" altLang="ko-KR" sz="1400" b="1" dirty="0">
               <a:latin typeface="Arial" pitchFamily="34" charset="0"/>
@@ -4513,7 +4509,7 @@
         </p:nvSpPr>
         <p:spPr bwMode="auto">
           <a:xfrm>
-            <a:off x="-12624" y="1347614"/>
+            <a:off x="-12912" y="915566"/>
             <a:ext cx="9144000" cy="769441"/>
           </a:xfrm>
           <a:prstGeom prst="rect">
@@ -4613,7 +4609,7 @@
           <p:cNvPr id="15" name="Title 1">
             <a:extLst>
               <a:ext uri="{FF2B5EF4-FFF2-40B4-BE49-F238E27FC236}">
-                <a16:creationId xmlns:a16="http://schemas.microsoft.com/office/drawing/2014/main" xmlns="" id="{F4C4A796-8AEB-7641-8B55-458C4FE2D291}"/>
+                <a16:creationId xmlns:a16="http://schemas.microsoft.com/office/drawing/2014/main" id="{F4C4A796-8AEB-7641-8B55-458C4FE2D291}"/>
               </a:ext>
             </a:extLst>
           </p:cNvPr>
@@ -4671,7 +4667,7 @@
           <p:cNvPr id="31" name="Picture 30">
             <a:extLst>
               <a:ext uri="{FF2B5EF4-FFF2-40B4-BE49-F238E27FC236}">
-                <a16:creationId xmlns:a16="http://schemas.microsoft.com/office/drawing/2014/main" xmlns="" id="{4FFEC185-6FEF-3F42-8084-C69259FD5ADA}"/>
+                <a16:creationId xmlns:a16="http://schemas.microsoft.com/office/drawing/2014/main" id="{4FFEC185-6FEF-3F42-8084-C69259FD5ADA}"/>
               </a:ext>
             </a:extLst>
           </p:cNvPr>
@@ -4707,7 +4703,7 @@
           <p:cNvPr id="33" name="Picture 32">
             <a:extLst>
               <a:ext uri="{FF2B5EF4-FFF2-40B4-BE49-F238E27FC236}">
-                <a16:creationId xmlns:a16="http://schemas.microsoft.com/office/drawing/2014/main" xmlns="" id="{74DE0983-9153-194E-8E13-5F518B0C2D8A}"/>
+                <a16:creationId xmlns:a16="http://schemas.microsoft.com/office/drawing/2014/main" id="{74DE0983-9153-194E-8E13-5F518B0C2D8A}"/>
               </a:ext>
             </a:extLst>
           </p:cNvPr>
@@ -4743,7 +4739,7 @@
           <p:cNvPr id="34" name="Arrow: Down 128">
             <a:extLst>
               <a:ext uri="{FF2B5EF4-FFF2-40B4-BE49-F238E27FC236}">
-                <a16:creationId xmlns:a16="http://schemas.microsoft.com/office/drawing/2014/main" xmlns="" id="{007661F0-5D1F-F14E-AEA8-08A4A330E6D1}"/>
+                <a16:creationId xmlns:a16="http://schemas.microsoft.com/office/drawing/2014/main" id="{007661F0-5D1F-F14E-AEA8-08A4A330E6D1}"/>
               </a:ext>
             </a:extLst>
           </p:cNvPr>
@@ -4793,7 +4789,7 @@
           <p:cNvPr id="35" name="Rectangle 34">
             <a:extLst>
               <a:ext uri="{FF2B5EF4-FFF2-40B4-BE49-F238E27FC236}">
-                <a16:creationId xmlns:a16="http://schemas.microsoft.com/office/drawing/2014/main" xmlns="" id="{45A947F6-B5AC-4F42-A660-15042FC37403}"/>
+                <a16:creationId xmlns:a16="http://schemas.microsoft.com/office/drawing/2014/main" id="{45A947F6-B5AC-4F42-A660-15042FC37403}"/>
               </a:ext>
             </a:extLst>
           </p:cNvPr>
@@ -4893,7 +4889,7 @@
           <p:cNvPr id="9" name="Content Placeholder 6">
             <a:extLst>
               <a:ext uri="{FF2B5EF4-FFF2-40B4-BE49-F238E27FC236}">
-                <a16:creationId xmlns:a16="http://schemas.microsoft.com/office/drawing/2014/main" xmlns="" id="{65B99FB5-8778-7F44-9454-FB20081C092A}"/>
+                <a16:creationId xmlns:a16="http://schemas.microsoft.com/office/drawing/2014/main" id="{65B99FB5-8778-7F44-9454-FB20081C092A}"/>
               </a:ext>
             </a:extLst>
           </p:cNvPr>
@@ -4928,7 +4924,7 @@
           <p:cNvPr id="10" name="Picture 9">
             <a:extLst>
               <a:ext uri="{FF2B5EF4-FFF2-40B4-BE49-F238E27FC236}">
-                <a16:creationId xmlns:a16="http://schemas.microsoft.com/office/drawing/2014/main" xmlns="" id="{F1251362-201C-3E43-822F-4765AF33BA16}"/>
+                <a16:creationId xmlns:a16="http://schemas.microsoft.com/office/drawing/2014/main" id="{F1251362-201C-3E43-822F-4765AF33BA16}"/>
               </a:ext>
             </a:extLst>
           </p:cNvPr>
@@ -4965,7 +4961,7 @@
           <p:cNvPr id="11" name="Bent-Up Arrow 10">
             <a:extLst>
               <a:ext uri="{FF2B5EF4-FFF2-40B4-BE49-F238E27FC236}">
-                <a16:creationId xmlns:a16="http://schemas.microsoft.com/office/drawing/2014/main" xmlns="" id="{25C3EAC7-84DE-5D42-B13D-495D0184D8CA}"/>
+                <a16:creationId xmlns:a16="http://schemas.microsoft.com/office/drawing/2014/main" id="{25C3EAC7-84DE-5D42-B13D-495D0184D8CA}"/>
               </a:ext>
             </a:extLst>
           </p:cNvPr>
@@ -5011,7 +5007,7 @@
           <p:cNvPr id="12" name="Rectangle 11">
             <a:extLst>
               <a:ext uri="{FF2B5EF4-FFF2-40B4-BE49-F238E27FC236}">
-                <a16:creationId xmlns:a16="http://schemas.microsoft.com/office/drawing/2014/main" xmlns="" id="{241CE9AE-2559-F941-8795-C1BC68F0E16C}"/>
+                <a16:creationId xmlns:a16="http://schemas.microsoft.com/office/drawing/2014/main" id="{241CE9AE-2559-F941-8795-C1BC68F0E16C}"/>
               </a:ext>
             </a:extLst>
           </p:cNvPr>
@@ -5060,7 +5056,7 @@
           <p:cNvPr id="14" name="Rectangle 13">
             <a:extLst>
               <a:ext uri="{FF2B5EF4-FFF2-40B4-BE49-F238E27FC236}">
-                <a16:creationId xmlns:a16="http://schemas.microsoft.com/office/drawing/2014/main" xmlns="" id="{214AA10B-4D75-F14A-A46F-83D47C738BFA}"/>
+                <a16:creationId xmlns:a16="http://schemas.microsoft.com/office/drawing/2014/main" id="{214AA10B-4D75-F14A-A46F-83D47C738BFA}"/>
               </a:ext>
             </a:extLst>
           </p:cNvPr>
@@ -5164,7 +5160,7 @@
           <p:cNvPr id="15" name="Title 1">
             <a:extLst>
               <a:ext uri="{FF2B5EF4-FFF2-40B4-BE49-F238E27FC236}">
-                <a16:creationId xmlns:a16="http://schemas.microsoft.com/office/drawing/2014/main" xmlns="" id="{F4C4A796-8AEB-7641-8B55-458C4FE2D291}"/>
+                <a16:creationId xmlns:a16="http://schemas.microsoft.com/office/drawing/2014/main" id="{F4C4A796-8AEB-7641-8B55-458C4FE2D291}"/>
               </a:ext>
             </a:extLst>
           </p:cNvPr>
@@ -5214,7 +5210,7 @@
           <p:cNvPr id="34" name="Arrow: Down 128">
             <a:extLst>
               <a:ext uri="{FF2B5EF4-FFF2-40B4-BE49-F238E27FC236}">
-                <a16:creationId xmlns:a16="http://schemas.microsoft.com/office/drawing/2014/main" xmlns="" id="{007661F0-5D1F-F14E-AEA8-08A4A330E6D1}"/>
+                <a16:creationId xmlns:a16="http://schemas.microsoft.com/office/drawing/2014/main" id="{007661F0-5D1F-F14E-AEA8-08A4A330E6D1}"/>
               </a:ext>
             </a:extLst>
           </p:cNvPr>
@@ -5264,7 +5260,7 @@
           <p:cNvPr id="35" name="Rectangle 34">
             <a:extLst>
               <a:ext uri="{FF2B5EF4-FFF2-40B4-BE49-F238E27FC236}">
-                <a16:creationId xmlns:a16="http://schemas.microsoft.com/office/drawing/2014/main" xmlns="" id="{45A947F6-B5AC-4F42-A660-15042FC37403}"/>
+                <a16:creationId xmlns:a16="http://schemas.microsoft.com/office/drawing/2014/main" id="{45A947F6-B5AC-4F42-A660-15042FC37403}"/>
               </a:ext>
             </a:extLst>
           </p:cNvPr>
@@ -5306,7 +5302,7 @@
           <p:cNvPr id="6" name="Picture 5">
             <a:extLst>
               <a:ext uri="{FF2B5EF4-FFF2-40B4-BE49-F238E27FC236}">
-                <a16:creationId xmlns:a16="http://schemas.microsoft.com/office/drawing/2014/main" xmlns="" id="{9952234D-A5A3-9646-8FD0-040AE91DB55F}"/>
+                <a16:creationId xmlns:a16="http://schemas.microsoft.com/office/drawing/2014/main" id="{9952234D-A5A3-9646-8FD0-040AE91DB55F}"/>
               </a:ext>
             </a:extLst>
           </p:cNvPr>
@@ -5342,7 +5338,7 @@
           <p:cNvPr id="8" name="Picture 7">
             <a:extLst>
               <a:ext uri="{FF2B5EF4-FFF2-40B4-BE49-F238E27FC236}">
-                <a16:creationId xmlns:a16="http://schemas.microsoft.com/office/drawing/2014/main" xmlns="" id="{041BCA3A-636B-B848-9EA7-7FCBEAA61954}"/>
+                <a16:creationId xmlns:a16="http://schemas.microsoft.com/office/drawing/2014/main" id="{041BCA3A-636B-B848-9EA7-7FCBEAA61954}"/>
               </a:ext>
             </a:extLst>
           </p:cNvPr>
@@ -5436,7 +5432,7 @@
           <p:cNvPr id="2" name="Rectangle 1">
             <a:extLst>
               <a:ext uri="{FF2B5EF4-FFF2-40B4-BE49-F238E27FC236}">
-                <a16:creationId xmlns:a16="http://schemas.microsoft.com/office/drawing/2014/main" xmlns="" id="{EB48C46F-EDFC-EB4B-B22B-751E02B2BD81}"/>
+                <a16:creationId xmlns:a16="http://schemas.microsoft.com/office/drawing/2014/main" id="{EB48C46F-EDFC-EB4B-B22B-751E02B2BD81}"/>
               </a:ext>
             </a:extLst>
           </p:cNvPr>
@@ -5485,7 +5481,7 @@
           <p:cNvPr id="3" name="Picture 2">
             <a:extLst>
               <a:ext uri="{FF2B5EF4-FFF2-40B4-BE49-F238E27FC236}">
-                <a16:creationId xmlns:a16="http://schemas.microsoft.com/office/drawing/2014/main" xmlns="" id="{8228CACA-4A23-9C4B-8BD6-E34BCE5CF66B}"/>
+                <a16:creationId xmlns:a16="http://schemas.microsoft.com/office/drawing/2014/main" id="{8228CACA-4A23-9C4B-8BD6-E34BCE5CF66B}"/>
               </a:ext>
             </a:extLst>
           </p:cNvPr>
@@ -5585,7 +5581,7 @@
           <p:cNvPr id="11" name="Picture 10">
             <a:extLst>
               <a:ext uri="{FF2B5EF4-FFF2-40B4-BE49-F238E27FC236}">
-                <a16:creationId xmlns:a16="http://schemas.microsoft.com/office/drawing/2014/main" xmlns="" id="{7AD26D1F-531B-CD4D-B741-1E4D51D50455}"/>
+                <a16:creationId xmlns:a16="http://schemas.microsoft.com/office/drawing/2014/main" id="{7AD26D1F-531B-CD4D-B741-1E4D51D50455}"/>
               </a:ext>
             </a:extLst>
           </p:cNvPr>
@@ -5619,7 +5615,7 @@
           <p:cNvPr id="12" name="Rectangle 11">
             <a:extLst>
               <a:ext uri="{FF2B5EF4-FFF2-40B4-BE49-F238E27FC236}">
-                <a16:creationId xmlns:a16="http://schemas.microsoft.com/office/drawing/2014/main" xmlns="" id="{C97B75BD-EF10-C44A-A586-429A6292B44D}"/>
+                <a16:creationId xmlns:a16="http://schemas.microsoft.com/office/drawing/2014/main" id="{C97B75BD-EF10-C44A-A586-429A6292B44D}"/>
               </a:ext>
             </a:extLst>
           </p:cNvPr>
@@ -5782,7 +5778,7 @@
           <p:cNvPr id="8" name="Content Placeholder 7">
             <a:extLst>
               <a:ext uri="{FF2B5EF4-FFF2-40B4-BE49-F238E27FC236}">
-                <a16:creationId xmlns:a16="http://schemas.microsoft.com/office/drawing/2014/main" xmlns="" id="{D0F58796-F20D-2740-A72A-4E167EE31200}"/>
+                <a16:creationId xmlns:a16="http://schemas.microsoft.com/office/drawing/2014/main" id="{D0F58796-F20D-2740-A72A-4E167EE31200}"/>
               </a:ext>
             </a:extLst>
           </p:cNvPr>
@@ -5793,14 +5789,14 @@
             <p:ph idx="10"/>
             <p:extLst>
               <p:ext uri="{D42A27DB-BD31-4B8C-83A1-F6EECF244321}">
-                <p14:modId xmlns:p14="http://schemas.microsoft.com/office/powerpoint/2010/main" val="720158368"/>
+                <p14:modId xmlns:p14="http://schemas.microsoft.com/office/powerpoint/2010/main" val="3787161922"/>
               </p:ext>
             </p:extLst>
           </p:nvPr>
         </p:nvGraphicFramePr>
         <p:xfrm>
           <a:off x="1255135" y="843558"/>
-          <a:ext cx="6633730" cy="4072609"/>
+          <a:ext cx="6633730" cy="3441883"/>
         </p:xfrm>
         <a:graphic>
           <a:graphicData uri="http://schemas.openxmlformats.org/drawingml/2006/table">
@@ -5812,14 +5808,14 @@
                 <a:gridCol w="3316865">
                   <a:extLst>
                     <a:ext uri="{9D8B030D-6E8A-4147-A177-3AD203B41FA5}">
-                      <a16:colId xmlns:a16="http://schemas.microsoft.com/office/drawing/2014/main" xmlns="" val="4170412860"/>
+                      <a16:colId xmlns:a16="http://schemas.microsoft.com/office/drawing/2014/main" val="4170412860"/>
                     </a:ext>
                   </a:extLst>
                 </a:gridCol>
                 <a:gridCol w="3316865">
                   <a:extLst>
                     <a:ext uri="{9D8B030D-6E8A-4147-A177-3AD203B41FA5}">
-                      <a16:colId xmlns:a16="http://schemas.microsoft.com/office/drawing/2014/main" xmlns="" val="4227658176"/>
+                      <a16:colId xmlns:a16="http://schemas.microsoft.com/office/drawing/2014/main" val="4227658176"/>
                     </a:ext>
                   </a:extLst>
                 </a:gridCol>
@@ -5899,11 +5895,11 @@
                 </a:tc>
                 <a:extLst>
                   <a:ext uri="{0D108BD9-81ED-4DB2-BD59-A6C34878D82A}">
-                    <a16:rowId xmlns:a16="http://schemas.microsoft.com/office/drawing/2014/main" xmlns="" val="608201287"/>
+                    <a16:rowId xmlns:a16="http://schemas.microsoft.com/office/drawing/2014/main" val="608201287"/>
                   </a:ext>
                 </a:extLst>
               </a:tr>
-              <a:tr h="2526172">
+              <a:tr h="1907102">
                 <a:tc>
                   <a:txBody>
                     <a:bodyPr/>
@@ -5923,7 +5919,61 @@
                         <a:rPr lang="zh-TW" sz="1100" dirty="0">
                           <a:effectLst/>
                         </a:rPr>
-                        <a:t>使用者（買、賣家）登入，由系統進行驗證身份之後，若符合（使用者設定中的）賣家身份，可切換至賣家身份。</a:t>
+                        <a:t>使用者</a:t>
+                      </a:r>
+                      <a:r>
+                        <a:rPr lang="zh-Hant" altLang="en-US" sz="1100" dirty="0">
+                          <a:effectLst/>
+                        </a:rPr>
+                        <a:t>在已</a:t>
+                      </a:r>
+                      <a:r>
+                        <a:rPr lang="zh-TW" sz="1100" dirty="0">
+                          <a:effectLst/>
+                        </a:rPr>
+                        <a:t>登入</a:t>
+                      </a:r>
+                      <a:r>
+                        <a:rPr lang="zh-Hant" altLang="en-US" sz="1100" dirty="0">
+                          <a:effectLst/>
+                        </a:rPr>
+                        <a:t>狀態下</a:t>
+                      </a:r>
+                      <a:r>
+                        <a:rPr lang="zh-TW" sz="1100" dirty="0">
+                          <a:effectLst/>
+                        </a:rPr>
+                        <a:t>，</a:t>
+                      </a:r>
+                      <a:r>
+                        <a:rPr lang="zh-Hant" altLang="en-US" sz="1100" dirty="0">
+                          <a:effectLst/>
+                        </a:rPr>
+                        <a:t>慾</a:t>
+                      </a:r>
+                      <a:r>
+                        <a:rPr lang="zh-TW" sz="1100" dirty="0">
+                          <a:effectLst/>
+                        </a:rPr>
+                        <a:t>切換至賣家身份</a:t>
+                      </a:r>
+                      <a:r>
+                        <a:rPr lang="zh-TW" altLang="en-US" sz="1100" dirty="0">
+                          <a:effectLst/>
+                        </a:rPr>
+                        <a:t>，</a:t>
+                      </a:r>
+                      <a:r>
+                        <a:rPr lang="zh-Hant" altLang="en-US" sz="1100" dirty="0">
+                          <a:effectLst/>
+                        </a:rPr>
+                        <a:t>經系統驗證，更新使用模式</a:t>
+                      </a:r>
+                      <a:r>
+                        <a:rPr lang="zh-TW" sz="1100" dirty="0">
+                          <a:effectLst/>
+                        </a:rPr>
+                        <a:t>。</a:t>
                       </a:r>
                       <a:endParaRPr lang="en-US" sz="1100" dirty="0">
                         <a:effectLst/>
@@ -5949,36 +5999,54 @@
                         </a:spcAft>
                       </a:pPr>
                       <a:r>
-                        <a:rPr lang="zh-TW" sz="1100" dirty="0">
+                        <a:rPr lang="zh-TW" sz="1100" b="1" dirty="0">
+                          <a:solidFill>
+                            <a:schemeClr val="tx1"/>
+                          </a:solidFill>
                           <a:effectLst/>
                         </a:rPr>
                         <a:t>使用者</a:t>
                       </a:r>
                       <a:r>
-                        <a:rPr lang="en-MY" sz="1100" dirty="0">
+                        <a:rPr lang="en-MY" sz="1100" b="1" dirty="0">
+                          <a:solidFill>
+                            <a:schemeClr val="tx1"/>
+                          </a:solidFill>
                           <a:effectLst/>
                         </a:rPr>
                         <a:t>+</a:t>
                       </a:r>
                       <a:r>
-                        <a:rPr lang="zh-TW" sz="1100" dirty="0">
+                        <a:rPr lang="zh-TW" sz="1100" b="1" dirty="0">
+                          <a:solidFill>
+                            <a:schemeClr val="tx1"/>
+                          </a:solidFill>
                           <a:effectLst/>
                         </a:rPr>
-                        <a:t>登入</a:t>
+                        <a:t>傳送</a:t>
                       </a:r>
                       <a:r>
-                        <a:rPr lang="en-MY" sz="1100" dirty="0">
+                        <a:rPr lang="en-MY" sz="1100" b="1" dirty="0">
+                          <a:solidFill>
+                            <a:schemeClr val="tx1"/>
+                          </a:solidFill>
                           <a:effectLst/>
                         </a:rPr>
                         <a:t>+</a:t>
                       </a:r>
                       <a:r>
-                        <a:rPr lang="zh-TW" sz="1100" dirty="0">
+                        <a:rPr lang="zh-TW" sz="1100" b="1" dirty="0">
+                          <a:solidFill>
+                            <a:schemeClr val="tx1"/>
+                          </a:solidFill>
                           <a:effectLst/>
                         </a:rPr>
-                        <a:t>應用程式</a:t>
+                        <a:t>切換身份請求</a:t>
                       </a:r>
-                      <a:endParaRPr lang="en-US" sz="1100" dirty="0">
+                      <a:endParaRPr lang="en-US" sz="1100" b="1" dirty="0">
+                        <a:solidFill>
+                          <a:schemeClr val="tx1"/>
+                        </a:solidFill>
                         <a:effectLst/>
                       </a:endParaRPr>
                     </a:p>
@@ -5992,380 +6060,54 @@
                         </a:spcAft>
                       </a:pPr>
                       <a:r>
-                        <a:rPr lang="zh-TW" sz="1100" dirty="0">
+                        <a:rPr lang="zh-TW" sz="1100" b="0" dirty="0">
+                          <a:solidFill>
+                            <a:schemeClr val="tx1"/>
+                          </a:solidFill>
                           <a:effectLst/>
                         </a:rPr>
                         <a:t>應用程式</a:t>
                       </a:r>
                       <a:r>
-                        <a:rPr lang="en-MY" sz="1100" dirty="0">
+                        <a:rPr lang="en-MY" sz="1100" b="0" dirty="0">
+                          <a:solidFill>
+                            <a:schemeClr val="tx1"/>
+                          </a:solidFill>
                           <a:effectLst/>
                         </a:rPr>
                         <a:t>+</a:t>
                       </a:r>
                       <a:r>
-                        <a:rPr lang="zh-TW" sz="1100" dirty="0">
+                        <a:rPr lang="zh-TW" sz="1100" b="0" dirty="0">
+                          <a:solidFill>
+                            <a:schemeClr val="tx1"/>
+                          </a:solidFill>
                           <a:effectLst/>
                         </a:rPr>
                         <a:t>傳送</a:t>
                       </a:r>
                       <a:r>
-                        <a:rPr lang="en-MY" sz="1100" dirty="0">
+                        <a:rPr lang="en-MY" sz="1100" b="0" dirty="0">
+                          <a:solidFill>
+                            <a:schemeClr val="tx1"/>
+                          </a:solidFill>
                           <a:effectLst/>
                         </a:rPr>
                         <a:t>+</a:t>
                       </a:r>
                       <a:r>
-                        <a:rPr lang="zh-TW" sz="1100" dirty="0">
-                          <a:effectLst/>
-                        </a:rPr>
-                        <a:t>登入請求</a:t>
-                      </a:r>
-                      <a:endParaRPr lang="en-US" sz="1100" dirty="0">
-                        <a:effectLst/>
-                      </a:endParaRPr>
-                    </a:p>
-                    <a:p>
-                      <a:pPr algn="l">
-                        <a:lnSpc>
-                          <a:spcPct val="115000"/>
-                        </a:lnSpc>
-                        <a:spcAft>
-                          <a:spcPts val="0"/>
-                        </a:spcAft>
-                      </a:pPr>
-                      <a:r>
-                        <a:rPr lang="zh-TW" sz="1100" dirty="0">
-                          <a:effectLst/>
-                        </a:rPr>
-                        <a:t>伺服器</a:t>
-                      </a:r>
-                      <a:r>
-                        <a:rPr lang="en-MY" sz="1100" dirty="0">
-                          <a:effectLst/>
-                        </a:rPr>
-                        <a:t>+</a:t>
-                      </a:r>
-                      <a:r>
-                        <a:rPr lang="zh-TW" sz="1100" dirty="0">
-                          <a:effectLst/>
-                        </a:rPr>
-                        <a:t>接收</a:t>
-                      </a:r>
-                      <a:r>
-                        <a:rPr lang="en-MY" sz="1100" dirty="0">
-                          <a:effectLst/>
-                        </a:rPr>
-                        <a:t>+</a:t>
-                      </a:r>
-                      <a:r>
-                        <a:rPr lang="zh-TW" sz="1100" dirty="0">
-                          <a:effectLst/>
-                        </a:rPr>
-                        <a:t>登入請求</a:t>
-                      </a:r>
-                      <a:endParaRPr lang="en-US" sz="1100" dirty="0">
-                        <a:effectLst/>
-                      </a:endParaRPr>
-                    </a:p>
-                    <a:p>
-                      <a:pPr algn="l">
-                        <a:lnSpc>
-                          <a:spcPct val="115000"/>
-                        </a:lnSpc>
-                        <a:spcAft>
-                          <a:spcPts val="0"/>
-                        </a:spcAft>
-                      </a:pPr>
-                      <a:r>
-                        <a:rPr lang="zh-TW" sz="1100" dirty="0">
-                          <a:effectLst/>
-                        </a:rPr>
-                        <a:t>伺服器</a:t>
-                      </a:r>
-                      <a:r>
-                        <a:rPr lang="en-MY" sz="1100" dirty="0">
-                          <a:effectLst/>
-                        </a:rPr>
-                        <a:t>+</a:t>
-                      </a:r>
-                      <a:r>
-                        <a:rPr lang="zh-TW" sz="1100" dirty="0">
-                          <a:effectLst/>
-                        </a:rPr>
-                        <a:t>驗證</a:t>
-                      </a:r>
-                      <a:r>
-                        <a:rPr lang="en-MY" sz="1100" dirty="0">
-                          <a:effectLst/>
-                        </a:rPr>
-                        <a:t>+</a:t>
-                      </a:r>
-                      <a:r>
-                        <a:rPr lang="zh-TW" sz="1100" dirty="0">
-                          <a:effectLst/>
-                        </a:rPr>
-                        <a:t>使用者名稱、密碼</a:t>
-                      </a:r>
-                      <a:endParaRPr lang="en-US" sz="1100" dirty="0">
-                        <a:effectLst/>
-                      </a:endParaRPr>
-                    </a:p>
-                    <a:p>
-                      <a:pPr algn="l">
-                        <a:lnSpc>
-                          <a:spcPct val="115000"/>
-                        </a:lnSpc>
-                        <a:spcAft>
-                          <a:spcPts val="0"/>
-                        </a:spcAft>
-                      </a:pPr>
-                      <a:r>
-                        <a:rPr lang="zh-TW" sz="1100" dirty="0">
-                          <a:effectLst/>
-                        </a:rPr>
-                        <a:t>伺服器</a:t>
-                      </a:r>
-                      <a:r>
-                        <a:rPr lang="en-MY" sz="1100" dirty="0">
-                          <a:effectLst/>
-                        </a:rPr>
-                        <a:t>+</a:t>
-                      </a:r>
-                      <a:r>
-                        <a:rPr lang="zh-TW" sz="1100" dirty="0">
-                          <a:effectLst/>
-                        </a:rPr>
-                        <a:t>登錄</a:t>
-                      </a:r>
-                      <a:r>
-                        <a:rPr lang="en-MY" sz="1100" dirty="0">
-                          <a:effectLst/>
-                        </a:rPr>
-                        <a:t>+</a:t>
-                      </a:r>
-                      <a:r>
-                        <a:rPr lang="zh-TW" sz="1100" dirty="0">
-                          <a:effectLst/>
-                        </a:rPr>
-                        <a:t>登入狀態</a:t>
-                      </a:r>
-                      <a:endParaRPr lang="en-US" sz="1100" dirty="0">
-                        <a:effectLst/>
-                      </a:endParaRPr>
-                    </a:p>
-                    <a:p>
-                      <a:pPr algn="l">
-                        <a:lnSpc>
-                          <a:spcPct val="115000"/>
-                        </a:lnSpc>
-                        <a:spcAft>
-                          <a:spcPts val="0"/>
-                        </a:spcAft>
-                      </a:pPr>
-                      <a:r>
-                        <a:rPr lang="zh-TW" sz="1100" dirty="0">
-                          <a:effectLst/>
-                        </a:rPr>
-                        <a:t>伺服器</a:t>
-                      </a:r>
-                      <a:r>
-                        <a:rPr lang="en-MY" sz="1100" dirty="0">
-                          <a:effectLst/>
-                        </a:rPr>
-                        <a:t>+</a:t>
-                      </a:r>
-                      <a:r>
-                        <a:rPr lang="zh-TW" sz="1100" dirty="0">
-                          <a:effectLst/>
-                        </a:rPr>
-                        <a:t>回傳</a:t>
-                      </a:r>
-                      <a:r>
-                        <a:rPr lang="en-MY" sz="1100" dirty="0">
-                          <a:effectLst/>
-                        </a:rPr>
-                        <a:t>+</a:t>
-                      </a:r>
-                      <a:r>
-                        <a:rPr lang="zh-TW" sz="1100" dirty="0">
-                          <a:effectLst/>
-                        </a:rPr>
-                        <a:t>登入結果</a:t>
-                      </a:r>
-                      <a:endParaRPr lang="en-US" sz="1100" dirty="0">
-                        <a:effectLst/>
-                      </a:endParaRPr>
-                    </a:p>
-                    <a:p>
-                      <a:pPr algn="l">
-                        <a:lnSpc>
-                          <a:spcPct val="115000"/>
-                        </a:lnSpc>
-                        <a:spcAft>
-                          <a:spcPts val="0"/>
-                        </a:spcAft>
-                      </a:pPr>
-                      <a:r>
-                        <a:rPr lang="zh-TW" sz="1100" dirty="0">
-                          <a:effectLst/>
-                        </a:rPr>
-                        <a:t>應用程式</a:t>
-                      </a:r>
-                      <a:r>
-                        <a:rPr lang="en-MY" sz="1100" dirty="0">
-                          <a:effectLst/>
-                        </a:rPr>
-                        <a:t>+</a:t>
-                      </a:r>
-                      <a:r>
-                        <a:rPr lang="zh-TW" sz="1100" dirty="0">
-                          <a:effectLst/>
-                        </a:rPr>
-                        <a:t>接收</a:t>
-                      </a:r>
-                      <a:r>
-                        <a:rPr lang="en-MY" sz="1100" dirty="0">
-                          <a:effectLst/>
-                        </a:rPr>
-                        <a:t>+</a:t>
-                      </a:r>
-                      <a:r>
-                        <a:rPr lang="zh-TW" sz="1100" dirty="0">
-                          <a:effectLst/>
-                        </a:rPr>
-                        <a:t>登入結果</a:t>
-                      </a:r>
-                      <a:endParaRPr lang="en-US" sz="1100" dirty="0">
-                        <a:effectLst/>
-                      </a:endParaRPr>
-                    </a:p>
-                    <a:p>
-                      <a:pPr algn="l">
-                        <a:lnSpc>
-                          <a:spcPct val="115000"/>
-                        </a:lnSpc>
-                        <a:spcAft>
-                          <a:spcPts val="0"/>
-                        </a:spcAft>
-                      </a:pPr>
-                      <a:r>
-                        <a:rPr lang="zh-TW" sz="1100" dirty="0">
-                          <a:effectLst/>
-                        </a:rPr>
-                        <a:t>應用程式</a:t>
-                      </a:r>
-                      <a:r>
-                        <a:rPr lang="en-MY" sz="1100" dirty="0">
-                          <a:effectLst/>
-                        </a:rPr>
-                        <a:t>+</a:t>
-                      </a:r>
-                      <a:r>
-                        <a:rPr lang="zh-TW" sz="1100" dirty="0">
-                          <a:effectLst/>
-                        </a:rPr>
-                        <a:t>顯示</a:t>
-                      </a:r>
-                      <a:r>
-                        <a:rPr lang="en-MY" sz="1100" dirty="0">
-                          <a:effectLst/>
-                        </a:rPr>
-                        <a:t>+</a:t>
-                      </a:r>
-                      <a:r>
-                        <a:rPr lang="zh-TW" sz="1100" dirty="0">
-                          <a:effectLst/>
-                        </a:rPr>
-                        <a:t>登入結果</a:t>
-                      </a:r>
-                      <a:endParaRPr lang="en-US" sz="1100" dirty="0">
-                        <a:effectLst/>
-                      </a:endParaRPr>
-                    </a:p>
-                    <a:p>
-                      <a:pPr algn="l">
-                        <a:lnSpc>
-                          <a:spcPct val="115000"/>
-                        </a:lnSpc>
-                        <a:spcAft>
-                          <a:spcPts val="0"/>
-                        </a:spcAft>
-                      </a:pPr>
-                      <a:r>
-                        <a:rPr lang="zh-TW" sz="1100" dirty="0">
-                          <a:effectLst/>
-                        </a:rPr>
-                        <a:t>使用者</a:t>
-                      </a:r>
-                      <a:r>
-                        <a:rPr lang="en-MY" sz="1100" dirty="0">
-                          <a:effectLst/>
-                        </a:rPr>
-                        <a:t>+</a:t>
-                      </a:r>
-                      <a:r>
-                        <a:rPr lang="zh-TW" sz="1100" dirty="0">
-                          <a:effectLst/>
-                        </a:rPr>
-                        <a:t>傳送</a:t>
-                      </a:r>
-                      <a:r>
-                        <a:rPr lang="en-MY" sz="1100" dirty="0">
-                          <a:effectLst/>
-                        </a:rPr>
-                        <a:t>+</a:t>
-                      </a:r>
-                      <a:r>
-                        <a:rPr lang="zh-TW" sz="1100" dirty="0">
-                          <a:effectLst/>
-                        </a:rPr>
-                        <a:t>切換身份請求</a:t>
-                      </a:r>
-                      <a:endParaRPr lang="en-US" sz="1100" dirty="0">
-                        <a:effectLst/>
-                      </a:endParaRPr>
-                    </a:p>
-                    <a:p>
-                      <a:pPr algn="l">
-                        <a:lnSpc>
-                          <a:spcPct val="115000"/>
-                        </a:lnSpc>
-                        <a:spcAft>
-                          <a:spcPts val="0"/>
-                        </a:spcAft>
-                      </a:pPr>
-                      <a:r>
-                        <a:rPr lang="zh-TW" sz="1100" dirty="0">
-                          <a:effectLst/>
-                        </a:rPr>
-                        <a:t>應用程式</a:t>
-                      </a:r>
-                      <a:r>
-                        <a:rPr lang="en-MY" sz="1100" dirty="0">
-                          <a:effectLst/>
-                        </a:rPr>
-                        <a:t>+</a:t>
-                      </a:r>
-                      <a:r>
-                        <a:rPr lang="zh-TW" sz="1100" dirty="0">
-                          <a:effectLst/>
-                        </a:rPr>
-                        <a:t>傳送</a:t>
-                      </a:r>
-                      <a:r>
-                        <a:rPr lang="en-MY" sz="1100" dirty="0">
-                          <a:effectLst/>
-                        </a:rPr>
-                        <a:t>+</a:t>
-                      </a:r>
-                      <a:r>
-                        <a:rPr lang="zh-TW" sz="1100" dirty="0">
+                        <a:rPr lang="zh-TW" sz="1100" b="0" dirty="0">
+                          <a:solidFill>
+                            <a:schemeClr val="tx1"/>
+                          </a:solidFill>
                           <a:effectLst/>
                         </a:rPr>
                         <a:t>切換請求</a:t>
                       </a:r>
-                      <a:endParaRPr lang="en-US" sz="1100" dirty="0">
+                      <a:endParaRPr lang="en-US" sz="1100" b="0" dirty="0">
+                        <a:solidFill>
+                          <a:schemeClr val="tx1"/>
+                        </a:solidFill>
                         <a:effectLst/>
                       </a:endParaRPr>
                     </a:p>
@@ -6494,11 +6236,87 @@
                         </a:rPr>
                         <a:t>使用者登入狀態</a:t>
                       </a:r>
-                      <a:endParaRPr lang="en-US" sz="1100" dirty="0">
+                      <a:endParaRPr lang="en-US" altLang="zh-TW" sz="1100" dirty="0">
                         <a:effectLst/>
-                        <a:latin typeface="Calibri" panose="020F0502020204030204" pitchFamily="34" charset="0"/>
-                        <a:ea typeface="PMingLiU" panose="02020500000000000000" pitchFamily="18" charset="-120"/>
-                        <a:cs typeface="Times New Roman" panose="02020603050405020304" pitchFamily="18" charset="0"/>
+                      </a:endParaRPr>
+                    </a:p>
+                    <a:p>
+                      <a:pPr marL="0" marR="0" lvl="0" indent="0" algn="l" defTabSz="914400" rtl="0" eaLnBrk="1" fontAlgn="auto" latinLnBrk="1" hangingPunct="1">
+                        <a:lnSpc>
+                          <a:spcPct val="115000"/>
+                        </a:lnSpc>
+                        <a:spcBef>
+                          <a:spcPts val="0"/>
+                        </a:spcBef>
+                        <a:spcAft>
+                          <a:spcPts val="0"/>
+                        </a:spcAft>
+                        <a:buClrTx/>
+                        <a:buSzTx/>
+                        <a:buFontTx/>
+                        <a:buNone/>
+                        <a:tabLst/>
+                        <a:defRPr/>
+                      </a:pPr>
+                      <a:r>
+                        <a:rPr lang="zh-TW" altLang="en-US" sz="1100" b="1" dirty="0">
+                          <a:solidFill>
+                            <a:schemeClr val="tx1"/>
+                          </a:solidFill>
+                          <a:effectLst/>
+                        </a:rPr>
+                        <a:t>應用程式</a:t>
+                      </a:r>
+                      <a:r>
+                        <a:rPr lang="en-MY" sz="1100" b="1" dirty="0">
+                          <a:solidFill>
+                            <a:schemeClr val="tx1"/>
+                          </a:solidFill>
+                          <a:effectLst/>
+                        </a:rPr>
+                        <a:t>+</a:t>
+                      </a:r>
+                      <a:r>
+                        <a:rPr lang="zh-TW" altLang="en-US" sz="1100" b="1" dirty="0">
+                          <a:solidFill>
+                            <a:schemeClr val="tx1"/>
+                          </a:solidFill>
+                          <a:effectLst/>
+                        </a:rPr>
+                        <a:t>更新</a:t>
+                      </a:r>
+                      <a:r>
+                        <a:rPr lang="en-MY" sz="1100" b="1" dirty="0">
+                          <a:solidFill>
+                            <a:schemeClr val="tx1"/>
+                          </a:solidFill>
+                          <a:effectLst/>
+                        </a:rPr>
+                        <a:t>+</a:t>
+                      </a:r>
+                      <a:r>
+                        <a:rPr lang="zh-TW" altLang="en-US" sz="1100" b="1" dirty="0">
+                          <a:solidFill>
+                            <a:schemeClr val="tx1"/>
+                          </a:solidFill>
+                          <a:effectLst/>
+                        </a:rPr>
+                        <a:t>使用</a:t>
+                      </a:r>
+                      <a:r>
+                        <a:rPr lang="zh-Hant" altLang="en-US" sz="1100" b="1" dirty="0">
+                          <a:solidFill>
+                            <a:schemeClr val="tx1"/>
+                          </a:solidFill>
+                          <a:effectLst/>
+                        </a:rPr>
+                        <a:t>模式</a:t>
+                      </a:r>
+                      <a:endParaRPr lang="en-US" altLang="zh-TW" sz="1100" b="1" dirty="0">
+                        <a:solidFill>
+                          <a:schemeClr val="tx1"/>
+                        </a:solidFill>
+                        <a:effectLst/>
                       </a:endParaRPr>
                     </a:p>
                   </a:txBody>
@@ -6506,7 +6324,7 @@
                 </a:tc>
                 <a:extLst>
                   <a:ext uri="{0D108BD9-81ED-4DB2-BD59-A6C34878D82A}">
-                    <a16:rowId xmlns:a16="http://schemas.microsoft.com/office/drawing/2014/main" xmlns="" val="2915758028"/>
+                    <a16:rowId xmlns:a16="http://schemas.microsoft.com/office/drawing/2014/main" val="2915758028"/>
                   </a:ext>
                 </a:extLst>
               </a:tr>
@@ -6556,36 +6374,36 @@
                         </a:spcAft>
                       </a:pPr>
                       <a:r>
-                        <a:rPr lang="zh-TW" sz="1100" dirty="0">
+                        <a:rPr lang="zh-TW" sz="1100" b="1" dirty="0">
                           <a:effectLst/>
                         </a:rPr>
                         <a:t>賣家</a:t>
                       </a:r>
                       <a:r>
-                        <a:rPr lang="en-MY" sz="1100" dirty="0">
+                        <a:rPr lang="en-MY" sz="1100" b="1" dirty="0">
                           <a:effectLst/>
                         </a:rPr>
                         <a:t>+</a:t>
                       </a:r>
                       <a:r>
-                        <a:rPr lang="zh-TW" sz="1100" dirty="0">
+                        <a:rPr lang="zh-TW" sz="1100" b="1" dirty="0">
                           <a:effectLst/>
                         </a:rPr>
                         <a:t>發送</a:t>
                       </a:r>
                       <a:r>
-                        <a:rPr lang="en-MY" sz="1100" dirty="0">
+                        <a:rPr lang="en-MY" sz="1100" b="1" dirty="0">
                           <a:effectLst/>
                         </a:rPr>
                         <a:t>+</a:t>
                       </a:r>
                       <a:r>
-                        <a:rPr lang="zh-TW" sz="1100" dirty="0">
+                        <a:rPr lang="zh-TW" sz="1100" b="1" dirty="0">
                           <a:effectLst/>
                         </a:rPr>
                         <a:t>瀏覽請求</a:t>
                       </a:r>
-                      <a:endParaRPr lang="en-US" sz="1100" dirty="0">
+                      <a:endParaRPr lang="en-US" sz="1100" b="1" dirty="0">
                         <a:effectLst/>
                       </a:endParaRPr>
                     </a:p>
@@ -6814,36 +6632,36 @@
                         </a:spcAft>
                       </a:pPr>
                       <a:r>
-                        <a:rPr lang="zh-TW" sz="1100" dirty="0">
+                        <a:rPr lang="zh-TW" sz="1100" b="1" dirty="0">
                           <a:effectLst/>
                         </a:rPr>
                         <a:t>應用程式</a:t>
                       </a:r>
                       <a:r>
-                        <a:rPr lang="en-MY" sz="1100" dirty="0">
+                        <a:rPr lang="en-MY" sz="1100" b="1" dirty="0">
                           <a:effectLst/>
                         </a:rPr>
                         <a:t>+</a:t>
                       </a:r>
                       <a:r>
-                        <a:rPr lang="zh-TW" sz="1100" dirty="0">
+                        <a:rPr lang="zh-TW" sz="1100" b="1" dirty="0">
                           <a:effectLst/>
                         </a:rPr>
                         <a:t>顯示</a:t>
                       </a:r>
                       <a:r>
-                        <a:rPr lang="en-MY" sz="1100" dirty="0">
+                        <a:rPr lang="en-MY" sz="1100" b="1" dirty="0">
                           <a:effectLst/>
                         </a:rPr>
                         <a:t>+</a:t>
                       </a:r>
                       <a:r>
-                        <a:rPr lang="zh-TW" sz="1100" dirty="0">
+                        <a:rPr lang="zh-TW" sz="1100" b="1" dirty="0">
                           <a:effectLst/>
                         </a:rPr>
                         <a:t>銷售記錄</a:t>
                       </a:r>
-                      <a:endParaRPr lang="en-US" sz="1100" dirty="0">
+                      <a:endParaRPr lang="en-US" sz="1100" b="1" dirty="0">
                         <a:effectLst/>
                         <a:latin typeface="Calibri" panose="020F0502020204030204" pitchFamily="34" charset="0"/>
                         <a:ea typeface="PMingLiU" panose="02020500000000000000" pitchFamily="18" charset="-120"/>
@@ -6855,7 +6673,7 @@
                 </a:tc>
                 <a:extLst>
                   <a:ext uri="{0D108BD9-81ED-4DB2-BD59-A6C34878D82A}">
-                    <a16:rowId xmlns:a16="http://schemas.microsoft.com/office/drawing/2014/main" xmlns="" val="4263870807"/>
+                    <a16:rowId xmlns:a16="http://schemas.microsoft.com/office/drawing/2014/main" val="4263870807"/>
                   </a:ext>
                 </a:extLst>
               </a:tr>
@@ -6868,7 +6686,7 @@
           <p:cNvPr id="9" name="Title 1">
             <a:extLst>
               <a:ext uri="{FF2B5EF4-FFF2-40B4-BE49-F238E27FC236}">
-                <a16:creationId xmlns:a16="http://schemas.microsoft.com/office/drawing/2014/main" xmlns="" id="{C31DB15B-7C35-8E4A-98EF-B2D7793BE7F1}"/>
+                <a16:creationId xmlns:a16="http://schemas.microsoft.com/office/drawing/2014/main" id="{C31DB15B-7C35-8E4A-98EF-B2D7793BE7F1}"/>
               </a:ext>
             </a:extLst>
           </p:cNvPr>
@@ -7016,7 +6834,7 @@
           <p:cNvPr id="2" name="Title 1">
             <a:extLst>
               <a:ext uri="{FF2B5EF4-FFF2-40B4-BE49-F238E27FC236}">
-                <a16:creationId xmlns:a16="http://schemas.microsoft.com/office/drawing/2014/main" xmlns="" id="{5DE67083-97B1-0448-8E01-02F477F3C7EB}"/>
+                <a16:creationId xmlns:a16="http://schemas.microsoft.com/office/drawing/2014/main" id="{5DE67083-97B1-0448-8E01-02F477F3C7EB}"/>
               </a:ext>
             </a:extLst>
           </p:cNvPr>
@@ -7058,7 +6876,7 @@
           <p:cNvPr id="5" name="Content Placeholder 4">
             <a:extLst>
               <a:ext uri="{FF2B5EF4-FFF2-40B4-BE49-F238E27FC236}">
-                <a16:creationId xmlns:a16="http://schemas.microsoft.com/office/drawing/2014/main" xmlns="" id="{BF551C20-977F-5D49-A5D4-CA3BAEE2078F}"/>
+                <a16:creationId xmlns:a16="http://schemas.microsoft.com/office/drawing/2014/main" id="{BF551C20-977F-5D49-A5D4-CA3BAEE2078F}"/>
               </a:ext>
             </a:extLst>
           </p:cNvPr>
@@ -7154,7 +6972,7 @@
           <p:cNvPr id="5" name="Content Placeholder 4">
             <a:extLst>
               <a:ext uri="{FF2B5EF4-FFF2-40B4-BE49-F238E27FC236}">
-                <a16:creationId xmlns:a16="http://schemas.microsoft.com/office/drawing/2014/main" xmlns="" id="{34E024CD-D143-6144-9F2E-85B8187FB907}"/>
+                <a16:creationId xmlns:a16="http://schemas.microsoft.com/office/drawing/2014/main" id="{34E024CD-D143-6144-9F2E-85B8187FB907}"/>
               </a:ext>
             </a:extLst>
           </p:cNvPr>
@@ -7192,7 +7010,7 @@
           <p:cNvPr id="6" name="Picture 5">
             <a:extLst>
               <a:ext uri="{FF2B5EF4-FFF2-40B4-BE49-F238E27FC236}">
-                <a16:creationId xmlns:a16="http://schemas.microsoft.com/office/drawing/2014/main" xmlns="" id="{BBC23686-A54D-3948-970F-F39190C7947D}"/>
+                <a16:creationId xmlns:a16="http://schemas.microsoft.com/office/drawing/2014/main" id="{BBC23686-A54D-3948-970F-F39190C7947D}"/>
               </a:ext>
             </a:extLst>
           </p:cNvPr>
@@ -7226,7 +7044,7 @@
           <p:cNvPr id="9" name="Down Arrow 8">
             <a:extLst>
               <a:ext uri="{FF2B5EF4-FFF2-40B4-BE49-F238E27FC236}">
-                <a16:creationId xmlns:a16="http://schemas.microsoft.com/office/drawing/2014/main" xmlns="" id="{EEF4B0DB-5DA9-5D40-A305-3CC05FEA97C4}"/>
+                <a16:creationId xmlns:a16="http://schemas.microsoft.com/office/drawing/2014/main" id="{EEF4B0DB-5DA9-5D40-A305-3CC05FEA97C4}"/>
               </a:ext>
             </a:extLst>
           </p:cNvPr>
@@ -7272,7 +7090,7 @@
           <p:cNvPr id="15" name="Title 1">
             <a:extLst>
               <a:ext uri="{FF2B5EF4-FFF2-40B4-BE49-F238E27FC236}">
-                <a16:creationId xmlns:a16="http://schemas.microsoft.com/office/drawing/2014/main" xmlns="" id="{F4C4A796-8AEB-7641-8B55-458C4FE2D291}"/>
+                <a16:creationId xmlns:a16="http://schemas.microsoft.com/office/drawing/2014/main" id="{F4C4A796-8AEB-7641-8B55-458C4FE2D291}"/>
               </a:ext>
             </a:extLst>
           </p:cNvPr>
@@ -7396,7 +7214,7 @@
           <p:cNvPr id="9" name="Down Arrow 8">
             <a:extLst>
               <a:ext uri="{FF2B5EF4-FFF2-40B4-BE49-F238E27FC236}">
-                <a16:creationId xmlns:a16="http://schemas.microsoft.com/office/drawing/2014/main" xmlns="" id="{EEF4B0DB-5DA9-5D40-A305-3CC05FEA97C4}"/>
+                <a16:creationId xmlns:a16="http://schemas.microsoft.com/office/drawing/2014/main" id="{EEF4B0DB-5DA9-5D40-A305-3CC05FEA97C4}"/>
               </a:ext>
             </a:extLst>
           </p:cNvPr>
@@ -7442,7 +7260,7 @@
           <p:cNvPr id="15" name="Title 1">
             <a:extLst>
               <a:ext uri="{FF2B5EF4-FFF2-40B4-BE49-F238E27FC236}">
-                <a16:creationId xmlns:a16="http://schemas.microsoft.com/office/drawing/2014/main" xmlns="" id="{F4C4A796-8AEB-7641-8B55-458C4FE2D291}"/>
+                <a16:creationId xmlns:a16="http://schemas.microsoft.com/office/drawing/2014/main" id="{F4C4A796-8AEB-7641-8B55-458C4FE2D291}"/>
               </a:ext>
             </a:extLst>
           </p:cNvPr>
@@ -7508,7 +7326,7 @@
           <p:cNvPr id="8" name="Picture 7">
             <a:extLst>
               <a:ext uri="{FF2B5EF4-FFF2-40B4-BE49-F238E27FC236}">
-                <a16:creationId xmlns:a16="http://schemas.microsoft.com/office/drawing/2014/main" xmlns="" id="{49D1363A-6243-6A4B-AF55-C10C2EFCDC21}"/>
+                <a16:creationId xmlns:a16="http://schemas.microsoft.com/office/drawing/2014/main" id="{49D1363A-6243-6A4B-AF55-C10C2EFCDC21}"/>
               </a:ext>
             </a:extLst>
           </p:cNvPr>
@@ -7542,7 +7360,7 @@
           <p:cNvPr id="10" name="Picture 9">
             <a:extLst>
               <a:ext uri="{FF2B5EF4-FFF2-40B4-BE49-F238E27FC236}">
-                <a16:creationId xmlns:a16="http://schemas.microsoft.com/office/drawing/2014/main" xmlns="" id="{5B7994C7-D4E8-4C4E-AA71-0106FD979C8A}"/>
+                <a16:creationId xmlns:a16="http://schemas.microsoft.com/office/drawing/2014/main" id="{5B7994C7-D4E8-4C4E-AA71-0106FD979C8A}"/>
               </a:ext>
             </a:extLst>
           </p:cNvPr>
@@ -7634,7 +7452,7 @@
           <p:cNvPr id="15" name="Title 1">
             <a:extLst>
               <a:ext uri="{FF2B5EF4-FFF2-40B4-BE49-F238E27FC236}">
-                <a16:creationId xmlns:a16="http://schemas.microsoft.com/office/drawing/2014/main" xmlns="" id="{F4C4A796-8AEB-7641-8B55-458C4FE2D291}"/>
+                <a16:creationId xmlns:a16="http://schemas.microsoft.com/office/drawing/2014/main" id="{F4C4A796-8AEB-7641-8B55-458C4FE2D291}"/>
               </a:ext>
             </a:extLst>
           </p:cNvPr>
@@ -7676,7 +7494,7 @@
           <p:cNvPr id="13" name="Object 12">
             <a:extLst>
               <a:ext uri="{FF2B5EF4-FFF2-40B4-BE49-F238E27FC236}">
-                <a16:creationId xmlns:a16="http://schemas.microsoft.com/office/drawing/2014/main" xmlns="" id="{DB914DDF-21ED-D342-968B-D15374B57C19}"/>
+                <a16:creationId xmlns:a16="http://schemas.microsoft.com/office/drawing/2014/main" id="{DB914DDF-21ED-D342-968B-D15374B57C19}"/>
               </a:ext>
             </a:extLst>
           </p:cNvPr>
@@ -7699,7 +7517,7 @@
           <a:graphicData uri="http://schemas.openxmlformats.org/presentationml/2006/ole">
             <mc:AlternateContent xmlns:mc="http://schemas.openxmlformats.org/markup-compatibility/2006">
               <mc:Choice xmlns:v="urn:schemas-microsoft-com:vml" Requires="v">
-                <p:oleObj spid="_x0000_s2058" name="Document" r:id="rId3" imgW="6921500" imgH="1333500" progId="Word.Document.12">
+                <p:oleObj spid="_x0000_s2061" name="Document" r:id="rId3" imgW="6921500" imgH="1333500" progId="Word.Document.12">
                   <p:embed/>
                 </p:oleObj>
               </mc:Choice>
@@ -7739,7 +7557,7 @@
           <p:cNvPr id="16" name="Rectangle 15">
             <a:extLst>
               <a:ext uri="{FF2B5EF4-FFF2-40B4-BE49-F238E27FC236}">
-                <a16:creationId xmlns:a16="http://schemas.microsoft.com/office/drawing/2014/main" xmlns="" id="{E196E731-7B44-5748-8622-8F33F1FB9AE8}"/>
+                <a16:creationId xmlns:a16="http://schemas.microsoft.com/office/drawing/2014/main" id="{E196E731-7B44-5748-8622-8F33F1FB9AE8}"/>
               </a:ext>
             </a:extLst>
           </p:cNvPr>
@@ -7774,7 +7592,7 @@
           <p:cNvPr id="17" name="Rectangle 16">
             <a:extLst>
               <a:ext uri="{FF2B5EF4-FFF2-40B4-BE49-F238E27FC236}">
-                <a16:creationId xmlns:a16="http://schemas.microsoft.com/office/drawing/2014/main" xmlns="" id="{AF632D80-4D78-DA4D-A95F-73C5BD52E449}"/>
+                <a16:creationId xmlns:a16="http://schemas.microsoft.com/office/drawing/2014/main" id="{AF632D80-4D78-DA4D-A95F-73C5BD52E449}"/>
               </a:ext>
             </a:extLst>
           </p:cNvPr>
@@ -7923,7 +7741,7 @@
           <p:cNvPr id="15" name="Title 1">
             <a:extLst>
               <a:ext uri="{FF2B5EF4-FFF2-40B4-BE49-F238E27FC236}">
-                <a16:creationId xmlns:a16="http://schemas.microsoft.com/office/drawing/2014/main" xmlns="" id="{F4C4A796-8AEB-7641-8B55-458C4FE2D291}"/>
+                <a16:creationId xmlns:a16="http://schemas.microsoft.com/office/drawing/2014/main" id="{F4C4A796-8AEB-7641-8B55-458C4FE2D291}"/>
               </a:ext>
             </a:extLst>
           </p:cNvPr>
@@ -7965,7 +7783,7 @@
           <p:cNvPr id="8" name="Picture 7">
             <a:extLst>
               <a:ext uri="{FF2B5EF4-FFF2-40B4-BE49-F238E27FC236}">
-                <a16:creationId xmlns:a16="http://schemas.microsoft.com/office/drawing/2014/main" xmlns="" id="{A575FBA1-D496-934A-AE00-290AA7595822}"/>
+                <a16:creationId xmlns:a16="http://schemas.microsoft.com/office/drawing/2014/main" id="{A575FBA1-D496-934A-AE00-290AA7595822}"/>
               </a:ext>
             </a:extLst>
           </p:cNvPr>
@@ -8059,7 +7877,7 @@
           <p:cNvPr id="15" name="Title 1">
             <a:extLst>
               <a:ext uri="{FF2B5EF4-FFF2-40B4-BE49-F238E27FC236}">
-                <a16:creationId xmlns:a16="http://schemas.microsoft.com/office/drawing/2014/main" xmlns="" id="{F4C4A796-8AEB-7641-8B55-458C4FE2D291}"/>
+                <a16:creationId xmlns:a16="http://schemas.microsoft.com/office/drawing/2014/main" id="{F4C4A796-8AEB-7641-8B55-458C4FE2D291}"/>
               </a:ext>
             </a:extLst>
           </p:cNvPr>
@@ -8101,7 +7919,7 @@
           <p:cNvPr id="3" name="Picture 2">
             <a:extLst>
               <a:ext uri="{FF2B5EF4-FFF2-40B4-BE49-F238E27FC236}">
-                <a16:creationId xmlns:a16="http://schemas.microsoft.com/office/drawing/2014/main" xmlns="" id="{D0DDB850-3EB4-D64D-8FC9-01CDCA1B5E7A}"/>
+                <a16:creationId xmlns:a16="http://schemas.microsoft.com/office/drawing/2014/main" id="{D0DDB850-3EB4-D64D-8FC9-01CDCA1B5E7A}"/>
               </a:ext>
             </a:extLst>
           </p:cNvPr>
@@ -8195,7 +8013,7 @@
           <p:cNvPr id="15" name="Title 1">
             <a:extLst>
               <a:ext uri="{FF2B5EF4-FFF2-40B4-BE49-F238E27FC236}">
-                <a16:creationId xmlns:a16="http://schemas.microsoft.com/office/drawing/2014/main" xmlns="" id="{F4C4A796-8AEB-7641-8B55-458C4FE2D291}"/>
+                <a16:creationId xmlns:a16="http://schemas.microsoft.com/office/drawing/2014/main" id="{F4C4A796-8AEB-7641-8B55-458C4FE2D291}"/>
               </a:ext>
             </a:extLst>
           </p:cNvPr>
@@ -8237,7 +8055,7 @@
           <p:cNvPr id="3" name="Picture 2">
             <a:extLst>
               <a:ext uri="{FF2B5EF4-FFF2-40B4-BE49-F238E27FC236}">
-                <a16:creationId xmlns:a16="http://schemas.microsoft.com/office/drawing/2014/main" xmlns="" id="{C89FF32C-708B-A246-A4A9-3A91DF58208B}"/>
+                <a16:creationId xmlns:a16="http://schemas.microsoft.com/office/drawing/2014/main" id="{C89FF32C-708B-A246-A4A9-3A91DF58208B}"/>
               </a:ext>
             </a:extLst>
           </p:cNvPr>
@@ -9140,7 +8958,7 @@
   <a:extraClrSchemeLst/>
   <a:extLst>
     <a:ext uri="{05A4C25C-085E-4340-85A3-A5531E510DB2}">
-      <thm15:themeFamily xmlns:thm15="http://schemas.microsoft.com/office/thememl/2012/main" xmlns="" name="Office Theme" id="{62F939B6-93AF-4DB8-9C6B-D6C7DFDC589F}" vid="{4A3C46E8-61CC-4603-A589-7422A47A8E4A}"/>
+      <thm15:themeFamily xmlns:thm15="http://schemas.microsoft.com/office/thememl/2012/main" name="Office Theme" id="{62F939B6-93AF-4DB8-9C6B-D6C7DFDC589F}" vid="{4A3C46E8-61CC-4603-A589-7422A47A8E4A}"/>
     </a:ext>
   </a:extLst>
 </a:theme>

--- a/系統分析/系統分析期中報告.pptx
+++ b/系統分析/系統分析期中報告.pptx
@@ -124,7 +124,7 @@
   </p:defaultTextStyle>
   <p:extLst>
     <p:ext uri="{EFAFB233-063F-42B5-8137-9DF3F51BA10A}">
-      <p15:sldGuideLst xmlns:p15="http://schemas.microsoft.com/office/powerpoint/2012/main" xmlns="">
+      <p15:sldGuideLst xmlns="" xmlns:p15="http://schemas.microsoft.com/office/powerpoint/2012/main">
         <p15:guide id="1" orient="horz" pos="1620">
           <p15:clr>
             <a:srgbClr val="A4A3A4"/>
@@ -223,7 +223,7 @@
           <a:p>
             <a:fld id="{4ABF6D0B-8263-8241-BF99-08149363C526}" type="datetimeFigureOut">
               <a:rPr lang="en-US" smtClean="0"/>
-              <a:t>4/24/2018</a:t>
+              <a:t>4/25/2018</a:t>
             </a:fld>
             <a:endParaRPr lang="en-US"/>
           </a:p>
@@ -740,7 +740,7 @@
           <a:p>
             <a:fld id="{63937D59-5EDB-4C39-B697-625748F703B6}" type="datetimeFigureOut">
               <a:rPr lang="en-US" smtClean="0"/>
-              <a:t>4/24/2018</a:t>
+              <a:t>4/25/2018</a:t>
             </a:fld>
             <a:endParaRPr lang="en-US"/>
           </a:p>
@@ -1015,7 +1015,7 @@
           <a:p>
             <a:fld id="{63937D59-5EDB-4C39-B697-625748F703B6}" type="datetimeFigureOut">
               <a:rPr lang="en-US" smtClean="0"/>
-              <a:t>4/24/2018</a:t>
+              <a:t>4/25/2018</a:t>
             </a:fld>
             <a:endParaRPr lang="en-US"/>
           </a:p>
@@ -1267,7 +1267,7 @@
           <a:p>
             <a:fld id="{63937D59-5EDB-4C39-B697-625748F703B6}" type="datetimeFigureOut">
               <a:rPr lang="en-US" smtClean="0"/>
-              <a:t>4/24/2018</a:t>
+              <a:t>4/25/2018</a:t>
             </a:fld>
             <a:endParaRPr lang="en-US"/>
           </a:p>
@@ -1435,7 +1435,7 @@
           <a:p>
             <a:fld id="{63937D59-5EDB-4C39-B697-625748F703B6}" type="datetimeFigureOut">
               <a:rPr lang="en-US" smtClean="0"/>
-              <a:t>4/24/2018</a:t>
+              <a:t>4/25/2018</a:t>
             </a:fld>
             <a:endParaRPr lang="en-US"/>
           </a:p>
@@ -1613,7 +1613,7 @@
           <a:p>
             <a:fld id="{63937D59-5EDB-4C39-B697-625748F703B6}" type="datetimeFigureOut">
               <a:rPr lang="en-US" smtClean="0"/>
-              <a:t>4/24/2018</a:t>
+              <a:t>4/25/2018</a:t>
             </a:fld>
             <a:endParaRPr lang="en-US"/>
           </a:p>
@@ -2191,7 +2191,7 @@
           <a:p>
             <a:fld id="{63937D59-5EDB-4C39-B697-625748F703B6}" type="datetimeFigureOut">
               <a:rPr lang="en-US" smtClean="0"/>
-              <a:t>4/24/2018</a:t>
+              <a:t>4/25/2018</a:t>
             </a:fld>
             <a:endParaRPr lang="en-US"/>
           </a:p>
@@ -2359,7 +2359,7 @@
           <a:p>
             <a:fld id="{63937D59-5EDB-4C39-B697-625748F703B6}" type="datetimeFigureOut">
               <a:rPr lang="en-US" smtClean="0"/>
-              <a:t>4/24/2018</a:t>
+              <a:t>4/25/2018</a:t>
             </a:fld>
             <a:endParaRPr lang="en-US"/>
           </a:p>
@@ -2604,7 +2604,7 @@
           <a:p>
             <a:fld id="{63937D59-5EDB-4C39-B697-625748F703B6}" type="datetimeFigureOut">
               <a:rPr lang="en-US" smtClean="0"/>
-              <a:t>4/24/2018</a:t>
+              <a:t>4/25/2018</a:t>
             </a:fld>
             <a:endParaRPr lang="en-US"/>
           </a:p>
@@ -2889,7 +2889,7 @@
           <a:p>
             <a:fld id="{63937D59-5EDB-4C39-B697-625748F703B6}" type="datetimeFigureOut">
               <a:rPr lang="en-US" smtClean="0"/>
-              <a:t>4/24/2018</a:t>
+              <a:t>4/25/2018</a:t>
             </a:fld>
             <a:endParaRPr lang="en-US"/>
           </a:p>
@@ -3308,7 +3308,7 @@
           <a:p>
             <a:fld id="{63937D59-5EDB-4C39-B697-625748F703B6}" type="datetimeFigureOut">
               <a:rPr lang="en-US" smtClean="0"/>
-              <a:t>4/24/2018</a:t>
+              <a:t>4/25/2018</a:t>
             </a:fld>
             <a:endParaRPr lang="en-US"/>
           </a:p>
@@ -3425,7 +3425,7 @@
           <a:p>
             <a:fld id="{63937D59-5EDB-4C39-B697-625748F703B6}" type="datetimeFigureOut">
               <a:rPr lang="en-US" smtClean="0"/>
-              <a:t>4/24/2018</a:t>
+              <a:t>4/25/2018</a:t>
             </a:fld>
             <a:endParaRPr lang="en-US"/>
           </a:p>
@@ -3927,7 +3927,7 @@
           <a:p>
             <a:fld id="{63937D59-5EDB-4C39-B697-625748F703B6}" type="datetimeFigureOut">
               <a:rPr lang="en-US" smtClean="0"/>
-              <a:t>4/24/2018</a:t>
+              <a:t>4/25/2018</a:t>
             </a:fld>
             <a:endParaRPr lang="en-US"/>
           </a:p>
@@ -4613,7 +4613,7 @@
           <p:cNvPr id="15" name="Title 1">
             <a:extLst>
               <a:ext uri="{FF2B5EF4-FFF2-40B4-BE49-F238E27FC236}">
-                <a16:creationId xmlns:a16="http://schemas.microsoft.com/office/drawing/2014/main" xmlns="" id="{F4C4A796-8AEB-7641-8B55-458C4FE2D291}"/>
+                <a16:creationId xmlns="" xmlns:a16="http://schemas.microsoft.com/office/drawing/2014/main" id="{F4C4A796-8AEB-7641-8B55-458C4FE2D291}"/>
               </a:ext>
             </a:extLst>
           </p:cNvPr>
@@ -4671,7 +4671,7 @@
           <p:cNvPr id="31" name="Picture 30">
             <a:extLst>
               <a:ext uri="{FF2B5EF4-FFF2-40B4-BE49-F238E27FC236}">
-                <a16:creationId xmlns:a16="http://schemas.microsoft.com/office/drawing/2014/main" xmlns="" id="{4FFEC185-6FEF-3F42-8084-C69259FD5ADA}"/>
+                <a16:creationId xmlns="" xmlns:a16="http://schemas.microsoft.com/office/drawing/2014/main" id="{4FFEC185-6FEF-3F42-8084-C69259FD5ADA}"/>
               </a:ext>
             </a:extLst>
           </p:cNvPr>
@@ -4707,7 +4707,7 @@
           <p:cNvPr id="33" name="Picture 32">
             <a:extLst>
               <a:ext uri="{FF2B5EF4-FFF2-40B4-BE49-F238E27FC236}">
-                <a16:creationId xmlns:a16="http://schemas.microsoft.com/office/drawing/2014/main" xmlns="" id="{74DE0983-9153-194E-8E13-5F518B0C2D8A}"/>
+                <a16:creationId xmlns="" xmlns:a16="http://schemas.microsoft.com/office/drawing/2014/main" id="{74DE0983-9153-194E-8E13-5F518B0C2D8A}"/>
               </a:ext>
             </a:extLst>
           </p:cNvPr>
@@ -4743,7 +4743,7 @@
           <p:cNvPr id="34" name="Arrow: Down 128">
             <a:extLst>
               <a:ext uri="{FF2B5EF4-FFF2-40B4-BE49-F238E27FC236}">
-                <a16:creationId xmlns:a16="http://schemas.microsoft.com/office/drawing/2014/main" xmlns="" id="{007661F0-5D1F-F14E-AEA8-08A4A330E6D1}"/>
+                <a16:creationId xmlns="" xmlns:a16="http://schemas.microsoft.com/office/drawing/2014/main" id="{007661F0-5D1F-F14E-AEA8-08A4A330E6D1}"/>
               </a:ext>
             </a:extLst>
           </p:cNvPr>
@@ -4793,7 +4793,7 @@
           <p:cNvPr id="35" name="Rectangle 34">
             <a:extLst>
               <a:ext uri="{FF2B5EF4-FFF2-40B4-BE49-F238E27FC236}">
-                <a16:creationId xmlns:a16="http://schemas.microsoft.com/office/drawing/2014/main" xmlns="" id="{45A947F6-B5AC-4F42-A660-15042FC37403}"/>
+                <a16:creationId xmlns="" xmlns:a16="http://schemas.microsoft.com/office/drawing/2014/main" id="{45A947F6-B5AC-4F42-A660-15042FC37403}"/>
               </a:ext>
             </a:extLst>
           </p:cNvPr>
@@ -4893,7 +4893,7 @@
           <p:cNvPr id="9" name="Content Placeholder 6">
             <a:extLst>
               <a:ext uri="{FF2B5EF4-FFF2-40B4-BE49-F238E27FC236}">
-                <a16:creationId xmlns:a16="http://schemas.microsoft.com/office/drawing/2014/main" xmlns="" id="{65B99FB5-8778-7F44-9454-FB20081C092A}"/>
+                <a16:creationId xmlns="" xmlns:a16="http://schemas.microsoft.com/office/drawing/2014/main" id="{65B99FB5-8778-7F44-9454-FB20081C092A}"/>
               </a:ext>
             </a:extLst>
           </p:cNvPr>
@@ -4928,7 +4928,7 @@
           <p:cNvPr id="10" name="Picture 9">
             <a:extLst>
               <a:ext uri="{FF2B5EF4-FFF2-40B4-BE49-F238E27FC236}">
-                <a16:creationId xmlns:a16="http://schemas.microsoft.com/office/drawing/2014/main" xmlns="" id="{F1251362-201C-3E43-822F-4765AF33BA16}"/>
+                <a16:creationId xmlns="" xmlns:a16="http://schemas.microsoft.com/office/drawing/2014/main" id="{F1251362-201C-3E43-822F-4765AF33BA16}"/>
               </a:ext>
             </a:extLst>
           </p:cNvPr>
@@ -4965,7 +4965,7 @@
           <p:cNvPr id="11" name="Bent-Up Arrow 10">
             <a:extLst>
               <a:ext uri="{FF2B5EF4-FFF2-40B4-BE49-F238E27FC236}">
-                <a16:creationId xmlns:a16="http://schemas.microsoft.com/office/drawing/2014/main" xmlns="" id="{25C3EAC7-84DE-5D42-B13D-495D0184D8CA}"/>
+                <a16:creationId xmlns="" xmlns:a16="http://schemas.microsoft.com/office/drawing/2014/main" id="{25C3EAC7-84DE-5D42-B13D-495D0184D8CA}"/>
               </a:ext>
             </a:extLst>
           </p:cNvPr>
@@ -5011,7 +5011,7 @@
           <p:cNvPr id="12" name="Rectangle 11">
             <a:extLst>
               <a:ext uri="{FF2B5EF4-FFF2-40B4-BE49-F238E27FC236}">
-                <a16:creationId xmlns:a16="http://schemas.microsoft.com/office/drawing/2014/main" xmlns="" id="{241CE9AE-2559-F941-8795-C1BC68F0E16C}"/>
+                <a16:creationId xmlns="" xmlns:a16="http://schemas.microsoft.com/office/drawing/2014/main" id="{241CE9AE-2559-F941-8795-C1BC68F0E16C}"/>
               </a:ext>
             </a:extLst>
           </p:cNvPr>
@@ -5060,7 +5060,7 @@
           <p:cNvPr id="14" name="Rectangle 13">
             <a:extLst>
               <a:ext uri="{FF2B5EF4-FFF2-40B4-BE49-F238E27FC236}">
-                <a16:creationId xmlns:a16="http://schemas.microsoft.com/office/drawing/2014/main" xmlns="" id="{214AA10B-4D75-F14A-A46F-83D47C738BFA}"/>
+                <a16:creationId xmlns="" xmlns:a16="http://schemas.microsoft.com/office/drawing/2014/main" id="{214AA10B-4D75-F14A-A46F-83D47C738BFA}"/>
               </a:ext>
             </a:extLst>
           </p:cNvPr>
@@ -5164,7 +5164,7 @@
           <p:cNvPr id="15" name="Title 1">
             <a:extLst>
               <a:ext uri="{FF2B5EF4-FFF2-40B4-BE49-F238E27FC236}">
-                <a16:creationId xmlns:a16="http://schemas.microsoft.com/office/drawing/2014/main" xmlns="" id="{F4C4A796-8AEB-7641-8B55-458C4FE2D291}"/>
+                <a16:creationId xmlns="" xmlns:a16="http://schemas.microsoft.com/office/drawing/2014/main" id="{F4C4A796-8AEB-7641-8B55-458C4FE2D291}"/>
               </a:ext>
             </a:extLst>
           </p:cNvPr>
@@ -5214,7 +5214,7 @@
           <p:cNvPr id="34" name="Arrow: Down 128">
             <a:extLst>
               <a:ext uri="{FF2B5EF4-FFF2-40B4-BE49-F238E27FC236}">
-                <a16:creationId xmlns:a16="http://schemas.microsoft.com/office/drawing/2014/main" xmlns="" id="{007661F0-5D1F-F14E-AEA8-08A4A330E6D1}"/>
+                <a16:creationId xmlns="" xmlns:a16="http://schemas.microsoft.com/office/drawing/2014/main" id="{007661F0-5D1F-F14E-AEA8-08A4A330E6D1}"/>
               </a:ext>
             </a:extLst>
           </p:cNvPr>
@@ -5264,7 +5264,7 @@
           <p:cNvPr id="35" name="Rectangle 34">
             <a:extLst>
               <a:ext uri="{FF2B5EF4-FFF2-40B4-BE49-F238E27FC236}">
-                <a16:creationId xmlns:a16="http://schemas.microsoft.com/office/drawing/2014/main" xmlns="" id="{45A947F6-B5AC-4F42-A660-15042FC37403}"/>
+                <a16:creationId xmlns="" xmlns:a16="http://schemas.microsoft.com/office/drawing/2014/main" id="{45A947F6-B5AC-4F42-A660-15042FC37403}"/>
               </a:ext>
             </a:extLst>
           </p:cNvPr>
@@ -5306,7 +5306,7 @@
           <p:cNvPr id="6" name="Picture 5">
             <a:extLst>
               <a:ext uri="{FF2B5EF4-FFF2-40B4-BE49-F238E27FC236}">
-                <a16:creationId xmlns:a16="http://schemas.microsoft.com/office/drawing/2014/main" xmlns="" id="{9952234D-A5A3-9646-8FD0-040AE91DB55F}"/>
+                <a16:creationId xmlns="" xmlns:a16="http://schemas.microsoft.com/office/drawing/2014/main" id="{9952234D-A5A3-9646-8FD0-040AE91DB55F}"/>
               </a:ext>
             </a:extLst>
           </p:cNvPr>
@@ -5342,7 +5342,7 @@
           <p:cNvPr id="8" name="Picture 7">
             <a:extLst>
               <a:ext uri="{FF2B5EF4-FFF2-40B4-BE49-F238E27FC236}">
-                <a16:creationId xmlns:a16="http://schemas.microsoft.com/office/drawing/2014/main" xmlns="" id="{041BCA3A-636B-B848-9EA7-7FCBEAA61954}"/>
+                <a16:creationId xmlns="" xmlns:a16="http://schemas.microsoft.com/office/drawing/2014/main" id="{041BCA3A-636B-B848-9EA7-7FCBEAA61954}"/>
               </a:ext>
             </a:extLst>
           </p:cNvPr>
@@ -5436,7 +5436,7 @@
           <p:cNvPr id="2" name="Rectangle 1">
             <a:extLst>
               <a:ext uri="{FF2B5EF4-FFF2-40B4-BE49-F238E27FC236}">
-                <a16:creationId xmlns:a16="http://schemas.microsoft.com/office/drawing/2014/main" xmlns="" id="{EB48C46F-EDFC-EB4B-B22B-751E02B2BD81}"/>
+                <a16:creationId xmlns="" xmlns:a16="http://schemas.microsoft.com/office/drawing/2014/main" id="{EB48C46F-EDFC-EB4B-B22B-751E02B2BD81}"/>
               </a:ext>
             </a:extLst>
           </p:cNvPr>
@@ -5485,7 +5485,7 @@
           <p:cNvPr id="3" name="Picture 2">
             <a:extLst>
               <a:ext uri="{FF2B5EF4-FFF2-40B4-BE49-F238E27FC236}">
-                <a16:creationId xmlns:a16="http://schemas.microsoft.com/office/drawing/2014/main" xmlns="" id="{8228CACA-4A23-9C4B-8BD6-E34BCE5CF66B}"/>
+                <a16:creationId xmlns="" xmlns:a16="http://schemas.microsoft.com/office/drawing/2014/main" id="{8228CACA-4A23-9C4B-8BD6-E34BCE5CF66B}"/>
               </a:ext>
             </a:extLst>
           </p:cNvPr>
@@ -5585,7 +5585,7 @@
           <p:cNvPr id="11" name="Picture 10">
             <a:extLst>
               <a:ext uri="{FF2B5EF4-FFF2-40B4-BE49-F238E27FC236}">
-                <a16:creationId xmlns:a16="http://schemas.microsoft.com/office/drawing/2014/main" xmlns="" id="{7AD26D1F-531B-CD4D-B741-1E4D51D50455}"/>
+                <a16:creationId xmlns="" xmlns:a16="http://schemas.microsoft.com/office/drawing/2014/main" id="{7AD26D1F-531B-CD4D-B741-1E4D51D50455}"/>
               </a:ext>
             </a:extLst>
           </p:cNvPr>
@@ -5619,7 +5619,7 @@
           <p:cNvPr id="12" name="Rectangle 11">
             <a:extLst>
               <a:ext uri="{FF2B5EF4-FFF2-40B4-BE49-F238E27FC236}">
-                <a16:creationId xmlns:a16="http://schemas.microsoft.com/office/drawing/2014/main" xmlns="" id="{C97B75BD-EF10-C44A-A586-429A6292B44D}"/>
+                <a16:creationId xmlns="" xmlns:a16="http://schemas.microsoft.com/office/drawing/2014/main" id="{C97B75BD-EF10-C44A-A586-429A6292B44D}"/>
               </a:ext>
             </a:extLst>
           </p:cNvPr>
@@ -5782,7 +5782,7 @@
           <p:cNvPr id="8" name="Content Placeholder 7">
             <a:extLst>
               <a:ext uri="{FF2B5EF4-FFF2-40B4-BE49-F238E27FC236}">
-                <a16:creationId xmlns:a16="http://schemas.microsoft.com/office/drawing/2014/main" xmlns="" id="{D0F58796-F20D-2740-A72A-4E167EE31200}"/>
+                <a16:creationId xmlns="" xmlns:a16="http://schemas.microsoft.com/office/drawing/2014/main" id="{D0F58796-F20D-2740-A72A-4E167EE31200}"/>
               </a:ext>
             </a:extLst>
           </p:cNvPr>
@@ -5812,14 +5812,14 @@
                 <a:gridCol w="3316865">
                   <a:extLst>
                     <a:ext uri="{9D8B030D-6E8A-4147-A177-3AD203B41FA5}">
-                      <a16:colId xmlns:a16="http://schemas.microsoft.com/office/drawing/2014/main" xmlns="" val="4170412860"/>
+                      <a16:colId xmlns="" xmlns:a16="http://schemas.microsoft.com/office/drawing/2014/main" val="4170412860"/>
                     </a:ext>
                   </a:extLst>
                 </a:gridCol>
                 <a:gridCol w="3316865">
                   <a:extLst>
                     <a:ext uri="{9D8B030D-6E8A-4147-A177-3AD203B41FA5}">
-                      <a16:colId xmlns:a16="http://schemas.microsoft.com/office/drawing/2014/main" xmlns="" val="4227658176"/>
+                      <a16:colId xmlns="" xmlns:a16="http://schemas.microsoft.com/office/drawing/2014/main" val="4227658176"/>
                     </a:ext>
                   </a:extLst>
                 </a:gridCol>
@@ -5899,7 +5899,7 @@
                 </a:tc>
                 <a:extLst>
                   <a:ext uri="{0D108BD9-81ED-4DB2-BD59-A6C34878D82A}">
-                    <a16:rowId xmlns:a16="http://schemas.microsoft.com/office/drawing/2014/main" xmlns="" val="608201287"/>
+                    <a16:rowId xmlns="" xmlns:a16="http://schemas.microsoft.com/office/drawing/2014/main" val="608201287"/>
                   </a:ext>
                 </a:extLst>
               </a:tr>
@@ -6506,7 +6506,7 @@
                 </a:tc>
                 <a:extLst>
                   <a:ext uri="{0D108BD9-81ED-4DB2-BD59-A6C34878D82A}">
-                    <a16:rowId xmlns:a16="http://schemas.microsoft.com/office/drawing/2014/main" xmlns="" val="2915758028"/>
+                    <a16:rowId xmlns="" xmlns:a16="http://schemas.microsoft.com/office/drawing/2014/main" val="2915758028"/>
                   </a:ext>
                 </a:extLst>
               </a:tr>
@@ -6855,7 +6855,7 @@
                 </a:tc>
                 <a:extLst>
                   <a:ext uri="{0D108BD9-81ED-4DB2-BD59-A6C34878D82A}">
-                    <a16:rowId xmlns:a16="http://schemas.microsoft.com/office/drawing/2014/main" xmlns="" val="4263870807"/>
+                    <a16:rowId xmlns="" xmlns:a16="http://schemas.microsoft.com/office/drawing/2014/main" val="4263870807"/>
                   </a:ext>
                 </a:extLst>
               </a:tr>
@@ -6868,7 +6868,7 @@
           <p:cNvPr id="9" name="Title 1">
             <a:extLst>
               <a:ext uri="{FF2B5EF4-FFF2-40B4-BE49-F238E27FC236}">
-                <a16:creationId xmlns:a16="http://schemas.microsoft.com/office/drawing/2014/main" xmlns="" id="{C31DB15B-7C35-8E4A-98EF-B2D7793BE7F1}"/>
+                <a16:creationId xmlns="" xmlns:a16="http://schemas.microsoft.com/office/drawing/2014/main" id="{C31DB15B-7C35-8E4A-98EF-B2D7793BE7F1}"/>
               </a:ext>
             </a:extLst>
           </p:cNvPr>
@@ -7016,7 +7016,7 @@
           <p:cNvPr id="2" name="Title 1">
             <a:extLst>
               <a:ext uri="{FF2B5EF4-FFF2-40B4-BE49-F238E27FC236}">
-                <a16:creationId xmlns:a16="http://schemas.microsoft.com/office/drawing/2014/main" xmlns="" id="{5DE67083-97B1-0448-8E01-02F477F3C7EB}"/>
+                <a16:creationId xmlns="" xmlns:a16="http://schemas.microsoft.com/office/drawing/2014/main" id="{5DE67083-97B1-0448-8E01-02F477F3C7EB}"/>
               </a:ext>
             </a:extLst>
           </p:cNvPr>
@@ -7055,22 +7055,16 @@
       </p:sp>
       <p:pic>
         <p:nvPicPr>
-          <p:cNvPr id="5" name="Content Placeholder 4">
-            <a:extLst>
-              <a:ext uri="{FF2B5EF4-FFF2-40B4-BE49-F238E27FC236}">
-                <a16:creationId xmlns:a16="http://schemas.microsoft.com/office/drawing/2014/main" xmlns="" id="{BF551C20-977F-5D49-A5D4-CA3BAEE2078F}"/>
-              </a:ext>
-            </a:extLst>
-          </p:cNvPr>
+          <p:cNvPr id="4" name="Content Placeholder 3"/>
           <p:cNvPicPr>
-            <a:picLocks noGrp="1"/>
+            <a:picLocks noGrp="1" noChangeAspect="1"/>
           </p:cNvPicPr>
           <p:nvPr>
             <p:ph idx="10"/>
           </p:nvPr>
         </p:nvPicPr>
         <p:blipFill>
-          <a:blip r:embed="rId2" cstate="print">
+          <a:blip r:embed="rId2">
             <a:extLst>
               <a:ext uri="{28A0092B-C50C-407E-A947-70E740481C1C}">
                 <a14:useLocalDpi xmlns:a14="http://schemas.microsoft.com/office/drawing/2010/main" val="0"/>
@@ -7083,12 +7077,9 @@
         </p:blipFill>
         <p:spPr>
           <a:xfrm>
-            <a:off x="745363" y="1203598"/>
+            <a:off x="827584" y="1347614"/>
             <a:ext cx="7653273" cy="2995612"/>
           </a:xfrm>
-          <a:prstGeom prst="rect">
-            <a:avLst/>
-          </a:prstGeom>
         </p:spPr>
       </p:pic>
     </p:spTree>
@@ -7154,7 +7145,7 @@
           <p:cNvPr id="5" name="Content Placeholder 4">
             <a:extLst>
               <a:ext uri="{FF2B5EF4-FFF2-40B4-BE49-F238E27FC236}">
-                <a16:creationId xmlns:a16="http://schemas.microsoft.com/office/drawing/2014/main" xmlns="" id="{34E024CD-D143-6144-9F2E-85B8187FB907}"/>
+                <a16:creationId xmlns="" xmlns:a16="http://schemas.microsoft.com/office/drawing/2014/main" id="{34E024CD-D143-6144-9F2E-85B8187FB907}"/>
               </a:ext>
             </a:extLst>
           </p:cNvPr>
@@ -7192,7 +7183,7 @@
           <p:cNvPr id="6" name="Picture 5">
             <a:extLst>
               <a:ext uri="{FF2B5EF4-FFF2-40B4-BE49-F238E27FC236}">
-                <a16:creationId xmlns:a16="http://schemas.microsoft.com/office/drawing/2014/main" xmlns="" id="{BBC23686-A54D-3948-970F-F39190C7947D}"/>
+                <a16:creationId xmlns="" xmlns:a16="http://schemas.microsoft.com/office/drawing/2014/main" id="{BBC23686-A54D-3948-970F-F39190C7947D}"/>
               </a:ext>
             </a:extLst>
           </p:cNvPr>
@@ -7226,7 +7217,7 @@
           <p:cNvPr id="9" name="Down Arrow 8">
             <a:extLst>
               <a:ext uri="{FF2B5EF4-FFF2-40B4-BE49-F238E27FC236}">
-                <a16:creationId xmlns:a16="http://schemas.microsoft.com/office/drawing/2014/main" xmlns="" id="{EEF4B0DB-5DA9-5D40-A305-3CC05FEA97C4}"/>
+                <a16:creationId xmlns="" xmlns:a16="http://schemas.microsoft.com/office/drawing/2014/main" id="{EEF4B0DB-5DA9-5D40-A305-3CC05FEA97C4}"/>
               </a:ext>
             </a:extLst>
           </p:cNvPr>
@@ -7272,7 +7263,7 @@
           <p:cNvPr id="15" name="Title 1">
             <a:extLst>
               <a:ext uri="{FF2B5EF4-FFF2-40B4-BE49-F238E27FC236}">
-                <a16:creationId xmlns:a16="http://schemas.microsoft.com/office/drawing/2014/main" xmlns="" id="{F4C4A796-8AEB-7641-8B55-458C4FE2D291}"/>
+                <a16:creationId xmlns="" xmlns:a16="http://schemas.microsoft.com/office/drawing/2014/main" id="{F4C4A796-8AEB-7641-8B55-458C4FE2D291}"/>
               </a:ext>
             </a:extLst>
           </p:cNvPr>
@@ -7396,7 +7387,7 @@
           <p:cNvPr id="9" name="Down Arrow 8">
             <a:extLst>
               <a:ext uri="{FF2B5EF4-FFF2-40B4-BE49-F238E27FC236}">
-                <a16:creationId xmlns:a16="http://schemas.microsoft.com/office/drawing/2014/main" xmlns="" id="{EEF4B0DB-5DA9-5D40-A305-3CC05FEA97C4}"/>
+                <a16:creationId xmlns="" xmlns:a16="http://schemas.microsoft.com/office/drawing/2014/main" id="{EEF4B0DB-5DA9-5D40-A305-3CC05FEA97C4}"/>
               </a:ext>
             </a:extLst>
           </p:cNvPr>
@@ -7442,7 +7433,7 @@
           <p:cNvPr id="15" name="Title 1">
             <a:extLst>
               <a:ext uri="{FF2B5EF4-FFF2-40B4-BE49-F238E27FC236}">
-                <a16:creationId xmlns:a16="http://schemas.microsoft.com/office/drawing/2014/main" xmlns="" id="{F4C4A796-8AEB-7641-8B55-458C4FE2D291}"/>
+                <a16:creationId xmlns="" xmlns:a16="http://schemas.microsoft.com/office/drawing/2014/main" id="{F4C4A796-8AEB-7641-8B55-458C4FE2D291}"/>
               </a:ext>
             </a:extLst>
           </p:cNvPr>
@@ -7508,7 +7499,7 @@
           <p:cNvPr id="8" name="Picture 7">
             <a:extLst>
               <a:ext uri="{FF2B5EF4-FFF2-40B4-BE49-F238E27FC236}">
-                <a16:creationId xmlns:a16="http://schemas.microsoft.com/office/drawing/2014/main" xmlns="" id="{49D1363A-6243-6A4B-AF55-C10C2EFCDC21}"/>
+                <a16:creationId xmlns="" xmlns:a16="http://schemas.microsoft.com/office/drawing/2014/main" id="{49D1363A-6243-6A4B-AF55-C10C2EFCDC21}"/>
               </a:ext>
             </a:extLst>
           </p:cNvPr>
@@ -7542,7 +7533,7 @@
           <p:cNvPr id="10" name="Picture 9">
             <a:extLst>
               <a:ext uri="{FF2B5EF4-FFF2-40B4-BE49-F238E27FC236}">
-                <a16:creationId xmlns:a16="http://schemas.microsoft.com/office/drawing/2014/main" xmlns="" id="{5B7994C7-D4E8-4C4E-AA71-0106FD979C8A}"/>
+                <a16:creationId xmlns="" xmlns:a16="http://schemas.microsoft.com/office/drawing/2014/main" id="{5B7994C7-D4E8-4C4E-AA71-0106FD979C8A}"/>
               </a:ext>
             </a:extLst>
           </p:cNvPr>
@@ -7634,7 +7625,7 @@
           <p:cNvPr id="15" name="Title 1">
             <a:extLst>
               <a:ext uri="{FF2B5EF4-FFF2-40B4-BE49-F238E27FC236}">
-                <a16:creationId xmlns:a16="http://schemas.microsoft.com/office/drawing/2014/main" xmlns="" id="{F4C4A796-8AEB-7641-8B55-458C4FE2D291}"/>
+                <a16:creationId xmlns="" xmlns:a16="http://schemas.microsoft.com/office/drawing/2014/main" id="{F4C4A796-8AEB-7641-8B55-458C4FE2D291}"/>
               </a:ext>
             </a:extLst>
           </p:cNvPr>
@@ -7676,7 +7667,7 @@
           <p:cNvPr id="13" name="Object 12">
             <a:extLst>
               <a:ext uri="{FF2B5EF4-FFF2-40B4-BE49-F238E27FC236}">
-                <a16:creationId xmlns:a16="http://schemas.microsoft.com/office/drawing/2014/main" xmlns="" id="{DB914DDF-21ED-D342-968B-D15374B57C19}"/>
+                <a16:creationId xmlns="" xmlns:a16="http://schemas.microsoft.com/office/drawing/2014/main" id="{DB914DDF-21ED-D342-968B-D15374B57C19}"/>
               </a:ext>
             </a:extLst>
           </p:cNvPr>
@@ -7699,7 +7690,7 @@
           <a:graphicData uri="http://schemas.openxmlformats.org/presentationml/2006/ole">
             <mc:AlternateContent xmlns:mc="http://schemas.openxmlformats.org/markup-compatibility/2006">
               <mc:Choice xmlns:v="urn:schemas-microsoft-com:vml" Requires="v">
-                <p:oleObj spid="_x0000_s2058" name="Document" r:id="rId3" imgW="6921500" imgH="1333500" progId="Word.Document.12">
+                <p:oleObj spid="_x0000_s2059" name="Document" r:id="rId3" imgW="6921500" imgH="1333500" progId="Word.Document.12">
                   <p:embed/>
                 </p:oleObj>
               </mc:Choice>
@@ -7739,7 +7730,7 @@
           <p:cNvPr id="16" name="Rectangle 15">
             <a:extLst>
               <a:ext uri="{FF2B5EF4-FFF2-40B4-BE49-F238E27FC236}">
-                <a16:creationId xmlns:a16="http://schemas.microsoft.com/office/drawing/2014/main" xmlns="" id="{E196E731-7B44-5748-8622-8F33F1FB9AE8}"/>
+                <a16:creationId xmlns="" xmlns:a16="http://schemas.microsoft.com/office/drawing/2014/main" id="{E196E731-7B44-5748-8622-8F33F1FB9AE8}"/>
               </a:ext>
             </a:extLst>
           </p:cNvPr>
@@ -7774,7 +7765,7 @@
           <p:cNvPr id="17" name="Rectangle 16">
             <a:extLst>
               <a:ext uri="{FF2B5EF4-FFF2-40B4-BE49-F238E27FC236}">
-                <a16:creationId xmlns:a16="http://schemas.microsoft.com/office/drawing/2014/main" xmlns="" id="{AF632D80-4D78-DA4D-A95F-73C5BD52E449}"/>
+                <a16:creationId xmlns="" xmlns:a16="http://schemas.microsoft.com/office/drawing/2014/main" id="{AF632D80-4D78-DA4D-A95F-73C5BD52E449}"/>
               </a:ext>
             </a:extLst>
           </p:cNvPr>
@@ -7923,7 +7914,7 @@
           <p:cNvPr id="15" name="Title 1">
             <a:extLst>
               <a:ext uri="{FF2B5EF4-FFF2-40B4-BE49-F238E27FC236}">
-                <a16:creationId xmlns:a16="http://schemas.microsoft.com/office/drawing/2014/main" xmlns="" id="{F4C4A796-8AEB-7641-8B55-458C4FE2D291}"/>
+                <a16:creationId xmlns="" xmlns:a16="http://schemas.microsoft.com/office/drawing/2014/main" id="{F4C4A796-8AEB-7641-8B55-458C4FE2D291}"/>
               </a:ext>
             </a:extLst>
           </p:cNvPr>
@@ -7965,7 +7956,7 @@
           <p:cNvPr id="8" name="Picture 7">
             <a:extLst>
               <a:ext uri="{FF2B5EF4-FFF2-40B4-BE49-F238E27FC236}">
-                <a16:creationId xmlns:a16="http://schemas.microsoft.com/office/drawing/2014/main" xmlns="" id="{A575FBA1-D496-934A-AE00-290AA7595822}"/>
+                <a16:creationId xmlns="" xmlns:a16="http://schemas.microsoft.com/office/drawing/2014/main" id="{A575FBA1-D496-934A-AE00-290AA7595822}"/>
               </a:ext>
             </a:extLst>
           </p:cNvPr>
@@ -8059,7 +8050,7 @@
           <p:cNvPr id="15" name="Title 1">
             <a:extLst>
               <a:ext uri="{FF2B5EF4-FFF2-40B4-BE49-F238E27FC236}">
-                <a16:creationId xmlns:a16="http://schemas.microsoft.com/office/drawing/2014/main" xmlns="" id="{F4C4A796-8AEB-7641-8B55-458C4FE2D291}"/>
+                <a16:creationId xmlns="" xmlns:a16="http://schemas.microsoft.com/office/drawing/2014/main" id="{F4C4A796-8AEB-7641-8B55-458C4FE2D291}"/>
               </a:ext>
             </a:extLst>
           </p:cNvPr>
@@ -8101,7 +8092,7 @@
           <p:cNvPr id="3" name="Picture 2">
             <a:extLst>
               <a:ext uri="{FF2B5EF4-FFF2-40B4-BE49-F238E27FC236}">
-                <a16:creationId xmlns:a16="http://schemas.microsoft.com/office/drawing/2014/main" xmlns="" id="{D0DDB850-3EB4-D64D-8FC9-01CDCA1B5E7A}"/>
+                <a16:creationId xmlns="" xmlns:a16="http://schemas.microsoft.com/office/drawing/2014/main" id="{D0DDB850-3EB4-D64D-8FC9-01CDCA1B5E7A}"/>
               </a:ext>
             </a:extLst>
           </p:cNvPr>
@@ -8195,7 +8186,7 @@
           <p:cNvPr id="15" name="Title 1">
             <a:extLst>
               <a:ext uri="{FF2B5EF4-FFF2-40B4-BE49-F238E27FC236}">
-                <a16:creationId xmlns:a16="http://schemas.microsoft.com/office/drawing/2014/main" xmlns="" id="{F4C4A796-8AEB-7641-8B55-458C4FE2D291}"/>
+                <a16:creationId xmlns="" xmlns:a16="http://schemas.microsoft.com/office/drawing/2014/main" id="{F4C4A796-8AEB-7641-8B55-458C4FE2D291}"/>
               </a:ext>
             </a:extLst>
           </p:cNvPr>
@@ -8237,7 +8228,7 @@
           <p:cNvPr id="3" name="Picture 2">
             <a:extLst>
               <a:ext uri="{FF2B5EF4-FFF2-40B4-BE49-F238E27FC236}">
-                <a16:creationId xmlns:a16="http://schemas.microsoft.com/office/drawing/2014/main" xmlns="" id="{C89FF32C-708B-A246-A4A9-3A91DF58208B}"/>
+                <a16:creationId xmlns="" xmlns:a16="http://schemas.microsoft.com/office/drawing/2014/main" id="{C89FF32C-708B-A246-A4A9-3A91DF58208B}"/>
               </a:ext>
             </a:extLst>
           </p:cNvPr>
@@ -9140,7 +9131,7 @@
   <a:extraClrSchemeLst/>
   <a:extLst>
     <a:ext uri="{05A4C25C-085E-4340-85A3-A5531E510DB2}">
-      <thm15:themeFamily xmlns:thm15="http://schemas.microsoft.com/office/thememl/2012/main" xmlns="" name="Office Theme" id="{62F939B6-93AF-4DB8-9C6B-D6C7DFDC589F}" vid="{4A3C46E8-61CC-4603-A589-7422A47A8E4A}"/>
+      <thm15:themeFamily xmlns="" xmlns:thm15="http://schemas.microsoft.com/office/thememl/2012/main" name="Office Theme" id="{62F939B6-93AF-4DB8-9C6B-D6C7DFDC589F}" vid="{4A3C46E8-61CC-4603-A589-7422A47A8E4A}"/>
     </a:ext>
   </a:extLst>
 </a:theme>

--- a/系統分析/系統分析期中報告.pptx
+++ b/系統分析/系統分析期中報告.pptx
@@ -4480,13 +4480,7 @@
             </a:endParaRPr>
           </a:p>
           <a:p>
-            <a:pPr algn="ctr" fontAlgn="auto">
-              <a:spcBef>
-                <a:spcPts val="0"/>
-              </a:spcBef>
-              <a:spcAft>
-                <a:spcPts val="0"/>
-              </a:spcAft>
+            <a:pPr algn="ctr">
               <a:defRPr/>
             </a:pPr>
             <a:r>
@@ -4494,9 +4488,23 @@
                 <a:latin typeface="Arial" pitchFamily="34" charset="0"/>
                 <a:cs typeface="Arial" pitchFamily="34" charset="0"/>
               </a:rPr>
-              <a:t>羅少欽</a:t>
-            </a:r>
-            <a:endParaRPr kumimoji="0" lang="en-US" altLang="ko-KR" sz="1400" b="1" dirty="0">
+              <a:t>羅少</a:t>
+            </a:r>
+            <a:r>
+              <a:rPr kumimoji="0" lang="zh-Hant" altLang="en-US" sz="1400" b="1" dirty="0" smtClean="0">
+                <a:latin typeface="Arial" pitchFamily="34" charset="0"/>
+                <a:cs typeface="Arial" pitchFamily="34" charset="0"/>
+              </a:rPr>
+              <a:t>欽</a:t>
+            </a:r>
+            <a:r>
+              <a:rPr lang="en-US" altLang="zh-Hant" sz="1400" b="1" dirty="0" smtClean="0">
+                <a:latin typeface="Arial" pitchFamily="34" charset="0"/>
+                <a:cs typeface="Arial" pitchFamily="34" charset="0"/>
+              </a:rPr>
+              <a:t>D0528430</a:t>
+            </a:r>
+            <a:endParaRPr lang="en-US" altLang="ko-KR" sz="1400" b="1" dirty="0">
               <a:latin typeface="Arial" pitchFamily="34" charset="0"/>
               <a:cs typeface="Arial" pitchFamily="34" charset="0"/>
             </a:endParaRPr>
@@ -4560,6 +4568,13 @@
   <p:clrMapOvr>
     <a:masterClrMapping/>
   </p:clrMapOvr>
+  <p:timing>
+    <p:tnLst>
+      <p:par>
+        <p:cTn id="1" dur="indefinite" restart="never" nodeType="tmRoot"/>
+      </p:par>
+    </p:tnLst>
+  </p:timing>
 </p:sld>
 </file>
 
@@ -5793,7 +5808,7 @@
             <p:ph idx="10"/>
             <p:extLst>
               <p:ext uri="{D42A27DB-BD31-4B8C-83A1-F6EECF244321}">
-                <p14:modId xmlns:p14="http://schemas.microsoft.com/office/powerpoint/2010/main" val="720158368"/>
+                <p14:modId xmlns:p14="http://schemas.microsoft.com/office/powerpoint/2010/main" val="1419646587"/>
               </p:ext>
             </p:extLst>
           </p:nvPr>
@@ -5920,10 +5935,70 @@
                         <a:buAutoNum type="arabicPeriod"/>
                       </a:pPr>
                       <a:r>
-                        <a:rPr lang="zh-TW" sz="1100" dirty="0">
+                        <a:rPr lang="zh-TW" altLang="en-US" sz="1100" dirty="0" smtClean="0">
                           <a:effectLst/>
                         </a:rPr>
-                        <a:t>使用者（買、賣家）登入，由系統進行驗證身份之後，若符合（使用者設定中的）賣家身份，可切換至賣家身份。</a:t>
+                        <a:t>使用者</a:t>
+                      </a:r>
+                      <a:r>
+                        <a:rPr lang="zh-Hant" altLang="en-US" sz="1100" dirty="0" smtClean="0">
+                          <a:effectLst/>
+                        </a:rPr>
+                        <a:t>在已</a:t>
+                      </a:r>
+                      <a:r>
+                        <a:rPr lang="zh-TW" altLang="en-US" sz="1100" dirty="0" smtClean="0">
+                          <a:effectLst/>
+                        </a:rPr>
+                        <a:t>登入</a:t>
+                      </a:r>
+                      <a:r>
+                        <a:rPr lang="zh-Hant" altLang="en-US" sz="1100" dirty="0" smtClean="0">
+                          <a:effectLst/>
+                        </a:rPr>
+                        <a:t>狀態下</a:t>
+                      </a:r>
+                      <a:r>
+                        <a:rPr lang="zh-TW" altLang="en-US" sz="1100" dirty="0" smtClean="0">
+                          <a:effectLst/>
+                        </a:rPr>
+                        <a:t>，</a:t>
+                      </a:r>
+                      <a:r>
+                        <a:rPr lang="zh-CN" altLang="en-US" sz="1100" b="1" kern="1200" dirty="0" smtClean="0">
+                          <a:solidFill>
+                            <a:schemeClr val="dk1"/>
+                          </a:solidFill>
+                          <a:effectLst/>
+                          <a:latin typeface="+mn-lt"/>
+                          <a:ea typeface="+mn-ea"/>
+                          <a:cs typeface="+mn-cs"/>
+                        </a:rPr>
+                        <a:t>欲</a:t>
+                      </a:r>
+                      <a:r>
+                        <a:rPr lang="zh-TW" altLang="en-US" sz="1100" dirty="0" smtClean="0">
+                          <a:effectLst/>
+                        </a:rPr>
+                        <a:t>切</a:t>
+                      </a:r>
+                      <a:r>
+                        <a:rPr lang="zh-TW" altLang="en-US" sz="1100" dirty="0" smtClean="0">
+                          <a:effectLst/>
+                        </a:rPr>
+                        <a:t>換至賣家身份，</a:t>
+                      </a:r>
+                      <a:r>
+                        <a:rPr lang="zh-Hant" altLang="en-US" sz="1100" dirty="0" smtClean="0">
+                          <a:effectLst/>
+                        </a:rPr>
+                        <a:t>經系統驗證，更新使用模式</a:t>
+                      </a:r>
+                      <a:r>
+                        <a:rPr lang="zh-TW" altLang="en-US" sz="1100" dirty="0" smtClean="0">
+                          <a:effectLst/>
+                        </a:rPr>
+                        <a:t>。</a:t>
                       </a:r>
                       <a:endParaRPr lang="en-US" sz="1100" dirty="0">
                         <a:effectLst/>
@@ -5949,36 +6024,54 @@
                         </a:spcAft>
                       </a:pPr>
                       <a:r>
-                        <a:rPr lang="zh-TW" sz="1100" dirty="0">
+                        <a:rPr lang="zh-TW" altLang="en-US" sz="1100" b="1" dirty="0" smtClean="0">
+                          <a:solidFill>
+                            <a:schemeClr val="tx1"/>
+                          </a:solidFill>
                           <a:effectLst/>
                         </a:rPr>
                         <a:t>使用者</a:t>
                       </a:r>
                       <a:r>
-                        <a:rPr lang="en-MY" sz="1100" dirty="0">
+                        <a:rPr lang="en-MY" sz="1100" b="1" dirty="0" smtClean="0">
+                          <a:solidFill>
+                            <a:schemeClr val="tx1"/>
+                          </a:solidFill>
                           <a:effectLst/>
                         </a:rPr>
                         <a:t>+</a:t>
                       </a:r>
                       <a:r>
-                        <a:rPr lang="zh-TW" sz="1100" dirty="0">
+                        <a:rPr lang="zh-TW" altLang="en-US" sz="1100" b="1" dirty="0" smtClean="0">
+                          <a:solidFill>
+                            <a:schemeClr val="tx1"/>
+                          </a:solidFill>
                           <a:effectLst/>
                         </a:rPr>
-                        <a:t>登入</a:t>
+                        <a:t>傳送</a:t>
                       </a:r>
                       <a:r>
-                        <a:rPr lang="en-MY" sz="1100" dirty="0">
+                        <a:rPr lang="en-MY" sz="1100" b="1" dirty="0" smtClean="0">
+                          <a:solidFill>
+                            <a:schemeClr val="tx1"/>
+                          </a:solidFill>
                           <a:effectLst/>
                         </a:rPr>
                         <a:t>+</a:t>
                       </a:r>
                       <a:r>
-                        <a:rPr lang="zh-TW" sz="1100" dirty="0">
+                        <a:rPr lang="zh-TW" altLang="en-US" sz="1100" b="1" dirty="0" smtClean="0">
+                          <a:solidFill>
+                            <a:schemeClr val="tx1"/>
+                          </a:solidFill>
                           <a:effectLst/>
                         </a:rPr>
-                        <a:t>應用程式</a:t>
+                        <a:t>切換身份請求</a:t>
                       </a:r>
-                      <a:endParaRPr lang="en-US" sz="1100" dirty="0">
+                      <a:endParaRPr lang="en-US" sz="1100" b="1" dirty="0" smtClean="0">
+                        <a:solidFill>
+                          <a:schemeClr val="tx1"/>
+                        </a:solidFill>
                         <a:effectLst/>
                       </a:endParaRPr>
                     </a:p>
@@ -5992,36 +6085,54 @@
                         </a:spcAft>
                       </a:pPr>
                       <a:r>
-                        <a:rPr lang="zh-TW" sz="1100" dirty="0">
+                        <a:rPr lang="zh-TW" altLang="en-US" sz="1100" b="0" dirty="0" smtClean="0">
+                          <a:solidFill>
+                            <a:schemeClr val="tx1"/>
+                          </a:solidFill>
                           <a:effectLst/>
                         </a:rPr>
                         <a:t>應用程式</a:t>
                       </a:r>
                       <a:r>
-                        <a:rPr lang="en-MY" sz="1100" dirty="0">
+                        <a:rPr lang="en-MY" sz="1100" b="0" dirty="0" smtClean="0">
+                          <a:solidFill>
+                            <a:schemeClr val="tx1"/>
+                          </a:solidFill>
                           <a:effectLst/>
                         </a:rPr>
                         <a:t>+</a:t>
                       </a:r>
                       <a:r>
-                        <a:rPr lang="zh-TW" sz="1100" dirty="0">
+                        <a:rPr lang="zh-TW" altLang="en-US" sz="1100" b="0" dirty="0" smtClean="0">
+                          <a:solidFill>
+                            <a:schemeClr val="tx1"/>
+                          </a:solidFill>
                           <a:effectLst/>
                         </a:rPr>
                         <a:t>傳送</a:t>
                       </a:r>
                       <a:r>
-                        <a:rPr lang="en-MY" sz="1100" dirty="0">
+                        <a:rPr lang="en-MY" sz="1100" b="0" dirty="0" smtClean="0">
+                          <a:solidFill>
+                            <a:schemeClr val="tx1"/>
+                          </a:solidFill>
                           <a:effectLst/>
                         </a:rPr>
                         <a:t>+</a:t>
                       </a:r>
                       <a:r>
-                        <a:rPr lang="zh-TW" sz="1100" dirty="0">
+                        <a:rPr lang="zh-TW" altLang="en-US" sz="1100" b="0" dirty="0" smtClean="0">
+                          <a:solidFill>
+                            <a:schemeClr val="tx1"/>
+                          </a:solidFill>
                           <a:effectLst/>
                         </a:rPr>
-                        <a:t>登入請求</a:t>
+                        <a:t>切換請求</a:t>
                       </a:r>
-                      <a:endParaRPr lang="en-US" sz="1100" dirty="0">
+                      <a:endParaRPr lang="en-US" sz="1100" b="0" dirty="0" smtClean="0">
+                        <a:solidFill>
+                          <a:schemeClr val="tx1"/>
+                        </a:solidFill>
                         <a:effectLst/>
                       </a:endParaRPr>
                     </a:p>
@@ -6035,36 +6146,36 @@
                         </a:spcAft>
                       </a:pPr>
                       <a:r>
-                        <a:rPr lang="zh-TW" sz="1100" dirty="0">
+                        <a:rPr lang="zh-TW" altLang="en-US" sz="1100" dirty="0" smtClean="0">
                           <a:effectLst/>
                         </a:rPr>
                         <a:t>伺服器</a:t>
                       </a:r>
                       <a:r>
-                        <a:rPr lang="en-MY" sz="1100" dirty="0">
+                        <a:rPr lang="en-MY" sz="1100" dirty="0" smtClean="0">
                           <a:effectLst/>
                         </a:rPr>
                         <a:t>+</a:t>
                       </a:r>
                       <a:r>
-                        <a:rPr lang="zh-TW" sz="1100" dirty="0">
+                        <a:rPr lang="zh-TW" altLang="en-US" sz="1100" dirty="0" smtClean="0">
                           <a:effectLst/>
                         </a:rPr>
                         <a:t>接收</a:t>
                       </a:r>
                       <a:r>
-                        <a:rPr lang="en-MY" sz="1100" dirty="0">
+                        <a:rPr lang="en-MY" sz="1100" dirty="0" smtClean="0">
                           <a:effectLst/>
                         </a:rPr>
                         <a:t>+</a:t>
                       </a:r>
                       <a:r>
-                        <a:rPr lang="zh-TW" sz="1100" dirty="0">
+                        <a:rPr lang="zh-TW" altLang="en-US" sz="1100" dirty="0" smtClean="0">
                           <a:effectLst/>
                         </a:rPr>
-                        <a:t>登入請求</a:t>
+                        <a:t>切換請求</a:t>
                       </a:r>
-                      <a:endParaRPr lang="en-US" sz="1100" dirty="0">
+                      <a:endParaRPr lang="en-US" sz="1100" dirty="0" smtClean="0">
                         <a:effectLst/>
                       </a:endParaRPr>
                     </a:p>
@@ -6078,36 +6189,36 @@
                         </a:spcAft>
                       </a:pPr>
                       <a:r>
-                        <a:rPr lang="zh-TW" sz="1100" dirty="0">
+                        <a:rPr lang="zh-TW" altLang="en-US" sz="1100" dirty="0" smtClean="0">
                           <a:effectLst/>
                         </a:rPr>
                         <a:t>伺服器</a:t>
                       </a:r>
                       <a:r>
-                        <a:rPr lang="en-MY" sz="1100" dirty="0">
+                        <a:rPr lang="en-MY" sz="1100" dirty="0" smtClean="0">
                           <a:effectLst/>
                         </a:rPr>
                         <a:t>+</a:t>
                       </a:r>
                       <a:r>
-                        <a:rPr lang="zh-TW" sz="1100" dirty="0">
+                        <a:rPr lang="zh-TW" altLang="en-US" sz="1100" dirty="0" smtClean="0">
                           <a:effectLst/>
                         </a:rPr>
-                        <a:t>驗證</a:t>
+                        <a:t>查詢</a:t>
                       </a:r>
                       <a:r>
-                        <a:rPr lang="en-MY" sz="1100" dirty="0">
+                        <a:rPr lang="en-MY" sz="1100" dirty="0" smtClean="0">
                           <a:effectLst/>
                         </a:rPr>
                         <a:t>+</a:t>
                       </a:r>
                       <a:r>
-                        <a:rPr lang="zh-TW" sz="1100" dirty="0">
+                        <a:rPr lang="zh-TW" altLang="en-US" sz="1100" dirty="0" smtClean="0">
                           <a:effectLst/>
                         </a:rPr>
-                        <a:t>使用者名稱、密碼</a:t>
+                        <a:t>使用者設定</a:t>
                       </a:r>
-                      <a:endParaRPr lang="en-US" sz="1100" dirty="0">
+                      <a:endParaRPr lang="en-US" sz="1100" dirty="0" smtClean="0">
                         <a:effectLst/>
                       </a:endParaRPr>
                     </a:p>
@@ -6121,384 +6232,116 @@
                         </a:spcAft>
                       </a:pPr>
                       <a:r>
-                        <a:rPr lang="zh-TW" sz="1100" dirty="0">
+                        <a:rPr lang="zh-TW" altLang="en-US" sz="1100" dirty="0" smtClean="0">
                           <a:effectLst/>
                         </a:rPr>
                         <a:t>伺服器</a:t>
                       </a:r>
                       <a:r>
-                        <a:rPr lang="en-MY" sz="1100" dirty="0">
+                        <a:rPr lang="en-MY" sz="1100" dirty="0" smtClean="0">
                           <a:effectLst/>
                         </a:rPr>
                         <a:t>+</a:t>
                       </a:r>
                       <a:r>
-                        <a:rPr lang="zh-TW" sz="1100" dirty="0">
+                        <a:rPr lang="zh-TW" altLang="en-US" sz="1100" dirty="0" smtClean="0">
                           <a:effectLst/>
                         </a:rPr>
-                        <a:t>登錄</a:t>
+                        <a:t>更新</a:t>
                       </a:r>
                       <a:r>
-                        <a:rPr lang="en-MY" sz="1100" dirty="0">
+                        <a:rPr lang="en-MY" sz="1100" dirty="0" smtClean="0">
                           <a:effectLst/>
                         </a:rPr>
                         <a:t>+</a:t>
                       </a:r>
                       <a:r>
-                        <a:rPr lang="zh-TW" sz="1100" dirty="0">
+                        <a:rPr lang="zh-TW" altLang="en-US" sz="1100" dirty="0" smtClean="0">
                           <a:effectLst/>
                         </a:rPr>
-                        <a:t>登入狀態</a:t>
+                        <a:t>使用者登入狀態</a:t>
                       </a:r>
-                      <a:endParaRPr lang="en-US" sz="1100" dirty="0">
+                      <a:endParaRPr lang="en-US" altLang="zh-TW" sz="1100" dirty="0" smtClean="0">
                         <a:effectLst/>
                       </a:endParaRPr>
                     </a:p>
                     <a:p>
-                      <a:pPr algn="l">
+                      <a:pPr marL="0" marR="0" lvl="0" indent="0" algn="l" defTabSz="914400" rtl="0" eaLnBrk="1" fontAlgn="auto" latinLnBrk="1" hangingPunct="1">
                         <a:lnSpc>
                           <a:spcPct val="115000"/>
                         </a:lnSpc>
+                        <a:spcBef>
+                          <a:spcPts val="0"/>
+                        </a:spcBef>
                         <a:spcAft>
                           <a:spcPts val="0"/>
                         </a:spcAft>
+                        <a:buClrTx/>
+                        <a:buSzTx/>
+                        <a:buFontTx/>
+                        <a:buNone/>
+                        <a:tabLst/>
+                        <a:defRPr/>
                       </a:pPr>
                       <a:r>
-                        <a:rPr lang="zh-TW" sz="1100" dirty="0">
+                        <a:rPr lang="zh-TW" altLang="en-US" sz="1100" b="1" dirty="0" smtClean="0">
+                          <a:solidFill>
+                            <a:schemeClr val="tx1"/>
+                          </a:solidFill>
                           <a:effectLst/>
                         </a:rPr>
-                        <a:t>伺服器</a:t>
+                        <a:t>應用程式</a:t>
                       </a:r>
                       <a:r>
-                        <a:rPr lang="en-MY" sz="1100" dirty="0">
+                        <a:rPr lang="en-MY" sz="1100" b="1" dirty="0" smtClean="0">
+                          <a:solidFill>
+                            <a:schemeClr val="tx1"/>
+                          </a:solidFill>
                           <a:effectLst/>
                         </a:rPr>
                         <a:t>+</a:t>
                       </a:r>
                       <a:r>
-                        <a:rPr lang="zh-TW" sz="1100" dirty="0">
+                        <a:rPr lang="zh-TW" altLang="en-US" sz="1100" b="1" dirty="0" smtClean="0">
+                          <a:solidFill>
+                            <a:schemeClr val="tx1"/>
+                          </a:solidFill>
                           <a:effectLst/>
                         </a:rPr>
-                        <a:t>回傳</a:t>
+                        <a:t>更新</a:t>
                       </a:r>
                       <a:r>
-                        <a:rPr lang="en-MY" sz="1100" dirty="0">
+                        <a:rPr lang="en-MY" sz="1100" b="1" dirty="0" smtClean="0">
+                          <a:solidFill>
+                            <a:schemeClr val="tx1"/>
+                          </a:solidFill>
                           <a:effectLst/>
                         </a:rPr>
                         <a:t>+</a:t>
                       </a:r>
                       <a:r>
-                        <a:rPr lang="zh-TW" sz="1100" dirty="0">
+                        <a:rPr lang="zh-TW" altLang="en-US" sz="1100" b="1" dirty="0" smtClean="0">
+                          <a:solidFill>
+                            <a:schemeClr val="tx1"/>
+                          </a:solidFill>
                           <a:effectLst/>
                         </a:rPr>
-                        <a:t>登入結果</a:t>
+                        <a:t>使用</a:t>
                       </a:r>
-                      <a:endParaRPr lang="en-US" sz="1100" dirty="0">
-                        <a:effectLst/>
-                      </a:endParaRPr>
-                    </a:p>
-                    <a:p>
-                      <a:pPr algn="l">
-                        <a:lnSpc>
-                          <a:spcPct val="115000"/>
-                        </a:lnSpc>
-                        <a:spcAft>
-                          <a:spcPts val="0"/>
-                        </a:spcAft>
-                      </a:pPr>
                       <a:r>
-                        <a:rPr lang="zh-TW" sz="1100" dirty="0">
+                        <a:rPr lang="zh-Hant" altLang="en-US" sz="1100" b="1" dirty="0" smtClean="0">
+                          <a:solidFill>
+                            <a:schemeClr val="tx1"/>
+                          </a:solidFill>
                           <a:effectLst/>
                         </a:rPr>
-                        <a:t>應用程式</a:t>
+                        <a:t>模式</a:t>
                       </a:r>
-                      <a:r>
-                        <a:rPr lang="en-MY" sz="1100" dirty="0">
-                          <a:effectLst/>
-                        </a:rPr>
-                        <a:t>+</a:t>
-                      </a:r>
-                      <a:r>
-                        <a:rPr lang="zh-TW" sz="1100" dirty="0">
-                          <a:effectLst/>
-                        </a:rPr>
-                        <a:t>接收</a:t>
-                      </a:r>
-                      <a:r>
-                        <a:rPr lang="en-MY" sz="1100" dirty="0">
-                          <a:effectLst/>
-                        </a:rPr>
-                        <a:t>+</a:t>
-                      </a:r>
-                      <a:r>
-                        <a:rPr lang="zh-TW" sz="1100" dirty="0">
-                          <a:effectLst/>
-                        </a:rPr>
-                        <a:t>登入結果</a:t>
-                      </a:r>
-                      <a:endParaRPr lang="en-US" sz="1100" dirty="0">
+                      <a:endParaRPr lang="en-US" altLang="zh-TW" sz="1100" b="1" dirty="0">
+                        <a:solidFill>
+                          <a:schemeClr val="tx1"/>
+                        </a:solidFill>
                         <a:effectLst/>
-                      </a:endParaRPr>
-                    </a:p>
-                    <a:p>
-                      <a:pPr algn="l">
-                        <a:lnSpc>
-                          <a:spcPct val="115000"/>
-                        </a:lnSpc>
-                        <a:spcAft>
-                          <a:spcPts val="0"/>
-                        </a:spcAft>
-                      </a:pPr>
-                      <a:r>
-                        <a:rPr lang="zh-TW" sz="1100" dirty="0">
-                          <a:effectLst/>
-                        </a:rPr>
-                        <a:t>應用程式</a:t>
-                      </a:r>
-                      <a:r>
-                        <a:rPr lang="en-MY" sz="1100" dirty="0">
-                          <a:effectLst/>
-                        </a:rPr>
-                        <a:t>+</a:t>
-                      </a:r>
-                      <a:r>
-                        <a:rPr lang="zh-TW" sz="1100" dirty="0">
-                          <a:effectLst/>
-                        </a:rPr>
-                        <a:t>顯示</a:t>
-                      </a:r>
-                      <a:r>
-                        <a:rPr lang="en-MY" sz="1100" dirty="0">
-                          <a:effectLst/>
-                        </a:rPr>
-                        <a:t>+</a:t>
-                      </a:r>
-                      <a:r>
-                        <a:rPr lang="zh-TW" sz="1100" dirty="0">
-                          <a:effectLst/>
-                        </a:rPr>
-                        <a:t>登入結果</a:t>
-                      </a:r>
-                      <a:endParaRPr lang="en-US" sz="1100" dirty="0">
-                        <a:effectLst/>
-                      </a:endParaRPr>
-                    </a:p>
-                    <a:p>
-                      <a:pPr algn="l">
-                        <a:lnSpc>
-                          <a:spcPct val="115000"/>
-                        </a:lnSpc>
-                        <a:spcAft>
-                          <a:spcPts val="0"/>
-                        </a:spcAft>
-                      </a:pPr>
-                      <a:r>
-                        <a:rPr lang="zh-TW" sz="1100" dirty="0">
-                          <a:effectLst/>
-                        </a:rPr>
-                        <a:t>使用者</a:t>
-                      </a:r>
-                      <a:r>
-                        <a:rPr lang="en-MY" sz="1100" dirty="0">
-                          <a:effectLst/>
-                        </a:rPr>
-                        <a:t>+</a:t>
-                      </a:r>
-                      <a:r>
-                        <a:rPr lang="zh-TW" sz="1100" dirty="0">
-                          <a:effectLst/>
-                        </a:rPr>
-                        <a:t>傳送</a:t>
-                      </a:r>
-                      <a:r>
-                        <a:rPr lang="en-MY" sz="1100" dirty="0">
-                          <a:effectLst/>
-                        </a:rPr>
-                        <a:t>+</a:t>
-                      </a:r>
-                      <a:r>
-                        <a:rPr lang="zh-TW" sz="1100" dirty="0">
-                          <a:effectLst/>
-                        </a:rPr>
-                        <a:t>切換身份請求</a:t>
-                      </a:r>
-                      <a:endParaRPr lang="en-US" sz="1100" dirty="0">
-                        <a:effectLst/>
-                      </a:endParaRPr>
-                    </a:p>
-                    <a:p>
-                      <a:pPr algn="l">
-                        <a:lnSpc>
-                          <a:spcPct val="115000"/>
-                        </a:lnSpc>
-                        <a:spcAft>
-                          <a:spcPts val="0"/>
-                        </a:spcAft>
-                      </a:pPr>
-                      <a:r>
-                        <a:rPr lang="zh-TW" sz="1100" dirty="0">
-                          <a:effectLst/>
-                        </a:rPr>
-                        <a:t>應用程式</a:t>
-                      </a:r>
-                      <a:r>
-                        <a:rPr lang="en-MY" sz="1100" dirty="0">
-                          <a:effectLst/>
-                        </a:rPr>
-                        <a:t>+</a:t>
-                      </a:r>
-                      <a:r>
-                        <a:rPr lang="zh-TW" sz="1100" dirty="0">
-                          <a:effectLst/>
-                        </a:rPr>
-                        <a:t>傳送</a:t>
-                      </a:r>
-                      <a:r>
-                        <a:rPr lang="en-MY" sz="1100" dirty="0">
-                          <a:effectLst/>
-                        </a:rPr>
-                        <a:t>+</a:t>
-                      </a:r>
-                      <a:r>
-                        <a:rPr lang="zh-TW" sz="1100" dirty="0">
-                          <a:effectLst/>
-                        </a:rPr>
-                        <a:t>切換請求</a:t>
-                      </a:r>
-                      <a:endParaRPr lang="en-US" sz="1100" dirty="0">
-                        <a:effectLst/>
-                      </a:endParaRPr>
-                    </a:p>
-                    <a:p>
-                      <a:pPr algn="l">
-                        <a:lnSpc>
-                          <a:spcPct val="115000"/>
-                        </a:lnSpc>
-                        <a:spcAft>
-                          <a:spcPts val="0"/>
-                        </a:spcAft>
-                      </a:pPr>
-                      <a:r>
-                        <a:rPr lang="zh-TW" sz="1100" dirty="0">
-                          <a:effectLst/>
-                        </a:rPr>
-                        <a:t>伺服器</a:t>
-                      </a:r>
-                      <a:r>
-                        <a:rPr lang="en-MY" sz="1100" dirty="0">
-                          <a:effectLst/>
-                        </a:rPr>
-                        <a:t>+</a:t>
-                      </a:r>
-                      <a:r>
-                        <a:rPr lang="zh-TW" sz="1100" dirty="0">
-                          <a:effectLst/>
-                        </a:rPr>
-                        <a:t>接收</a:t>
-                      </a:r>
-                      <a:r>
-                        <a:rPr lang="en-MY" sz="1100" dirty="0">
-                          <a:effectLst/>
-                        </a:rPr>
-                        <a:t>+</a:t>
-                      </a:r>
-                      <a:r>
-                        <a:rPr lang="zh-TW" sz="1100" dirty="0">
-                          <a:effectLst/>
-                        </a:rPr>
-                        <a:t>切換請求</a:t>
-                      </a:r>
-                      <a:endParaRPr lang="en-US" sz="1100" dirty="0">
-                        <a:effectLst/>
-                      </a:endParaRPr>
-                    </a:p>
-                    <a:p>
-                      <a:pPr algn="l">
-                        <a:lnSpc>
-                          <a:spcPct val="115000"/>
-                        </a:lnSpc>
-                        <a:spcAft>
-                          <a:spcPts val="0"/>
-                        </a:spcAft>
-                      </a:pPr>
-                      <a:r>
-                        <a:rPr lang="zh-TW" sz="1100" dirty="0">
-                          <a:effectLst/>
-                        </a:rPr>
-                        <a:t>伺服器</a:t>
-                      </a:r>
-                      <a:r>
-                        <a:rPr lang="en-MY" sz="1100" dirty="0">
-                          <a:effectLst/>
-                        </a:rPr>
-                        <a:t>+</a:t>
-                      </a:r>
-                      <a:r>
-                        <a:rPr lang="zh-TW" sz="1100" dirty="0">
-                          <a:effectLst/>
-                        </a:rPr>
-                        <a:t>查詢</a:t>
-                      </a:r>
-                      <a:r>
-                        <a:rPr lang="en-MY" sz="1100" dirty="0">
-                          <a:effectLst/>
-                        </a:rPr>
-                        <a:t>+</a:t>
-                      </a:r>
-                      <a:r>
-                        <a:rPr lang="zh-TW" sz="1100" dirty="0">
-                          <a:effectLst/>
-                        </a:rPr>
-                        <a:t>使用者設定</a:t>
-                      </a:r>
-                      <a:endParaRPr lang="en-US" sz="1100" dirty="0">
-                        <a:effectLst/>
-                      </a:endParaRPr>
-                    </a:p>
-                    <a:p>
-                      <a:pPr algn="l">
-                        <a:lnSpc>
-                          <a:spcPct val="115000"/>
-                        </a:lnSpc>
-                        <a:spcAft>
-                          <a:spcPts val="0"/>
-                        </a:spcAft>
-                      </a:pPr>
-                      <a:r>
-                        <a:rPr lang="zh-TW" sz="1100" dirty="0">
-                          <a:effectLst/>
-                        </a:rPr>
-                        <a:t>伺服器</a:t>
-                      </a:r>
-                      <a:r>
-                        <a:rPr lang="en-MY" sz="1100" dirty="0">
-                          <a:effectLst/>
-                        </a:rPr>
-                        <a:t>+</a:t>
-                      </a:r>
-                      <a:r>
-                        <a:rPr lang="zh-TW" sz="1100" dirty="0">
-                          <a:effectLst/>
-                        </a:rPr>
-                        <a:t>更新</a:t>
-                      </a:r>
-                      <a:r>
-                        <a:rPr lang="en-MY" sz="1100" dirty="0">
-                          <a:effectLst/>
-                        </a:rPr>
-                        <a:t>+</a:t>
-                      </a:r>
-                      <a:r>
-                        <a:rPr lang="zh-TW" sz="1100" dirty="0">
-                          <a:effectLst/>
-                        </a:rPr>
-                        <a:t>使用者登入狀態</a:t>
-                      </a:r>
-                      <a:endParaRPr lang="en-US" sz="1100" dirty="0">
-                        <a:effectLst/>
-                        <a:latin typeface="Calibri" panose="020F0502020204030204" pitchFamily="34" charset="0"/>
-                        <a:ea typeface="PMingLiU" panose="02020500000000000000" pitchFamily="18" charset="-120"/>
-                        <a:cs typeface="Times New Roman" panose="02020603050405020304" pitchFamily="18" charset="0"/>
                       </a:endParaRPr>
                     </a:p>
                   </a:txBody>
@@ -6527,12 +6370,12 @@
                         <a:buAutoNum type="arabicPeriod"/>
                       </a:pPr>
                       <a:r>
-                        <a:rPr lang="zh-TW" sz="1100">
+                        <a:rPr lang="zh-TW" sz="1100" dirty="0">
                           <a:effectLst/>
                         </a:rPr>
                         <a:t>賣家可瀏覽今日銷售記錄、單個商品銷售記錄</a:t>
                       </a:r>
-                      <a:endParaRPr lang="en-US" sz="1100">
+                      <a:endParaRPr lang="en-US" sz="1100" dirty="0">
                         <a:effectLst/>
                         <a:latin typeface="Calibri" panose="020F0502020204030204" pitchFamily="34" charset="0"/>
                         <a:ea typeface="PMingLiU" panose="02020500000000000000" pitchFamily="18" charset="-120"/>
@@ -6556,36 +6399,36 @@
                         </a:spcAft>
                       </a:pPr>
                       <a:r>
-                        <a:rPr lang="zh-TW" sz="1100" dirty="0">
+                        <a:rPr lang="zh-TW" altLang="en-US" sz="1100" b="1" dirty="0" smtClean="0">
                           <a:effectLst/>
                         </a:rPr>
                         <a:t>賣家</a:t>
                       </a:r>
                       <a:r>
-                        <a:rPr lang="en-MY" sz="1100" dirty="0">
+                        <a:rPr lang="en-MY" sz="1100" b="1" dirty="0" smtClean="0">
                           <a:effectLst/>
                         </a:rPr>
                         <a:t>+</a:t>
                       </a:r>
                       <a:r>
-                        <a:rPr lang="zh-TW" sz="1100" dirty="0">
+                        <a:rPr lang="zh-TW" altLang="en-US" sz="1100" b="1" dirty="0" smtClean="0">
                           <a:effectLst/>
                         </a:rPr>
                         <a:t>發送</a:t>
                       </a:r>
                       <a:r>
-                        <a:rPr lang="en-MY" sz="1100" dirty="0">
+                        <a:rPr lang="en-MY" sz="1100" b="1" dirty="0" smtClean="0">
                           <a:effectLst/>
                         </a:rPr>
                         <a:t>+</a:t>
                       </a:r>
                       <a:r>
-                        <a:rPr lang="zh-TW" sz="1100" dirty="0">
+                        <a:rPr lang="zh-TW" altLang="en-US" sz="1100" b="1" dirty="0" smtClean="0">
                           <a:effectLst/>
                         </a:rPr>
                         <a:t>瀏覽請求</a:t>
                       </a:r>
-                      <a:endParaRPr lang="en-US" sz="1100" dirty="0">
+                      <a:endParaRPr lang="en-US" sz="1100" b="1" dirty="0" smtClean="0">
                         <a:effectLst/>
                       </a:endParaRPr>
                     </a:p>
@@ -6599,36 +6442,36 @@
                         </a:spcAft>
                       </a:pPr>
                       <a:r>
-                        <a:rPr lang="zh-TW" sz="1100" dirty="0">
+                        <a:rPr lang="zh-TW" altLang="en-US" sz="1100" dirty="0" smtClean="0">
                           <a:effectLst/>
                         </a:rPr>
                         <a:t>應用程式</a:t>
                       </a:r>
                       <a:r>
-                        <a:rPr lang="en-MY" sz="1100" dirty="0">
+                        <a:rPr lang="en-MY" sz="1100" dirty="0" smtClean="0">
                           <a:effectLst/>
                         </a:rPr>
                         <a:t>+</a:t>
                       </a:r>
                       <a:r>
-                        <a:rPr lang="zh-TW" sz="1100" dirty="0">
+                        <a:rPr lang="zh-TW" altLang="en-US" sz="1100" dirty="0" smtClean="0">
                           <a:effectLst/>
                         </a:rPr>
                         <a:t>接收</a:t>
                       </a:r>
                       <a:r>
-                        <a:rPr lang="en-MY" sz="1100" dirty="0">
+                        <a:rPr lang="en-MY" sz="1100" dirty="0" smtClean="0">
                           <a:effectLst/>
                         </a:rPr>
                         <a:t>+</a:t>
                       </a:r>
                       <a:r>
-                        <a:rPr lang="zh-TW" sz="1100" dirty="0">
+                        <a:rPr lang="zh-TW" altLang="en-US" sz="1100" dirty="0" smtClean="0">
                           <a:effectLst/>
                         </a:rPr>
                         <a:t>瀏覽請求</a:t>
                       </a:r>
-                      <a:endParaRPr lang="en-US" sz="1100" dirty="0">
+                      <a:endParaRPr lang="en-US" sz="1100" dirty="0" smtClean="0">
                         <a:effectLst/>
                       </a:endParaRPr>
                     </a:p>
@@ -6642,36 +6485,36 @@
                         </a:spcAft>
                       </a:pPr>
                       <a:r>
-                        <a:rPr lang="zh-TW" sz="1100" dirty="0">
+                        <a:rPr lang="zh-TW" altLang="en-US" sz="1100" dirty="0" smtClean="0">
                           <a:effectLst/>
                         </a:rPr>
                         <a:t>應用程式</a:t>
                       </a:r>
                       <a:r>
-                        <a:rPr lang="en-MY" sz="1100" dirty="0">
+                        <a:rPr lang="en-MY" sz="1100" dirty="0" smtClean="0">
                           <a:effectLst/>
                         </a:rPr>
                         <a:t>+</a:t>
                       </a:r>
                       <a:r>
-                        <a:rPr lang="zh-TW" sz="1100" dirty="0">
+                        <a:rPr lang="zh-TW" altLang="en-US" sz="1100" dirty="0" smtClean="0">
                           <a:effectLst/>
                         </a:rPr>
                         <a:t>發送</a:t>
                       </a:r>
                       <a:r>
-                        <a:rPr lang="en-MY" sz="1100" dirty="0">
+                        <a:rPr lang="en-MY" sz="1100" dirty="0" smtClean="0">
                           <a:effectLst/>
                         </a:rPr>
                         <a:t>+</a:t>
                       </a:r>
                       <a:r>
-                        <a:rPr lang="zh-TW" sz="1100" dirty="0">
+                        <a:rPr lang="zh-TW" altLang="en-US" sz="1100" dirty="0" smtClean="0">
                           <a:effectLst/>
                         </a:rPr>
                         <a:t>瀏覽請求</a:t>
                       </a:r>
-                      <a:endParaRPr lang="en-US" sz="1100" dirty="0">
+                      <a:endParaRPr lang="en-US" sz="1100" dirty="0" smtClean="0">
                         <a:effectLst/>
                       </a:endParaRPr>
                     </a:p>
@@ -6685,36 +6528,36 @@
                         </a:spcAft>
                       </a:pPr>
                       <a:r>
-                        <a:rPr lang="zh-TW" sz="1100" dirty="0">
+                        <a:rPr lang="zh-TW" altLang="en-US" sz="1100" dirty="0" smtClean="0">
                           <a:effectLst/>
                         </a:rPr>
                         <a:t>伺服器</a:t>
                       </a:r>
                       <a:r>
-                        <a:rPr lang="en-MY" sz="1100" dirty="0">
+                        <a:rPr lang="en-MY" sz="1100" dirty="0" smtClean="0">
                           <a:effectLst/>
                         </a:rPr>
                         <a:t>+</a:t>
                       </a:r>
                       <a:r>
-                        <a:rPr lang="zh-TW" sz="1100" dirty="0">
+                        <a:rPr lang="zh-TW" altLang="en-US" sz="1100" dirty="0" smtClean="0">
                           <a:effectLst/>
                         </a:rPr>
                         <a:t>接收</a:t>
                       </a:r>
                       <a:r>
-                        <a:rPr lang="en-MY" sz="1100" dirty="0">
+                        <a:rPr lang="en-MY" sz="1100" dirty="0" smtClean="0">
                           <a:effectLst/>
                         </a:rPr>
                         <a:t>+</a:t>
                       </a:r>
                       <a:r>
-                        <a:rPr lang="zh-TW" sz="1100" dirty="0">
+                        <a:rPr lang="zh-TW" altLang="en-US" sz="1100" dirty="0" smtClean="0">
                           <a:effectLst/>
                         </a:rPr>
                         <a:t>瀏覽請求</a:t>
                       </a:r>
-                      <a:endParaRPr lang="en-US" sz="1100" dirty="0">
+                      <a:endParaRPr lang="en-US" sz="1100" dirty="0" smtClean="0">
                         <a:effectLst/>
                       </a:endParaRPr>
                     </a:p>
@@ -6728,36 +6571,36 @@
                         </a:spcAft>
                       </a:pPr>
                       <a:r>
-                        <a:rPr lang="zh-TW" sz="1100" dirty="0">
+                        <a:rPr lang="zh-TW" altLang="en-US" sz="1100" dirty="0" smtClean="0">
                           <a:effectLst/>
                         </a:rPr>
                         <a:t>伺服器</a:t>
                       </a:r>
                       <a:r>
-                        <a:rPr lang="en-MY" sz="1100" dirty="0">
+                        <a:rPr lang="en-MY" sz="1100" dirty="0" smtClean="0">
                           <a:effectLst/>
                         </a:rPr>
                         <a:t>+</a:t>
                       </a:r>
                       <a:r>
-                        <a:rPr lang="zh-TW" sz="1100" dirty="0">
+                        <a:rPr lang="zh-TW" altLang="en-US" sz="1100" dirty="0" smtClean="0">
                           <a:effectLst/>
                         </a:rPr>
                         <a:t>回傳</a:t>
                       </a:r>
                       <a:r>
-                        <a:rPr lang="en-MY" sz="1100" dirty="0">
+                        <a:rPr lang="en-MY" sz="1100" dirty="0" smtClean="0">
                           <a:effectLst/>
                         </a:rPr>
                         <a:t>+</a:t>
                       </a:r>
                       <a:r>
-                        <a:rPr lang="zh-TW" sz="1100" dirty="0">
+                        <a:rPr lang="zh-TW" altLang="en-US" sz="1100" dirty="0" smtClean="0">
                           <a:effectLst/>
                         </a:rPr>
                         <a:t>銷售記錄資料</a:t>
                       </a:r>
-                      <a:endParaRPr lang="en-US" sz="1100" dirty="0">
+                      <a:endParaRPr lang="en-US" sz="1100" dirty="0" smtClean="0">
                         <a:effectLst/>
                       </a:endParaRPr>
                     </a:p>
@@ -6771,36 +6614,36 @@
                         </a:spcAft>
                       </a:pPr>
                       <a:r>
-                        <a:rPr lang="zh-TW" sz="1100" dirty="0">
+                        <a:rPr lang="zh-TW" altLang="en-US" sz="1100" dirty="0" smtClean="0">
                           <a:effectLst/>
                         </a:rPr>
                         <a:t>應用程式</a:t>
                       </a:r>
                       <a:r>
-                        <a:rPr lang="en-MY" sz="1100" dirty="0">
+                        <a:rPr lang="en-MY" sz="1100" dirty="0" smtClean="0">
                           <a:effectLst/>
                         </a:rPr>
                         <a:t>+</a:t>
                       </a:r>
                       <a:r>
-                        <a:rPr lang="zh-TW" sz="1100" dirty="0">
+                        <a:rPr lang="zh-TW" altLang="en-US" sz="1100" dirty="0" smtClean="0">
                           <a:effectLst/>
                         </a:rPr>
                         <a:t>接收</a:t>
                       </a:r>
                       <a:r>
-                        <a:rPr lang="en-MY" sz="1100" dirty="0">
+                        <a:rPr lang="en-MY" sz="1100" dirty="0" smtClean="0">
                           <a:effectLst/>
                         </a:rPr>
                         <a:t>+</a:t>
                       </a:r>
                       <a:r>
-                        <a:rPr lang="zh-TW" sz="1100" dirty="0">
+                        <a:rPr lang="zh-TW" altLang="en-US" sz="1100" dirty="0" smtClean="0">
                           <a:effectLst/>
                         </a:rPr>
                         <a:t>銷售記錄資料</a:t>
                       </a:r>
-                      <a:endParaRPr lang="en-US" sz="1100" dirty="0">
+                      <a:endParaRPr lang="en-US" sz="1100" dirty="0" smtClean="0">
                         <a:effectLst/>
                       </a:endParaRPr>
                     </a:p>
@@ -6814,36 +6657,36 @@
                         </a:spcAft>
                       </a:pPr>
                       <a:r>
-                        <a:rPr lang="zh-TW" sz="1100" dirty="0">
+                        <a:rPr lang="zh-TW" altLang="en-US" sz="1100" b="1" dirty="0" smtClean="0">
                           <a:effectLst/>
                         </a:rPr>
                         <a:t>應用程式</a:t>
                       </a:r>
                       <a:r>
-                        <a:rPr lang="en-MY" sz="1100" dirty="0">
+                        <a:rPr lang="en-MY" sz="1100" b="1" dirty="0" smtClean="0">
                           <a:effectLst/>
                         </a:rPr>
                         <a:t>+</a:t>
                       </a:r>
                       <a:r>
-                        <a:rPr lang="zh-TW" sz="1100" dirty="0">
+                        <a:rPr lang="zh-TW" altLang="en-US" sz="1100" b="1" dirty="0" smtClean="0">
                           <a:effectLst/>
                         </a:rPr>
                         <a:t>顯示</a:t>
                       </a:r>
                       <a:r>
-                        <a:rPr lang="en-MY" sz="1100" dirty="0">
+                        <a:rPr lang="en-MY" sz="1100" b="1" dirty="0" smtClean="0">
                           <a:effectLst/>
                         </a:rPr>
                         <a:t>+</a:t>
                       </a:r>
                       <a:r>
-                        <a:rPr lang="zh-TW" sz="1100" dirty="0">
+                        <a:rPr lang="zh-TW" altLang="en-US" sz="1100" b="1" dirty="0" smtClean="0">
                           <a:effectLst/>
                         </a:rPr>
                         <a:t>銷售記錄</a:t>
                       </a:r>
-                      <a:endParaRPr lang="en-US" sz="1100" dirty="0">
+                      <a:endParaRPr lang="en-US" sz="1100" b="1" dirty="0">
                         <a:effectLst/>
                         <a:latin typeface="Calibri" panose="020F0502020204030204" pitchFamily="34" charset="0"/>
                         <a:ea typeface="PMingLiU" panose="02020500000000000000" pitchFamily="18" charset="-120"/>
@@ -6963,6 +6806,13 @@
   <p:clrMapOvr>
     <a:masterClrMapping/>
   </p:clrMapOvr>
+  <p:timing>
+    <p:tnLst>
+      <p:par>
+        <p:cTn id="1" dur="indefinite" restart="never" nodeType="tmRoot"/>
+      </p:par>
+    </p:tnLst>
+  </p:timing>
 </p:sld>
 </file>
 
@@ -7092,6 +6942,13 @@
   <p:clrMapOvr>
     <a:masterClrMapping/>
   </p:clrMapOvr>
+  <p:timing>
+    <p:tnLst>
+      <p:par>
+        <p:cTn id="1" dur="indefinite" restart="never" nodeType="tmRoot"/>
+      </p:par>
+    </p:tnLst>
+  </p:timing>
 </p:sld>
 </file>
 
@@ -7334,6 +7191,13 @@
   <p:clrMapOvr>
     <a:masterClrMapping/>
   </p:clrMapOvr>
+  <p:timing>
+    <p:tnLst>
+      <p:par>
+        <p:cTn id="1" dur="indefinite" restart="never" nodeType="tmRoot"/>
+      </p:par>
+    </p:tnLst>
+  </p:timing>
 </p:sld>
 </file>
 
@@ -7572,6 +7436,13 @@
   <p:clrMapOvr>
     <a:masterClrMapping/>
   </p:clrMapOvr>
+  <p:timing>
+    <p:tnLst>
+      <p:par>
+        <p:cTn id="1" dur="indefinite" restart="never" nodeType="tmRoot"/>
+      </p:par>
+    </p:tnLst>
+  </p:timing>
 </p:sld>
 </file>
 
@@ -7690,7 +7561,7 @@
           <a:graphicData uri="http://schemas.openxmlformats.org/presentationml/2006/ole">
             <mc:AlternateContent xmlns:mc="http://schemas.openxmlformats.org/markup-compatibility/2006">
               <mc:Choice xmlns:v="urn:schemas-microsoft-com:vml" Requires="v">
-                <p:oleObj spid="_x0000_s2059" name="Document" r:id="rId3" imgW="6921500" imgH="1333500" progId="Word.Document.12">
+                <p:oleObj spid="_x0000_s2061" name="Document" r:id="rId3" imgW="6921500" imgH="1333500" progId="Word.Document.12">
                   <p:embed/>
                 </p:oleObj>
               </mc:Choice>

--- a/系統分析/系統分析期中報告.pptx
+++ b/系統分析/系統分析期中報告.pptx
@@ -124,7 +124,7 @@
   </p:defaultTextStyle>
   <p:extLst>
     <p:ext uri="{EFAFB233-063F-42B5-8137-9DF3F51BA10A}">
-      <p15:sldGuideLst xmlns="" xmlns:p15="http://schemas.microsoft.com/office/powerpoint/2012/main">
+      <p15:sldGuideLst xmlns:p15="http://schemas.microsoft.com/office/powerpoint/2012/main" xmlns="">
         <p15:guide id="1" orient="horz" pos="1620">
           <p15:clr>
             <a:srgbClr val="A4A3A4"/>
@@ -4628,7 +4628,7 @@
           <p:cNvPr id="15" name="Title 1">
             <a:extLst>
               <a:ext uri="{FF2B5EF4-FFF2-40B4-BE49-F238E27FC236}">
-                <a16:creationId xmlns="" xmlns:a16="http://schemas.microsoft.com/office/drawing/2014/main" id="{F4C4A796-8AEB-7641-8B55-458C4FE2D291}"/>
+                <a16:creationId xmlns:a16="http://schemas.microsoft.com/office/drawing/2014/main" xmlns="" id="{F4C4A796-8AEB-7641-8B55-458C4FE2D291}"/>
               </a:ext>
             </a:extLst>
           </p:cNvPr>
@@ -4655,7 +4655,39 @@
                   <a:schemeClr val="tx1"/>
                 </a:solidFill>
               </a:rPr>
-              <a:t>資料流程圖</a:t>
+              <a:t>資料</a:t>
+            </a:r>
+            <a:r>
+              <a:rPr lang="zh-TW" altLang="en-US" dirty="0" smtClean="0">
+                <a:solidFill>
+                  <a:schemeClr val="tx1"/>
+                </a:solidFill>
+              </a:rPr>
+              <a:t>流</a:t>
+            </a:r>
+            <a:r>
+              <a:rPr lang="zh-CN" altLang="en-US" dirty="0" smtClean="0">
+                <a:solidFill>
+                  <a:schemeClr val="tx1"/>
+                </a:solidFill>
+              </a:rPr>
+              <a:t>向</a:t>
+            </a:r>
+            <a:r>
+              <a:rPr lang="zh-CN" altLang="en-US" dirty="0" smtClean="0">
+                <a:solidFill>
+                  <a:schemeClr val="tx1"/>
+                </a:solidFill>
+              </a:rPr>
+              <a:t>表</a:t>
+            </a:r>
+            <a:r>
+              <a:rPr lang="zh-Hant" altLang="en-US" dirty="0" smtClean="0">
+                <a:solidFill>
+                  <a:schemeClr val="tx1"/>
+                </a:solidFill>
+              </a:rPr>
+              <a:t> </a:t>
             </a:r>
             <a:r>
               <a:rPr lang="zh-Hant" altLang="en-US" dirty="0">
@@ -4663,7 +4695,7 @@
                   <a:schemeClr val="tx1"/>
                 </a:solidFill>
               </a:rPr>
-              <a:t> （</a:t>
+              <a:t>（</a:t>
             </a:r>
             <a:r>
               <a:rPr lang="zh-TW" altLang="en-US" dirty="0">
@@ -4686,7 +4718,7 @@
           <p:cNvPr id="31" name="Picture 30">
             <a:extLst>
               <a:ext uri="{FF2B5EF4-FFF2-40B4-BE49-F238E27FC236}">
-                <a16:creationId xmlns="" xmlns:a16="http://schemas.microsoft.com/office/drawing/2014/main" id="{4FFEC185-6FEF-3F42-8084-C69259FD5ADA}"/>
+                <a16:creationId xmlns:a16="http://schemas.microsoft.com/office/drawing/2014/main" xmlns="" id="{4FFEC185-6FEF-3F42-8084-C69259FD5ADA}"/>
               </a:ext>
             </a:extLst>
           </p:cNvPr>
@@ -4722,7 +4754,7 @@
           <p:cNvPr id="33" name="Picture 32">
             <a:extLst>
               <a:ext uri="{FF2B5EF4-FFF2-40B4-BE49-F238E27FC236}">
-                <a16:creationId xmlns="" xmlns:a16="http://schemas.microsoft.com/office/drawing/2014/main" id="{74DE0983-9153-194E-8E13-5F518B0C2D8A}"/>
+                <a16:creationId xmlns:a16="http://schemas.microsoft.com/office/drawing/2014/main" xmlns="" id="{74DE0983-9153-194E-8E13-5F518B0C2D8A}"/>
               </a:ext>
             </a:extLst>
           </p:cNvPr>
@@ -4758,7 +4790,7 @@
           <p:cNvPr id="34" name="Arrow: Down 128">
             <a:extLst>
               <a:ext uri="{FF2B5EF4-FFF2-40B4-BE49-F238E27FC236}">
-                <a16:creationId xmlns="" xmlns:a16="http://schemas.microsoft.com/office/drawing/2014/main" id="{007661F0-5D1F-F14E-AEA8-08A4A330E6D1}"/>
+                <a16:creationId xmlns:a16="http://schemas.microsoft.com/office/drawing/2014/main" xmlns="" id="{007661F0-5D1F-F14E-AEA8-08A4A330E6D1}"/>
               </a:ext>
             </a:extLst>
           </p:cNvPr>
@@ -4808,7 +4840,7 @@
           <p:cNvPr id="35" name="Rectangle 34">
             <a:extLst>
               <a:ext uri="{FF2B5EF4-FFF2-40B4-BE49-F238E27FC236}">
-                <a16:creationId xmlns="" xmlns:a16="http://schemas.microsoft.com/office/drawing/2014/main" id="{45A947F6-B5AC-4F42-A660-15042FC37403}"/>
+                <a16:creationId xmlns:a16="http://schemas.microsoft.com/office/drawing/2014/main" xmlns="" id="{45A947F6-B5AC-4F42-A660-15042FC37403}"/>
               </a:ext>
             </a:extLst>
           </p:cNvPr>
@@ -4908,7 +4940,7 @@
           <p:cNvPr id="9" name="Content Placeholder 6">
             <a:extLst>
               <a:ext uri="{FF2B5EF4-FFF2-40B4-BE49-F238E27FC236}">
-                <a16:creationId xmlns="" xmlns:a16="http://schemas.microsoft.com/office/drawing/2014/main" id="{65B99FB5-8778-7F44-9454-FB20081C092A}"/>
+                <a16:creationId xmlns:a16="http://schemas.microsoft.com/office/drawing/2014/main" xmlns="" id="{65B99FB5-8778-7F44-9454-FB20081C092A}"/>
               </a:ext>
             </a:extLst>
           </p:cNvPr>
@@ -4943,7 +4975,7 @@
           <p:cNvPr id="10" name="Picture 9">
             <a:extLst>
               <a:ext uri="{FF2B5EF4-FFF2-40B4-BE49-F238E27FC236}">
-                <a16:creationId xmlns="" xmlns:a16="http://schemas.microsoft.com/office/drawing/2014/main" id="{F1251362-201C-3E43-822F-4765AF33BA16}"/>
+                <a16:creationId xmlns:a16="http://schemas.microsoft.com/office/drawing/2014/main" xmlns="" id="{F1251362-201C-3E43-822F-4765AF33BA16}"/>
               </a:ext>
             </a:extLst>
           </p:cNvPr>
@@ -4980,7 +5012,7 @@
           <p:cNvPr id="11" name="Bent-Up Arrow 10">
             <a:extLst>
               <a:ext uri="{FF2B5EF4-FFF2-40B4-BE49-F238E27FC236}">
-                <a16:creationId xmlns="" xmlns:a16="http://schemas.microsoft.com/office/drawing/2014/main" id="{25C3EAC7-84DE-5D42-B13D-495D0184D8CA}"/>
+                <a16:creationId xmlns:a16="http://schemas.microsoft.com/office/drawing/2014/main" xmlns="" id="{25C3EAC7-84DE-5D42-B13D-495D0184D8CA}"/>
               </a:ext>
             </a:extLst>
           </p:cNvPr>
@@ -5026,7 +5058,7 @@
           <p:cNvPr id="12" name="Rectangle 11">
             <a:extLst>
               <a:ext uri="{FF2B5EF4-FFF2-40B4-BE49-F238E27FC236}">
-                <a16:creationId xmlns="" xmlns:a16="http://schemas.microsoft.com/office/drawing/2014/main" id="{241CE9AE-2559-F941-8795-C1BC68F0E16C}"/>
+                <a16:creationId xmlns:a16="http://schemas.microsoft.com/office/drawing/2014/main" xmlns="" id="{241CE9AE-2559-F941-8795-C1BC68F0E16C}"/>
               </a:ext>
             </a:extLst>
           </p:cNvPr>
@@ -5035,8 +5067,8 @@
         </p:nvSpPr>
         <p:spPr>
           <a:xfrm>
-            <a:off x="672244" y="50284"/>
-            <a:ext cx="2911872" cy="369332"/>
+            <a:off x="467544" y="50284"/>
+            <a:ext cx="3194113" cy="369332"/>
           </a:xfrm>
           <a:prstGeom prst="rect">
             <a:avLst/>
@@ -5061,12 +5093,27 @@
                 <a:ea typeface="SimSun" panose="02010600030101010101" pitchFamily="2" charset="-122"/>
                 <a:cs typeface="Times New Roman" panose="02020603050405020304" pitchFamily="18" charset="0"/>
               </a:rPr>
-              <a:t>第一階段</a:t>
-            </a:r>
-            <a:r>
-              <a:rPr lang="en-US" dirty="0"/>
+              <a:t>第一</a:t>
+            </a:r>
+            <a:r>
+              <a:rPr lang="zh-TW" altLang="en-US" b="1" dirty="0" smtClean="0">
+                <a:ea typeface="SimSun" panose="02010600030101010101" pitchFamily="2" charset="-122"/>
+                <a:cs typeface="Times New Roman" panose="02020603050405020304" pitchFamily="18" charset="0"/>
+              </a:rPr>
+              <a:t>階</a:t>
+            </a:r>
+            <a:r>
+              <a:rPr lang="en-US" altLang="zh-TW" b="1" dirty="0" smtClean="0">
+                <a:ea typeface="SimSun" panose="02010600030101010101" pitchFamily="2" charset="-122"/>
+                <a:cs typeface="Times New Roman" panose="02020603050405020304" pitchFamily="18" charset="0"/>
+              </a:rPr>
+              <a:t>DFD</a:t>
+            </a:r>
+            <a:r>
+              <a:rPr lang="en-US" dirty="0" smtClean="0"/>
               <a:t> </a:t>
             </a:r>
+            <a:endParaRPr lang="en-US" dirty="0"/>
           </a:p>
         </p:txBody>
       </p:sp>
@@ -5075,7 +5122,7 @@
           <p:cNvPr id="14" name="Rectangle 13">
             <a:extLst>
               <a:ext uri="{FF2B5EF4-FFF2-40B4-BE49-F238E27FC236}">
-                <a16:creationId xmlns="" xmlns:a16="http://schemas.microsoft.com/office/drawing/2014/main" id="{214AA10B-4D75-F14A-A46F-83D47C738BFA}"/>
+                <a16:creationId xmlns:a16="http://schemas.microsoft.com/office/drawing/2014/main" xmlns="" id="{214AA10B-4D75-F14A-A46F-83D47C738BFA}"/>
               </a:ext>
             </a:extLst>
           </p:cNvPr>
@@ -5179,7 +5226,7 @@
           <p:cNvPr id="15" name="Title 1">
             <a:extLst>
               <a:ext uri="{FF2B5EF4-FFF2-40B4-BE49-F238E27FC236}">
-                <a16:creationId xmlns="" xmlns:a16="http://schemas.microsoft.com/office/drawing/2014/main" id="{F4C4A796-8AEB-7641-8B55-458C4FE2D291}"/>
+                <a16:creationId xmlns:a16="http://schemas.microsoft.com/office/drawing/2014/main" xmlns="" id="{F4C4A796-8AEB-7641-8B55-458C4FE2D291}"/>
               </a:ext>
             </a:extLst>
           </p:cNvPr>
@@ -5206,7 +5253,31 @@
                   <a:schemeClr val="tx1"/>
                 </a:solidFill>
               </a:rPr>
-              <a:t>資料流程圖 （</a:t>
+              <a:t>資料</a:t>
+            </a:r>
+            <a:r>
+              <a:rPr lang="zh-Hant" altLang="en-US" dirty="0" smtClean="0">
+                <a:solidFill>
+                  <a:schemeClr val="tx1"/>
+                </a:solidFill>
+              </a:rPr>
+              <a:t>流</a:t>
+            </a:r>
+            <a:r>
+              <a:rPr lang="zh-CN" altLang="en-US" smtClean="0">
+                <a:solidFill>
+                  <a:schemeClr val="tx1"/>
+                </a:solidFill>
+              </a:rPr>
+              <a:t>向表</a:t>
+            </a:r>
+            <a:r>
+              <a:rPr lang="zh-Hant" altLang="en-US" dirty="0" smtClean="0">
+                <a:solidFill>
+                  <a:schemeClr val="tx1"/>
+                </a:solidFill>
+              </a:rPr>
+              <a:t>（</a:t>
             </a:r>
             <a:r>
               <a:rPr lang="zh-TW" altLang="en-US" dirty="0">
@@ -5214,7 +5285,15 @@
                   <a:schemeClr val="tx1"/>
                 </a:solidFill>
               </a:rPr>
-              <a:t>顯示銷售紀錄流程圖）</a:t>
+              <a:t>顯示銷售紀</a:t>
+            </a:r>
+            <a:r>
+              <a:rPr lang="zh-TW" altLang="en-US" dirty="0" smtClean="0">
+                <a:solidFill>
+                  <a:schemeClr val="tx1"/>
+                </a:solidFill>
+              </a:rPr>
+              <a:t>錄）</a:t>
             </a:r>
             <a:endParaRPr lang="en-US" dirty="0">
               <a:solidFill>
@@ -5229,7 +5308,7 @@
           <p:cNvPr id="34" name="Arrow: Down 128">
             <a:extLst>
               <a:ext uri="{FF2B5EF4-FFF2-40B4-BE49-F238E27FC236}">
-                <a16:creationId xmlns="" xmlns:a16="http://schemas.microsoft.com/office/drawing/2014/main" id="{007661F0-5D1F-F14E-AEA8-08A4A330E6D1}"/>
+                <a16:creationId xmlns:a16="http://schemas.microsoft.com/office/drawing/2014/main" xmlns="" id="{007661F0-5D1F-F14E-AEA8-08A4A330E6D1}"/>
               </a:ext>
             </a:extLst>
           </p:cNvPr>
@@ -5279,7 +5358,7 @@
           <p:cNvPr id="35" name="Rectangle 34">
             <a:extLst>
               <a:ext uri="{FF2B5EF4-FFF2-40B4-BE49-F238E27FC236}">
-                <a16:creationId xmlns="" xmlns:a16="http://schemas.microsoft.com/office/drawing/2014/main" id="{45A947F6-B5AC-4F42-A660-15042FC37403}"/>
+                <a16:creationId xmlns:a16="http://schemas.microsoft.com/office/drawing/2014/main" xmlns="" id="{45A947F6-B5AC-4F42-A660-15042FC37403}"/>
               </a:ext>
             </a:extLst>
           </p:cNvPr>
@@ -5321,7 +5400,7 @@
           <p:cNvPr id="6" name="Picture 5">
             <a:extLst>
               <a:ext uri="{FF2B5EF4-FFF2-40B4-BE49-F238E27FC236}">
-                <a16:creationId xmlns="" xmlns:a16="http://schemas.microsoft.com/office/drawing/2014/main" id="{9952234D-A5A3-9646-8FD0-040AE91DB55F}"/>
+                <a16:creationId xmlns:a16="http://schemas.microsoft.com/office/drawing/2014/main" xmlns="" id="{9952234D-A5A3-9646-8FD0-040AE91DB55F}"/>
               </a:ext>
             </a:extLst>
           </p:cNvPr>
@@ -5357,7 +5436,7 @@
           <p:cNvPr id="8" name="Picture 7">
             <a:extLst>
               <a:ext uri="{FF2B5EF4-FFF2-40B4-BE49-F238E27FC236}">
-                <a16:creationId xmlns="" xmlns:a16="http://schemas.microsoft.com/office/drawing/2014/main" id="{041BCA3A-636B-B848-9EA7-7FCBEAA61954}"/>
+                <a16:creationId xmlns:a16="http://schemas.microsoft.com/office/drawing/2014/main" xmlns="" id="{041BCA3A-636B-B848-9EA7-7FCBEAA61954}"/>
               </a:ext>
             </a:extLst>
           </p:cNvPr>
@@ -5451,7 +5530,7 @@
           <p:cNvPr id="2" name="Rectangle 1">
             <a:extLst>
               <a:ext uri="{FF2B5EF4-FFF2-40B4-BE49-F238E27FC236}">
-                <a16:creationId xmlns="" xmlns:a16="http://schemas.microsoft.com/office/drawing/2014/main" id="{EB48C46F-EDFC-EB4B-B22B-751E02B2BD81}"/>
+                <a16:creationId xmlns:a16="http://schemas.microsoft.com/office/drawing/2014/main" xmlns="" id="{EB48C46F-EDFC-EB4B-B22B-751E02B2BD81}"/>
               </a:ext>
             </a:extLst>
           </p:cNvPr>
@@ -5460,8 +5539,8 @@
         </p:nvSpPr>
         <p:spPr>
           <a:xfrm>
-            <a:off x="908041" y="16817"/>
-            <a:ext cx="3847976" cy="461665"/>
+            <a:off x="908040" y="16817"/>
+            <a:ext cx="4168015" cy="461665"/>
           </a:xfrm>
           <a:prstGeom prst="rect">
             <a:avLst/>
@@ -5486,12 +5565,27 @@
                 <a:ea typeface="SimSun" panose="02010600030101010101" pitchFamily="2" charset="-122"/>
                 <a:cs typeface="Times New Roman" panose="02020603050405020304" pitchFamily="18" charset="0"/>
               </a:rPr>
-              <a:t>第一階段</a:t>
-            </a:r>
-            <a:r>
-              <a:rPr lang="en-US" sz="2400" dirty="0"/>
+              <a:t>第一</a:t>
+            </a:r>
+            <a:r>
+              <a:rPr lang="zh-TW" altLang="en-US" sz="2400" b="1" dirty="0" smtClean="0">
+                <a:ea typeface="SimSun" panose="02010600030101010101" pitchFamily="2" charset="-122"/>
+                <a:cs typeface="Times New Roman" panose="02020603050405020304" pitchFamily="18" charset="0"/>
+              </a:rPr>
+              <a:t>階</a:t>
+            </a:r>
+            <a:r>
+              <a:rPr lang="en-US" altLang="zh-TW" sz="2400" b="1" dirty="0" smtClean="0">
+                <a:ea typeface="SimSun" panose="02010600030101010101" pitchFamily="2" charset="-122"/>
+                <a:cs typeface="Times New Roman" panose="02020603050405020304" pitchFamily="18" charset="0"/>
+              </a:rPr>
+              <a:t>DFD</a:t>
+            </a:r>
+            <a:r>
+              <a:rPr lang="en-US" sz="2400" dirty="0" smtClean="0"/>
               <a:t> </a:t>
             </a:r>
+            <a:endParaRPr lang="en-US" sz="2400" dirty="0"/>
           </a:p>
         </p:txBody>
       </p:sp>
@@ -5500,7 +5594,7 @@
           <p:cNvPr id="3" name="Picture 2">
             <a:extLst>
               <a:ext uri="{FF2B5EF4-FFF2-40B4-BE49-F238E27FC236}">
-                <a16:creationId xmlns="" xmlns:a16="http://schemas.microsoft.com/office/drawing/2014/main" id="{8228CACA-4A23-9C4B-8BD6-E34BCE5CF66B}"/>
+                <a16:creationId xmlns:a16="http://schemas.microsoft.com/office/drawing/2014/main" xmlns="" id="{8228CACA-4A23-9C4B-8BD6-E34BCE5CF66B}"/>
               </a:ext>
             </a:extLst>
           </p:cNvPr>
@@ -5600,7 +5694,7 @@
           <p:cNvPr id="11" name="Picture 10">
             <a:extLst>
               <a:ext uri="{FF2B5EF4-FFF2-40B4-BE49-F238E27FC236}">
-                <a16:creationId xmlns="" xmlns:a16="http://schemas.microsoft.com/office/drawing/2014/main" id="{7AD26D1F-531B-CD4D-B741-1E4D51D50455}"/>
+                <a16:creationId xmlns:a16="http://schemas.microsoft.com/office/drawing/2014/main" xmlns="" id="{7AD26D1F-531B-CD4D-B741-1E4D51D50455}"/>
               </a:ext>
             </a:extLst>
           </p:cNvPr>
@@ -5634,7 +5728,7 @@
           <p:cNvPr id="12" name="Rectangle 11">
             <a:extLst>
               <a:ext uri="{FF2B5EF4-FFF2-40B4-BE49-F238E27FC236}">
-                <a16:creationId xmlns="" xmlns:a16="http://schemas.microsoft.com/office/drawing/2014/main" id="{C97B75BD-EF10-C44A-A586-429A6292B44D}"/>
+                <a16:creationId xmlns:a16="http://schemas.microsoft.com/office/drawing/2014/main" xmlns="" id="{C97B75BD-EF10-C44A-A586-429A6292B44D}"/>
               </a:ext>
             </a:extLst>
           </p:cNvPr>
@@ -5797,7 +5891,7 @@
           <p:cNvPr id="8" name="Content Placeholder 7">
             <a:extLst>
               <a:ext uri="{FF2B5EF4-FFF2-40B4-BE49-F238E27FC236}">
-                <a16:creationId xmlns="" xmlns:a16="http://schemas.microsoft.com/office/drawing/2014/main" id="{D0F58796-F20D-2740-A72A-4E167EE31200}"/>
+                <a16:creationId xmlns:a16="http://schemas.microsoft.com/office/drawing/2014/main" xmlns="" id="{D0F58796-F20D-2740-A72A-4E167EE31200}"/>
               </a:ext>
             </a:extLst>
           </p:cNvPr>
@@ -5808,7 +5902,7 @@
             <p:ph idx="10"/>
             <p:extLst>
               <p:ext uri="{D42A27DB-BD31-4B8C-83A1-F6EECF244321}">
-                <p14:modId xmlns:p14="http://schemas.microsoft.com/office/powerpoint/2010/main" val="1419646587"/>
+                <p14:modId xmlns:p14="http://schemas.microsoft.com/office/powerpoint/2010/main" val="2870391898"/>
               </p:ext>
             </p:extLst>
           </p:nvPr>
@@ -5827,14 +5921,14 @@
                 <a:gridCol w="3316865">
                   <a:extLst>
                     <a:ext uri="{9D8B030D-6E8A-4147-A177-3AD203B41FA5}">
-                      <a16:colId xmlns="" xmlns:a16="http://schemas.microsoft.com/office/drawing/2014/main" val="4170412860"/>
+                      <a16:colId xmlns:a16="http://schemas.microsoft.com/office/drawing/2014/main" xmlns="" val="4170412860"/>
                     </a:ext>
                   </a:extLst>
                 </a:gridCol>
                 <a:gridCol w="3316865">
                   <a:extLst>
                     <a:ext uri="{9D8B030D-6E8A-4147-A177-3AD203B41FA5}">
-                      <a16:colId xmlns="" xmlns:a16="http://schemas.microsoft.com/office/drawing/2014/main" val="4227658176"/>
+                      <a16:colId xmlns:a16="http://schemas.microsoft.com/office/drawing/2014/main" xmlns="" val="4227658176"/>
                     </a:ext>
                   </a:extLst>
                 </a:gridCol>
@@ -5914,7 +6008,7 @@
                 </a:tc>
                 <a:extLst>
                   <a:ext uri="{0D108BD9-81ED-4DB2-BD59-A6C34878D82A}">
-                    <a16:rowId xmlns="" xmlns:a16="http://schemas.microsoft.com/office/drawing/2014/main" val="608201287"/>
+                    <a16:rowId xmlns:a16="http://schemas.microsoft.com/office/drawing/2014/main" xmlns="" val="608201287"/>
                   </a:ext>
                 </a:extLst>
               </a:tr>
@@ -5980,13 +6074,7 @@
                         <a:rPr lang="zh-TW" altLang="en-US" sz="1100" dirty="0" smtClean="0">
                           <a:effectLst/>
                         </a:rPr>
-                        <a:t>切</a:t>
-                      </a:r>
-                      <a:r>
-                        <a:rPr lang="zh-TW" altLang="en-US" sz="1100" dirty="0" smtClean="0">
-                          <a:effectLst/>
-                        </a:rPr>
-                        <a:t>換至賣家身份，</a:t>
+                        <a:t>切換至賣家身份，</a:t>
                       </a:r>
                       <a:r>
                         <a:rPr lang="zh-Hant" altLang="en-US" sz="1100" dirty="0" smtClean="0">
@@ -6349,7 +6437,7 @@
                 </a:tc>
                 <a:extLst>
                   <a:ext uri="{0D108BD9-81ED-4DB2-BD59-A6C34878D82A}">
-                    <a16:rowId xmlns="" xmlns:a16="http://schemas.microsoft.com/office/drawing/2014/main" val="2915758028"/>
+                    <a16:rowId xmlns:a16="http://schemas.microsoft.com/office/drawing/2014/main" xmlns="" val="2915758028"/>
                   </a:ext>
                 </a:extLst>
               </a:tr>
@@ -6359,7 +6447,7 @@
                     <a:bodyPr/>
                     <a:lstStyle/>
                     <a:p>
-                      <a:pPr marL="342900" lvl="0" indent="-342900" algn="l">
+                      <a:pPr marL="0" lvl="0" indent="0" algn="l">
                         <a:lnSpc>
                           <a:spcPct val="115000"/>
                         </a:lnSpc>
@@ -6367,13 +6455,25 @@
                           <a:spcPts val="0"/>
                         </a:spcAft>
                         <a:buFont typeface="+mj-lt"/>
-                        <a:buAutoNum type="arabicPeriod"/>
+                        <a:buNone/>
                       </a:pPr>
+                      <a:r>
+                        <a:rPr lang="en-US" altLang="zh-CN" sz="1100" dirty="0" smtClean="0">
+                          <a:effectLst/>
+                        </a:rPr>
+                        <a:t>2.     </a:t>
+                      </a:r>
+                      <a:r>
+                        <a:rPr lang="zh-TW" sz="1100" dirty="0" smtClean="0">
+                          <a:effectLst/>
+                        </a:rPr>
+                        <a:t>賣</a:t>
+                      </a:r>
                       <a:r>
                         <a:rPr lang="zh-TW" sz="1100" dirty="0">
                           <a:effectLst/>
                         </a:rPr>
-                        <a:t>賣家可瀏覽今日銷售記錄、單個商品銷售記錄</a:t>
+                        <a:t>家可瀏覽今日銷售記錄、單個商品銷售記錄</a:t>
                       </a:r>
                       <a:endParaRPr lang="en-US" sz="1100" dirty="0">
                         <a:effectLst/>
@@ -6698,7 +6798,7 @@
                 </a:tc>
                 <a:extLst>
                   <a:ext uri="{0D108BD9-81ED-4DB2-BD59-A6C34878D82A}">
-                    <a16:rowId xmlns="" xmlns:a16="http://schemas.microsoft.com/office/drawing/2014/main" val="4263870807"/>
+                    <a16:rowId xmlns:a16="http://schemas.microsoft.com/office/drawing/2014/main" xmlns="" val="4263870807"/>
                   </a:ext>
                 </a:extLst>
               </a:tr>
@@ -6711,7 +6811,7 @@
           <p:cNvPr id="9" name="Title 1">
             <a:extLst>
               <a:ext uri="{FF2B5EF4-FFF2-40B4-BE49-F238E27FC236}">
-                <a16:creationId xmlns="" xmlns:a16="http://schemas.microsoft.com/office/drawing/2014/main" id="{C31DB15B-7C35-8E4A-98EF-B2D7793BE7F1}"/>
+                <a16:creationId xmlns:a16="http://schemas.microsoft.com/office/drawing/2014/main" xmlns="" id="{C31DB15B-7C35-8E4A-98EF-B2D7793BE7F1}"/>
               </a:ext>
             </a:extLst>
           </p:cNvPr>
@@ -6866,7 +6966,7 @@
           <p:cNvPr id="2" name="Title 1">
             <a:extLst>
               <a:ext uri="{FF2B5EF4-FFF2-40B4-BE49-F238E27FC236}">
-                <a16:creationId xmlns="" xmlns:a16="http://schemas.microsoft.com/office/drawing/2014/main" id="{5DE67083-97B1-0448-8E01-02F477F3C7EB}"/>
+                <a16:creationId xmlns:a16="http://schemas.microsoft.com/office/drawing/2014/main" xmlns="" id="{5DE67083-97B1-0448-8E01-02F477F3C7EB}"/>
               </a:ext>
             </a:extLst>
           </p:cNvPr>
@@ -7002,7 +7102,7 @@
           <p:cNvPr id="5" name="Content Placeholder 4">
             <a:extLst>
               <a:ext uri="{FF2B5EF4-FFF2-40B4-BE49-F238E27FC236}">
-                <a16:creationId xmlns="" xmlns:a16="http://schemas.microsoft.com/office/drawing/2014/main" id="{34E024CD-D143-6144-9F2E-85B8187FB907}"/>
+                <a16:creationId xmlns:a16="http://schemas.microsoft.com/office/drawing/2014/main" xmlns="" id="{34E024CD-D143-6144-9F2E-85B8187FB907}"/>
               </a:ext>
             </a:extLst>
           </p:cNvPr>
@@ -7040,7 +7140,7 @@
           <p:cNvPr id="6" name="Picture 5">
             <a:extLst>
               <a:ext uri="{FF2B5EF4-FFF2-40B4-BE49-F238E27FC236}">
-                <a16:creationId xmlns="" xmlns:a16="http://schemas.microsoft.com/office/drawing/2014/main" id="{BBC23686-A54D-3948-970F-F39190C7947D}"/>
+                <a16:creationId xmlns:a16="http://schemas.microsoft.com/office/drawing/2014/main" xmlns="" id="{BBC23686-A54D-3948-970F-F39190C7947D}"/>
               </a:ext>
             </a:extLst>
           </p:cNvPr>
@@ -7074,7 +7174,7 @@
           <p:cNvPr id="9" name="Down Arrow 8">
             <a:extLst>
               <a:ext uri="{FF2B5EF4-FFF2-40B4-BE49-F238E27FC236}">
-                <a16:creationId xmlns="" xmlns:a16="http://schemas.microsoft.com/office/drawing/2014/main" id="{EEF4B0DB-5DA9-5D40-A305-3CC05FEA97C4}"/>
+                <a16:creationId xmlns:a16="http://schemas.microsoft.com/office/drawing/2014/main" xmlns="" id="{EEF4B0DB-5DA9-5D40-A305-3CC05FEA97C4}"/>
               </a:ext>
             </a:extLst>
           </p:cNvPr>
@@ -7120,7 +7220,7 @@
           <p:cNvPr id="15" name="Title 1">
             <a:extLst>
               <a:ext uri="{FF2B5EF4-FFF2-40B4-BE49-F238E27FC236}">
-                <a16:creationId xmlns="" xmlns:a16="http://schemas.microsoft.com/office/drawing/2014/main" id="{F4C4A796-8AEB-7641-8B55-458C4FE2D291}"/>
+                <a16:creationId xmlns:a16="http://schemas.microsoft.com/office/drawing/2014/main" xmlns="" id="{F4C4A796-8AEB-7641-8B55-458C4FE2D291}"/>
               </a:ext>
             </a:extLst>
           </p:cNvPr>
@@ -7251,7 +7351,7 @@
           <p:cNvPr id="9" name="Down Arrow 8">
             <a:extLst>
               <a:ext uri="{FF2B5EF4-FFF2-40B4-BE49-F238E27FC236}">
-                <a16:creationId xmlns="" xmlns:a16="http://schemas.microsoft.com/office/drawing/2014/main" id="{EEF4B0DB-5DA9-5D40-A305-3CC05FEA97C4}"/>
+                <a16:creationId xmlns:a16="http://schemas.microsoft.com/office/drawing/2014/main" xmlns="" id="{EEF4B0DB-5DA9-5D40-A305-3CC05FEA97C4}"/>
               </a:ext>
             </a:extLst>
           </p:cNvPr>
@@ -7297,7 +7397,7 @@
           <p:cNvPr id="15" name="Title 1">
             <a:extLst>
               <a:ext uri="{FF2B5EF4-FFF2-40B4-BE49-F238E27FC236}">
-                <a16:creationId xmlns="" xmlns:a16="http://schemas.microsoft.com/office/drawing/2014/main" id="{F4C4A796-8AEB-7641-8B55-458C4FE2D291}"/>
+                <a16:creationId xmlns:a16="http://schemas.microsoft.com/office/drawing/2014/main" xmlns="" id="{F4C4A796-8AEB-7641-8B55-458C4FE2D291}"/>
               </a:ext>
             </a:extLst>
           </p:cNvPr>
@@ -7363,7 +7463,7 @@
           <p:cNvPr id="8" name="Picture 7">
             <a:extLst>
               <a:ext uri="{FF2B5EF4-FFF2-40B4-BE49-F238E27FC236}">
-                <a16:creationId xmlns="" xmlns:a16="http://schemas.microsoft.com/office/drawing/2014/main" id="{49D1363A-6243-6A4B-AF55-C10C2EFCDC21}"/>
+                <a16:creationId xmlns:a16="http://schemas.microsoft.com/office/drawing/2014/main" xmlns="" id="{49D1363A-6243-6A4B-AF55-C10C2EFCDC21}"/>
               </a:ext>
             </a:extLst>
           </p:cNvPr>
@@ -7397,7 +7497,7 @@
           <p:cNvPr id="10" name="Picture 9">
             <a:extLst>
               <a:ext uri="{FF2B5EF4-FFF2-40B4-BE49-F238E27FC236}">
-                <a16:creationId xmlns="" xmlns:a16="http://schemas.microsoft.com/office/drawing/2014/main" id="{5B7994C7-D4E8-4C4E-AA71-0106FD979C8A}"/>
+                <a16:creationId xmlns:a16="http://schemas.microsoft.com/office/drawing/2014/main" xmlns="" id="{5B7994C7-D4E8-4C4E-AA71-0106FD979C8A}"/>
               </a:ext>
             </a:extLst>
           </p:cNvPr>
@@ -7496,7 +7596,7 @@
           <p:cNvPr id="15" name="Title 1">
             <a:extLst>
               <a:ext uri="{FF2B5EF4-FFF2-40B4-BE49-F238E27FC236}">
-                <a16:creationId xmlns="" xmlns:a16="http://schemas.microsoft.com/office/drawing/2014/main" id="{F4C4A796-8AEB-7641-8B55-458C4FE2D291}"/>
+                <a16:creationId xmlns:a16="http://schemas.microsoft.com/office/drawing/2014/main" xmlns="" id="{F4C4A796-8AEB-7641-8B55-458C4FE2D291}"/>
               </a:ext>
             </a:extLst>
           </p:cNvPr>
@@ -7538,7 +7638,7 @@
           <p:cNvPr id="13" name="Object 12">
             <a:extLst>
               <a:ext uri="{FF2B5EF4-FFF2-40B4-BE49-F238E27FC236}">
-                <a16:creationId xmlns="" xmlns:a16="http://schemas.microsoft.com/office/drawing/2014/main" id="{DB914DDF-21ED-D342-968B-D15374B57C19}"/>
+                <a16:creationId xmlns:a16="http://schemas.microsoft.com/office/drawing/2014/main" xmlns="" id="{DB914DDF-21ED-D342-968B-D15374B57C19}"/>
               </a:ext>
             </a:extLst>
           </p:cNvPr>
@@ -7561,7 +7661,7 @@
           <a:graphicData uri="http://schemas.openxmlformats.org/presentationml/2006/ole">
             <mc:AlternateContent xmlns:mc="http://schemas.openxmlformats.org/markup-compatibility/2006">
               <mc:Choice xmlns:v="urn:schemas-microsoft-com:vml" Requires="v">
-                <p:oleObj spid="_x0000_s2061" name="Document" r:id="rId3" imgW="6921500" imgH="1333500" progId="Word.Document.12">
+                <p:oleObj spid="_x0000_s2065" name="Document" r:id="rId3" imgW="6921500" imgH="1333500" progId="Word.Document.12">
                   <p:embed/>
                 </p:oleObj>
               </mc:Choice>
@@ -7601,7 +7701,7 @@
           <p:cNvPr id="16" name="Rectangle 15">
             <a:extLst>
               <a:ext uri="{FF2B5EF4-FFF2-40B4-BE49-F238E27FC236}">
-                <a16:creationId xmlns="" xmlns:a16="http://schemas.microsoft.com/office/drawing/2014/main" id="{E196E731-7B44-5748-8622-8F33F1FB9AE8}"/>
+                <a16:creationId xmlns:a16="http://schemas.microsoft.com/office/drawing/2014/main" xmlns="" id="{E196E731-7B44-5748-8622-8F33F1FB9AE8}"/>
               </a:ext>
             </a:extLst>
           </p:cNvPr>
@@ -7636,7 +7736,7 @@
           <p:cNvPr id="17" name="Rectangle 16">
             <a:extLst>
               <a:ext uri="{FF2B5EF4-FFF2-40B4-BE49-F238E27FC236}">
-                <a16:creationId xmlns="" xmlns:a16="http://schemas.microsoft.com/office/drawing/2014/main" id="{AF632D80-4D78-DA4D-A95F-73C5BD52E449}"/>
+                <a16:creationId xmlns:a16="http://schemas.microsoft.com/office/drawing/2014/main" xmlns="" id="{AF632D80-4D78-DA4D-A95F-73C5BD52E449}"/>
               </a:ext>
             </a:extLst>
           </p:cNvPr>
@@ -7785,7 +7885,7 @@
           <p:cNvPr id="15" name="Title 1">
             <a:extLst>
               <a:ext uri="{FF2B5EF4-FFF2-40B4-BE49-F238E27FC236}">
-                <a16:creationId xmlns="" xmlns:a16="http://schemas.microsoft.com/office/drawing/2014/main" id="{F4C4A796-8AEB-7641-8B55-458C4FE2D291}"/>
+                <a16:creationId xmlns:a16="http://schemas.microsoft.com/office/drawing/2014/main" xmlns="" id="{F4C4A796-8AEB-7641-8B55-458C4FE2D291}"/>
               </a:ext>
             </a:extLst>
           </p:cNvPr>
@@ -7812,7 +7912,47 @@
                   <a:schemeClr val="tx1"/>
                 </a:solidFill>
               </a:rPr>
-              <a:t>藍圖</a:t>
+              <a:t>藍</a:t>
+            </a:r>
+            <a:r>
+              <a:rPr lang="zh-Hant" altLang="en-US" dirty="0" smtClean="0">
+                <a:solidFill>
+                  <a:schemeClr val="tx1"/>
+                </a:solidFill>
+              </a:rPr>
+              <a:t>圖</a:t>
+            </a:r>
+            <a:r>
+              <a:rPr lang="zh-CN" altLang="en-US" dirty="0" smtClean="0">
+                <a:solidFill>
+                  <a:schemeClr val="tx1"/>
+                </a:solidFill>
+              </a:rPr>
+              <a:t>（</a:t>
+            </a:r>
+            <a:r>
+              <a:rPr lang="zh-TW" altLang="en-US" dirty="0">
+                <a:solidFill>
+                  <a:schemeClr val="tx1"/>
+                </a:solidFill>
+              </a:rPr>
+              <a:t>今日銷售記</a:t>
+            </a:r>
+            <a:r>
+              <a:rPr lang="zh-TW" altLang="en-US" dirty="0">
+                <a:solidFill>
+                  <a:schemeClr val="tx1"/>
+                </a:solidFill>
+              </a:rPr>
+              <a:t>錄</a:t>
+            </a:r>
+            <a:r>
+              <a:rPr lang="zh-CN" altLang="en-US" dirty="0">
+                <a:solidFill>
+                  <a:schemeClr val="tx1"/>
+                </a:solidFill>
+              </a:rPr>
+              <a:t>）</a:t>
             </a:r>
             <a:endParaRPr lang="en-US" dirty="0">
               <a:solidFill>
@@ -7827,7 +7967,7 @@
           <p:cNvPr id="8" name="Picture 7">
             <a:extLst>
               <a:ext uri="{FF2B5EF4-FFF2-40B4-BE49-F238E27FC236}">
-                <a16:creationId xmlns="" xmlns:a16="http://schemas.microsoft.com/office/drawing/2014/main" id="{A575FBA1-D496-934A-AE00-290AA7595822}"/>
+                <a16:creationId xmlns:a16="http://schemas.microsoft.com/office/drawing/2014/main" xmlns="" id="{A575FBA1-D496-934A-AE00-290AA7595822}"/>
               </a:ext>
             </a:extLst>
           </p:cNvPr>
@@ -7921,7 +8061,7 @@
           <p:cNvPr id="15" name="Title 1">
             <a:extLst>
               <a:ext uri="{FF2B5EF4-FFF2-40B4-BE49-F238E27FC236}">
-                <a16:creationId xmlns="" xmlns:a16="http://schemas.microsoft.com/office/drawing/2014/main" id="{F4C4A796-8AEB-7641-8B55-458C4FE2D291}"/>
+                <a16:creationId xmlns:a16="http://schemas.microsoft.com/office/drawing/2014/main" xmlns="" id="{F4C4A796-8AEB-7641-8B55-458C4FE2D291}"/>
               </a:ext>
             </a:extLst>
           </p:cNvPr>
@@ -7963,7 +8103,7 @@
           <p:cNvPr id="3" name="Picture 2">
             <a:extLst>
               <a:ext uri="{FF2B5EF4-FFF2-40B4-BE49-F238E27FC236}">
-                <a16:creationId xmlns="" xmlns:a16="http://schemas.microsoft.com/office/drawing/2014/main" id="{D0DDB850-3EB4-D64D-8FC9-01CDCA1B5E7A}"/>
+                <a16:creationId xmlns:a16="http://schemas.microsoft.com/office/drawing/2014/main" xmlns="" id="{D0DDB850-3EB4-D64D-8FC9-01CDCA1B5E7A}"/>
               </a:ext>
             </a:extLst>
           </p:cNvPr>
@@ -8057,7 +8197,7 @@
           <p:cNvPr id="15" name="Title 1">
             <a:extLst>
               <a:ext uri="{FF2B5EF4-FFF2-40B4-BE49-F238E27FC236}">
-                <a16:creationId xmlns="" xmlns:a16="http://schemas.microsoft.com/office/drawing/2014/main" id="{F4C4A796-8AEB-7641-8B55-458C4FE2D291}"/>
+                <a16:creationId xmlns:a16="http://schemas.microsoft.com/office/drawing/2014/main" xmlns="" id="{F4C4A796-8AEB-7641-8B55-458C4FE2D291}"/>
               </a:ext>
             </a:extLst>
           </p:cNvPr>
@@ -8078,13 +8218,54 @@
           <a:bodyPr/>
           <a:lstStyle/>
           <a:p>
+            <a:pPr lvl="0"/>
             <a:r>
               <a:rPr lang="zh-Hant" altLang="en-US" dirty="0">
                 <a:solidFill>
                   <a:schemeClr val="tx1"/>
                 </a:solidFill>
               </a:rPr>
-              <a:t>藍圖</a:t>
+              <a:t>藍</a:t>
+            </a:r>
+            <a:r>
+              <a:rPr lang="zh-Hant" altLang="en-US" dirty="0" smtClean="0">
+                <a:solidFill>
+                  <a:schemeClr val="tx1"/>
+                </a:solidFill>
+              </a:rPr>
+              <a:t>圖</a:t>
+            </a:r>
+            <a:r>
+              <a:rPr lang="zh-CN" altLang="en-US" dirty="0" smtClean="0">
+                <a:solidFill>
+                  <a:schemeClr val="tx1"/>
+                </a:solidFill>
+              </a:rPr>
+              <a:t>（</a:t>
+            </a:r>
+            <a:r>
+              <a:rPr lang="zh-TW" altLang="en-US" dirty="0">
+                <a:solidFill>
+                  <a:schemeClr val="tx1"/>
+                </a:solidFill>
+              </a:rPr>
+              <a:t>單個商品銷售記</a:t>
+            </a:r>
+            <a:r>
+              <a:rPr lang="zh-TW" altLang="en-US" dirty="0">
+                <a:solidFill>
+                  <a:schemeClr val="tx1"/>
+                </a:solidFill>
+              </a:rPr>
+              <a:t>錄</a:t>
+            </a:r>
+            <a:r>
+              <a:rPr lang="zh-CN" altLang="en-US" dirty="0">
+                <a:solidFill>
+                  <a:schemeClr val="tx1"/>
+                </a:solidFill>
+              </a:rPr>
+              <a:t>）</a:t>
             </a:r>
             <a:endParaRPr lang="en-US" dirty="0">
               <a:solidFill>
@@ -8099,7 +8280,7 @@
           <p:cNvPr id="3" name="Picture 2">
             <a:extLst>
               <a:ext uri="{FF2B5EF4-FFF2-40B4-BE49-F238E27FC236}">
-                <a16:creationId xmlns="" xmlns:a16="http://schemas.microsoft.com/office/drawing/2014/main" id="{C89FF32C-708B-A246-A4A9-3A91DF58208B}"/>
+                <a16:creationId xmlns:a16="http://schemas.microsoft.com/office/drawing/2014/main" xmlns="" id="{C89FF32C-708B-A246-A4A9-3A91DF58208B}"/>
               </a:ext>
             </a:extLst>
           </p:cNvPr>
@@ -9002,7 +9183,7 @@
   <a:extraClrSchemeLst/>
   <a:extLst>
     <a:ext uri="{05A4C25C-085E-4340-85A3-A5531E510DB2}">
-      <thm15:themeFamily xmlns="" xmlns:thm15="http://schemas.microsoft.com/office/thememl/2012/main" name="Office Theme" id="{62F939B6-93AF-4DB8-9C6B-D6C7DFDC589F}" vid="{4A3C46E8-61CC-4603-A589-7422A47A8E4A}"/>
+      <thm15:themeFamily xmlns:thm15="http://schemas.microsoft.com/office/thememl/2012/main" xmlns="" name="Office Theme" id="{62F939B6-93AF-4DB8-9C6B-D6C7DFDC589F}" vid="{4A3C46E8-61CC-4603-A589-7422A47A8E4A}"/>
     </a:ext>
   </a:extLst>
 </a:theme>

--- a/系統分析/系統分析期中報告.pptx
+++ b/系統分析/系統分析期中報告.pptx
@@ -6,7 +6,7 @@
     <p:sldMasterId id="2147483661" r:id="rId2"/>
   </p:sldMasterIdLst>
   <p:notesMasterIdLst>
-    <p:notesMasterId r:id="rId18"/>
+    <p:notesMasterId r:id="rId19"/>
   </p:notesMasterIdLst>
   <p:sldIdLst>
     <p:sldId id="256" r:id="rId3"/>
@@ -18,12 +18,13 @@
     <p:sldId id="265" r:id="rId9"/>
     <p:sldId id="266" r:id="rId10"/>
     <p:sldId id="267" r:id="rId11"/>
-    <p:sldId id="268" r:id="rId12"/>
-    <p:sldId id="272" r:id="rId13"/>
-    <p:sldId id="269" r:id="rId14"/>
-    <p:sldId id="273" r:id="rId15"/>
-    <p:sldId id="270" r:id="rId16"/>
-    <p:sldId id="274" r:id="rId17"/>
+    <p:sldId id="275" r:id="rId12"/>
+    <p:sldId id="268" r:id="rId13"/>
+    <p:sldId id="272" r:id="rId14"/>
+    <p:sldId id="269" r:id="rId15"/>
+    <p:sldId id="273" r:id="rId16"/>
+    <p:sldId id="270" r:id="rId17"/>
+    <p:sldId id="274" r:id="rId18"/>
   </p:sldIdLst>
   <p:sldSz cx="9144000" cy="5143500" type="screen16x9"/>
   <p:notesSz cx="6858000" cy="9144000"/>
@@ -124,7 +125,7 @@
   </p:defaultTextStyle>
   <p:extLst>
     <p:ext uri="{EFAFB233-063F-42B5-8137-9DF3F51BA10A}">
-      <p15:sldGuideLst xmlns:p15="http://schemas.microsoft.com/office/powerpoint/2012/main" xmlns="">
+      <p15:sldGuideLst xmlns="" xmlns:p15="http://schemas.microsoft.com/office/powerpoint/2012/main">
         <p15:guide id="1" orient="horz" pos="1620">
           <p15:clr>
             <a:srgbClr val="A4A3A4"/>
@@ -559,7 +560,7 @@
           <a:p>
             <a:fld id="{296C4F53-6BE1-5844-B3C4-6E34DA698919}" type="slidenum">
               <a:rPr lang="en-US" smtClean="0"/>
-              <a:t>10</a:t>
+              <a:t>11</a:t>
             </a:fld>
             <a:endParaRPr lang="en-US"/>
           </a:p>
@@ -643,7 +644,7 @@
           <a:p>
             <a:fld id="{296C4F53-6BE1-5844-B3C4-6E34DA698919}" type="slidenum">
               <a:rPr lang="en-US" smtClean="0"/>
-              <a:t>12</a:t>
+              <a:t>13</a:t>
             </a:fld>
             <a:endParaRPr lang="en-US"/>
           </a:p>
@@ -4628,7 +4629,7 @@
           <p:cNvPr id="15" name="Title 1">
             <a:extLst>
               <a:ext uri="{FF2B5EF4-FFF2-40B4-BE49-F238E27FC236}">
-                <a16:creationId xmlns:a16="http://schemas.microsoft.com/office/drawing/2014/main" xmlns="" id="{F4C4A796-8AEB-7641-8B55-458C4FE2D291}"/>
+                <a16:creationId xmlns="" xmlns:a16="http://schemas.microsoft.com/office/drawing/2014/main" id="{F4C4A796-8AEB-7641-8B55-458C4FE2D291}"/>
               </a:ext>
             </a:extLst>
           </p:cNvPr>
@@ -4649,61 +4650,46 @@
           <a:bodyPr/>
           <a:lstStyle/>
           <a:p>
+            <a:pPr lvl="0"/>
+            <a:r>
+              <a:rPr lang="zh-Hant" altLang="en-US" dirty="0">
+                <a:solidFill>
+                  <a:schemeClr val="tx1"/>
+                </a:solidFill>
+              </a:rPr>
+              <a:t>藍</a:t>
+            </a:r>
+            <a:r>
+              <a:rPr lang="zh-Hant" altLang="en-US" dirty="0" smtClean="0">
+                <a:solidFill>
+                  <a:schemeClr val="tx1"/>
+                </a:solidFill>
+              </a:rPr>
+              <a:t>圖</a:t>
+            </a:r>
+            <a:r>
+              <a:rPr lang="zh-CN" altLang="en-US" dirty="0" smtClean="0">
+                <a:solidFill>
+                  <a:schemeClr val="tx1"/>
+                </a:solidFill>
+              </a:rPr>
+              <a:t>（</a:t>
+            </a:r>
             <a:r>
               <a:rPr lang="zh-TW" altLang="en-US" dirty="0">
                 <a:solidFill>
                   <a:schemeClr val="tx1"/>
                 </a:solidFill>
               </a:rPr>
-              <a:t>資料</a:t>
-            </a:r>
-            <a:r>
-              <a:rPr lang="zh-TW" altLang="en-US" dirty="0" smtClean="0">
+              <a:t>單個商品銷售記錄</a:t>
+            </a:r>
+            <a:r>
+              <a:rPr lang="zh-CN" altLang="en-US" dirty="0">
                 <a:solidFill>
                   <a:schemeClr val="tx1"/>
                 </a:solidFill>
               </a:rPr>
-              <a:t>流</a:t>
-            </a:r>
-            <a:r>
-              <a:rPr lang="zh-CN" altLang="en-US" dirty="0" smtClean="0">
-                <a:solidFill>
-                  <a:schemeClr val="tx1"/>
-                </a:solidFill>
-              </a:rPr>
-              <a:t>向</a:t>
-            </a:r>
-            <a:r>
-              <a:rPr lang="zh-CN" altLang="en-US" dirty="0" smtClean="0">
-                <a:solidFill>
-                  <a:schemeClr val="tx1"/>
-                </a:solidFill>
-              </a:rPr>
-              <a:t>表</a:t>
-            </a:r>
-            <a:r>
-              <a:rPr lang="zh-Hant" altLang="en-US" dirty="0" smtClean="0">
-                <a:solidFill>
-                  <a:schemeClr val="tx1"/>
-                </a:solidFill>
-              </a:rPr>
-              <a:t> </a:t>
-            </a:r>
-            <a:r>
-              <a:rPr lang="zh-Hant" altLang="en-US" dirty="0">
-                <a:solidFill>
-                  <a:schemeClr val="tx1"/>
-                </a:solidFill>
-              </a:rPr>
-              <a:t>（</a:t>
-            </a:r>
-            <a:r>
-              <a:rPr lang="zh-TW" altLang="en-US" dirty="0">
-                <a:solidFill>
-                  <a:schemeClr val="tx1"/>
-                </a:solidFill>
-              </a:rPr>
-              <a:t>切換買賣）</a:t>
+              <a:t>）</a:t>
             </a:r>
             <a:endParaRPr lang="en-US" dirty="0">
               <a:solidFill>
@@ -4715,10 +4701,10 @@
       </p:sp>
       <p:pic>
         <p:nvPicPr>
-          <p:cNvPr id="31" name="Picture 30">
+          <p:cNvPr id="3" name="Picture 2">
             <a:extLst>
               <a:ext uri="{FF2B5EF4-FFF2-40B4-BE49-F238E27FC236}">
-                <a16:creationId xmlns:a16="http://schemas.microsoft.com/office/drawing/2014/main" xmlns="" id="{4FFEC185-6FEF-3F42-8084-C69259FD5ADA}"/>
+                <a16:creationId xmlns="" xmlns:a16="http://schemas.microsoft.com/office/drawing/2014/main" id="{C89FF32C-708B-A246-A4A9-3A91DF58208B}"/>
               </a:ext>
             </a:extLst>
           </p:cNvPr>
@@ -4728,7 +4714,7 @@
           <p:nvPr/>
         </p:nvPicPr>
         <p:blipFill>
-          <a:blip r:embed="rId3">
+          <a:blip r:embed="rId2">
             <a:extLst>
               <a:ext uri="{28A0092B-C50C-407E-A947-70E740481C1C}">
                 <a14:useLocalDpi xmlns:a14="http://schemas.microsoft.com/office/drawing/2010/main" val="0"/>
@@ -4741,152 +4727,495 @@
         </p:blipFill>
         <p:spPr>
           <a:xfrm>
-            <a:off x="395536" y="987574"/>
-            <a:ext cx="8095103" cy="1654542"/>
+            <a:off x="504056" y="771550"/>
+            <a:ext cx="8028384" cy="4263923"/>
           </a:xfrm>
           <a:prstGeom prst="rect">
             <a:avLst/>
           </a:prstGeom>
         </p:spPr>
       </p:pic>
-      <p:pic>
-        <p:nvPicPr>
-          <p:cNvPr id="33" name="Picture 32">
-            <a:extLst>
-              <a:ext uri="{FF2B5EF4-FFF2-40B4-BE49-F238E27FC236}">
-                <a16:creationId xmlns:a16="http://schemas.microsoft.com/office/drawing/2014/main" xmlns="" id="{74DE0983-9153-194E-8E13-5F518B0C2D8A}"/>
-              </a:ext>
-            </a:extLst>
-          </p:cNvPr>
-          <p:cNvPicPr>
-            <a:picLocks noChangeAspect="1"/>
-          </p:cNvPicPr>
+      <p:sp>
+        <p:nvSpPr>
+          <p:cNvPr id="2" name="Rectangle 1"/>
+          <p:cNvSpPr/>
           <p:nvPr/>
-        </p:nvPicPr>
-        <p:blipFill>
-          <a:blip r:embed="rId4">
-            <a:extLst>
-              <a:ext uri="{28A0092B-C50C-407E-A947-70E740481C1C}">
-                <a14:useLocalDpi xmlns:a14="http://schemas.microsoft.com/office/drawing/2010/main" val="0"/>
-              </a:ext>
-            </a:extLst>
-          </a:blip>
-          <a:stretch>
-            <a:fillRect/>
-          </a:stretch>
-        </p:blipFill>
+        </p:nvSpPr>
         <p:spPr>
           <a:xfrm>
-            <a:off x="395536" y="3461659"/>
-            <a:ext cx="8172233" cy="862298"/>
+            <a:off x="3837037" y="1255812"/>
+            <a:ext cx="1296144" cy="504056"/>
           </a:xfrm>
           <a:prstGeom prst="rect">
             <a:avLst/>
           </a:prstGeom>
         </p:spPr>
-      </p:pic>
-      <p:sp>
-        <p:nvSpPr>
-          <p:cNvPr id="34" name="Arrow: Down 128">
-            <a:extLst>
-              <a:ext uri="{FF2B5EF4-FFF2-40B4-BE49-F238E27FC236}">
-                <a16:creationId xmlns:a16="http://schemas.microsoft.com/office/drawing/2014/main" xmlns="" id="{007661F0-5D1F-F14E-AEA8-08A4A330E6D1}"/>
-              </a:ext>
-            </a:extLst>
-          </p:cNvPr>
-          <p:cNvSpPr/>
+        <p:style>
+          <a:lnRef idx="1">
+            <a:schemeClr val="accent1"/>
+          </a:lnRef>
+          <a:fillRef idx="2">
+            <a:schemeClr val="accent1"/>
+          </a:fillRef>
+          <a:effectRef idx="1">
+            <a:schemeClr val="accent1"/>
+          </a:effectRef>
+          <a:fontRef idx="minor">
+            <a:schemeClr val="dk1"/>
+          </a:fontRef>
+        </p:style>
+        <p:txBody>
+          <a:bodyPr rtlCol="0" anchor="ctr"/>
+          <a:lstStyle/>
+          <a:p>
+            <a:pPr algn="ctr"/>
+            <a:r>
+              <a:rPr lang="zh-CN" altLang="en-US" dirty="0">
+                <a:solidFill>
+                  <a:prstClr val="black"/>
+                </a:solidFill>
+              </a:rPr>
+              <a:t>產品資料</a:t>
+            </a:r>
+            <a:endParaRPr lang="en-MY" dirty="0">
+              <a:solidFill>
+                <a:prstClr val="black"/>
+              </a:solidFill>
+            </a:endParaRPr>
+          </a:p>
+        </p:txBody>
+      </p:sp>
+      <p:cxnSp>
+        <p:nvCxnSpPr>
+          <p:cNvPr id="5" name="Straight Connector 4"/>
+          <p:cNvCxnSpPr>
+            <a:endCxn id="2" idx="1"/>
+          </p:cNvCxnSpPr>
           <p:nvPr/>
-        </p:nvSpPr>
+        </p:nvCxnSpPr>
         <p:spPr>
           <a:xfrm>
-            <a:off x="4139952" y="2846512"/>
-            <a:ext cx="864096" cy="419990"/>
+            <a:off x="3242717" y="1255812"/>
+            <a:ext cx="594320" cy="252028"/>
           </a:xfrm>
-          <a:prstGeom prst="downArrow">
+          <a:prstGeom prst="line">
             <a:avLst/>
           </a:prstGeom>
         </p:spPr>
         <p:style>
-          <a:lnRef idx="2">
-            <a:schemeClr val="accent1">
-              <a:shade val="50000"/>
-            </a:schemeClr>
+          <a:lnRef idx="1">
+            <a:schemeClr val="accent1"/>
           </a:lnRef>
-          <a:fillRef idx="1">
+          <a:fillRef idx="0">
             <a:schemeClr val="accent1"/>
           </a:fillRef>
           <a:effectRef idx="0">
             <a:schemeClr val="accent1"/>
           </a:effectRef>
           <a:fontRef idx="minor">
-            <a:schemeClr val="lt1"/>
+            <a:schemeClr val="tx1"/>
           </a:fontRef>
         </p:style>
-        <p:txBody>
-          <a:bodyPr rot="0" spcFirstLastPara="0" vert="horz" wrap="square" lIns="91440" tIns="45720" rIns="91440" bIns="45720" numCol="1" spcCol="0" rtlCol="0" fromWordArt="0" anchor="ctr" anchorCtr="0" forceAA="0" compatLnSpc="1">
-            <a:prstTxWarp prst="textNoShape">
-              <a:avLst/>
-            </a:prstTxWarp>
-            <a:noAutofit/>
-          </a:bodyPr>
-          <a:lstStyle/>
-          <a:p>
-            <a:endParaRPr lang="en-US"/>
-          </a:p>
-        </p:txBody>
-      </p:sp>
-      <p:sp>
-        <p:nvSpPr>
-          <p:cNvPr id="35" name="Rectangle 34">
-            <a:extLst>
-              <a:ext uri="{FF2B5EF4-FFF2-40B4-BE49-F238E27FC236}">
-                <a16:creationId xmlns:a16="http://schemas.microsoft.com/office/drawing/2014/main" xmlns="" id="{45A947F6-B5AC-4F42-A660-15042FC37403}"/>
-              </a:ext>
-            </a:extLst>
-          </p:cNvPr>
+      </p:cxnSp>
+      <p:cxnSp>
+        <p:nvCxnSpPr>
+          <p:cNvPr id="7" name="Straight Connector 6"/>
+          <p:cNvCxnSpPr>
+            <a:endCxn id="2" idx="1"/>
+          </p:cNvCxnSpPr>
+          <p:nvPr/>
+        </p:nvCxnSpPr>
+        <p:spPr>
+          <a:xfrm flipV="1">
+            <a:off x="3242717" y="1507840"/>
+            <a:ext cx="594320" cy="252028"/>
+          </a:xfrm>
+          <a:prstGeom prst="line">
+            <a:avLst/>
+          </a:prstGeom>
+        </p:spPr>
+        <p:style>
+          <a:lnRef idx="1">
+            <a:schemeClr val="accent1"/>
+          </a:lnRef>
+          <a:fillRef idx="0">
+            <a:schemeClr val="accent1"/>
+          </a:fillRef>
+          <a:effectRef idx="0">
+            <a:schemeClr val="accent1"/>
+          </a:effectRef>
+          <a:fontRef idx="minor">
+            <a:schemeClr val="tx1"/>
+          </a:fontRef>
+        </p:style>
+      </p:cxnSp>
+      <p:cxnSp>
+        <p:nvCxnSpPr>
+          <p:cNvPr id="9" name="Straight Connector 8"/>
+          <p:cNvCxnSpPr>
+            <a:stCxn id="2" idx="3"/>
+          </p:cNvCxnSpPr>
+          <p:nvPr/>
+        </p:nvCxnSpPr>
+        <p:spPr>
+          <a:xfrm>
+            <a:off x="5133181" y="1507840"/>
+            <a:ext cx="446931" cy="252028"/>
+          </a:xfrm>
+          <a:prstGeom prst="line">
+            <a:avLst/>
+          </a:prstGeom>
+        </p:spPr>
+        <p:style>
+          <a:lnRef idx="1">
+            <a:schemeClr val="accent1"/>
+          </a:lnRef>
+          <a:fillRef idx="0">
+            <a:schemeClr val="accent1"/>
+          </a:fillRef>
+          <a:effectRef idx="0">
+            <a:schemeClr val="accent1"/>
+          </a:effectRef>
+          <a:fontRef idx="minor">
+            <a:schemeClr val="tx1"/>
+          </a:fontRef>
+        </p:style>
+      </p:cxnSp>
+      <p:sp>
+        <p:nvSpPr>
+          <p:cNvPr id="16" name="Rectangle 15"/>
           <p:cNvSpPr/>
           <p:nvPr/>
         </p:nvSpPr>
         <p:spPr>
           <a:xfrm>
-            <a:off x="5148064" y="2873286"/>
-            <a:ext cx="1512168" cy="369332"/>
+            <a:off x="6084168" y="627534"/>
+            <a:ext cx="1296144" cy="504056"/>
           </a:xfrm>
           <a:prstGeom prst="rect">
             <a:avLst/>
           </a:prstGeom>
         </p:spPr>
-        <p:txBody>
-          <a:bodyPr wrap="square">
-            <a:spAutoFit/>
-          </a:bodyPr>
+        <p:style>
+          <a:lnRef idx="1">
+            <a:schemeClr val="accent1"/>
+          </a:lnRef>
+          <a:fillRef idx="2">
+            <a:schemeClr val="accent1"/>
+          </a:fillRef>
+          <a:effectRef idx="1">
+            <a:schemeClr val="accent1"/>
+          </a:effectRef>
+          <a:fontRef idx="minor">
+            <a:schemeClr val="dk1"/>
+          </a:fontRef>
+        </p:style>
+        <p:txBody>
+          <a:bodyPr rtlCol="0" anchor="ctr"/>
           <a:lstStyle/>
           <a:p>
-            <a:r>
-              <a:rPr lang="zh-CN" altLang="en-US" b="1" dirty="0">
-                <a:latin typeface="Calibri" panose="020F0502020204030204" pitchFamily="34" charset="0"/>
-                <a:ea typeface="PMingLiU" panose="02020500000000000000" pitchFamily="18" charset="-120"/>
-                <a:cs typeface="Times New Roman" panose="02020603050405020304" pitchFamily="18" charset="0"/>
+            <a:pPr algn="ctr"/>
+            <a:r>
+              <a:rPr lang="zh-CN" altLang="en-US" dirty="0">
+                <a:solidFill>
+                  <a:prstClr val="black"/>
+                </a:solidFill>
               </a:rPr>
-              <a:t>整合（聯集）</a:t>
-            </a:r>
-            <a:r>
-              <a:rPr lang="en-US" b="1" dirty="0"/>
-              <a:t> </a:t>
-            </a:r>
-          </a:p>
-        </p:txBody>
-      </p:sp>
+              <a:t>商店</a:t>
+            </a:r>
+            <a:r>
+              <a:rPr lang="zh-CN" altLang="en-US" dirty="0" smtClean="0">
+                <a:solidFill>
+                  <a:prstClr val="black"/>
+                </a:solidFill>
+              </a:rPr>
+              <a:t>資</a:t>
+            </a:r>
+            <a:r>
+              <a:rPr lang="zh-CN" altLang="en-US" dirty="0">
+                <a:solidFill>
+                  <a:prstClr val="black"/>
+                </a:solidFill>
+              </a:rPr>
+              <a:t>料</a:t>
+            </a:r>
+            <a:endParaRPr lang="en-MY" dirty="0">
+              <a:solidFill>
+                <a:prstClr val="black"/>
+              </a:solidFill>
+            </a:endParaRPr>
+          </a:p>
+        </p:txBody>
+      </p:sp>
+      <p:cxnSp>
+        <p:nvCxnSpPr>
+          <p:cNvPr id="18" name="Straight Connector 17"/>
+          <p:cNvCxnSpPr/>
+          <p:nvPr/>
+        </p:nvCxnSpPr>
+        <p:spPr>
+          <a:xfrm flipH="1">
+            <a:off x="5796136" y="879562"/>
+            <a:ext cx="288032" cy="376250"/>
+          </a:xfrm>
+          <a:prstGeom prst="line">
+            <a:avLst/>
+          </a:prstGeom>
+        </p:spPr>
+        <p:style>
+          <a:lnRef idx="1">
+            <a:schemeClr val="accent1"/>
+          </a:lnRef>
+          <a:fillRef idx="0">
+            <a:schemeClr val="accent1"/>
+          </a:fillRef>
+          <a:effectRef idx="0">
+            <a:schemeClr val="accent1"/>
+          </a:effectRef>
+          <a:fontRef idx="minor">
+            <a:schemeClr val="tx1"/>
+          </a:fontRef>
+        </p:style>
+      </p:cxnSp>
+      <p:cxnSp>
+        <p:nvCxnSpPr>
+          <p:cNvPr id="20" name="Straight Connector 19"/>
+          <p:cNvCxnSpPr>
+            <a:stCxn id="2" idx="2"/>
+          </p:cNvCxnSpPr>
+          <p:nvPr/>
+        </p:nvCxnSpPr>
+        <p:spPr>
+          <a:xfrm flipH="1">
+            <a:off x="2411760" y="1759868"/>
+            <a:ext cx="2073349" cy="307826"/>
+          </a:xfrm>
+          <a:prstGeom prst="line">
+            <a:avLst/>
+          </a:prstGeom>
+        </p:spPr>
+        <p:style>
+          <a:lnRef idx="1">
+            <a:schemeClr val="accent1"/>
+          </a:lnRef>
+          <a:fillRef idx="0">
+            <a:schemeClr val="accent1"/>
+          </a:fillRef>
+          <a:effectRef idx="0">
+            <a:schemeClr val="accent1"/>
+          </a:effectRef>
+          <a:fontRef idx="minor">
+            <a:schemeClr val="tx1"/>
+          </a:fontRef>
+        </p:style>
+      </p:cxnSp>
+      <p:cxnSp>
+        <p:nvCxnSpPr>
+          <p:cNvPr id="22" name="Straight Connector 21"/>
+          <p:cNvCxnSpPr>
+            <a:stCxn id="2" idx="2"/>
+          </p:cNvCxnSpPr>
+          <p:nvPr/>
+        </p:nvCxnSpPr>
+        <p:spPr>
+          <a:xfrm flipH="1">
+            <a:off x="3707904" y="1759868"/>
+            <a:ext cx="777205" cy="307826"/>
+          </a:xfrm>
+          <a:prstGeom prst="line">
+            <a:avLst/>
+          </a:prstGeom>
+        </p:spPr>
+        <p:style>
+          <a:lnRef idx="1">
+            <a:schemeClr val="accent1"/>
+          </a:lnRef>
+          <a:fillRef idx="0">
+            <a:schemeClr val="accent1"/>
+          </a:fillRef>
+          <a:effectRef idx="0">
+            <a:schemeClr val="accent1"/>
+          </a:effectRef>
+          <a:fontRef idx="minor">
+            <a:schemeClr val="tx1"/>
+          </a:fontRef>
+        </p:style>
+      </p:cxnSp>
+      <p:sp>
+        <p:nvSpPr>
+          <p:cNvPr id="23" name="Rectangle 22"/>
+          <p:cNvSpPr/>
+          <p:nvPr/>
+        </p:nvSpPr>
+        <p:spPr>
+          <a:xfrm>
+            <a:off x="251520" y="1913781"/>
+            <a:ext cx="8280920" cy="3034233"/>
+          </a:xfrm>
+          <a:prstGeom prst="rect">
+            <a:avLst/>
+          </a:prstGeom>
+          <a:noFill/>
+        </p:spPr>
+        <p:style>
+          <a:lnRef idx="2">
+            <a:schemeClr val="dk1"/>
+          </a:lnRef>
+          <a:fillRef idx="1">
+            <a:schemeClr val="lt1"/>
+          </a:fillRef>
+          <a:effectRef idx="0">
+            <a:schemeClr val="dk1"/>
+          </a:effectRef>
+          <a:fontRef idx="minor">
+            <a:schemeClr val="dk1"/>
+          </a:fontRef>
+        </p:style>
+        <p:txBody>
+          <a:bodyPr rtlCol="0" anchor="ctr"/>
+          <a:lstStyle/>
+          <a:p>
+            <a:pPr algn="ctr"/>
+            <a:endParaRPr lang="en-MY">
+              <a:solidFill>
+                <a:prstClr val="black"/>
+              </a:solidFill>
+            </a:endParaRPr>
+          </a:p>
+        </p:txBody>
+      </p:sp>
+      <p:sp>
+        <p:nvSpPr>
+          <p:cNvPr id="24" name="Rectangle 23"/>
+          <p:cNvSpPr/>
+          <p:nvPr/>
+        </p:nvSpPr>
+        <p:spPr>
+          <a:xfrm>
+            <a:off x="8604448" y="2566802"/>
+            <a:ext cx="467544" cy="1728192"/>
+          </a:xfrm>
+          <a:prstGeom prst="rect">
+            <a:avLst/>
+          </a:prstGeom>
+        </p:spPr>
+        <p:style>
+          <a:lnRef idx="1">
+            <a:schemeClr val="accent1"/>
+          </a:lnRef>
+          <a:fillRef idx="2">
+            <a:schemeClr val="accent1"/>
+          </a:fillRef>
+          <a:effectRef idx="1">
+            <a:schemeClr val="accent1"/>
+          </a:effectRef>
+          <a:fontRef idx="minor">
+            <a:schemeClr val="dk1"/>
+          </a:fontRef>
+        </p:style>
+        <p:txBody>
+          <a:bodyPr rtlCol="0" anchor="ctr"/>
+          <a:lstStyle/>
+          <a:p>
+            <a:pPr algn="ctr"/>
+            <a:r>
+              <a:rPr lang="zh-CN" altLang="en-US" dirty="0" smtClean="0">
+                <a:solidFill>
+                  <a:prstClr val="black"/>
+                </a:solidFill>
+              </a:rPr>
+              <a:t>交易記錄資料</a:t>
+            </a:r>
+            <a:endParaRPr lang="en-MY" dirty="0">
+              <a:solidFill>
+                <a:prstClr val="black"/>
+              </a:solidFill>
+            </a:endParaRPr>
+          </a:p>
+        </p:txBody>
+      </p:sp>
+      <p:cxnSp>
+        <p:nvCxnSpPr>
+          <p:cNvPr id="26" name="Straight Connector 25"/>
+          <p:cNvCxnSpPr>
+            <a:stCxn id="23" idx="3"/>
+            <a:endCxn id="24" idx="1"/>
+          </p:cNvCxnSpPr>
+          <p:nvPr/>
+        </p:nvCxnSpPr>
+        <p:spPr>
+          <a:xfrm>
+            <a:off x="8532440" y="3430898"/>
+            <a:ext cx="72008" cy="0"/>
+          </a:xfrm>
+          <a:prstGeom prst="line">
+            <a:avLst/>
+          </a:prstGeom>
+        </p:spPr>
+        <p:style>
+          <a:lnRef idx="1">
+            <a:schemeClr val="accent1"/>
+          </a:lnRef>
+          <a:fillRef idx="0">
+            <a:schemeClr val="accent1"/>
+          </a:fillRef>
+          <a:effectRef idx="0">
+            <a:schemeClr val="accent1"/>
+          </a:effectRef>
+          <a:fontRef idx="minor">
+            <a:schemeClr val="tx1"/>
+          </a:fontRef>
+        </p:style>
+      </p:cxnSp>
+      <p:cxnSp>
+        <p:nvCxnSpPr>
+          <p:cNvPr id="29" name="Straight Connector 28"/>
+          <p:cNvCxnSpPr>
+            <a:stCxn id="2" idx="2"/>
+          </p:cNvCxnSpPr>
+          <p:nvPr/>
+        </p:nvCxnSpPr>
+        <p:spPr>
+          <a:xfrm>
+            <a:off x="4485109" y="1759868"/>
+            <a:ext cx="1455043" cy="307826"/>
+          </a:xfrm>
+          <a:prstGeom prst="line">
+            <a:avLst/>
+          </a:prstGeom>
+        </p:spPr>
+        <p:style>
+          <a:lnRef idx="1">
+            <a:schemeClr val="accent1"/>
+          </a:lnRef>
+          <a:fillRef idx="0">
+            <a:schemeClr val="accent1"/>
+          </a:fillRef>
+          <a:effectRef idx="0">
+            <a:schemeClr val="accent1"/>
+          </a:effectRef>
+          <a:fontRef idx="minor">
+            <a:schemeClr val="tx1"/>
+          </a:fontRef>
+        </p:style>
+      </p:cxnSp>
     </p:spTree>
     <p:extLst>
       <p:ext uri="{BB962C8B-B14F-4D97-AF65-F5344CB8AC3E}">
-        <p14:creationId xmlns:p14="http://schemas.microsoft.com/office/powerpoint/2010/main" val="1448871009"/>
+        <p14:creationId xmlns:p14="http://schemas.microsoft.com/office/powerpoint/2010/main" val="3916184151"/>
       </p:ext>
     </p:extLst>
   </p:cSld>
   <p:clrMapOvr>
     <a:masterClrMapping/>
   </p:clrMapOvr>
+  <p:timing>
+    <p:tnLst>
+      <p:par>
+        <p:cTn id="1" dur="indefinite" restart="never" nodeType="tmRoot"/>
+      </p:par>
+    </p:tnLst>
+  </p:timing>
 </p:sld>
 </file>
 
@@ -4935,51 +5264,100 @@
           <a:chExt cx="0" cy="0"/>
         </a:xfrm>
       </p:grpSpPr>
+      <p:sp>
+        <p:nvSpPr>
+          <p:cNvPr id="15" name="Title 1">
+            <a:extLst>
+              <a:ext uri="{FF2B5EF4-FFF2-40B4-BE49-F238E27FC236}">
+                <a16:creationId xmlns="" xmlns:a16="http://schemas.microsoft.com/office/drawing/2014/main" id="{F4C4A796-8AEB-7641-8B55-458C4FE2D291}"/>
+              </a:ext>
+            </a:extLst>
+          </p:cNvPr>
+          <p:cNvSpPr>
+            <a:spLocks noGrp="1"/>
+          </p:cNvSpPr>
+          <p:nvPr>
+            <p:ph type="title"/>
+          </p:nvPr>
+        </p:nvSpPr>
+        <p:spPr>
+          <a:xfrm>
+            <a:off x="313317" y="31100"/>
+            <a:ext cx="8075107" cy="884466"/>
+          </a:xfrm>
+        </p:spPr>
+        <p:txBody>
+          <a:bodyPr/>
+          <a:lstStyle/>
+          <a:p>
+            <a:r>
+              <a:rPr lang="zh-TW" altLang="en-US" dirty="0">
+                <a:solidFill>
+                  <a:schemeClr val="tx1"/>
+                </a:solidFill>
+              </a:rPr>
+              <a:t>資料</a:t>
+            </a:r>
+            <a:r>
+              <a:rPr lang="zh-TW" altLang="en-US" dirty="0" smtClean="0">
+                <a:solidFill>
+                  <a:schemeClr val="tx1"/>
+                </a:solidFill>
+              </a:rPr>
+              <a:t>流</a:t>
+            </a:r>
+            <a:r>
+              <a:rPr lang="zh-CN" altLang="en-US" dirty="0" smtClean="0">
+                <a:solidFill>
+                  <a:schemeClr val="tx1"/>
+                </a:solidFill>
+              </a:rPr>
+              <a:t>向表</a:t>
+            </a:r>
+            <a:r>
+              <a:rPr lang="zh-Hant" altLang="en-US" dirty="0" smtClean="0">
+                <a:solidFill>
+                  <a:schemeClr val="tx1"/>
+                </a:solidFill>
+              </a:rPr>
+              <a:t> </a:t>
+            </a:r>
+            <a:r>
+              <a:rPr lang="zh-Hant" altLang="en-US" dirty="0">
+                <a:solidFill>
+                  <a:schemeClr val="tx1"/>
+                </a:solidFill>
+              </a:rPr>
+              <a:t>（</a:t>
+            </a:r>
+            <a:r>
+              <a:rPr lang="zh-TW" altLang="en-US" dirty="0">
+                <a:solidFill>
+                  <a:schemeClr val="tx1"/>
+                </a:solidFill>
+              </a:rPr>
+              <a:t>切換買賣）</a:t>
+            </a:r>
+            <a:endParaRPr lang="en-US" dirty="0">
+              <a:solidFill>
+                <a:schemeClr val="tx1"/>
+              </a:solidFill>
+            </a:endParaRPr>
+          </a:p>
+        </p:txBody>
+      </p:sp>
       <p:pic>
         <p:nvPicPr>
-          <p:cNvPr id="9" name="Content Placeholder 6">
+          <p:cNvPr id="31" name="Picture 30">
             <a:extLst>
               <a:ext uri="{FF2B5EF4-FFF2-40B4-BE49-F238E27FC236}">
-                <a16:creationId xmlns:a16="http://schemas.microsoft.com/office/drawing/2014/main" xmlns="" id="{65B99FB5-8778-7F44-9454-FB20081C092A}"/>
+                <a16:creationId xmlns="" xmlns:a16="http://schemas.microsoft.com/office/drawing/2014/main" id="{4FFEC185-6FEF-3F42-8084-C69259FD5ADA}"/>
               </a:ext>
             </a:extLst>
           </p:cNvPr>
           <p:cNvPicPr>
-            <a:picLocks noGrp="1" noChangeAspect="1"/>
+            <a:picLocks noChangeAspect="1"/>
           </p:cNvPicPr>
-          <p:nvPr>
-            <p:ph idx="1"/>
-          </p:nvPr>
-        </p:nvPicPr>
-        <p:blipFill>
-          <a:blip r:embed="rId2" cstate="print">
-            <a:extLst>
-              <a:ext uri="{28A0092B-C50C-407E-A947-70E740481C1C}">
-                <a14:useLocalDpi xmlns:a14="http://schemas.microsoft.com/office/drawing/2010/main" val="0"/>
-              </a:ext>
-            </a:extLst>
-          </a:blip>
-          <a:stretch>
-            <a:fillRect/>
-          </a:stretch>
-        </p:blipFill>
-        <p:spPr>
-          <a:xfrm>
-            <a:off x="508000" y="469953"/>
-            <a:ext cx="3240360" cy="2214501"/>
-          </a:xfrm>
-        </p:spPr>
-      </p:pic>
-      <p:pic>
-        <p:nvPicPr>
-          <p:cNvPr id="10" name="Picture 9">
-            <a:extLst>
-              <a:ext uri="{FF2B5EF4-FFF2-40B4-BE49-F238E27FC236}">
-                <a16:creationId xmlns:a16="http://schemas.microsoft.com/office/drawing/2014/main" xmlns="" id="{F1251362-201C-3E43-822F-4765AF33BA16}"/>
-              </a:ext>
-            </a:extLst>
-          </p:cNvPr>
-          <p:cNvPicPr/>
           <p:nvPr/>
         </p:nvPicPr>
         <p:blipFill>
@@ -4996,23 +5374,56 @@
         </p:blipFill>
         <p:spPr>
           <a:xfrm>
-            <a:off x="3866357" y="2180397"/>
-            <a:ext cx="5654879" cy="2805521"/>
+            <a:off x="395536" y="987574"/>
+            <a:ext cx="8095103" cy="1654542"/>
           </a:xfrm>
           <a:prstGeom prst="rect">
             <a:avLst/>
           </a:prstGeom>
-          <a:solidFill>
-            <a:schemeClr val="bg1"/>
-          </a:solidFill>
         </p:spPr>
       </p:pic>
-      <p:sp>
-        <p:nvSpPr>
-          <p:cNvPr id="11" name="Bent-Up Arrow 10">
+      <p:pic>
+        <p:nvPicPr>
+          <p:cNvPr id="33" name="Picture 32">
             <a:extLst>
               <a:ext uri="{FF2B5EF4-FFF2-40B4-BE49-F238E27FC236}">
-                <a16:creationId xmlns:a16="http://schemas.microsoft.com/office/drawing/2014/main" xmlns="" id="{25C3EAC7-84DE-5D42-B13D-495D0184D8CA}"/>
+                <a16:creationId xmlns="" xmlns:a16="http://schemas.microsoft.com/office/drawing/2014/main" id="{74DE0983-9153-194E-8E13-5F518B0C2D8A}"/>
+              </a:ext>
+            </a:extLst>
+          </p:cNvPr>
+          <p:cNvPicPr>
+            <a:picLocks noChangeAspect="1"/>
+          </p:cNvPicPr>
+          <p:nvPr/>
+        </p:nvPicPr>
+        <p:blipFill>
+          <a:blip r:embed="rId4">
+            <a:extLst>
+              <a:ext uri="{28A0092B-C50C-407E-A947-70E740481C1C}">
+                <a14:useLocalDpi xmlns:a14="http://schemas.microsoft.com/office/drawing/2010/main" val="0"/>
+              </a:ext>
+            </a:extLst>
+          </a:blip>
+          <a:stretch>
+            <a:fillRect/>
+          </a:stretch>
+        </p:blipFill>
+        <p:spPr>
+          <a:xfrm>
+            <a:off x="395536" y="3461659"/>
+            <a:ext cx="8172233" cy="862298"/>
+          </a:xfrm>
+          <a:prstGeom prst="rect">
+            <a:avLst/>
+          </a:prstGeom>
+        </p:spPr>
+      </p:pic>
+      <p:sp>
+        <p:nvSpPr>
+          <p:cNvPr id="34" name="Arrow: Down 128">
+            <a:extLst>
+              <a:ext uri="{FF2B5EF4-FFF2-40B4-BE49-F238E27FC236}">
+                <a16:creationId xmlns="" xmlns:a16="http://schemas.microsoft.com/office/drawing/2014/main" id="{007661F0-5D1F-F14E-AEA8-08A4A330E6D1}"/>
               </a:ext>
             </a:extLst>
           </p:cNvPr>
@@ -5020,11 +5431,11 @@
           <p:nvPr/>
         </p:nvSpPr>
         <p:spPr>
-          <a:xfrm rot="10800000" flipH="1">
-            <a:off x="4036392" y="902001"/>
-            <a:ext cx="1296000" cy="1008112"/>
+          <a:xfrm>
+            <a:off x="4139952" y="2846512"/>
+            <a:ext cx="864096" cy="419990"/>
           </a:xfrm>
-          <a:prstGeom prst="bentUpArrow">
+          <a:prstGeom prst="downArrow">
             <a:avLst/>
           </a:prstGeom>
         </p:spPr>
@@ -5045,20 +5456,24 @@
           </a:fontRef>
         </p:style>
         <p:txBody>
-          <a:bodyPr rtlCol="0" anchor="ctr"/>
+          <a:bodyPr rot="0" spcFirstLastPara="0" vert="horz" wrap="square" lIns="91440" tIns="45720" rIns="91440" bIns="45720" numCol="1" spcCol="0" rtlCol="0" fromWordArt="0" anchor="ctr" anchorCtr="0" forceAA="0" compatLnSpc="1">
+            <a:prstTxWarp prst="textNoShape">
+              <a:avLst/>
+            </a:prstTxWarp>
+            <a:noAutofit/>
+          </a:bodyPr>
           <a:lstStyle/>
           <a:p>
-            <a:pPr algn="ctr"/>
             <a:endParaRPr lang="en-US"/>
           </a:p>
         </p:txBody>
       </p:sp>
       <p:sp>
         <p:nvSpPr>
-          <p:cNvPr id="12" name="Rectangle 11">
+          <p:cNvPr id="35" name="Rectangle 34">
             <a:extLst>
               <a:ext uri="{FF2B5EF4-FFF2-40B4-BE49-F238E27FC236}">
-                <a16:creationId xmlns:a16="http://schemas.microsoft.com/office/drawing/2014/main" xmlns="" id="{241CE9AE-2559-F941-8795-C1BC68F0E16C}"/>
+                <a16:creationId xmlns="" xmlns:a16="http://schemas.microsoft.com/office/drawing/2014/main" id="{45A947F6-B5AC-4F42-A660-15042FC37403}"/>
               </a:ext>
             </a:extLst>
           </p:cNvPr>
@@ -5067,8 +5482,8 @@
         </p:nvSpPr>
         <p:spPr>
           <a:xfrm>
-            <a:off x="467544" y="50284"/>
-            <a:ext cx="3194113" cy="369332"/>
+            <a:off x="5148064" y="2873286"/>
+            <a:ext cx="1512168" cy="369332"/>
           </a:xfrm>
           <a:prstGeom prst="rect">
             <a:avLst/>
@@ -5081,84 +5496,16 @@
           <a:lstStyle/>
           <a:p>
             <a:r>
-              <a:rPr lang="zh-TW" altLang="en-US" b="1" dirty="0"/>
-              <a:t>切換買賣管理</a:t>
-            </a:r>
-            <a:r>
-              <a:rPr lang="zh-Hant" altLang="en-US" b="1" dirty="0"/>
-              <a:t>之</a:t>
-            </a:r>
-            <a:r>
-              <a:rPr lang="zh-TW" altLang="en-US" b="1" dirty="0">
-                <a:ea typeface="SimSun" panose="02010600030101010101" pitchFamily="2" charset="-122"/>
+              <a:rPr lang="zh-CN" altLang="en-US" b="1" dirty="0">
+                <a:latin typeface="Calibri" panose="020F0502020204030204" pitchFamily="34" charset="0"/>
+                <a:ea typeface="PMingLiU" panose="02020500000000000000" pitchFamily="18" charset="-120"/>
                 <a:cs typeface="Times New Roman" panose="02020603050405020304" pitchFamily="18" charset="0"/>
               </a:rPr>
-              <a:t>第一</a:t>
-            </a:r>
-            <a:r>
-              <a:rPr lang="zh-TW" altLang="en-US" b="1" dirty="0" smtClean="0">
-                <a:ea typeface="SimSun" panose="02010600030101010101" pitchFamily="2" charset="-122"/>
-                <a:cs typeface="Times New Roman" panose="02020603050405020304" pitchFamily="18" charset="0"/>
-              </a:rPr>
-              <a:t>階</a:t>
-            </a:r>
-            <a:r>
-              <a:rPr lang="en-US" altLang="zh-TW" b="1" dirty="0" smtClean="0">
-                <a:ea typeface="SimSun" panose="02010600030101010101" pitchFamily="2" charset="-122"/>
-                <a:cs typeface="Times New Roman" panose="02020603050405020304" pitchFamily="18" charset="0"/>
-              </a:rPr>
-              <a:t>DFD</a:t>
-            </a:r>
-            <a:r>
-              <a:rPr lang="en-US" dirty="0" smtClean="0"/>
+              <a:t>整合（聯集）</a:t>
+            </a:r>
+            <a:r>
+              <a:rPr lang="en-US" b="1" dirty="0"/>
               <a:t> </a:t>
-            </a:r>
-            <a:endParaRPr lang="en-US" dirty="0"/>
-          </a:p>
-        </p:txBody>
-      </p:sp>
-      <p:sp>
-        <p:nvSpPr>
-          <p:cNvPr id="14" name="Rectangle 13">
-            <a:extLst>
-              <a:ext uri="{FF2B5EF4-FFF2-40B4-BE49-F238E27FC236}">
-                <a16:creationId xmlns:a16="http://schemas.microsoft.com/office/drawing/2014/main" xmlns="" id="{214AA10B-4D75-F14A-A46F-83D47C738BFA}"/>
-              </a:ext>
-            </a:extLst>
-          </p:cNvPr>
-          <p:cNvSpPr/>
-          <p:nvPr/>
-        </p:nvSpPr>
-        <p:spPr>
-          <a:xfrm>
-            <a:off x="5424349" y="1648033"/>
-            <a:ext cx="3168352" cy="369332"/>
-          </a:xfrm>
-          <a:prstGeom prst="rect">
-            <a:avLst/>
-          </a:prstGeom>
-        </p:spPr>
-        <p:txBody>
-          <a:bodyPr wrap="square">
-            <a:spAutoFit/>
-          </a:bodyPr>
-          <a:lstStyle/>
-          <a:p>
-            <a:r>
-              <a:rPr lang="zh-TW" altLang="en-US" b="1" dirty="0"/>
-              <a:t>切換買賣管理</a:t>
-            </a:r>
-            <a:r>
-              <a:rPr lang="zh-Hant" altLang="en-US" b="1" dirty="0"/>
-              <a:t>之</a:t>
-            </a:r>
-            <a:r>
-              <a:rPr lang="zh-TW" altLang="en-US" b="1" dirty="0"/>
-              <a:t>第零階</a:t>
-            </a:r>
-            <a:r>
-              <a:rPr lang="en-US" b="1" dirty="0"/>
-              <a:t>DFD</a:t>
             </a:r>
           </a:p>
         </p:txBody>
@@ -5166,7 +5513,7 @@
     </p:spTree>
     <p:extLst>
       <p:ext uri="{BB962C8B-B14F-4D97-AF65-F5344CB8AC3E}">
-        <p14:creationId xmlns:p14="http://schemas.microsoft.com/office/powerpoint/2010/main" val="898251310"/>
+        <p14:creationId xmlns:p14="http://schemas.microsoft.com/office/powerpoint/2010/main" val="1448871009"/>
       </p:ext>
     </p:extLst>
   </p:cSld>
@@ -5221,94 +5568,84 @@
           <a:chExt cx="0" cy="0"/>
         </a:xfrm>
       </p:grpSpPr>
-      <p:sp>
-        <p:nvSpPr>
-          <p:cNvPr id="15" name="Title 1">
+      <p:pic>
+        <p:nvPicPr>
+          <p:cNvPr id="9" name="Content Placeholder 6">
             <a:extLst>
               <a:ext uri="{FF2B5EF4-FFF2-40B4-BE49-F238E27FC236}">
-                <a16:creationId xmlns:a16="http://schemas.microsoft.com/office/drawing/2014/main" xmlns="" id="{F4C4A796-8AEB-7641-8B55-458C4FE2D291}"/>
+                <a16:creationId xmlns="" xmlns:a16="http://schemas.microsoft.com/office/drawing/2014/main" id="{65B99FB5-8778-7F44-9454-FB20081C092A}"/>
               </a:ext>
             </a:extLst>
           </p:cNvPr>
-          <p:cNvSpPr>
-            <a:spLocks noGrp="1"/>
-          </p:cNvSpPr>
+          <p:cNvPicPr>
+            <a:picLocks noGrp="1" noChangeAspect="1"/>
+          </p:cNvPicPr>
           <p:nvPr>
-            <p:ph type="title"/>
+            <p:ph idx="1"/>
           </p:nvPr>
-        </p:nvSpPr>
+        </p:nvPicPr>
+        <p:blipFill>
+          <a:blip r:embed="rId2" cstate="print">
+            <a:extLst>
+              <a:ext uri="{28A0092B-C50C-407E-A947-70E740481C1C}">
+                <a14:useLocalDpi xmlns:a14="http://schemas.microsoft.com/office/drawing/2010/main" val="0"/>
+              </a:ext>
+            </a:extLst>
+          </a:blip>
+          <a:stretch>
+            <a:fillRect/>
+          </a:stretch>
+        </p:blipFill>
         <p:spPr>
           <a:xfrm>
-            <a:off x="313317" y="31100"/>
-            <a:ext cx="8075107" cy="884466"/>
+            <a:off x="508000" y="469953"/>
+            <a:ext cx="3240360" cy="2214501"/>
           </a:xfrm>
         </p:spPr>
-        <p:txBody>
-          <a:bodyPr/>
-          <a:lstStyle/>
-          <a:p>
-            <a:r>
-              <a:rPr lang="zh-Hant" altLang="en-US" dirty="0">
-                <a:solidFill>
-                  <a:schemeClr val="tx1"/>
-                </a:solidFill>
-              </a:rPr>
-              <a:t>資料</a:t>
-            </a:r>
-            <a:r>
-              <a:rPr lang="zh-Hant" altLang="en-US" dirty="0" smtClean="0">
-                <a:solidFill>
-                  <a:schemeClr val="tx1"/>
-                </a:solidFill>
-              </a:rPr>
-              <a:t>流</a:t>
-            </a:r>
-            <a:r>
-              <a:rPr lang="zh-CN" altLang="en-US" smtClean="0">
-                <a:solidFill>
-                  <a:schemeClr val="tx1"/>
-                </a:solidFill>
-              </a:rPr>
-              <a:t>向表</a:t>
-            </a:r>
-            <a:r>
-              <a:rPr lang="zh-Hant" altLang="en-US" dirty="0" smtClean="0">
-                <a:solidFill>
-                  <a:schemeClr val="tx1"/>
-                </a:solidFill>
-              </a:rPr>
-              <a:t>（</a:t>
-            </a:r>
-            <a:r>
-              <a:rPr lang="zh-TW" altLang="en-US" dirty="0">
-                <a:solidFill>
-                  <a:schemeClr val="tx1"/>
-                </a:solidFill>
-              </a:rPr>
-              <a:t>顯示銷售紀</a:t>
-            </a:r>
-            <a:r>
-              <a:rPr lang="zh-TW" altLang="en-US" dirty="0" smtClean="0">
-                <a:solidFill>
-                  <a:schemeClr val="tx1"/>
-                </a:solidFill>
-              </a:rPr>
-              <a:t>錄）</a:t>
-            </a:r>
-            <a:endParaRPr lang="en-US" dirty="0">
-              <a:solidFill>
-                <a:schemeClr val="tx1"/>
-              </a:solidFill>
-            </a:endParaRPr>
-          </a:p>
-        </p:txBody>
-      </p:sp>
-      <p:sp>
-        <p:nvSpPr>
-          <p:cNvPr id="34" name="Arrow: Down 128">
+      </p:pic>
+      <p:pic>
+        <p:nvPicPr>
+          <p:cNvPr id="10" name="Picture 9">
             <a:extLst>
               <a:ext uri="{FF2B5EF4-FFF2-40B4-BE49-F238E27FC236}">
-                <a16:creationId xmlns:a16="http://schemas.microsoft.com/office/drawing/2014/main" xmlns="" id="{007661F0-5D1F-F14E-AEA8-08A4A330E6D1}"/>
+                <a16:creationId xmlns="" xmlns:a16="http://schemas.microsoft.com/office/drawing/2014/main" id="{F1251362-201C-3E43-822F-4765AF33BA16}"/>
+              </a:ext>
+            </a:extLst>
+          </p:cNvPr>
+          <p:cNvPicPr/>
+          <p:nvPr/>
+        </p:nvPicPr>
+        <p:blipFill>
+          <a:blip r:embed="rId3">
+            <a:extLst>
+              <a:ext uri="{28A0092B-C50C-407E-A947-70E740481C1C}">
+                <a14:useLocalDpi xmlns:a14="http://schemas.microsoft.com/office/drawing/2010/main" val="0"/>
+              </a:ext>
+            </a:extLst>
+          </a:blip>
+          <a:stretch>
+            <a:fillRect/>
+          </a:stretch>
+        </p:blipFill>
+        <p:spPr>
+          <a:xfrm>
+            <a:off x="3866357" y="2180397"/>
+            <a:ext cx="5654879" cy="2805521"/>
+          </a:xfrm>
+          <a:prstGeom prst="rect">
+            <a:avLst/>
+          </a:prstGeom>
+          <a:solidFill>
+            <a:schemeClr val="bg1"/>
+          </a:solidFill>
+        </p:spPr>
+      </p:pic>
+      <p:sp>
+        <p:nvSpPr>
+          <p:cNvPr id="11" name="Bent-Up Arrow 10">
+            <a:extLst>
+              <a:ext uri="{FF2B5EF4-FFF2-40B4-BE49-F238E27FC236}">
+                <a16:creationId xmlns="" xmlns:a16="http://schemas.microsoft.com/office/drawing/2014/main" id="{25C3EAC7-84DE-5D42-B13D-495D0184D8CA}"/>
               </a:ext>
             </a:extLst>
           </p:cNvPr>
@@ -5316,11 +5653,11 @@
           <p:nvPr/>
         </p:nvSpPr>
         <p:spPr>
-          <a:xfrm>
-            <a:off x="4176941" y="3160624"/>
-            <a:ext cx="864096" cy="419990"/>
+          <a:xfrm rot="10800000" flipH="1">
+            <a:off x="4036392" y="902001"/>
+            <a:ext cx="1296000" cy="1008112"/>
           </a:xfrm>
-          <a:prstGeom prst="downArrow">
+          <a:prstGeom prst="bentUpArrow">
             <a:avLst/>
           </a:prstGeom>
         </p:spPr>
@@ -5341,24 +5678,20 @@
           </a:fontRef>
         </p:style>
         <p:txBody>
-          <a:bodyPr rot="0" spcFirstLastPara="0" vert="horz" wrap="square" lIns="91440" tIns="45720" rIns="91440" bIns="45720" numCol="1" spcCol="0" rtlCol="0" fromWordArt="0" anchor="ctr" anchorCtr="0" forceAA="0" compatLnSpc="1">
-            <a:prstTxWarp prst="textNoShape">
-              <a:avLst/>
-            </a:prstTxWarp>
-            <a:noAutofit/>
-          </a:bodyPr>
+          <a:bodyPr rtlCol="0" anchor="ctr"/>
           <a:lstStyle/>
           <a:p>
+            <a:pPr algn="ctr"/>
             <a:endParaRPr lang="en-US"/>
           </a:p>
         </p:txBody>
       </p:sp>
       <p:sp>
         <p:nvSpPr>
-          <p:cNvPr id="35" name="Rectangle 34">
+          <p:cNvPr id="12" name="Rectangle 11">
             <a:extLst>
               <a:ext uri="{FF2B5EF4-FFF2-40B4-BE49-F238E27FC236}">
-                <a16:creationId xmlns:a16="http://schemas.microsoft.com/office/drawing/2014/main" xmlns="" id="{45A947F6-B5AC-4F42-A660-15042FC37403}"/>
+                <a16:creationId xmlns="" xmlns:a16="http://schemas.microsoft.com/office/drawing/2014/main" id="{241CE9AE-2559-F941-8795-C1BC68F0E16C}"/>
               </a:ext>
             </a:extLst>
           </p:cNvPr>
@@ -5367,8 +5700,8 @@
         </p:nvSpPr>
         <p:spPr>
           <a:xfrm>
-            <a:off x="5220072" y="3157852"/>
-            <a:ext cx="1512168" cy="369332"/>
+            <a:off x="467544" y="50284"/>
+            <a:ext cx="3194113" cy="369332"/>
           </a:xfrm>
           <a:prstGeom prst="rect">
             <a:avLst/>
@@ -5381,96 +5714,92 @@
           <a:lstStyle/>
           <a:p>
             <a:r>
-              <a:rPr lang="zh-CN" altLang="en-US" b="1" dirty="0">
-                <a:latin typeface="Calibri" panose="020F0502020204030204" pitchFamily="34" charset="0"/>
-                <a:ea typeface="PMingLiU" panose="02020500000000000000" pitchFamily="18" charset="-120"/>
+              <a:rPr lang="zh-TW" altLang="en-US" b="1" dirty="0"/>
+              <a:t>切換買賣管理</a:t>
+            </a:r>
+            <a:r>
+              <a:rPr lang="zh-Hant" altLang="en-US" b="1" dirty="0"/>
+              <a:t>之</a:t>
+            </a:r>
+            <a:r>
+              <a:rPr lang="zh-TW" altLang="en-US" b="1" dirty="0">
+                <a:ea typeface="SimSun" panose="02010600030101010101" pitchFamily="2" charset="-122"/>
                 <a:cs typeface="Times New Roman" panose="02020603050405020304" pitchFamily="18" charset="0"/>
               </a:rPr>
-              <a:t>整合（聯集）</a:t>
-            </a:r>
-            <a:r>
-              <a:rPr lang="en-US" b="1" dirty="0"/>
+              <a:t>第一</a:t>
+            </a:r>
+            <a:r>
+              <a:rPr lang="zh-TW" altLang="en-US" b="1" dirty="0" smtClean="0">
+                <a:ea typeface="SimSun" panose="02010600030101010101" pitchFamily="2" charset="-122"/>
+                <a:cs typeface="Times New Roman" panose="02020603050405020304" pitchFamily="18" charset="0"/>
+              </a:rPr>
+              <a:t>階</a:t>
+            </a:r>
+            <a:r>
+              <a:rPr lang="en-US" altLang="zh-TW" b="1" dirty="0" smtClean="0">
+                <a:ea typeface="SimSun" panose="02010600030101010101" pitchFamily="2" charset="-122"/>
+                <a:cs typeface="Times New Roman" panose="02020603050405020304" pitchFamily="18" charset="0"/>
+              </a:rPr>
+              <a:t>DFD</a:t>
+            </a:r>
+            <a:r>
+              <a:rPr lang="en-US" dirty="0" smtClean="0"/>
               <a:t> </a:t>
             </a:r>
-          </a:p>
-        </p:txBody>
-      </p:sp>
-      <p:pic>
-        <p:nvPicPr>
-          <p:cNvPr id="6" name="Picture 5">
+            <a:endParaRPr lang="en-US" dirty="0"/>
+          </a:p>
+        </p:txBody>
+      </p:sp>
+      <p:sp>
+        <p:nvSpPr>
+          <p:cNvPr id="14" name="Rectangle 13">
             <a:extLst>
               <a:ext uri="{FF2B5EF4-FFF2-40B4-BE49-F238E27FC236}">
-                <a16:creationId xmlns:a16="http://schemas.microsoft.com/office/drawing/2014/main" xmlns="" id="{9952234D-A5A3-9646-8FD0-040AE91DB55F}"/>
+                <a16:creationId xmlns="" xmlns:a16="http://schemas.microsoft.com/office/drawing/2014/main" id="{214AA10B-4D75-F14A-A46F-83D47C738BFA}"/>
               </a:ext>
             </a:extLst>
           </p:cNvPr>
-          <p:cNvPicPr>
-            <a:picLocks noChangeAspect="1"/>
-          </p:cNvPicPr>
+          <p:cNvSpPr/>
           <p:nvPr/>
-        </p:nvPicPr>
-        <p:blipFill>
-          <a:blip r:embed="rId3">
-            <a:extLst>
-              <a:ext uri="{28A0092B-C50C-407E-A947-70E740481C1C}">
-                <a14:useLocalDpi xmlns:a14="http://schemas.microsoft.com/office/drawing/2010/main" val="0"/>
-              </a:ext>
-            </a:extLst>
-          </a:blip>
-          <a:stretch>
-            <a:fillRect/>
-          </a:stretch>
-        </p:blipFill>
+        </p:nvSpPr>
         <p:spPr>
           <a:xfrm>
-            <a:off x="395536" y="915566"/>
-            <a:ext cx="8390433" cy="2056948"/>
+            <a:off x="5424349" y="1648033"/>
+            <a:ext cx="3168352" cy="369332"/>
           </a:xfrm>
           <a:prstGeom prst="rect">
             <a:avLst/>
           </a:prstGeom>
         </p:spPr>
-      </p:pic>
-      <p:pic>
-        <p:nvPicPr>
-          <p:cNvPr id="8" name="Picture 7">
-            <a:extLst>
-              <a:ext uri="{FF2B5EF4-FFF2-40B4-BE49-F238E27FC236}">
-                <a16:creationId xmlns:a16="http://schemas.microsoft.com/office/drawing/2014/main" xmlns="" id="{041BCA3A-636B-B848-9EA7-7FCBEAA61954}"/>
-              </a:ext>
-            </a:extLst>
-          </p:cNvPr>
-          <p:cNvPicPr>
-            <a:picLocks noChangeAspect="1"/>
-          </p:cNvPicPr>
-          <p:nvPr/>
-        </p:nvPicPr>
-        <p:blipFill>
-          <a:blip r:embed="rId4">
-            <a:extLst>
-              <a:ext uri="{28A0092B-C50C-407E-A947-70E740481C1C}">
-                <a14:useLocalDpi xmlns:a14="http://schemas.microsoft.com/office/drawing/2010/main" val="0"/>
-              </a:ext>
-            </a:extLst>
-          </a:blip>
-          <a:stretch>
-            <a:fillRect/>
-          </a:stretch>
-        </p:blipFill>
-        <p:spPr>
-          <a:xfrm>
-            <a:off x="363538" y="3688390"/>
-            <a:ext cx="8490903" cy="763988"/>
-          </a:xfrm>
-          <a:prstGeom prst="rect">
-            <a:avLst/>
-          </a:prstGeom>
-        </p:spPr>
-      </p:pic>
+        <p:txBody>
+          <a:bodyPr wrap="square">
+            <a:spAutoFit/>
+          </a:bodyPr>
+          <a:lstStyle/>
+          <a:p>
+            <a:r>
+              <a:rPr lang="zh-TW" altLang="en-US" b="1" dirty="0"/>
+              <a:t>切換買賣管理</a:t>
+            </a:r>
+            <a:r>
+              <a:rPr lang="zh-Hant" altLang="en-US" b="1" dirty="0"/>
+              <a:t>之</a:t>
+            </a:r>
+            <a:r>
+              <a:rPr lang="zh-TW" altLang="en-US" b="1" dirty="0"/>
+              <a:t>第零階</a:t>
+            </a:r>
+            <a:r>
+              <a:rPr lang="en-US" b="1" dirty="0"/>
+              <a:t>DFD</a:t>
+            </a:r>
+          </a:p>
+        </p:txBody>
+      </p:sp>
     </p:spTree>
     <p:extLst>
       <p:ext uri="{BB962C8B-B14F-4D97-AF65-F5344CB8AC3E}">
-        <p14:creationId xmlns:p14="http://schemas.microsoft.com/office/powerpoint/2010/main" val="2858033114"/>
+        <p14:creationId xmlns:p14="http://schemas.microsoft.com/office/powerpoint/2010/main" val="898251310"/>
       </p:ext>
     </p:extLst>
   </p:cSld>
@@ -5527,10 +5856,92 @@
       </p:grpSpPr>
       <p:sp>
         <p:nvSpPr>
-          <p:cNvPr id="2" name="Rectangle 1">
+          <p:cNvPr id="15" name="Title 1">
             <a:extLst>
               <a:ext uri="{FF2B5EF4-FFF2-40B4-BE49-F238E27FC236}">
-                <a16:creationId xmlns:a16="http://schemas.microsoft.com/office/drawing/2014/main" xmlns="" id="{EB48C46F-EDFC-EB4B-B22B-751E02B2BD81}"/>
+                <a16:creationId xmlns="" xmlns:a16="http://schemas.microsoft.com/office/drawing/2014/main" id="{F4C4A796-8AEB-7641-8B55-458C4FE2D291}"/>
+              </a:ext>
+            </a:extLst>
+          </p:cNvPr>
+          <p:cNvSpPr>
+            <a:spLocks noGrp="1"/>
+          </p:cNvSpPr>
+          <p:nvPr>
+            <p:ph type="title"/>
+          </p:nvPr>
+        </p:nvSpPr>
+        <p:spPr>
+          <a:xfrm>
+            <a:off x="313317" y="31100"/>
+            <a:ext cx="8075107" cy="884466"/>
+          </a:xfrm>
+        </p:spPr>
+        <p:txBody>
+          <a:bodyPr/>
+          <a:lstStyle/>
+          <a:p>
+            <a:r>
+              <a:rPr lang="zh-Hant" altLang="en-US" dirty="0">
+                <a:solidFill>
+                  <a:schemeClr val="tx1"/>
+                </a:solidFill>
+              </a:rPr>
+              <a:t>資料</a:t>
+            </a:r>
+            <a:r>
+              <a:rPr lang="zh-Hant" altLang="en-US" dirty="0" smtClean="0">
+                <a:solidFill>
+                  <a:schemeClr val="tx1"/>
+                </a:solidFill>
+              </a:rPr>
+              <a:t>流</a:t>
+            </a:r>
+            <a:r>
+              <a:rPr lang="zh-CN" altLang="en-US" smtClean="0">
+                <a:solidFill>
+                  <a:schemeClr val="tx1"/>
+                </a:solidFill>
+              </a:rPr>
+              <a:t>向表</a:t>
+            </a:r>
+            <a:r>
+              <a:rPr lang="zh-Hant" altLang="en-US" dirty="0" smtClean="0">
+                <a:solidFill>
+                  <a:schemeClr val="tx1"/>
+                </a:solidFill>
+              </a:rPr>
+              <a:t>（</a:t>
+            </a:r>
+            <a:r>
+              <a:rPr lang="zh-TW" altLang="en-US" dirty="0">
+                <a:solidFill>
+                  <a:schemeClr val="tx1"/>
+                </a:solidFill>
+              </a:rPr>
+              <a:t>顯示銷售紀</a:t>
+            </a:r>
+            <a:r>
+              <a:rPr lang="zh-TW" altLang="en-US" dirty="0" smtClean="0">
+                <a:solidFill>
+                  <a:schemeClr val="tx1"/>
+                </a:solidFill>
+              </a:rPr>
+              <a:t>錄）</a:t>
+            </a:r>
+            <a:endParaRPr lang="en-US" dirty="0">
+              <a:solidFill>
+                <a:schemeClr val="tx1"/>
+              </a:solidFill>
+            </a:endParaRPr>
+          </a:p>
+        </p:txBody>
+      </p:sp>
+      <p:sp>
+        <p:nvSpPr>
+          <p:cNvPr id="34" name="Arrow: Down 128">
+            <a:extLst>
+              <a:ext uri="{FF2B5EF4-FFF2-40B4-BE49-F238E27FC236}">
+                <a16:creationId xmlns="" xmlns:a16="http://schemas.microsoft.com/office/drawing/2014/main" id="{007661F0-5D1F-F14E-AEA8-08A4A330E6D1}"/>
               </a:ext>
             </a:extLst>
           </p:cNvPr>
@@ -5539,8 +5950,58 @@
         </p:nvSpPr>
         <p:spPr>
           <a:xfrm>
-            <a:off x="908040" y="16817"/>
-            <a:ext cx="4168015" cy="461665"/>
+            <a:off x="4176941" y="3160624"/>
+            <a:ext cx="864096" cy="419990"/>
+          </a:xfrm>
+          <a:prstGeom prst="downArrow">
+            <a:avLst/>
+          </a:prstGeom>
+        </p:spPr>
+        <p:style>
+          <a:lnRef idx="2">
+            <a:schemeClr val="accent1">
+              <a:shade val="50000"/>
+            </a:schemeClr>
+          </a:lnRef>
+          <a:fillRef idx="1">
+            <a:schemeClr val="accent1"/>
+          </a:fillRef>
+          <a:effectRef idx="0">
+            <a:schemeClr val="accent1"/>
+          </a:effectRef>
+          <a:fontRef idx="minor">
+            <a:schemeClr val="lt1"/>
+          </a:fontRef>
+        </p:style>
+        <p:txBody>
+          <a:bodyPr rot="0" spcFirstLastPara="0" vert="horz" wrap="square" lIns="91440" tIns="45720" rIns="91440" bIns="45720" numCol="1" spcCol="0" rtlCol="0" fromWordArt="0" anchor="ctr" anchorCtr="0" forceAA="0" compatLnSpc="1">
+            <a:prstTxWarp prst="textNoShape">
+              <a:avLst/>
+            </a:prstTxWarp>
+            <a:noAutofit/>
+          </a:bodyPr>
+          <a:lstStyle/>
+          <a:p>
+            <a:endParaRPr lang="en-US"/>
+          </a:p>
+        </p:txBody>
+      </p:sp>
+      <p:sp>
+        <p:nvSpPr>
+          <p:cNvPr id="35" name="Rectangle 34">
+            <a:extLst>
+              <a:ext uri="{FF2B5EF4-FFF2-40B4-BE49-F238E27FC236}">
+                <a16:creationId xmlns="" xmlns:a16="http://schemas.microsoft.com/office/drawing/2014/main" id="{45A947F6-B5AC-4F42-A660-15042FC37403}"/>
+              </a:ext>
+            </a:extLst>
+          </p:cNvPr>
+          <p:cNvSpPr/>
+          <p:nvPr/>
+        </p:nvSpPr>
+        <p:spPr>
+          <a:xfrm>
+            <a:off x="5220072" y="3157852"/>
+            <a:ext cx="1512168" cy="369332"/>
           </a:xfrm>
           <a:prstGeom prst="rect">
             <a:avLst/>
@@ -5553,56 +6014,36 @@
           <a:lstStyle/>
           <a:p>
             <a:r>
-              <a:rPr lang="zh-TW" altLang="en-US" sz="2400" b="1" dirty="0"/>
-              <a:t>銷售顯示管理</a:t>
-            </a:r>
-            <a:r>
-              <a:rPr lang="zh-Hant" altLang="en-US" sz="2400" b="1" dirty="0"/>
-              <a:t>之</a:t>
-            </a:r>
-            <a:r>
-              <a:rPr lang="zh-TW" altLang="en-US" sz="2400" b="1" dirty="0">
-                <a:ea typeface="SimSun" panose="02010600030101010101" pitchFamily="2" charset="-122"/>
+              <a:rPr lang="zh-CN" altLang="en-US" b="1" dirty="0">
+                <a:latin typeface="Calibri" panose="020F0502020204030204" pitchFamily="34" charset="0"/>
+                <a:ea typeface="PMingLiU" panose="02020500000000000000" pitchFamily="18" charset="-120"/>
                 <a:cs typeface="Times New Roman" panose="02020603050405020304" pitchFamily="18" charset="0"/>
               </a:rPr>
-              <a:t>第一</a:t>
-            </a:r>
-            <a:r>
-              <a:rPr lang="zh-TW" altLang="en-US" sz="2400" b="1" dirty="0" smtClean="0">
-                <a:ea typeface="SimSun" panose="02010600030101010101" pitchFamily="2" charset="-122"/>
-                <a:cs typeface="Times New Roman" panose="02020603050405020304" pitchFamily="18" charset="0"/>
-              </a:rPr>
-              <a:t>階</a:t>
-            </a:r>
-            <a:r>
-              <a:rPr lang="en-US" altLang="zh-TW" sz="2400" b="1" dirty="0" smtClean="0">
-                <a:ea typeface="SimSun" panose="02010600030101010101" pitchFamily="2" charset="-122"/>
-                <a:cs typeface="Times New Roman" panose="02020603050405020304" pitchFamily="18" charset="0"/>
-              </a:rPr>
-              <a:t>DFD</a:t>
-            </a:r>
-            <a:r>
-              <a:rPr lang="en-US" sz="2400" dirty="0" smtClean="0"/>
+              <a:t>整合（聯集）</a:t>
+            </a:r>
+            <a:r>
+              <a:rPr lang="en-US" b="1" dirty="0"/>
               <a:t> </a:t>
             </a:r>
-            <a:endParaRPr lang="en-US" sz="2400" dirty="0"/>
           </a:p>
         </p:txBody>
       </p:sp>
       <p:pic>
         <p:nvPicPr>
-          <p:cNvPr id="3" name="Picture 2">
+          <p:cNvPr id="6" name="Picture 5">
             <a:extLst>
               <a:ext uri="{FF2B5EF4-FFF2-40B4-BE49-F238E27FC236}">
-                <a16:creationId xmlns:a16="http://schemas.microsoft.com/office/drawing/2014/main" xmlns="" id="{8228CACA-4A23-9C4B-8BD6-E34BCE5CF66B}"/>
+                <a16:creationId xmlns="" xmlns:a16="http://schemas.microsoft.com/office/drawing/2014/main" id="{9952234D-A5A3-9646-8FD0-040AE91DB55F}"/>
               </a:ext>
             </a:extLst>
           </p:cNvPr>
-          <p:cNvPicPr/>
+          <p:cNvPicPr>
+            <a:picLocks noChangeAspect="1"/>
+          </p:cNvPicPr>
           <p:nvPr/>
         </p:nvPicPr>
         <p:blipFill>
-          <a:blip r:embed="rId2">
+          <a:blip r:embed="rId3">
             <a:extLst>
               <a:ext uri="{28A0092B-C50C-407E-A947-70E740481C1C}">
                 <a14:useLocalDpi xmlns:a14="http://schemas.microsoft.com/office/drawing/2010/main" val="0"/>
@@ -5615,26 +6056,54 @@
         </p:blipFill>
         <p:spPr>
           <a:xfrm>
-            <a:off x="2339752" y="566510"/>
-            <a:ext cx="4854798" cy="4361089"/>
+            <a:off x="395536" y="915566"/>
+            <a:ext cx="8390433" cy="2056948"/>
           </a:xfrm>
           <a:prstGeom prst="rect">
             <a:avLst/>
           </a:prstGeom>
-          <a:solidFill>
-            <a:schemeClr val="bg1"/>
-          </a:solidFill>
-          <a:ln>
-            <a:solidFill>
-              <a:schemeClr val="bg1"/>
-            </a:solidFill>
-          </a:ln>
+        </p:spPr>
+      </p:pic>
+      <p:pic>
+        <p:nvPicPr>
+          <p:cNvPr id="8" name="Picture 7">
+            <a:extLst>
+              <a:ext uri="{FF2B5EF4-FFF2-40B4-BE49-F238E27FC236}">
+                <a16:creationId xmlns="" xmlns:a16="http://schemas.microsoft.com/office/drawing/2014/main" id="{041BCA3A-636B-B848-9EA7-7FCBEAA61954}"/>
+              </a:ext>
+            </a:extLst>
+          </p:cNvPr>
+          <p:cNvPicPr>
+            <a:picLocks noChangeAspect="1"/>
+          </p:cNvPicPr>
+          <p:nvPr/>
+        </p:nvPicPr>
+        <p:blipFill>
+          <a:blip r:embed="rId4">
+            <a:extLst>
+              <a:ext uri="{28A0092B-C50C-407E-A947-70E740481C1C}">
+                <a14:useLocalDpi xmlns:a14="http://schemas.microsoft.com/office/drawing/2010/main" val="0"/>
+              </a:ext>
+            </a:extLst>
+          </a:blip>
+          <a:stretch>
+            <a:fillRect/>
+          </a:stretch>
+        </p:blipFill>
+        <p:spPr>
+          <a:xfrm>
+            <a:off x="363538" y="3688390"/>
+            <a:ext cx="8490903" cy="763988"/>
+          </a:xfrm>
+          <a:prstGeom prst="rect">
+            <a:avLst/>
+          </a:prstGeom>
         </p:spPr>
       </p:pic>
     </p:spTree>
     <p:extLst>
       <p:ext uri="{BB962C8B-B14F-4D97-AF65-F5344CB8AC3E}">
-        <p14:creationId xmlns:p14="http://schemas.microsoft.com/office/powerpoint/2010/main" val="857532296"/>
+        <p14:creationId xmlns:p14="http://schemas.microsoft.com/office/powerpoint/2010/main" val="2858033114"/>
       </p:ext>
     </p:extLst>
   </p:cSld>
@@ -5689,12 +6158,176 @@
           <a:chExt cx="0" cy="0"/>
         </a:xfrm>
       </p:grpSpPr>
+      <p:sp>
+        <p:nvSpPr>
+          <p:cNvPr id="2" name="Rectangle 1">
+            <a:extLst>
+              <a:ext uri="{FF2B5EF4-FFF2-40B4-BE49-F238E27FC236}">
+                <a16:creationId xmlns="" xmlns:a16="http://schemas.microsoft.com/office/drawing/2014/main" id="{EB48C46F-EDFC-EB4B-B22B-751E02B2BD81}"/>
+              </a:ext>
+            </a:extLst>
+          </p:cNvPr>
+          <p:cNvSpPr/>
+          <p:nvPr/>
+        </p:nvSpPr>
+        <p:spPr>
+          <a:xfrm>
+            <a:off x="908040" y="16817"/>
+            <a:ext cx="4168015" cy="461665"/>
+          </a:xfrm>
+          <a:prstGeom prst="rect">
+            <a:avLst/>
+          </a:prstGeom>
+        </p:spPr>
+        <p:txBody>
+          <a:bodyPr wrap="square">
+            <a:spAutoFit/>
+          </a:bodyPr>
+          <a:lstStyle/>
+          <a:p>
+            <a:r>
+              <a:rPr lang="zh-TW" altLang="en-US" sz="2400" b="1" dirty="0"/>
+              <a:t>銷售顯示管理</a:t>
+            </a:r>
+            <a:r>
+              <a:rPr lang="zh-Hant" altLang="en-US" sz="2400" b="1" dirty="0"/>
+              <a:t>之</a:t>
+            </a:r>
+            <a:r>
+              <a:rPr lang="zh-TW" altLang="en-US" sz="2400" b="1" dirty="0">
+                <a:ea typeface="SimSun" panose="02010600030101010101" pitchFamily="2" charset="-122"/>
+                <a:cs typeface="Times New Roman" panose="02020603050405020304" pitchFamily="18" charset="0"/>
+              </a:rPr>
+              <a:t>第一</a:t>
+            </a:r>
+            <a:r>
+              <a:rPr lang="zh-TW" altLang="en-US" sz="2400" b="1" dirty="0" smtClean="0">
+                <a:ea typeface="SimSun" panose="02010600030101010101" pitchFamily="2" charset="-122"/>
+                <a:cs typeface="Times New Roman" panose="02020603050405020304" pitchFamily="18" charset="0"/>
+              </a:rPr>
+              <a:t>階</a:t>
+            </a:r>
+            <a:r>
+              <a:rPr lang="en-US" altLang="zh-TW" sz="2400" b="1" dirty="0" smtClean="0">
+                <a:ea typeface="SimSun" panose="02010600030101010101" pitchFamily="2" charset="-122"/>
+                <a:cs typeface="Times New Roman" panose="02020603050405020304" pitchFamily="18" charset="0"/>
+              </a:rPr>
+              <a:t>DFD</a:t>
+            </a:r>
+            <a:r>
+              <a:rPr lang="en-US" sz="2400" dirty="0" smtClean="0"/>
+              <a:t> </a:t>
+            </a:r>
+            <a:endParaRPr lang="en-US" sz="2400" dirty="0"/>
+          </a:p>
+        </p:txBody>
+      </p:sp>
+      <p:pic>
+        <p:nvPicPr>
+          <p:cNvPr id="3" name="Picture 2">
+            <a:extLst>
+              <a:ext uri="{FF2B5EF4-FFF2-40B4-BE49-F238E27FC236}">
+                <a16:creationId xmlns="" xmlns:a16="http://schemas.microsoft.com/office/drawing/2014/main" id="{8228CACA-4A23-9C4B-8BD6-E34BCE5CF66B}"/>
+              </a:ext>
+            </a:extLst>
+          </p:cNvPr>
+          <p:cNvPicPr/>
+          <p:nvPr/>
+        </p:nvPicPr>
+        <p:blipFill>
+          <a:blip r:embed="rId2">
+            <a:extLst>
+              <a:ext uri="{28A0092B-C50C-407E-A947-70E740481C1C}">
+                <a14:useLocalDpi xmlns:a14="http://schemas.microsoft.com/office/drawing/2010/main" val="0"/>
+              </a:ext>
+            </a:extLst>
+          </a:blip>
+          <a:stretch>
+            <a:fillRect/>
+          </a:stretch>
+        </p:blipFill>
+        <p:spPr>
+          <a:xfrm>
+            <a:off x="2339752" y="566510"/>
+            <a:ext cx="4854798" cy="4361089"/>
+          </a:xfrm>
+          <a:prstGeom prst="rect">
+            <a:avLst/>
+          </a:prstGeom>
+          <a:solidFill>
+            <a:schemeClr val="bg1"/>
+          </a:solidFill>
+          <a:ln>
+            <a:solidFill>
+              <a:schemeClr val="bg1"/>
+            </a:solidFill>
+          </a:ln>
+        </p:spPr>
+      </p:pic>
+    </p:spTree>
+    <p:extLst>
+      <p:ext uri="{BB962C8B-B14F-4D97-AF65-F5344CB8AC3E}">
+        <p14:creationId xmlns:p14="http://schemas.microsoft.com/office/powerpoint/2010/main" val="857532296"/>
+      </p:ext>
+    </p:extLst>
+  </p:cSld>
+  <p:clrMapOvr>
+    <a:masterClrMapping/>
+  </p:clrMapOvr>
+</p:sld>
+</file>
+
+<file path=ppt/slides/slide15.xml><?xml version="1.0" encoding="utf-8"?>
+<p:sld xmlns:a="http://schemas.openxmlformats.org/drawingml/2006/main" xmlns:r="http://schemas.openxmlformats.org/officeDocument/2006/relationships" xmlns:p="http://schemas.openxmlformats.org/presentationml/2006/main">
+  <p:cSld>
+    <p:bg>
+      <p:bgPr>
+        <a:gradFill flip="none" rotWithShape="1">
+          <a:gsLst>
+            <a:gs pos="0">
+              <a:schemeClr val="tx2">
+                <a:lumMod val="20000"/>
+                <a:lumOff val="80000"/>
+              </a:schemeClr>
+            </a:gs>
+            <a:gs pos="35500">
+              <a:srgbClr val="00B0F0"/>
+            </a:gs>
+            <a:gs pos="71000">
+              <a:schemeClr val="tx2">
+                <a:lumMod val="60000"/>
+                <a:lumOff val="40000"/>
+              </a:schemeClr>
+            </a:gs>
+          </a:gsLst>
+          <a:path path="circle">
+            <a:fillToRect r="100000" b="100000"/>
+          </a:path>
+          <a:tileRect l="-100000" t="-100000"/>
+        </a:gradFill>
+        <a:effectLst/>
+      </p:bgPr>
+    </p:bg>
+    <p:spTree>
+      <p:nvGrpSpPr>
+        <p:cNvPr id="1" name=""/>
+        <p:cNvGrpSpPr/>
+        <p:nvPr/>
+      </p:nvGrpSpPr>
+      <p:grpSpPr>
+        <a:xfrm>
+          <a:off x="0" y="0"/>
+          <a:ext cx="0" cy="0"/>
+          <a:chOff x="0" y="0"/>
+          <a:chExt cx="0" cy="0"/>
+        </a:xfrm>
+      </p:grpSpPr>
       <p:pic>
         <p:nvPicPr>
           <p:cNvPr id="11" name="Picture 10">
             <a:extLst>
               <a:ext uri="{FF2B5EF4-FFF2-40B4-BE49-F238E27FC236}">
-                <a16:creationId xmlns:a16="http://schemas.microsoft.com/office/drawing/2014/main" xmlns="" id="{7AD26D1F-531B-CD4D-B741-1E4D51D50455}"/>
+                <a16:creationId xmlns="" xmlns:a16="http://schemas.microsoft.com/office/drawing/2014/main" id="{7AD26D1F-531B-CD4D-B741-1E4D51D50455}"/>
               </a:ext>
             </a:extLst>
           </p:cNvPr>
@@ -5728,7 +6361,7 @@
           <p:cNvPr id="12" name="Rectangle 11">
             <a:extLst>
               <a:ext uri="{FF2B5EF4-FFF2-40B4-BE49-F238E27FC236}">
-                <a16:creationId xmlns:a16="http://schemas.microsoft.com/office/drawing/2014/main" xmlns="" id="{C97B75BD-EF10-C44A-A586-429A6292B44D}"/>
+                <a16:creationId xmlns="" xmlns:a16="http://schemas.microsoft.com/office/drawing/2014/main" id="{C97B75BD-EF10-C44A-A586-429A6292B44D}"/>
               </a:ext>
             </a:extLst>
           </p:cNvPr>
@@ -5783,7 +6416,7 @@
 </p:sld>
 </file>
 
-<file path=ppt/slides/slide15.xml><?xml version="1.0" encoding="utf-8"?>
+<file path=ppt/slides/slide16.xml><?xml version="1.0" encoding="utf-8"?>
 <p:sld xmlns:a="http://schemas.openxmlformats.org/drawingml/2006/main" xmlns:r="http://schemas.openxmlformats.org/officeDocument/2006/relationships" xmlns:p="http://schemas.openxmlformats.org/presentationml/2006/main">
   <p:cSld>
     <p:bg>
@@ -5891,7 +6524,7 @@
           <p:cNvPr id="8" name="Content Placeholder 7">
             <a:extLst>
               <a:ext uri="{FF2B5EF4-FFF2-40B4-BE49-F238E27FC236}">
-                <a16:creationId xmlns:a16="http://schemas.microsoft.com/office/drawing/2014/main" xmlns="" id="{D0F58796-F20D-2740-A72A-4E167EE31200}"/>
+                <a16:creationId xmlns="" xmlns:a16="http://schemas.microsoft.com/office/drawing/2014/main" id="{D0F58796-F20D-2740-A72A-4E167EE31200}"/>
               </a:ext>
             </a:extLst>
           </p:cNvPr>
@@ -5921,14 +6554,14 @@
                 <a:gridCol w="3316865">
                   <a:extLst>
                     <a:ext uri="{9D8B030D-6E8A-4147-A177-3AD203B41FA5}">
-                      <a16:colId xmlns:a16="http://schemas.microsoft.com/office/drawing/2014/main" xmlns="" val="4170412860"/>
+                      <a16:colId xmlns="" xmlns:a16="http://schemas.microsoft.com/office/drawing/2014/main" val="4170412860"/>
                     </a:ext>
                   </a:extLst>
                 </a:gridCol>
                 <a:gridCol w="3316865">
                   <a:extLst>
                     <a:ext uri="{9D8B030D-6E8A-4147-A177-3AD203B41FA5}">
-                      <a16:colId xmlns:a16="http://schemas.microsoft.com/office/drawing/2014/main" xmlns="" val="4227658176"/>
+                      <a16:colId xmlns="" xmlns:a16="http://schemas.microsoft.com/office/drawing/2014/main" val="4227658176"/>
                     </a:ext>
                   </a:extLst>
                 </a:gridCol>
@@ -6008,7 +6641,7 @@
                 </a:tc>
                 <a:extLst>
                   <a:ext uri="{0D108BD9-81ED-4DB2-BD59-A6C34878D82A}">
-                    <a16:rowId xmlns:a16="http://schemas.microsoft.com/office/drawing/2014/main" xmlns="" val="608201287"/>
+                    <a16:rowId xmlns="" xmlns:a16="http://schemas.microsoft.com/office/drawing/2014/main" val="608201287"/>
                   </a:ext>
                 </a:extLst>
               </a:tr>
@@ -6437,7 +7070,7 @@
                 </a:tc>
                 <a:extLst>
                   <a:ext uri="{0D108BD9-81ED-4DB2-BD59-A6C34878D82A}">
-                    <a16:rowId xmlns:a16="http://schemas.microsoft.com/office/drawing/2014/main" xmlns="" val="2915758028"/>
+                    <a16:rowId xmlns="" xmlns:a16="http://schemas.microsoft.com/office/drawing/2014/main" val="2915758028"/>
                   </a:ext>
                 </a:extLst>
               </a:tr>
@@ -6798,7 +7431,7 @@
                 </a:tc>
                 <a:extLst>
                   <a:ext uri="{0D108BD9-81ED-4DB2-BD59-A6C34878D82A}">
-                    <a16:rowId xmlns:a16="http://schemas.microsoft.com/office/drawing/2014/main" xmlns="" val="4263870807"/>
+                    <a16:rowId xmlns="" xmlns:a16="http://schemas.microsoft.com/office/drawing/2014/main" val="4263870807"/>
                   </a:ext>
                 </a:extLst>
               </a:tr>
@@ -6811,7 +7444,7 @@
           <p:cNvPr id="9" name="Title 1">
             <a:extLst>
               <a:ext uri="{FF2B5EF4-FFF2-40B4-BE49-F238E27FC236}">
-                <a16:creationId xmlns:a16="http://schemas.microsoft.com/office/drawing/2014/main" xmlns="" id="{C31DB15B-7C35-8E4A-98EF-B2D7793BE7F1}"/>
+                <a16:creationId xmlns="" xmlns:a16="http://schemas.microsoft.com/office/drawing/2014/main" id="{C31DB15B-7C35-8E4A-98EF-B2D7793BE7F1}"/>
               </a:ext>
             </a:extLst>
           </p:cNvPr>
@@ -6966,7 +7599,7 @@
           <p:cNvPr id="2" name="Title 1">
             <a:extLst>
               <a:ext uri="{FF2B5EF4-FFF2-40B4-BE49-F238E27FC236}">
-                <a16:creationId xmlns:a16="http://schemas.microsoft.com/office/drawing/2014/main" xmlns="" id="{5DE67083-97B1-0448-8E01-02F477F3C7EB}"/>
+                <a16:creationId xmlns="" xmlns:a16="http://schemas.microsoft.com/office/drawing/2014/main" id="{5DE67083-97B1-0448-8E01-02F477F3C7EB}"/>
               </a:ext>
             </a:extLst>
           </p:cNvPr>
@@ -7102,7 +7735,7 @@
           <p:cNvPr id="5" name="Content Placeholder 4">
             <a:extLst>
               <a:ext uri="{FF2B5EF4-FFF2-40B4-BE49-F238E27FC236}">
-                <a16:creationId xmlns:a16="http://schemas.microsoft.com/office/drawing/2014/main" xmlns="" id="{34E024CD-D143-6144-9F2E-85B8187FB907}"/>
+                <a16:creationId xmlns="" xmlns:a16="http://schemas.microsoft.com/office/drawing/2014/main" id="{34E024CD-D143-6144-9F2E-85B8187FB907}"/>
               </a:ext>
             </a:extLst>
           </p:cNvPr>
@@ -7140,7 +7773,7 @@
           <p:cNvPr id="6" name="Picture 5">
             <a:extLst>
               <a:ext uri="{FF2B5EF4-FFF2-40B4-BE49-F238E27FC236}">
-                <a16:creationId xmlns:a16="http://schemas.microsoft.com/office/drawing/2014/main" xmlns="" id="{BBC23686-A54D-3948-970F-F39190C7947D}"/>
+                <a16:creationId xmlns="" xmlns:a16="http://schemas.microsoft.com/office/drawing/2014/main" id="{BBC23686-A54D-3948-970F-F39190C7947D}"/>
               </a:ext>
             </a:extLst>
           </p:cNvPr>
@@ -7174,7 +7807,7 @@
           <p:cNvPr id="9" name="Down Arrow 8">
             <a:extLst>
               <a:ext uri="{FF2B5EF4-FFF2-40B4-BE49-F238E27FC236}">
-                <a16:creationId xmlns:a16="http://schemas.microsoft.com/office/drawing/2014/main" xmlns="" id="{EEF4B0DB-5DA9-5D40-A305-3CC05FEA97C4}"/>
+                <a16:creationId xmlns="" xmlns:a16="http://schemas.microsoft.com/office/drawing/2014/main" id="{EEF4B0DB-5DA9-5D40-A305-3CC05FEA97C4}"/>
               </a:ext>
             </a:extLst>
           </p:cNvPr>
@@ -7220,7 +7853,7 @@
           <p:cNvPr id="15" name="Title 1">
             <a:extLst>
               <a:ext uri="{FF2B5EF4-FFF2-40B4-BE49-F238E27FC236}">
-                <a16:creationId xmlns:a16="http://schemas.microsoft.com/office/drawing/2014/main" xmlns="" id="{F4C4A796-8AEB-7641-8B55-458C4FE2D291}"/>
+                <a16:creationId xmlns="" xmlns:a16="http://schemas.microsoft.com/office/drawing/2014/main" id="{F4C4A796-8AEB-7641-8B55-458C4FE2D291}"/>
               </a:ext>
             </a:extLst>
           </p:cNvPr>
@@ -7351,7 +7984,7 @@
           <p:cNvPr id="9" name="Down Arrow 8">
             <a:extLst>
               <a:ext uri="{FF2B5EF4-FFF2-40B4-BE49-F238E27FC236}">
-                <a16:creationId xmlns:a16="http://schemas.microsoft.com/office/drawing/2014/main" xmlns="" id="{EEF4B0DB-5DA9-5D40-A305-3CC05FEA97C4}"/>
+                <a16:creationId xmlns="" xmlns:a16="http://schemas.microsoft.com/office/drawing/2014/main" id="{EEF4B0DB-5DA9-5D40-A305-3CC05FEA97C4}"/>
               </a:ext>
             </a:extLst>
           </p:cNvPr>
@@ -7397,7 +8030,7 @@
           <p:cNvPr id="15" name="Title 1">
             <a:extLst>
               <a:ext uri="{FF2B5EF4-FFF2-40B4-BE49-F238E27FC236}">
-                <a16:creationId xmlns:a16="http://schemas.microsoft.com/office/drawing/2014/main" xmlns="" id="{F4C4A796-8AEB-7641-8B55-458C4FE2D291}"/>
+                <a16:creationId xmlns="" xmlns:a16="http://schemas.microsoft.com/office/drawing/2014/main" id="{F4C4A796-8AEB-7641-8B55-458C4FE2D291}"/>
               </a:ext>
             </a:extLst>
           </p:cNvPr>
@@ -7463,7 +8096,7 @@
           <p:cNvPr id="8" name="Picture 7">
             <a:extLst>
               <a:ext uri="{FF2B5EF4-FFF2-40B4-BE49-F238E27FC236}">
-                <a16:creationId xmlns:a16="http://schemas.microsoft.com/office/drawing/2014/main" xmlns="" id="{49D1363A-6243-6A4B-AF55-C10C2EFCDC21}"/>
+                <a16:creationId xmlns="" xmlns:a16="http://schemas.microsoft.com/office/drawing/2014/main" id="{49D1363A-6243-6A4B-AF55-C10C2EFCDC21}"/>
               </a:ext>
             </a:extLst>
           </p:cNvPr>
@@ -7497,7 +8130,7 @@
           <p:cNvPr id="10" name="Picture 9">
             <a:extLst>
               <a:ext uri="{FF2B5EF4-FFF2-40B4-BE49-F238E27FC236}">
-                <a16:creationId xmlns:a16="http://schemas.microsoft.com/office/drawing/2014/main" xmlns="" id="{5B7994C7-D4E8-4C4E-AA71-0106FD979C8A}"/>
+                <a16:creationId xmlns="" xmlns:a16="http://schemas.microsoft.com/office/drawing/2014/main" id="{5B7994C7-D4E8-4C4E-AA71-0106FD979C8A}"/>
               </a:ext>
             </a:extLst>
           </p:cNvPr>
@@ -7596,7 +8229,7 @@
           <p:cNvPr id="15" name="Title 1">
             <a:extLst>
               <a:ext uri="{FF2B5EF4-FFF2-40B4-BE49-F238E27FC236}">
-                <a16:creationId xmlns:a16="http://schemas.microsoft.com/office/drawing/2014/main" xmlns="" id="{F4C4A796-8AEB-7641-8B55-458C4FE2D291}"/>
+                <a16:creationId xmlns="" xmlns:a16="http://schemas.microsoft.com/office/drawing/2014/main" id="{F4C4A796-8AEB-7641-8B55-458C4FE2D291}"/>
               </a:ext>
             </a:extLst>
           </p:cNvPr>
@@ -7638,7 +8271,7 @@
           <p:cNvPr id="13" name="Object 12">
             <a:extLst>
               <a:ext uri="{FF2B5EF4-FFF2-40B4-BE49-F238E27FC236}">
-                <a16:creationId xmlns:a16="http://schemas.microsoft.com/office/drawing/2014/main" xmlns="" id="{DB914DDF-21ED-D342-968B-D15374B57C19}"/>
+                <a16:creationId xmlns="" xmlns:a16="http://schemas.microsoft.com/office/drawing/2014/main" id="{DB914DDF-21ED-D342-968B-D15374B57C19}"/>
               </a:ext>
             </a:extLst>
           </p:cNvPr>
@@ -7661,7 +8294,7 @@
           <a:graphicData uri="http://schemas.openxmlformats.org/presentationml/2006/ole">
             <mc:AlternateContent xmlns:mc="http://schemas.openxmlformats.org/markup-compatibility/2006">
               <mc:Choice xmlns:v="urn:schemas-microsoft-com:vml" Requires="v">
-                <p:oleObj spid="_x0000_s2065" name="Document" r:id="rId3" imgW="6921500" imgH="1333500" progId="Word.Document.12">
+                <p:oleObj spid="_x0000_s2066" name="Document" r:id="rId3" imgW="6921500" imgH="1333500" progId="Word.Document.12">
                   <p:embed/>
                 </p:oleObj>
               </mc:Choice>
@@ -7701,7 +8334,7 @@
           <p:cNvPr id="16" name="Rectangle 15">
             <a:extLst>
               <a:ext uri="{FF2B5EF4-FFF2-40B4-BE49-F238E27FC236}">
-                <a16:creationId xmlns:a16="http://schemas.microsoft.com/office/drawing/2014/main" xmlns="" id="{E196E731-7B44-5748-8622-8F33F1FB9AE8}"/>
+                <a16:creationId xmlns="" xmlns:a16="http://schemas.microsoft.com/office/drawing/2014/main" id="{E196E731-7B44-5748-8622-8F33F1FB9AE8}"/>
               </a:ext>
             </a:extLst>
           </p:cNvPr>
@@ -7736,7 +8369,7 @@
           <p:cNvPr id="17" name="Rectangle 16">
             <a:extLst>
               <a:ext uri="{FF2B5EF4-FFF2-40B4-BE49-F238E27FC236}">
-                <a16:creationId xmlns:a16="http://schemas.microsoft.com/office/drawing/2014/main" xmlns="" id="{AF632D80-4D78-DA4D-A95F-73C5BD52E449}"/>
+                <a16:creationId xmlns="" xmlns:a16="http://schemas.microsoft.com/office/drawing/2014/main" id="{AF632D80-4D78-DA4D-A95F-73C5BD52E449}"/>
               </a:ext>
             </a:extLst>
           </p:cNvPr>
@@ -7885,7 +8518,7 @@
           <p:cNvPr id="15" name="Title 1">
             <a:extLst>
               <a:ext uri="{FF2B5EF4-FFF2-40B4-BE49-F238E27FC236}">
-                <a16:creationId xmlns:a16="http://schemas.microsoft.com/office/drawing/2014/main" xmlns="" id="{F4C4A796-8AEB-7641-8B55-458C4FE2D291}"/>
+                <a16:creationId xmlns="" xmlns:a16="http://schemas.microsoft.com/office/drawing/2014/main" id="{F4C4A796-8AEB-7641-8B55-458C4FE2D291}"/>
               </a:ext>
             </a:extLst>
           </p:cNvPr>
@@ -7936,15 +8569,7 @@
                   <a:schemeClr val="tx1"/>
                 </a:solidFill>
               </a:rPr>
-              <a:t>今日銷售記</a:t>
-            </a:r>
-            <a:r>
-              <a:rPr lang="zh-TW" altLang="en-US" dirty="0">
-                <a:solidFill>
-                  <a:schemeClr val="tx1"/>
-                </a:solidFill>
-              </a:rPr>
-              <a:t>錄</a:t>
+              <a:t>今日銷售記錄</a:t>
             </a:r>
             <a:r>
               <a:rPr lang="zh-CN" altLang="en-US" dirty="0">
@@ -7967,7 +8592,7 @@
           <p:cNvPr id="8" name="Picture 7">
             <a:extLst>
               <a:ext uri="{FF2B5EF4-FFF2-40B4-BE49-F238E27FC236}">
-                <a16:creationId xmlns:a16="http://schemas.microsoft.com/office/drawing/2014/main" xmlns="" id="{A575FBA1-D496-934A-AE00-290AA7595822}"/>
+                <a16:creationId xmlns="" xmlns:a16="http://schemas.microsoft.com/office/drawing/2014/main" id="{A575FBA1-D496-934A-AE00-290AA7595822}"/>
               </a:ext>
             </a:extLst>
           </p:cNvPr>
@@ -8061,7 +8686,7 @@
           <p:cNvPr id="15" name="Title 1">
             <a:extLst>
               <a:ext uri="{FF2B5EF4-FFF2-40B4-BE49-F238E27FC236}">
-                <a16:creationId xmlns:a16="http://schemas.microsoft.com/office/drawing/2014/main" xmlns="" id="{F4C4A796-8AEB-7641-8B55-458C4FE2D291}"/>
+                <a16:creationId xmlns="" xmlns:a16="http://schemas.microsoft.com/office/drawing/2014/main" id="{F4C4A796-8AEB-7641-8B55-458C4FE2D291}"/>
               </a:ext>
             </a:extLst>
           </p:cNvPr>
@@ -8103,7 +8728,7 @@
           <p:cNvPr id="3" name="Picture 2">
             <a:extLst>
               <a:ext uri="{FF2B5EF4-FFF2-40B4-BE49-F238E27FC236}">
-                <a16:creationId xmlns:a16="http://schemas.microsoft.com/office/drawing/2014/main" xmlns="" id="{D0DDB850-3EB4-D64D-8FC9-01CDCA1B5E7A}"/>
+                <a16:creationId xmlns="" xmlns:a16="http://schemas.microsoft.com/office/drawing/2014/main" id="{D0DDB850-3EB4-D64D-8FC9-01CDCA1B5E7A}"/>
               </a:ext>
             </a:extLst>
           </p:cNvPr>
@@ -8197,7 +8822,7 @@
           <p:cNvPr id="15" name="Title 1">
             <a:extLst>
               <a:ext uri="{FF2B5EF4-FFF2-40B4-BE49-F238E27FC236}">
-                <a16:creationId xmlns:a16="http://schemas.microsoft.com/office/drawing/2014/main" xmlns="" id="{F4C4A796-8AEB-7641-8B55-458C4FE2D291}"/>
+                <a16:creationId xmlns="" xmlns:a16="http://schemas.microsoft.com/office/drawing/2014/main" id="{F4C4A796-8AEB-7641-8B55-458C4FE2D291}"/>
               </a:ext>
             </a:extLst>
           </p:cNvPr>
@@ -8249,15 +8874,7 @@
                   <a:schemeClr val="tx1"/>
                 </a:solidFill>
               </a:rPr>
-              <a:t>單個商品銷售記</a:t>
-            </a:r>
-            <a:r>
-              <a:rPr lang="zh-TW" altLang="en-US" dirty="0">
-                <a:solidFill>
-                  <a:schemeClr val="tx1"/>
-                </a:solidFill>
-              </a:rPr>
-              <a:t>錄</a:t>
+              <a:t>單個商品銷售記錄</a:t>
             </a:r>
             <a:r>
               <a:rPr lang="zh-CN" altLang="en-US" dirty="0">
@@ -8280,7 +8897,7 @@
           <p:cNvPr id="3" name="Picture 2">
             <a:extLst>
               <a:ext uri="{FF2B5EF4-FFF2-40B4-BE49-F238E27FC236}">
-                <a16:creationId xmlns:a16="http://schemas.microsoft.com/office/drawing/2014/main" xmlns="" id="{C89FF32C-708B-A246-A4A9-3A91DF58208B}"/>
+                <a16:creationId xmlns="" xmlns:a16="http://schemas.microsoft.com/office/drawing/2014/main" id="{C89FF32C-708B-A246-A4A9-3A91DF58208B}"/>
               </a:ext>
             </a:extLst>
           </p:cNvPr>
@@ -9183,7 +9800,7 @@
   <a:extraClrSchemeLst/>
   <a:extLst>
     <a:ext uri="{05A4C25C-085E-4340-85A3-A5531E510DB2}">
-      <thm15:themeFamily xmlns:thm15="http://schemas.microsoft.com/office/thememl/2012/main" xmlns="" name="Office Theme" id="{62F939B6-93AF-4DB8-9C6B-D6C7DFDC589F}" vid="{4A3C46E8-61CC-4603-A589-7422A47A8E4A}"/>
+      <thm15:themeFamily xmlns="" xmlns:thm15="http://schemas.microsoft.com/office/thememl/2012/main" name="Office Theme" id="{62F939B6-93AF-4DB8-9C6B-D6C7DFDC589F}" vid="{4A3C46E8-61CC-4603-A589-7422A47A8E4A}"/>
     </a:ext>
   </a:extLst>
 </a:theme>

--- a/系統分析/系統分析期中報告.pptx
+++ b/系統分析/系統分析期中報告.pptx
@@ -125,7 +125,7 @@
   </p:defaultTextStyle>
   <p:extLst>
     <p:ext uri="{EFAFB233-063F-42B5-8137-9DF3F51BA10A}">
-      <p15:sldGuideLst xmlns="" xmlns:p15="http://schemas.microsoft.com/office/powerpoint/2012/main">
+      <p15:sldGuideLst xmlns:p15="http://schemas.microsoft.com/office/powerpoint/2012/main" xmlns="">
         <p15:guide id="1" orient="horz" pos="1620">
           <p15:clr>
             <a:srgbClr val="A4A3A4"/>
@@ -4629,7 +4629,7 @@
           <p:cNvPr id="15" name="Title 1">
             <a:extLst>
               <a:ext uri="{FF2B5EF4-FFF2-40B4-BE49-F238E27FC236}">
-                <a16:creationId xmlns="" xmlns:a16="http://schemas.microsoft.com/office/drawing/2014/main" id="{F4C4A796-8AEB-7641-8B55-458C4FE2D291}"/>
+                <a16:creationId xmlns:a16="http://schemas.microsoft.com/office/drawing/2014/main" xmlns="" id="{F4C4A796-8AEB-7641-8B55-458C4FE2D291}"/>
               </a:ext>
             </a:extLst>
           </p:cNvPr>
@@ -4704,7 +4704,7 @@
           <p:cNvPr id="3" name="Picture 2">
             <a:extLst>
               <a:ext uri="{FF2B5EF4-FFF2-40B4-BE49-F238E27FC236}">
-                <a16:creationId xmlns="" xmlns:a16="http://schemas.microsoft.com/office/drawing/2014/main" id="{C89FF32C-708B-A246-A4A9-3A91DF58208B}"/>
+                <a16:creationId xmlns:a16="http://schemas.microsoft.com/office/drawing/2014/main" xmlns="" id="{C89FF32C-708B-A246-A4A9-3A91DF58208B}"/>
               </a:ext>
             </a:extLst>
           </p:cNvPr>
@@ -5269,7 +5269,7 @@
           <p:cNvPr id="15" name="Title 1">
             <a:extLst>
               <a:ext uri="{FF2B5EF4-FFF2-40B4-BE49-F238E27FC236}">
-                <a16:creationId xmlns="" xmlns:a16="http://schemas.microsoft.com/office/drawing/2014/main" id="{F4C4A796-8AEB-7641-8B55-458C4FE2D291}"/>
+                <a16:creationId xmlns:a16="http://schemas.microsoft.com/office/drawing/2014/main" xmlns="" id="{F4C4A796-8AEB-7641-8B55-458C4FE2D291}"/>
               </a:ext>
             </a:extLst>
           </p:cNvPr>
@@ -5351,7 +5351,7 @@
           <p:cNvPr id="31" name="Picture 30">
             <a:extLst>
               <a:ext uri="{FF2B5EF4-FFF2-40B4-BE49-F238E27FC236}">
-                <a16:creationId xmlns="" xmlns:a16="http://schemas.microsoft.com/office/drawing/2014/main" id="{4FFEC185-6FEF-3F42-8084-C69259FD5ADA}"/>
+                <a16:creationId xmlns:a16="http://schemas.microsoft.com/office/drawing/2014/main" xmlns="" id="{4FFEC185-6FEF-3F42-8084-C69259FD5ADA}"/>
               </a:ext>
             </a:extLst>
           </p:cNvPr>
@@ -5387,7 +5387,7 @@
           <p:cNvPr id="33" name="Picture 32">
             <a:extLst>
               <a:ext uri="{FF2B5EF4-FFF2-40B4-BE49-F238E27FC236}">
-                <a16:creationId xmlns="" xmlns:a16="http://schemas.microsoft.com/office/drawing/2014/main" id="{74DE0983-9153-194E-8E13-5F518B0C2D8A}"/>
+                <a16:creationId xmlns:a16="http://schemas.microsoft.com/office/drawing/2014/main" xmlns="" id="{74DE0983-9153-194E-8E13-5F518B0C2D8A}"/>
               </a:ext>
             </a:extLst>
           </p:cNvPr>
@@ -5423,7 +5423,7 @@
           <p:cNvPr id="34" name="Arrow: Down 128">
             <a:extLst>
               <a:ext uri="{FF2B5EF4-FFF2-40B4-BE49-F238E27FC236}">
-                <a16:creationId xmlns="" xmlns:a16="http://schemas.microsoft.com/office/drawing/2014/main" id="{007661F0-5D1F-F14E-AEA8-08A4A330E6D1}"/>
+                <a16:creationId xmlns:a16="http://schemas.microsoft.com/office/drawing/2014/main" xmlns="" id="{007661F0-5D1F-F14E-AEA8-08A4A330E6D1}"/>
               </a:ext>
             </a:extLst>
           </p:cNvPr>
@@ -5473,7 +5473,7 @@
           <p:cNvPr id="35" name="Rectangle 34">
             <a:extLst>
               <a:ext uri="{FF2B5EF4-FFF2-40B4-BE49-F238E27FC236}">
-                <a16:creationId xmlns="" xmlns:a16="http://schemas.microsoft.com/office/drawing/2014/main" id="{45A947F6-B5AC-4F42-A660-15042FC37403}"/>
+                <a16:creationId xmlns:a16="http://schemas.microsoft.com/office/drawing/2014/main" xmlns="" id="{45A947F6-B5AC-4F42-A660-15042FC37403}"/>
               </a:ext>
             </a:extLst>
           </p:cNvPr>
@@ -5573,7 +5573,7 @@
           <p:cNvPr id="9" name="Content Placeholder 6">
             <a:extLst>
               <a:ext uri="{FF2B5EF4-FFF2-40B4-BE49-F238E27FC236}">
-                <a16:creationId xmlns="" xmlns:a16="http://schemas.microsoft.com/office/drawing/2014/main" id="{65B99FB5-8778-7F44-9454-FB20081C092A}"/>
+                <a16:creationId xmlns:a16="http://schemas.microsoft.com/office/drawing/2014/main" xmlns="" id="{65B99FB5-8778-7F44-9454-FB20081C092A}"/>
               </a:ext>
             </a:extLst>
           </p:cNvPr>
@@ -5608,7 +5608,7 @@
           <p:cNvPr id="10" name="Picture 9">
             <a:extLst>
               <a:ext uri="{FF2B5EF4-FFF2-40B4-BE49-F238E27FC236}">
-                <a16:creationId xmlns="" xmlns:a16="http://schemas.microsoft.com/office/drawing/2014/main" id="{F1251362-201C-3E43-822F-4765AF33BA16}"/>
+                <a16:creationId xmlns:a16="http://schemas.microsoft.com/office/drawing/2014/main" xmlns="" id="{F1251362-201C-3E43-822F-4765AF33BA16}"/>
               </a:ext>
             </a:extLst>
           </p:cNvPr>
@@ -5645,7 +5645,7 @@
           <p:cNvPr id="11" name="Bent-Up Arrow 10">
             <a:extLst>
               <a:ext uri="{FF2B5EF4-FFF2-40B4-BE49-F238E27FC236}">
-                <a16:creationId xmlns="" xmlns:a16="http://schemas.microsoft.com/office/drawing/2014/main" id="{25C3EAC7-84DE-5D42-B13D-495D0184D8CA}"/>
+                <a16:creationId xmlns:a16="http://schemas.microsoft.com/office/drawing/2014/main" xmlns="" id="{25C3EAC7-84DE-5D42-B13D-495D0184D8CA}"/>
               </a:ext>
             </a:extLst>
           </p:cNvPr>
@@ -5691,7 +5691,7 @@
           <p:cNvPr id="12" name="Rectangle 11">
             <a:extLst>
               <a:ext uri="{FF2B5EF4-FFF2-40B4-BE49-F238E27FC236}">
-                <a16:creationId xmlns="" xmlns:a16="http://schemas.microsoft.com/office/drawing/2014/main" id="{241CE9AE-2559-F941-8795-C1BC68F0E16C}"/>
+                <a16:creationId xmlns:a16="http://schemas.microsoft.com/office/drawing/2014/main" xmlns="" id="{241CE9AE-2559-F941-8795-C1BC68F0E16C}"/>
               </a:ext>
             </a:extLst>
           </p:cNvPr>
@@ -5755,7 +5755,7 @@
           <p:cNvPr id="14" name="Rectangle 13">
             <a:extLst>
               <a:ext uri="{FF2B5EF4-FFF2-40B4-BE49-F238E27FC236}">
-                <a16:creationId xmlns="" xmlns:a16="http://schemas.microsoft.com/office/drawing/2014/main" id="{214AA10B-4D75-F14A-A46F-83D47C738BFA}"/>
+                <a16:creationId xmlns:a16="http://schemas.microsoft.com/office/drawing/2014/main" xmlns="" id="{214AA10B-4D75-F14A-A46F-83D47C738BFA}"/>
               </a:ext>
             </a:extLst>
           </p:cNvPr>
@@ -5859,7 +5859,7 @@
           <p:cNvPr id="15" name="Title 1">
             <a:extLst>
               <a:ext uri="{FF2B5EF4-FFF2-40B4-BE49-F238E27FC236}">
-                <a16:creationId xmlns="" xmlns:a16="http://schemas.microsoft.com/office/drawing/2014/main" id="{F4C4A796-8AEB-7641-8B55-458C4FE2D291}"/>
+                <a16:creationId xmlns:a16="http://schemas.microsoft.com/office/drawing/2014/main" xmlns="" id="{F4C4A796-8AEB-7641-8B55-458C4FE2D291}"/>
               </a:ext>
             </a:extLst>
           </p:cNvPr>
@@ -5941,7 +5941,7 @@
           <p:cNvPr id="34" name="Arrow: Down 128">
             <a:extLst>
               <a:ext uri="{FF2B5EF4-FFF2-40B4-BE49-F238E27FC236}">
-                <a16:creationId xmlns="" xmlns:a16="http://schemas.microsoft.com/office/drawing/2014/main" id="{007661F0-5D1F-F14E-AEA8-08A4A330E6D1}"/>
+                <a16:creationId xmlns:a16="http://schemas.microsoft.com/office/drawing/2014/main" xmlns="" id="{007661F0-5D1F-F14E-AEA8-08A4A330E6D1}"/>
               </a:ext>
             </a:extLst>
           </p:cNvPr>
@@ -5991,7 +5991,7 @@
           <p:cNvPr id="35" name="Rectangle 34">
             <a:extLst>
               <a:ext uri="{FF2B5EF4-FFF2-40B4-BE49-F238E27FC236}">
-                <a16:creationId xmlns="" xmlns:a16="http://schemas.microsoft.com/office/drawing/2014/main" id="{45A947F6-B5AC-4F42-A660-15042FC37403}"/>
+                <a16:creationId xmlns:a16="http://schemas.microsoft.com/office/drawing/2014/main" xmlns="" id="{45A947F6-B5AC-4F42-A660-15042FC37403}"/>
               </a:ext>
             </a:extLst>
           </p:cNvPr>
@@ -6033,7 +6033,7 @@
           <p:cNvPr id="6" name="Picture 5">
             <a:extLst>
               <a:ext uri="{FF2B5EF4-FFF2-40B4-BE49-F238E27FC236}">
-                <a16:creationId xmlns="" xmlns:a16="http://schemas.microsoft.com/office/drawing/2014/main" id="{9952234D-A5A3-9646-8FD0-040AE91DB55F}"/>
+                <a16:creationId xmlns:a16="http://schemas.microsoft.com/office/drawing/2014/main" xmlns="" id="{9952234D-A5A3-9646-8FD0-040AE91DB55F}"/>
               </a:ext>
             </a:extLst>
           </p:cNvPr>
@@ -6069,7 +6069,7 @@
           <p:cNvPr id="8" name="Picture 7">
             <a:extLst>
               <a:ext uri="{FF2B5EF4-FFF2-40B4-BE49-F238E27FC236}">
-                <a16:creationId xmlns="" xmlns:a16="http://schemas.microsoft.com/office/drawing/2014/main" id="{041BCA3A-636B-B848-9EA7-7FCBEAA61954}"/>
+                <a16:creationId xmlns:a16="http://schemas.microsoft.com/office/drawing/2014/main" xmlns="" id="{041BCA3A-636B-B848-9EA7-7FCBEAA61954}"/>
               </a:ext>
             </a:extLst>
           </p:cNvPr>
@@ -6163,7 +6163,7 @@
           <p:cNvPr id="2" name="Rectangle 1">
             <a:extLst>
               <a:ext uri="{FF2B5EF4-FFF2-40B4-BE49-F238E27FC236}">
-                <a16:creationId xmlns="" xmlns:a16="http://schemas.microsoft.com/office/drawing/2014/main" id="{EB48C46F-EDFC-EB4B-B22B-751E02B2BD81}"/>
+                <a16:creationId xmlns:a16="http://schemas.microsoft.com/office/drawing/2014/main" xmlns="" id="{EB48C46F-EDFC-EB4B-B22B-751E02B2BD81}"/>
               </a:ext>
             </a:extLst>
           </p:cNvPr>
@@ -6227,7 +6227,7 @@
           <p:cNvPr id="3" name="Picture 2">
             <a:extLst>
               <a:ext uri="{FF2B5EF4-FFF2-40B4-BE49-F238E27FC236}">
-                <a16:creationId xmlns="" xmlns:a16="http://schemas.microsoft.com/office/drawing/2014/main" id="{8228CACA-4A23-9C4B-8BD6-E34BCE5CF66B}"/>
+                <a16:creationId xmlns:a16="http://schemas.microsoft.com/office/drawing/2014/main" xmlns="" id="{8228CACA-4A23-9C4B-8BD6-E34BCE5CF66B}"/>
               </a:ext>
             </a:extLst>
           </p:cNvPr>
@@ -6327,7 +6327,7 @@
           <p:cNvPr id="11" name="Picture 10">
             <a:extLst>
               <a:ext uri="{FF2B5EF4-FFF2-40B4-BE49-F238E27FC236}">
-                <a16:creationId xmlns="" xmlns:a16="http://schemas.microsoft.com/office/drawing/2014/main" id="{7AD26D1F-531B-CD4D-B741-1E4D51D50455}"/>
+                <a16:creationId xmlns:a16="http://schemas.microsoft.com/office/drawing/2014/main" xmlns="" id="{7AD26D1F-531B-CD4D-B741-1E4D51D50455}"/>
               </a:ext>
             </a:extLst>
           </p:cNvPr>
@@ -6361,7 +6361,7 @@
           <p:cNvPr id="12" name="Rectangle 11">
             <a:extLst>
               <a:ext uri="{FF2B5EF4-FFF2-40B4-BE49-F238E27FC236}">
-                <a16:creationId xmlns="" xmlns:a16="http://schemas.microsoft.com/office/drawing/2014/main" id="{C97B75BD-EF10-C44A-A586-429A6292B44D}"/>
+                <a16:creationId xmlns:a16="http://schemas.microsoft.com/office/drawing/2014/main" xmlns="" id="{C97B75BD-EF10-C44A-A586-429A6292B44D}"/>
               </a:ext>
             </a:extLst>
           </p:cNvPr>
@@ -6524,7 +6524,7 @@
           <p:cNvPr id="8" name="Content Placeholder 7">
             <a:extLst>
               <a:ext uri="{FF2B5EF4-FFF2-40B4-BE49-F238E27FC236}">
-                <a16:creationId xmlns="" xmlns:a16="http://schemas.microsoft.com/office/drawing/2014/main" id="{D0F58796-F20D-2740-A72A-4E167EE31200}"/>
+                <a16:creationId xmlns:a16="http://schemas.microsoft.com/office/drawing/2014/main" xmlns="" id="{D0F58796-F20D-2740-A72A-4E167EE31200}"/>
               </a:ext>
             </a:extLst>
           </p:cNvPr>
@@ -6554,14 +6554,14 @@
                 <a:gridCol w="3316865">
                   <a:extLst>
                     <a:ext uri="{9D8B030D-6E8A-4147-A177-3AD203B41FA5}">
-                      <a16:colId xmlns="" xmlns:a16="http://schemas.microsoft.com/office/drawing/2014/main" val="4170412860"/>
+                      <a16:colId xmlns:a16="http://schemas.microsoft.com/office/drawing/2014/main" xmlns="" val="4170412860"/>
                     </a:ext>
                   </a:extLst>
                 </a:gridCol>
                 <a:gridCol w="3316865">
                   <a:extLst>
                     <a:ext uri="{9D8B030D-6E8A-4147-A177-3AD203B41FA5}">
-                      <a16:colId xmlns="" xmlns:a16="http://schemas.microsoft.com/office/drawing/2014/main" val="4227658176"/>
+                      <a16:colId xmlns:a16="http://schemas.microsoft.com/office/drawing/2014/main" xmlns="" val="4227658176"/>
                     </a:ext>
                   </a:extLst>
                 </a:gridCol>
@@ -6641,7 +6641,7 @@
                 </a:tc>
                 <a:extLst>
                   <a:ext uri="{0D108BD9-81ED-4DB2-BD59-A6C34878D82A}">
-                    <a16:rowId xmlns="" xmlns:a16="http://schemas.microsoft.com/office/drawing/2014/main" val="608201287"/>
+                    <a16:rowId xmlns:a16="http://schemas.microsoft.com/office/drawing/2014/main" xmlns="" val="608201287"/>
                   </a:ext>
                 </a:extLst>
               </a:tr>
@@ -7070,7 +7070,7 @@
                 </a:tc>
                 <a:extLst>
                   <a:ext uri="{0D108BD9-81ED-4DB2-BD59-A6C34878D82A}">
-                    <a16:rowId xmlns="" xmlns:a16="http://schemas.microsoft.com/office/drawing/2014/main" val="2915758028"/>
+                    <a16:rowId xmlns:a16="http://schemas.microsoft.com/office/drawing/2014/main" xmlns="" val="2915758028"/>
                   </a:ext>
                 </a:extLst>
               </a:tr>
@@ -7431,7 +7431,7 @@
                 </a:tc>
                 <a:extLst>
                   <a:ext uri="{0D108BD9-81ED-4DB2-BD59-A6C34878D82A}">
-                    <a16:rowId xmlns="" xmlns:a16="http://schemas.microsoft.com/office/drawing/2014/main" val="4263870807"/>
+                    <a16:rowId xmlns:a16="http://schemas.microsoft.com/office/drawing/2014/main" xmlns="" val="4263870807"/>
                   </a:ext>
                 </a:extLst>
               </a:tr>
@@ -7444,7 +7444,7 @@
           <p:cNvPr id="9" name="Title 1">
             <a:extLst>
               <a:ext uri="{FF2B5EF4-FFF2-40B4-BE49-F238E27FC236}">
-                <a16:creationId xmlns="" xmlns:a16="http://schemas.microsoft.com/office/drawing/2014/main" id="{C31DB15B-7C35-8E4A-98EF-B2D7793BE7F1}"/>
+                <a16:creationId xmlns:a16="http://schemas.microsoft.com/office/drawing/2014/main" xmlns="" id="{C31DB15B-7C35-8E4A-98EF-B2D7793BE7F1}"/>
               </a:ext>
             </a:extLst>
           </p:cNvPr>
@@ -7599,7 +7599,7 @@
           <p:cNvPr id="2" name="Title 1">
             <a:extLst>
               <a:ext uri="{FF2B5EF4-FFF2-40B4-BE49-F238E27FC236}">
-                <a16:creationId xmlns="" xmlns:a16="http://schemas.microsoft.com/office/drawing/2014/main" id="{5DE67083-97B1-0448-8E01-02F477F3C7EB}"/>
+                <a16:creationId xmlns:a16="http://schemas.microsoft.com/office/drawing/2014/main" xmlns="" id="{5DE67083-97B1-0448-8E01-02F477F3C7EB}"/>
               </a:ext>
             </a:extLst>
           </p:cNvPr>
@@ -7638,7 +7638,7 @@
       </p:sp>
       <p:pic>
         <p:nvPicPr>
-          <p:cNvPr id="4" name="Content Placeholder 3"/>
+          <p:cNvPr id="5" name="Content Placeholder 4"/>
           <p:cNvPicPr>
             <a:picLocks noGrp="1" noChangeAspect="1"/>
           </p:cNvPicPr>
@@ -7660,8 +7660,8 @@
         </p:blipFill>
         <p:spPr>
           <a:xfrm>
-            <a:off x="827584" y="1347614"/>
-            <a:ext cx="7653273" cy="2995612"/>
+            <a:off x="467544" y="1275606"/>
+            <a:ext cx="8205177" cy="3211636"/>
           </a:xfrm>
         </p:spPr>
       </p:pic>
@@ -7735,7 +7735,7 @@
           <p:cNvPr id="5" name="Content Placeholder 4">
             <a:extLst>
               <a:ext uri="{FF2B5EF4-FFF2-40B4-BE49-F238E27FC236}">
-                <a16:creationId xmlns="" xmlns:a16="http://schemas.microsoft.com/office/drawing/2014/main" id="{34E024CD-D143-6144-9F2E-85B8187FB907}"/>
+                <a16:creationId xmlns:a16="http://schemas.microsoft.com/office/drawing/2014/main" xmlns="" id="{34E024CD-D143-6144-9F2E-85B8187FB907}"/>
               </a:ext>
             </a:extLst>
           </p:cNvPr>
@@ -7773,7 +7773,7 @@
           <p:cNvPr id="6" name="Picture 5">
             <a:extLst>
               <a:ext uri="{FF2B5EF4-FFF2-40B4-BE49-F238E27FC236}">
-                <a16:creationId xmlns="" xmlns:a16="http://schemas.microsoft.com/office/drawing/2014/main" id="{BBC23686-A54D-3948-970F-F39190C7947D}"/>
+                <a16:creationId xmlns:a16="http://schemas.microsoft.com/office/drawing/2014/main" xmlns="" id="{BBC23686-A54D-3948-970F-F39190C7947D}"/>
               </a:ext>
             </a:extLst>
           </p:cNvPr>
@@ -7807,7 +7807,7 @@
           <p:cNvPr id="9" name="Down Arrow 8">
             <a:extLst>
               <a:ext uri="{FF2B5EF4-FFF2-40B4-BE49-F238E27FC236}">
-                <a16:creationId xmlns="" xmlns:a16="http://schemas.microsoft.com/office/drawing/2014/main" id="{EEF4B0DB-5DA9-5D40-A305-3CC05FEA97C4}"/>
+                <a16:creationId xmlns:a16="http://schemas.microsoft.com/office/drawing/2014/main" xmlns="" id="{EEF4B0DB-5DA9-5D40-A305-3CC05FEA97C4}"/>
               </a:ext>
             </a:extLst>
           </p:cNvPr>
@@ -7853,7 +7853,7 @@
           <p:cNvPr id="15" name="Title 1">
             <a:extLst>
               <a:ext uri="{FF2B5EF4-FFF2-40B4-BE49-F238E27FC236}">
-                <a16:creationId xmlns="" xmlns:a16="http://schemas.microsoft.com/office/drawing/2014/main" id="{F4C4A796-8AEB-7641-8B55-458C4FE2D291}"/>
+                <a16:creationId xmlns:a16="http://schemas.microsoft.com/office/drawing/2014/main" xmlns="" id="{F4C4A796-8AEB-7641-8B55-458C4FE2D291}"/>
               </a:ext>
             </a:extLst>
           </p:cNvPr>
@@ -7984,7 +7984,7 @@
           <p:cNvPr id="9" name="Down Arrow 8">
             <a:extLst>
               <a:ext uri="{FF2B5EF4-FFF2-40B4-BE49-F238E27FC236}">
-                <a16:creationId xmlns="" xmlns:a16="http://schemas.microsoft.com/office/drawing/2014/main" id="{EEF4B0DB-5DA9-5D40-A305-3CC05FEA97C4}"/>
+                <a16:creationId xmlns:a16="http://schemas.microsoft.com/office/drawing/2014/main" xmlns="" id="{EEF4B0DB-5DA9-5D40-A305-3CC05FEA97C4}"/>
               </a:ext>
             </a:extLst>
           </p:cNvPr>
@@ -8030,7 +8030,7 @@
           <p:cNvPr id="15" name="Title 1">
             <a:extLst>
               <a:ext uri="{FF2B5EF4-FFF2-40B4-BE49-F238E27FC236}">
-                <a16:creationId xmlns="" xmlns:a16="http://schemas.microsoft.com/office/drawing/2014/main" id="{F4C4A796-8AEB-7641-8B55-458C4FE2D291}"/>
+                <a16:creationId xmlns:a16="http://schemas.microsoft.com/office/drawing/2014/main" xmlns="" id="{F4C4A796-8AEB-7641-8B55-458C4FE2D291}"/>
               </a:ext>
             </a:extLst>
           </p:cNvPr>
@@ -8096,7 +8096,7 @@
           <p:cNvPr id="8" name="Picture 7">
             <a:extLst>
               <a:ext uri="{FF2B5EF4-FFF2-40B4-BE49-F238E27FC236}">
-                <a16:creationId xmlns="" xmlns:a16="http://schemas.microsoft.com/office/drawing/2014/main" id="{49D1363A-6243-6A4B-AF55-C10C2EFCDC21}"/>
+                <a16:creationId xmlns:a16="http://schemas.microsoft.com/office/drawing/2014/main" xmlns="" id="{49D1363A-6243-6A4B-AF55-C10C2EFCDC21}"/>
               </a:ext>
             </a:extLst>
           </p:cNvPr>
@@ -8130,7 +8130,7 @@
           <p:cNvPr id="10" name="Picture 9">
             <a:extLst>
               <a:ext uri="{FF2B5EF4-FFF2-40B4-BE49-F238E27FC236}">
-                <a16:creationId xmlns="" xmlns:a16="http://schemas.microsoft.com/office/drawing/2014/main" id="{5B7994C7-D4E8-4C4E-AA71-0106FD979C8A}"/>
+                <a16:creationId xmlns:a16="http://schemas.microsoft.com/office/drawing/2014/main" xmlns="" id="{5B7994C7-D4E8-4C4E-AA71-0106FD979C8A}"/>
               </a:ext>
             </a:extLst>
           </p:cNvPr>
@@ -8229,7 +8229,7 @@
           <p:cNvPr id="15" name="Title 1">
             <a:extLst>
               <a:ext uri="{FF2B5EF4-FFF2-40B4-BE49-F238E27FC236}">
-                <a16:creationId xmlns="" xmlns:a16="http://schemas.microsoft.com/office/drawing/2014/main" id="{F4C4A796-8AEB-7641-8B55-458C4FE2D291}"/>
+                <a16:creationId xmlns:a16="http://schemas.microsoft.com/office/drawing/2014/main" xmlns="" id="{F4C4A796-8AEB-7641-8B55-458C4FE2D291}"/>
               </a:ext>
             </a:extLst>
           </p:cNvPr>
@@ -8271,7 +8271,7 @@
           <p:cNvPr id="13" name="Object 12">
             <a:extLst>
               <a:ext uri="{FF2B5EF4-FFF2-40B4-BE49-F238E27FC236}">
-                <a16:creationId xmlns="" xmlns:a16="http://schemas.microsoft.com/office/drawing/2014/main" id="{DB914DDF-21ED-D342-968B-D15374B57C19}"/>
+                <a16:creationId xmlns:a16="http://schemas.microsoft.com/office/drawing/2014/main" xmlns="" id="{DB914DDF-21ED-D342-968B-D15374B57C19}"/>
               </a:ext>
             </a:extLst>
           </p:cNvPr>
@@ -8294,7 +8294,7 @@
           <a:graphicData uri="http://schemas.openxmlformats.org/presentationml/2006/ole">
             <mc:AlternateContent xmlns:mc="http://schemas.openxmlformats.org/markup-compatibility/2006">
               <mc:Choice xmlns:v="urn:schemas-microsoft-com:vml" Requires="v">
-                <p:oleObj spid="_x0000_s2066" name="Document" r:id="rId3" imgW="6921500" imgH="1333500" progId="Word.Document.12">
+                <p:oleObj spid="_x0000_s2067" name="Document" r:id="rId3" imgW="6921500" imgH="1333500" progId="Word.Document.12">
                   <p:embed/>
                 </p:oleObj>
               </mc:Choice>
@@ -8334,7 +8334,7 @@
           <p:cNvPr id="16" name="Rectangle 15">
             <a:extLst>
               <a:ext uri="{FF2B5EF4-FFF2-40B4-BE49-F238E27FC236}">
-                <a16:creationId xmlns="" xmlns:a16="http://schemas.microsoft.com/office/drawing/2014/main" id="{E196E731-7B44-5748-8622-8F33F1FB9AE8}"/>
+                <a16:creationId xmlns:a16="http://schemas.microsoft.com/office/drawing/2014/main" xmlns="" id="{E196E731-7B44-5748-8622-8F33F1FB9AE8}"/>
               </a:ext>
             </a:extLst>
           </p:cNvPr>
@@ -8369,7 +8369,7 @@
           <p:cNvPr id="17" name="Rectangle 16">
             <a:extLst>
               <a:ext uri="{FF2B5EF4-FFF2-40B4-BE49-F238E27FC236}">
-                <a16:creationId xmlns="" xmlns:a16="http://schemas.microsoft.com/office/drawing/2014/main" id="{AF632D80-4D78-DA4D-A95F-73C5BD52E449}"/>
+                <a16:creationId xmlns:a16="http://schemas.microsoft.com/office/drawing/2014/main" xmlns="" id="{AF632D80-4D78-DA4D-A95F-73C5BD52E449}"/>
               </a:ext>
             </a:extLst>
           </p:cNvPr>
@@ -8518,7 +8518,7 @@
           <p:cNvPr id="15" name="Title 1">
             <a:extLst>
               <a:ext uri="{FF2B5EF4-FFF2-40B4-BE49-F238E27FC236}">
-                <a16:creationId xmlns="" xmlns:a16="http://schemas.microsoft.com/office/drawing/2014/main" id="{F4C4A796-8AEB-7641-8B55-458C4FE2D291}"/>
+                <a16:creationId xmlns:a16="http://schemas.microsoft.com/office/drawing/2014/main" xmlns="" id="{F4C4A796-8AEB-7641-8B55-458C4FE2D291}"/>
               </a:ext>
             </a:extLst>
           </p:cNvPr>
@@ -8592,7 +8592,7 @@
           <p:cNvPr id="8" name="Picture 7">
             <a:extLst>
               <a:ext uri="{FF2B5EF4-FFF2-40B4-BE49-F238E27FC236}">
-                <a16:creationId xmlns="" xmlns:a16="http://schemas.microsoft.com/office/drawing/2014/main" id="{A575FBA1-D496-934A-AE00-290AA7595822}"/>
+                <a16:creationId xmlns:a16="http://schemas.microsoft.com/office/drawing/2014/main" xmlns="" id="{A575FBA1-D496-934A-AE00-290AA7595822}"/>
               </a:ext>
             </a:extLst>
           </p:cNvPr>
@@ -8686,7 +8686,7 @@
           <p:cNvPr id="15" name="Title 1">
             <a:extLst>
               <a:ext uri="{FF2B5EF4-FFF2-40B4-BE49-F238E27FC236}">
-                <a16:creationId xmlns="" xmlns:a16="http://schemas.microsoft.com/office/drawing/2014/main" id="{F4C4A796-8AEB-7641-8B55-458C4FE2D291}"/>
+                <a16:creationId xmlns:a16="http://schemas.microsoft.com/office/drawing/2014/main" xmlns="" id="{F4C4A796-8AEB-7641-8B55-458C4FE2D291}"/>
               </a:ext>
             </a:extLst>
           </p:cNvPr>
@@ -8728,7 +8728,7 @@
           <p:cNvPr id="3" name="Picture 2">
             <a:extLst>
               <a:ext uri="{FF2B5EF4-FFF2-40B4-BE49-F238E27FC236}">
-                <a16:creationId xmlns="" xmlns:a16="http://schemas.microsoft.com/office/drawing/2014/main" id="{D0DDB850-3EB4-D64D-8FC9-01CDCA1B5E7A}"/>
+                <a16:creationId xmlns:a16="http://schemas.microsoft.com/office/drawing/2014/main" xmlns="" id="{D0DDB850-3EB4-D64D-8FC9-01CDCA1B5E7A}"/>
               </a:ext>
             </a:extLst>
           </p:cNvPr>
@@ -8822,7 +8822,7 @@
           <p:cNvPr id="15" name="Title 1">
             <a:extLst>
               <a:ext uri="{FF2B5EF4-FFF2-40B4-BE49-F238E27FC236}">
-                <a16:creationId xmlns="" xmlns:a16="http://schemas.microsoft.com/office/drawing/2014/main" id="{F4C4A796-8AEB-7641-8B55-458C4FE2D291}"/>
+                <a16:creationId xmlns:a16="http://schemas.microsoft.com/office/drawing/2014/main" xmlns="" id="{F4C4A796-8AEB-7641-8B55-458C4FE2D291}"/>
               </a:ext>
             </a:extLst>
           </p:cNvPr>
@@ -8897,7 +8897,7 @@
           <p:cNvPr id="3" name="Picture 2">
             <a:extLst>
               <a:ext uri="{FF2B5EF4-FFF2-40B4-BE49-F238E27FC236}">
-                <a16:creationId xmlns="" xmlns:a16="http://schemas.microsoft.com/office/drawing/2014/main" id="{C89FF32C-708B-A246-A4A9-3A91DF58208B}"/>
+                <a16:creationId xmlns:a16="http://schemas.microsoft.com/office/drawing/2014/main" xmlns="" id="{C89FF32C-708B-A246-A4A9-3A91DF58208B}"/>
               </a:ext>
             </a:extLst>
           </p:cNvPr>
@@ -9800,7 +9800,7 @@
   <a:extraClrSchemeLst/>
   <a:extLst>
     <a:ext uri="{05A4C25C-085E-4340-85A3-A5531E510DB2}">
-      <thm15:themeFamily xmlns="" xmlns:thm15="http://schemas.microsoft.com/office/thememl/2012/main" name="Office Theme" id="{62F939B6-93AF-4DB8-9C6B-D6C7DFDC589F}" vid="{4A3C46E8-61CC-4603-A589-7422A47A8E4A}"/>
+      <thm15:themeFamily xmlns:thm15="http://schemas.microsoft.com/office/thememl/2012/main" xmlns="" name="Office Theme" id="{62F939B6-93AF-4DB8-9C6B-D6C7DFDC589F}" vid="{4A3C46E8-61CC-4603-A589-7422A47A8E4A}"/>
     </a:ext>
   </a:extLst>
 </a:theme>

--- a/系統分析/系統分析期中報告.pptx
+++ b/系統分析/系統分析期中報告.pptx
@@ -6,7 +6,7 @@
     <p:sldMasterId id="2147483661" r:id="rId2"/>
   </p:sldMasterIdLst>
   <p:notesMasterIdLst>
-    <p:notesMasterId r:id="rId19"/>
+    <p:notesMasterId r:id="rId18"/>
   </p:notesMasterIdLst>
   <p:sldIdLst>
     <p:sldId id="256" r:id="rId3"/>
@@ -18,13 +18,12 @@
     <p:sldId id="265" r:id="rId9"/>
     <p:sldId id="266" r:id="rId10"/>
     <p:sldId id="267" r:id="rId11"/>
-    <p:sldId id="275" r:id="rId12"/>
-    <p:sldId id="268" r:id="rId13"/>
-    <p:sldId id="272" r:id="rId14"/>
-    <p:sldId id="269" r:id="rId15"/>
-    <p:sldId id="273" r:id="rId16"/>
-    <p:sldId id="270" r:id="rId17"/>
-    <p:sldId id="274" r:id="rId18"/>
+    <p:sldId id="268" r:id="rId12"/>
+    <p:sldId id="272" r:id="rId13"/>
+    <p:sldId id="269" r:id="rId14"/>
+    <p:sldId id="273" r:id="rId15"/>
+    <p:sldId id="270" r:id="rId16"/>
+    <p:sldId id="274" r:id="rId17"/>
   </p:sldIdLst>
   <p:sldSz cx="9144000" cy="5143500" type="screen16x9"/>
   <p:notesSz cx="6858000" cy="9144000"/>
@@ -125,7 +124,7 @@
   </p:defaultTextStyle>
   <p:extLst>
     <p:ext uri="{EFAFB233-063F-42B5-8137-9DF3F51BA10A}">
-      <p15:sldGuideLst xmlns="" xmlns:p15="http://schemas.microsoft.com/office/powerpoint/2012/main">
+      <p15:sldGuideLst xmlns:p15="http://schemas.microsoft.com/office/powerpoint/2012/main">
         <p15:guide id="1" orient="horz" pos="1620">
           <p15:clr>
             <a:srgbClr val="A4A3A4"/>
@@ -224,7 +223,7 @@
           <a:p>
             <a:fld id="{4ABF6D0B-8263-8241-BF99-08149363C526}" type="datetimeFigureOut">
               <a:rPr lang="en-US" smtClean="0"/>
-              <a:t>4/25/2018</a:t>
+              <a:t>4/25/18</a:t>
             </a:fld>
             <a:endParaRPr lang="en-US"/>
           </a:p>
@@ -536,7 +535,7 @@
           <a:lstStyle/>
           <a:p>
             <a:r>
-              <a:rPr lang="zh-CN" altLang="en-US" dirty="0" smtClean="0"/>
+              <a:rPr lang="zh-CN" altLang="en-US" dirty="0"/>
               <a:t>第一階至第零階的處理與資料流整合</a:t>
             </a:r>
             <a:endParaRPr lang="en-MY" dirty="0"/>
@@ -560,7 +559,7 @@
           <a:p>
             <a:fld id="{296C4F53-6BE1-5844-B3C4-6E34DA698919}" type="slidenum">
               <a:rPr lang="en-US" smtClean="0"/>
-              <a:t>11</a:t>
+              <a:t>10</a:t>
             </a:fld>
             <a:endParaRPr lang="en-US"/>
           </a:p>
@@ -644,7 +643,7 @@
           <a:p>
             <a:fld id="{296C4F53-6BE1-5844-B3C4-6E34DA698919}" type="slidenum">
               <a:rPr lang="en-US" smtClean="0"/>
-              <a:t>13</a:t>
+              <a:t>12</a:t>
             </a:fld>
             <a:endParaRPr lang="en-US"/>
           </a:p>
@@ -741,7 +740,7 @@
           <a:p>
             <a:fld id="{63937D59-5EDB-4C39-B697-625748F703B6}" type="datetimeFigureOut">
               <a:rPr lang="en-US" smtClean="0"/>
-              <a:t>4/25/2018</a:t>
+              <a:t>4/25/18</a:t>
             </a:fld>
             <a:endParaRPr lang="en-US"/>
           </a:p>
@@ -1016,7 +1015,7 @@
           <a:p>
             <a:fld id="{63937D59-5EDB-4C39-B697-625748F703B6}" type="datetimeFigureOut">
               <a:rPr lang="en-US" smtClean="0"/>
-              <a:t>4/25/2018</a:t>
+              <a:t>4/25/18</a:t>
             </a:fld>
             <a:endParaRPr lang="en-US"/>
           </a:p>
@@ -1268,7 +1267,7 @@
           <a:p>
             <a:fld id="{63937D59-5EDB-4C39-B697-625748F703B6}" type="datetimeFigureOut">
               <a:rPr lang="en-US" smtClean="0"/>
-              <a:t>4/25/2018</a:t>
+              <a:t>4/25/18</a:t>
             </a:fld>
             <a:endParaRPr lang="en-US"/>
           </a:p>
@@ -1436,7 +1435,7 @@
           <a:p>
             <a:fld id="{63937D59-5EDB-4C39-B697-625748F703B6}" type="datetimeFigureOut">
               <a:rPr lang="en-US" smtClean="0"/>
-              <a:t>4/25/2018</a:t>
+              <a:t>4/25/18</a:t>
             </a:fld>
             <a:endParaRPr lang="en-US"/>
           </a:p>
@@ -1614,7 +1613,7 @@
           <a:p>
             <a:fld id="{63937D59-5EDB-4C39-B697-625748F703B6}" type="datetimeFigureOut">
               <a:rPr lang="en-US" smtClean="0"/>
-              <a:t>4/25/2018</a:t>
+              <a:t>4/25/18</a:t>
             </a:fld>
             <a:endParaRPr lang="en-US"/>
           </a:p>
@@ -2192,7 +2191,7 @@
           <a:p>
             <a:fld id="{63937D59-5EDB-4C39-B697-625748F703B6}" type="datetimeFigureOut">
               <a:rPr lang="en-US" smtClean="0"/>
-              <a:t>4/25/2018</a:t>
+              <a:t>4/25/18</a:t>
             </a:fld>
             <a:endParaRPr lang="en-US"/>
           </a:p>
@@ -2360,7 +2359,7 @@
           <a:p>
             <a:fld id="{63937D59-5EDB-4C39-B697-625748F703B6}" type="datetimeFigureOut">
               <a:rPr lang="en-US" smtClean="0"/>
-              <a:t>4/25/2018</a:t>
+              <a:t>4/25/18</a:t>
             </a:fld>
             <a:endParaRPr lang="en-US"/>
           </a:p>
@@ -2605,7 +2604,7 @@
           <a:p>
             <a:fld id="{63937D59-5EDB-4C39-B697-625748F703B6}" type="datetimeFigureOut">
               <a:rPr lang="en-US" smtClean="0"/>
-              <a:t>4/25/2018</a:t>
+              <a:t>4/25/18</a:t>
             </a:fld>
             <a:endParaRPr lang="en-US"/>
           </a:p>
@@ -2890,7 +2889,7 @@
           <a:p>
             <a:fld id="{63937D59-5EDB-4C39-B697-625748F703B6}" type="datetimeFigureOut">
               <a:rPr lang="en-US" smtClean="0"/>
-              <a:t>4/25/2018</a:t>
+              <a:t>4/25/18</a:t>
             </a:fld>
             <a:endParaRPr lang="en-US"/>
           </a:p>
@@ -3309,7 +3308,7 @@
           <a:p>
             <a:fld id="{63937D59-5EDB-4C39-B697-625748F703B6}" type="datetimeFigureOut">
               <a:rPr lang="en-US" smtClean="0"/>
-              <a:t>4/25/2018</a:t>
+              <a:t>4/25/18</a:t>
             </a:fld>
             <a:endParaRPr lang="en-US"/>
           </a:p>
@@ -3426,7 +3425,7 @@
           <a:p>
             <a:fld id="{63937D59-5EDB-4C39-B697-625748F703B6}" type="datetimeFigureOut">
               <a:rPr lang="en-US" smtClean="0"/>
-              <a:t>4/25/2018</a:t>
+              <a:t>4/25/18</a:t>
             </a:fld>
             <a:endParaRPr lang="en-US"/>
           </a:p>
@@ -3928,7 +3927,7 @@
           <a:p>
             <a:fld id="{63937D59-5EDB-4C39-B697-625748F703B6}" type="datetimeFigureOut">
               <a:rPr lang="en-US" smtClean="0"/>
-              <a:t>4/25/2018</a:t>
+              <a:t>4/25/18</a:t>
             </a:fld>
             <a:endParaRPr lang="en-US"/>
           </a:p>
@@ -4459,29 +4458,24 @@
                 <a:latin typeface="Arial" pitchFamily="34" charset="0"/>
                 <a:cs typeface="Arial" pitchFamily="34" charset="0"/>
               </a:rPr>
-              <a:t>陳欣</a:t>
-            </a:r>
-            <a:r>
-              <a:rPr kumimoji="0" lang="zh-Hant" altLang="en-US" sz="1400" b="1" dirty="0" smtClean="0">
-                <a:latin typeface="Arial" pitchFamily="34" charset="0"/>
-                <a:cs typeface="Arial" pitchFamily="34" charset="0"/>
-              </a:rPr>
-              <a:t>惠 </a:t>
-            </a:r>
-            <a:r>
-              <a:rPr kumimoji="0" lang="en-US" altLang="zh-Hant" sz="1400" b="1" dirty="0" smtClean="0">
+              <a:t>陳欣惠 </a:t>
+            </a:r>
+            <a:r>
+              <a:rPr kumimoji="0" lang="en-US" altLang="zh-Hant" sz="1400" b="1" dirty="0">
                 <a:latin typeface="Arial" pitchFamily="34" charset="0"/>
                 <a:cs typeface="Arial" pitchFamily="34" charset="0"/>
               </a:rPr>
               <a:t>D0527783</a:t>
             </a:r>
-            <a:endParaRPr kumimoji="0" lang="en-US" altLang="zh-Hant" sz="1400" b="1" dirty="0">
-              <a:latin typeface="Arial" pitchFamily="34" charset="0"/>
-              <a:cs typeface="Arial" pitchFamily="34" charset="0"/>
-            </a:endParaRPr>
-          </a:p>
-          <a:p>
-            <a:pPr algn="ctr">
+          </a:p>
+          <a:p>
+            <a:pPr algn="ctr" fontAlgn="auto">
+              <a:spcBef>
+                <a:spcPts val="0"/>
+              </a:spcBef>
+              <a:spcAft>
+                <a:spcPts val="0"/>
+              </a:spcAft>
               <a:defRPr/>
             </a:pPr>
             <a:r>
@@ -4489,23 +4483,16 @@
                 <a:latin typeface="Arial" pitchFamily="34" charset="0"/>
                 <a:cs typeface="Arial" pitchFamily="34" charset="0"/>
               </a:rPr>
-              <a:t>羅少</a:t>
-            </a:r>
-            <a:r>
-              <a:rPr kumimoji="0" lang="zh-Hant" altLang="en-US" sz="1400" b="1" dirty="0" smtClean="0">
-                <a:latin typeface="Arial" pitchFamily="34" charset="0"/>
-                <a:cs typeface="Arial" pitchFamily="34" charset="0"/>
-              </a:rPr>
-              <a:t>欽</a:t>
-            </a:r>
-            <a:r>
-              <a:rPr lang="en-US" altLang="zh-Hant" sz="1400" b="1" dirty="0" smtClean="0">
+              <a:t>羅少欽 </a:t>
+            </a:r>
+            <a:r>
+              <a:rPr kumimoji="0" lang="en-US" altLang="zh-Hant" sz="1400" b="1">
                 <a:latin typeface="Arial" pitchFamily="34" charset="0"/>
                 <a:cs typeface="Arial" pitchFamily="34" charset="0"/>
               </a:rPr>
               <a:t>D0528430</a:t>
             </a:r>
-            <a:endParaRPr lang="en-US" altLang="ko-KR" sz="1400" b="1" dirty="0">
+            <a:endParaRPr kumimoji="0" lang="en-US" altLang="ko-KR" sz="1400" b="1" dirty="0">
               <a:latin typeface="Arial" pitchFamily="34" charset="0"/>
               <a:cs typeface="Arial" pitchFamily="34" charset="0"/>
             </a:endParaRPr>
@@ -4522,7 +4509,7 @@
         </p:nvSpPr>
         <p:spPr bwMode="auto">
           <a:xfrm>
-            <a:off x="-12624" y="1347614"/>
+            <a:off x="-12912" y="915566"/>
             <a:ext cx="9144000" cy="769441"/>
           </a:xfrm>
           <a:prstGeom prst="rect">
@@ -4569,13 +4556,6 @@
   <p:clrMapOvr>
     <a:masterClrMapping/>
   </p:clrMapOvr>
-  <p:timing>
-    <p:tnLst>
-      <p:par>
-        <p:cTn id="1" dur="indefinite" restart="never" nodeType="tmRoot"/>
-      </p:par>
-    </p:tnLst>
-  </p:timing>
 </p:sld>
 </file>
 
@@ -4629,7 +4609,7 @@
           <p:cNvPr id="15" name="Title 1">
             <a:extLst>
               <a:ext uri="{FF2B5EF4-FFF2-40B4-BE49-F238E27FC236}">
-                <a16:creationId xmlns="" xmlns:a16="http://schemas.microsoft.com/office/drawing/2014/main" id="{F4C4A796-8AEB-7641-8B55-458C4FE2D291}"/>
+                <a16:creationId xmlns:a16="http://schemas.microsoft.com/office/drawing/2014/main" id="{F4C4A796-8AEB-7641-8B55-458C4FE2D291}"/>
               </a:ext>
             </a:extLst>
           </p:cNvPr>
@@ -4650,30 +4630,21 @@
           <a:bodyPr/>
           <a:lstStyle/>
           <a:p>
-            <a:pPr lvl="0"/>
+            <a:r>
+              <a:rPr lang="zh-TW" altLang="en-US" dirty="0">
+                <a:solidFill>
+                  <a:schemeClr val="tx1"/>
+                </a:solidFill>
+              </a:rPr>
+              <a:t>資料流程圖</a:t>
+            </a:r>
             <a:r>
               <a:rPr lang="zh-Hant" altLang="en-US" dirty="0">
                 <a:solidFill>
                   <a:schemeClr val="tx1"/>
                 </a:solidFill>
               </a:rPr>
-              <a:t>藍</a:t>
-            </a:r>
-            <a:r>
-              <a:rPr lang="zh-Hant" altLang="en-US" dirty="0" smtClean="0">
-                <a:solidFill>
-                  <a:schemeClr val="tx1"/>
-                </a:solidFill>
-              </a:rPr>
-              <a:t>圖</a:t>
-            </a:r>
-            <a:r>
-              <a:rPr lang="zh-CN" altLang="en-US" dirty="0" smtClean="0">
-                <a:solidFill>
-                  <a:schemeClr val="tx1"/>
-                </a:solidFill>
-              </a:rPr>
-              <a:t>（</a:t>
+              <a:t> （</a:t>
             </a:r>
             <a:r>
               <a:rPr lang="zh-TW" altLang="en-US" dirty="0">
@@ -4681,15 +4652,7 @@
                   <a:schemeClr val="tx1"/>
                 </a:solidFill>
               </a:rPr>
-              <a:t>單個商品銷售記錄</a:t>
-            </a:r>
-            <a:r>
-              <a:rPr lang="zh-CN" altLang="en-US" dirty="0">
-                <a:solidFill>
-                  <a:schemeClr val="tx1"/>
-                </a:solidFill>
-              </a:rPr>
-              <a:t>）</a:t>
+              <a:t>切換買賣）</a:t>
             </a:r>
             <a:endParaRPr lang="en-US" dirty="0">
               <a:solidFill>
@@ -4701,10 +4664,10 @@
       </p:sp>
       <p:pic>
         <p:nvPicPr>
-          <p:cNvPr id="3" name="Picture 2">
+          <p:cNvPr id="31" name="Picture 30">
             <a:extLst>
               <a:ext uri="{FF2B5EF4-FFF2-40B4-BE49-F238E27FC236}">
-                <a16:creationId xmlns="" xmlns:a16="http://schemas.microsoft.com/office/drawing/2014/main" id="{C89FF32C-708B-A246-A4A9-3A91DF58208B}"/>
+                <a16:creationId xmlns:a16="http://schemas.microsoft.com/office/drawing/2014/main" id="{4FFEC185-6FEF-3F42-8084-C69259FD5ADA}"/>
               </a:ext>
             </a:extLst>
           </p:cNvPr>
@@ -4714,7 +4677,7 @@
           <p:nvPr/>
         </p:nvPicPr>
         <p:blipFill>
-          <a:blip r:embed="rId2">
+          <a:blip r:embed="rId3">
             <a:extLst>
               <a:ext uri="{28A0092B-C50C-407E-A947-70E740481C1C}">
                 <a14:useLocalDpi xmlns:a14="http://schemas.microsoft.com/office/drawing/2010/main" val="0"/>
@@ -4727,495 +4690,152 @@
         </p:blipFill>
         <p:spPr>
           <a:xfrm>
-            <a:off x="504056" y="771550"/>
-            <a:ext cx="8028384" cy="4263923"/>
+            <a:off x="395536" y="987574"/>
+            <a:ext cx="8095103" cy="1654542"/>
           </a:xfrm>
           <a:prstGeom prst="rect">
             <a:avLst/>
           </a:prstGeom>
         </p:spPr>
       </p:pic>
-      <p:sp>
-        <p:nvSpPr>
-          <p:cNvPr id="2" name="Rectangle 1"/>
-          <p:cNvSpPr/>
+      <p:pic>
+        <p:nvPicPr>
+          <p:cNvPr id="33" name="Picture 32">
+            <a:extLst>
+              <a:ext uri="{FF2B5EF4-FFF2-40B4-BE49-F238E27FC236}">
+                <a16:creationId xmlns:a16="http://schemas.microsoft.com/office/drawing/2014/main" id="{74DE0983-9153-194E-8E13-5F518B0C2D8A}"/>
+              </a:ext>
+            </a:extLst>
+          </p:cNvPr>
+          <p:cNvPicPr>
+            <a:picLocks noChangeAspect="1"/>
+          </p:cNvPicPr>
           <p:nvPr/>
-        </p:nvSpPr>
+        </p:nvPicPr>
+        <p:blipFill>
+          <a:blip r:embed="rId4">
+            <a:extLst>
+              <a:ext uri="{28A0092B-C50C-407E-A947-70E740481C1C}">
+                <a14:useLocalDpi xmlns:a14="http://schemas.microsoft.com/office/drawing/2010/main" val="0"/>
+              </a:ext>
+            </a:extLst>
+          </a:blip>
+          <a:stretch>
+            <a:fillRect/>
+          </a:stretch>
+        </p:blipFill>
         <p:spPr>
           <a:xfrm>
-            <a:off x="3837037" y="1255812"/>
-            <a:ext cx="1296144" cy="504056"/>
+            <a:off x="395536" y="3461659"/>
+            <a:ext cx="8172233" cy="862298"/>
           </a:xfrm>
           <a:prstGeom prst="rect">
             <a:avLst/>
           </a:prstGeom>
         </p:spPr>
-        <p:style>
-          <a:lnRef idx="1">
-            <a:schemeClr val="accent1"/>
-          </a:lnRef>
-          <a:fillRef idx="2">
-            <a:schemeClr val="accent1"/>
-          </a:fillRef>
-          <a:effectRef idx="1">
-            <a:schemeClr val="accent1"/>
-          </a:effectRef>
-          <a:fontRef idx="minor">
-            <a:schemeClr val="dk1"/>
-          </a:fontRef>
-        </p:style>
-        <p:txBody>
-          <a:bodyPr rtlCol="0" anchor="ctr"/>
-          <a:lstStyle/>
-          <a:p>
-            <a:pPr algn="ctr"/>
-            <a:r>
-              <a:rPr lang="zh-CN" altLang="en-US" dirty="0">
-                <a:solidFill>
-                  <a:prstClr val="black"/>
-                </a:solidFill>
-              </a:rPr>
-              <a:t>產品資料</a:t>
-            </a:r>
-            <a:endParaRPr lang="en-MY" dirty="0">
-              <a:solidFill>
-                <a:prstClr val="black"/>
-              </a:solidFill>
-            </a:endParaRPr>
-          </a:p>
-        </p:txBody>
-      </p:sp>
-      <p:cxnSp>
-        <p:nvCxnSpPr>
-          <p:cNvPr id="5" name="Straight Connector 4"/>
-          <p:cNvCxnSpPr>
-            <a:endCxn id="2" idx="1"/>
-          </p:cNvCxnSpPr>
+      </p:pic>
+      <p:sp>
+        <p:nvSpPr>
+          <p:cNvPr id="34" name="Arrow: Down 128">
+            <a:extLst>
+              <a:ext uri="{FF2B5EF4-FFF2-40B4-BE49-F238E27FC236}">
+                <a16:creationId xmlns:a16="http://schemas.microsoft.com/office/drawing/2014/main" id="{007661F0-5D1F-F14E-AEA8-08A4A330E6D1}"/>
+              </a:ext>
+            </a:extLst>
+          </p:cNvPr>
+          <p:cNvSpPr/>
           <p:nvPr/>
-        </p:nvCxnSpPr>
+        </p:nvSpPr>
         <p:spPr>
           <a:xfrm>
-            <a:off x="3242717" y="1255812"/>
-            <a:ext cx="594320" cy="252028"/>
+            <a:off x="4139952" y="2846512"/>
+            <a:ext cx="864096" cy="419990"/>
           </a:xfrm>
-          <a:prstGeom prst="line">
+          <a:prstGeom prst="downArrow">
             <a:avLst/>
           </a:prstGeom>
         </p:spPr>
         <p:style>
-          <a:lnRef idx="1">
-            <a:schemeClr val="accent1"/>
+          <a:lnRef idx="2">
+            <a:schemeClr val="accent1">
+              <a:shade val="50000"/>
+            </a:schemeClr>
           </a:lnRef>
-          <a:fillRef idx="0">
+          <a:fillRef idx="1">
             <a:schemeClr val="accent1"/>
           </a:fillRef>
           <a:effectRef idx="0">
             <a:schemeClr val="accent1"/>
           </a:effectRef>
           <a:fontRef idx="minor">
-            <a:schemeClr val="tx1"/>
+            <a:schemeClr val="lt1"/>
           </a:fontRef>
         </p:style>
-      </p:cxnSp>
-      <p:cxnSp>
-        <p:nvCxnSpPr>
-          <p:cNvPr id="7" name="Straight Connector 6"/>
-          <p:cNvCxnSpPr>
-            <a:endCxn id="2" idx="1"/>
-          </p:cNvCxnSpPr>
+        <p:txBody>
+          <a:bodyPr rot="0" spcFirstLastPara="0" vert="horz" wrap="square" lIns="91440" tIns="45720" rIns="91440" bIns="45720" numCol="1" spcCol="0" rtlCol="0" fromWordArt="0" anchor="ctr" anchorCtr="0" forceAA="0" compatLnSpc="1">
+            <a:prstTxWarp prst="textNoShape">
+              <a:avLst/>
+            </a:prstTxWarp>
+            <a:noAutofit/>
+          </a:bodyPr>
+          <a:lstStyle/>
+          <a:p>
+            <a:endParaRPr lang="en-US"/>
+          </a:p>
+        </p:txBody>
+      </p:sp>
+      <p:sp>
+        <p:nvSpPr>
+          <p:cNvPr id="35" name="Rectangle 34">
+            <a:extLst>
+              <a:ext uri="{FF2B5EF4-FFF2-40B4-BE49-F238E27FC236}">
+                <a16:creationId xmlns:a16="http://schemas.microsoft.com/office/drawing/2014/main" id="{45A947F6-B5AC-4F42-A660-15042FC37403}"/>
+              </a:ext>
+            </a:extLst>
+          </p:cNvPr>
+          <p:cNvSpPr/>
           <p:nvPr/>
-        </p:nvCxnSpPr>
-        <p:spPr>
-          <a:xfrm flipV="1">
-            <a:off x="3242717" y="1507840"/>
-            <a:ext cx="594320" cy="252028"/>
-          </a:xfrm>
-          <a:prstGeom prst="line">
-            <a:avLst/>
-          </a:prstGeom>
-        </p:spPr>
-        <p:style>
-          <a:lnRef idx="1">
-            <a:schemeClr val="accent1"/>
-          </a:lnRef>
-          <a:fillRef idx="0">
-            <a:schemeClr val="accent1"/>
-          </a:fillRef>
-          <a:effectRef idx="0">
-            <a:schemeClr val="accent1"/>
-          </a:effectRef>
-          <a:fontRef idx="minor">
-            <a:schemeClr val="tx1"/>
-          </a:fontRef>
-        </p:style>
-      </p:cxnSp>
-      <p:cxnSp>
-        <p:nvCxnSpPr>
-          <p:cNvPr id="9" name="Straight Connector 8"/>
-          <p:cNvCxnSpPr>
-            <a:stCxn id="2" idx="3"/>
-          </p:cNvCxnSpPr>
-          <p:nvPr/>
-        </p:nvCxnSpPr>
+        </p:nvSpPr>
         <p:spPr>
           <a:xfrm>
-            <a:off x="5133181" y="1507840"/>
-            <a:ext cx="446931" cy="252028"/>
-          </a:xfrm>
-          <a:prstGeom prst="line">
-            <a:avLst/>
-          </a:prstGeom>
-        </p:spPr>
-        <p:style>
-          <a:lnRef idx="1">
-            <a:schemeClr val="accent1"/>
-          </a:lnRef>
-          <a:fillRef idx="0">
-            <a:schemeClr val="accent1"/>
-          </a:fillRef>
-          <a:effectRef idx="0">
-            <a:schemeClr val="accent1"/>
-          </a:effectRef>
-          <a:fontRef idx="minor">
-            <a:schemeClr val="tx1"/>
-          </a:fontRef>
-        </p:style>
-      </p:cxnSp>
-      <p:sp>
-        <p:nvSpPr>
-          <p:cNvPr id="16" name="Rectangle 15"/>
-          <p:cNvSpPr/>
-          <p:nvPr/>
-        </p:nvSpPr>
-        <p:spPr>
-          <a:xfrm>
-            <a:off x="6084168" y="627534"/>
-            <a:ext cx="1296144" cy="504056"/>
+            <a:off x="5148064" y="2873286"/>
+            <a:ext cx="1512168" cy="369332"/>
           </a:xfrm>
           <a:prstGeom prst="rect">
             <a:avLst/>
           </a:prstGeom>
         </p:spPr>
-        <p:style>
-          <a:lnRef idx="1">
-            <a:schemeClr val="accent1"/>
-          </a:lnRef>
-          <a:fillRef idx="2">
-            <a:schemeClr val="accent1"/>
-          </a:fillRef>
-          <a:effectRef idx="1">
-            <a:schemeClr val="accent1"/>
-          </a:effectRef>
-          <a:fontRef idx="minor">
-            <a:schemeClr val="dk1"/>
-          </a:fontRef>
-        </p:style>
-        <p:txBody>
-          <a:bodyPr rtlCol="0" anchor="ctr"/>
+        <p:txBody>
+          <a:bodyPr wrap="square">
+            <a:spAutoFit/>
+          </a:bodyPr>
           <a:lstStyle/>
           <a:p>
-            <a:pPr algn="ctr"/>
-            <a:r>
-              <a:rPr lang="zh-CN" altLang="en-US" dirty="0">
-                <a:solidFill>
-                  <a:prstClr val="black"/>
-                </a:solidFill>
+            <a:r>
+              <a:rPr lang="zh-CN" altLang="en-US" b="1" dirty="0">
+                <a:latin typeface="Calibri" panose="020F0502020204030204" pitchFamily="34" charset="0"/>
+                <a:ea typeface="PMingLiU" panose="02020500000000000000" pitchFamily="18" charset="-120"/>
+                <a:cs typeface="Times New Roman" panose="02020603050405020304" pitchFamily="18" charset="0"/>
               </a:rPr>
-              <a:t>商店</a:t>
-            </a:r>
-            <a:r>
-              <a:rPr lang="zh-CN" altLang="en-US" dirty="0" smtClean="0">
-                <a:solidFill>
-                  <a:prstClr val="black"/>
-                </a:solidFill>
-              </a:rPr>
-              <a:t>資</a:t>
-            </a:r>
-            <a:r>
-              <a:rPr lang="zh-CN" altLang="en-US" dirty="0">
-                <a:solidFill>
-                  <a:prstClr val="black"/>
-                </a:solidFill>
-              </a:rPr>
-              <a:t>料</a:t>
-            </a:r>
-            <a:endParaRPr lang="en-MY" dirty="0">
-              <a:solidFill>
-                <a:prstClr val="black"/>
-              </a:solidFill>
-            </a:endParaRPr>
-          </a:p>
-        </p:txBody>
-      </p:sp>
-      <p:cxnSp>
-        <p:nvCxnSpPr>
-          <p:cNvPr id="18" name="Straight Connector 17"/>
-          <p:cNvCxnSpPr/>
-          <p:nvPr/>
-        </p:nvCxnSpPr>
-        <p:spPr>
-          <a:xfrm flipH="1">
-            <a:off x="5796136" y="879562"/>
-            <a:ext cx="288032" cy="376250"/>
-          </a:xfrm>
-          <a:prstGeom prst="line">
-            <a:avLst/>
-          </a:prstGeom>
-        </p:spPr>
-        <p:style>
-          <a:lnRef idx="1">
-            <a:schemeClr val="accent1"/>
-          </a:lnRef>
-          <a:fillRef idx="0">
-            <a:schemeClr val="accent1"/>
-          </a:fillRef>
-          <a:effectRef idx="0">
-            <a:schemeClr val="accent1"/>
-          </a:effectRef>
-          <a:fontRef idx="minor">
-            <a:schemeClr val="tx1"/>
-          </a:fontRef>
-        </p:style>
-      </p:cxnSp>
-      <p:cxnSp>
-        <p:nvCxnSpPr>
-          <p:cNvPr id="20" name="Straight Connector 19"/>
-          <p:cNvCxnSpPr>
-            <a:stCxn id="2" idx="2"/>
-          </p:cNvCxnSpPr>
-          <p:nvPr/>
-        </p:nvCxnSpPr>
-        <p:spPr>
-          <a:xfrm flipH="1">
-            <a:off x="2411760" y="1759868"/>
-            <a:ext cx="2073349" cy="307826"/>
-          </a:xfrm>
-          <a:prstGeom prst="line">
-            <a:avLst/>
-          </a:prstGeom>
-        </p:spPr>
-        <p:style>
-          <a:lnRef idx="1">
-            <a:schemeClr val="accent1"/>
-          </a:lnRef>
-          <a:fillRef idx="0">
-            <a:schemeClr val="accent1"/>
-          </a:fillRef>
-          <a:effectRef idx="0">
-            <a:schemeClr val="accent1"/>
-          </a:effectRef>
-          <a:fontRef idx="minor">
-            <a:schemeClr val="tx1"/>
-          </a:fontRef>
-        </p:style>
-      </p:cxnSp>
-      <p:cxnSp>
-        <p:nvCxnSpPr>
-          <p:cNvPr id="22" name="Straight Connector 21"/>
-          <p:cNvCxnSpPr>
-            <a:stCxn id="2" idx="2"/>
-          </p:cNvCxnSpPr>
-          <p:nvPr/>
-        </p:nvCxnSpPr>
-        <p:spPr>
-          <a:xfrm flipH="1">
-            <a:off x="3707904" y="1759868"/>
-            <a:ext cx="777205" cy="307826"/>
-          </a:xfrm>
-          <a:prstGeom prst="line">
-            <a:avLst/>
-          </a:prstGeom>
-        </p:spPr>
-        <p:style>
-          <a:lnRef idx="1">
-            <a:schemeClr val="accent1"/>
-          </a:lnRef>
-          <a:fillRef idx="0">
-            <a:schemeClr val="accent1"/>
-          </a:fillRef>
-          <a:effectRef idx="0">
-            <a:schemeClr val="accent1"/>
-          </a:effectRef>
-          <a:fontRef idx="minor">
-            <a:schemeClr val="tx1"/>
-          </a:fontRef>
-        </p:style>
-      </p:cxnSp>
-      <p:sp>
-        <p:nvSpPr>
-          <p:cNvPr id="23" name="Rectangle 22"/>
-          <p:cNvSpPr/>
-          <p:nvPr/>
-        </p:nvSpPr>
-        <p:spPr>
-          <a:xfrm>
-            <a:off x="251520" y="1913781"/>
-            <a:ext cx="8280920" cy="3034233"/>
-          </a:xfrm>
-          <a:prstGeom prst="rect">
-            <a:avLst/>
-          </a:prstGeom>
-          <a:noFill/>
-        </p:spPr>
-        <p:style>
-          <a:lnRef idx="2">
-            <a:schemeClr val="dk1"/>
-          </a:lnRef>
-          <a:fillRef idx="1">
-            <a:schemeClr val="lt1"/>
-          </a:fillRef>
-          <a:effectRef idx="0">
-            <a:schemeClr val="dk1"/>
-          </a:effectRef>
-          <a:fontRef idx="minor">
-            <a:schemeClr val="dk1"/>
-          </a:fontRef>
-        </p:style>
-        <p:txBody>
-          <a:bodyPr rtlCol="0" anchor="ctr"/>
-          <a:lstStyle/>
-          <a:p>
-            <a:pPr algn="ctr"/>
-            <a:endParaRPr lang="en-MY">
-              <a:solidFill>
-                <a:prstClr val="black"/>
-              </a:solidFill>
-            </a:endParaRPr>
-          </a:p>
-        </p:txBody>
-      </p:sp>
-      <p:sp>
-        <p:nvSpPr>
-          <p:cNvPr id="24" name="Rectangle 23"/>
-          <p:cNvSpPr/>
-          <p:nvPr/>
-        </p:nvSpPr>
-        <p:spPr>
-          <a:xfrm>
-            <a:off x="8604448" y="2566802"/>
-            <a:ext cx="467544" cy="1728192"/>
-          </a:xfrm>
-          <a:prstGeom prst="rect">
-            <a:avLst/>
-          </a:prstGeom>
-        </p:spPr>
-        <p:style>
-          <a:lnRef idx="1">
-            <a:schemeClr val="accent1"/>
-          </a:lnRef>
-          <a:fillRef idx="2">
-            <a:schemeClr val="accent1"/>
-          </a:fillRef>
-          <a:effectRef idx="1">
-            <a:schemeClr val="accent1"/>
-          </a:effectRef>
-          <a:fontRef idx="minor">
-            <a:schemeClr val="dk1"/>
-          </a:fontRef>
-        </p:style>
-        <p:txBody>
-          <a:bodyPr rtlCol="0" anchor="ctr"/>
-          <a:lstStyle/>
-          <a:p>
-            <a:pPr algn="ctr"/>
-            <a:r>
-              <a:rPr lang="zh-CN" altLang="en-US" dirty="0" smtClean="0">
-                <a:solidFill>
-                  <a:prstClr val="black"/>
-                </a:solidFill>
-              </a:rPr>
-              <a:t>交易記錄資料</a:t>
-            </a:r>
-            <a:endParaRPr lang="en-MY" dirty="0">
-              <a:solidFill>
-                <a:prstClr val="black"/>
-              </a:solidFill>
-            </a:endParaRPr>
-          </a:p>
-        </p:txBody>
-      </p:sp>
-      <p:cxnSp>
-        <p:nvCxnSpPr>
-          <p:cNvPr id="26" name="Straight Connector 25"/>
-          <p:cNvCxnSpPr>
-            <a:stCxn id="23" idx="3"/>
-            <a:endCxn id="24" idx="1"/>
-          </p:cNvCxnSpPr>
-          <p:nvPr/>
-        </p:nvCxnSpPr>
-        <p:spPr>
-          <a:xfrm>
-            <a:off x="8532440" y="3430898"/>
-            <a:ext cx="72008" cy="0"/>
-          </a:xfrm>
-          <a:prstGeom prst="line">
-            <a:avLst/>
-          </a:prstGeom>
-        </p:spPr>
-        <p:style>
-          <a:lnRef idx="1">
-            <a:schemeClr val="accent1"/>
-          </a:lnRef>
-          <a:fillRef idx="0">
-            <a:schemeClr val="accent1"/>
-          </a:fillRef>
-          <a:effectRef idx="0">
-            <a:schemeClr val="accent1"/>
-          </a:effectRef>
-          <a:fontRef idx="minor">
-            <a:schemeClr val="tx1"/>
-          </a:fontRef>
-        </p:style>
-      </p:cxnSp>
-      <p:cxnSp>
-        <p:nvCxnSpPr>
-          <p:cNvPr id="29" name="Straight Connector 28"/>
-          <p:cNvCxnSpPr>
-            <a:stCxn id="2" idx="2"/>
-          </p:cNvCxnSpPr>
-          <p:nvPr/>
-        </p:nvCxnSpPr>
-        <p:spPr>
-          <a:xfrm>
-            <a:off x="4485109" y="1759868"/>
-            <a:ext cx="1455043" cy="307826"/>
-          </a:xfrm>
-          <a:prstGeom prst="line">
-            <a:avLst/>
-          </a:prstGeom>
-        </p:spPr>
-        <p:style>
-          <a:lnRef idx="1">
-            <a:schemeClr val="accent1"/>
-          </a:lnRef>
-          <a:fillRef idx="0">
-            <a:schemeClr val="accent1"/>
-          </a:fillRef>
-          <a:effectRef idx="0">
-            <a:schemeClr val="accent1"/>
-          </a:effectRef>
-          <a:fontRef idx="minor">
-            <a:schemeClr val="tx1"/>
-          </a:fontRef>
-        </p:style>
-      </p:cxnSp>
+              <a:t>整合（聯集）</a:t>
+            </a:r>
+            <a:r>
+              <a:rPr lang="en-US" b="1" dirty="0"/>
+              <a:t> </a:t>
+            </a:r>
+          </a:p>
+        </p:txBody>
+      </p:sp>
     </p:spTree>
     <p:extLst>
       <p:ext uri="{BB962C8B-B14F-4D97-AF65-F5344CB8AC3E}">
-        <p14:creationId xmlns:p14="http://schemas.microsoft.com/office/powerpoint/2010/main" val="3916184151"/>
+        <p14:creationId xmlns:p14="http://schemas.microsoft.com/office/powerpoint/2010/main" val="1448871009"/>
       </p:ext>
     </p:extLst>
   </p:cSld>
   <p:clrMapOvr>
     <a:masterClrMapping/>
   </p:clrMapOvr>
-  <p:timing>
-    <p:tnLst>
-      <p:par>
-        <p:cTn id="1" dur="indefinite" restart="never" nodeType="tmRoot"/>
-      </p:par>
-    </p:tnLst>
-  </p:timing>
 </p:sld>
 </file>
 
@@ -5264,94 +4884,188 @@
           <a:chExt cx="0" cy="0"/>
         </a:xfrm>
       </p:grpSpPr>
-      <p:sp>
-        <p:nvSpPr>
-          <p:cNvPr id="15" name="Title 1">
+      <p:pic>
+        <p:nvPicPr>
+          <p:cNvPr id="9" name="Content Placeholder 6">
             <a:extLst>
               <a:ext uri="{FF2B5EF4-FFF2-40B4-BE49-F238E27FC236}">
-                <a16:creationId xmlns="" xmlns:a16="http://schemas.microsoft.com/office/drawing/2014/main" id="{F4C4A796-8AEB-7641-8B55-458C4FE2D291}"/>
+                <a16:creationId xmlns:a16="http://schemas.microsoft.com/office/drawing/2014/main" id="{65B99FB5-8778-7F44-9454-FB20081C092A}"/>
               </a:ext>
             </a:extLst>
           </p:cNvPr>
-          <p:cNvSpPr>
-            <a:spLocks noGrp="1"/>
-          </p:cNvSpPr>
-          <p:nvPr>
-            <p:ph type="title"/>
-          </p:nvPr>
-        </p:nvSpPr>
+          <p:cNvPicPr>
+            <a:picLocks noGrp="1" noChangeAspect="1"/>
+          </p:cNvPicPr>
+          <p:nvPr>
+            <p:ph idx="1"/>
+          </p:nvPr>
+        </p:nvPicPr>
+        <p:blipFill>
+          <a:blip r:embed="rId2" cstate="print">
+            <a:extLst>
+              <a:ext uri="{28A0092B-C50C-407E-A947-70E740481C1C}">
+                <a14:useLocalDpi xmlns:a14="http://schemas.microsoft.com/office/drawing/2010/main" val="0"/>
+              </a:ext>
+            </a:extLst>
+          </a:blip>
+          <a:stretch>
+            <a:fillRect/>
+          </a:stretch>
+        </p:blipFill>
         <p:spPr>
           <a:xfrm>
-            <a:off x="313317" y="31100"/>
-            <a:ext cx="8075107" cy="884466"/>
+            <a:off x="508000" y="469953"/>
+            <a:ext cx="3240360" cy="2214501"/>
           </a:xfrm>
         </p:spPr>
-        <p:txBody>
-          <a:bodyPr/>
+      </p:pic>
+      <p:sp>
+        <p:nvSpPr>
+          <p:cNvPr id="11" name="Bent-Up Arrow 10">
+            <a:extLst>
+              <a:ext uri="{FF2B5EF4-FFF2-40B4-BE49-F238E27FC236}">
+                <a16:creationId xmlns:a16="http://schemas.microsoft.com/office/drawing/2014/main" id="{25C3EAC7-84DE-5D42-B13D-495D0184D8CA}"/>
+              </a:ext>
+            </a:extLst>
+          </p:cNvPr>
+          <p:cNvSpPr/>
+          <p:nvPr/>
+        </p:nvSpPr>
+        <p:spPr>
+          <a:xfrm rot="10800000" flipH="1">
+            <a:off x="4036392" y="902001"/>
+            <a:ext cx="1296000" cy="1008112"/>
+          </a:xfrm>
+          <a:prstGeom prst="bentUpArrow">
+            <a:avLst/>
+          </a:prstGeom>
+        </p:spPr>
+        <p:style>
+          <a:lnRef idx="2">
+            <a:schemeClr val="accent1">
+              <a:shade val="50000"/>
+            </a:schemeClr>
+          </a:lnRef>
+          <a:fillRef idx="1">
+            <a:schemeClr val="accent1"/>
+          </a:fillRef>
+          <a:effectRef idx="0">
+            <a:schemeClr val="accent1"/>
+          </a:effectRef>
+          <a:fontRef idx="minor">
+            <a:schemeClr val="lt1"/>
+          </a:fontRef>
+        </p:style>
+        <p:txBody>
+          <a:bodyPr rtlCol="0" anchor="ctr"/>
           <a:lstStyle/>
           <a:p>
-            <a:r>
-              <a:rPr lang="zh-TW" altLang="en-US" dirty="0">
-                <a:solidFill>
-                  <a:schemeClr val="tx1"/>
-                </a:solidFill>
+            <a:pPr algn="ctr"/>
+            <a:endParaRPr lang="en-US"/>
+          </a:p>
+        </p:txBody>
+      </p:sp>
+      <p:sp>
+        <p:nvSpPr>
+          <p:cNvPr id="12" name="Rectangle 11">
+            <a:extLst>
+              <a:ext uri="{FF2B5EF4-FFF2-40B4-BE49-F238E27FC236}">
+                <a16:creationId xmlns:a16="http://schemas.microsoft.com/office/drawing/2014/main" id="{241CE9AE-2559-F941-8795-C1BC68F0E16C}"/>
+              </a:ext>
+            </a:extLst>
+          </p:cNvPr>
+          <p:cNvSpPr/>
+          <p:nvPr/>
+        </p:nvSpPr>
+        <p:spPr>
+          <a:xfrm>
+            <a:off x="672244" y="50284"/>
+            <a:ext cx="2911872" cy="369332"/>
+          </a:xfrm>
+          <a:prstGeom prst="rect">
+            <a:avLst/>
+          </a:prstGeom>
+        </p:spPr>
+        <p:txBody>
+          <a:bodyPr wrap="square">
+            <a:spAutoFit/>
+          </a:bodyPr>
+          <a:lstStyle/>
+          <a:p>
+            <a:r>
+              <a:rPr lang="zh-TW" altLang="en-US" b="1" dirty="0"/>
+              <a:t>切換買賣管理</a:t>
+            </a:r>
+            <a:r>
+              <a:rPr lang="zh-Hant" altLang="en-US" b="1" dirty="0"/>
+              <a:t>之</a:t>
+            </a:r>
+            <a:r>
+              <a:rPr lang="zh-TW" altLang="en-US" b="1" dirty="0">
+                <a:ea typeface="SimSun" panose="02010600030101010101" pitchFamily="2" charset="-122"/>
+                <a:cs typeface="Times New Roman" panose="02020603050405020304" pitchFamily="18" charset="0"/>
               </a:rPr>
-              <a:t>資料</a:t>
-            </a:r>
-            <a:r>
-              <a:rPr lang="zh-TW" altLang="en-US" dirty="0" smtClean="0">
-                <a:solidFill>
-                  <a:schemeClr val="tx1"/>
-                </a:solidFill>
-              </a:rPr>
-              <a:t>流</a:t>
-            </a:r>
-            <a:r>
-              <a:rPr lang="zh-CN" altLang="en-US" dirty="0" smtClean="0">
-                <a:solidFill>
-                  <a:schemeClr val="tx1"/>
-                </a:solidFill>
-              </a:rPr>
-              <a:t>向表</a:t>
-            </a:r>
-            <a:r>
-              <a:rPr lang="zh-Hant" altLang="en-US" dirty="0" smtClean="0">
-                <a:solidFill>
-                  <a:schemeClr val="tx1"/>
-                </a:solidFill>
-              </a:rPr>
+              <a:t>第一階段</a:t>
+            </a:r>
+            <a:r>
+              <a:rPr lang="en-US" dirty="0"/>
               <a:t> </a:t>
             </a:r>
-            <a:r>
-              <a:rPr lang="zh-Hant" altLang="en-US" dirty="0">
-                <a:solidFill>
-                  <a:schemeClr val="tx1"/>
-                </a:solidFill>
-              </a:rPr>
-              <a:t>（</a:t>
-            </a:r>
-            <a:r>
-              <a:rPr lang="zh-TW" altLang="en-US" dirty="0">
-                <a:solidFill>
-                  <a:schemeClr val="tx1"/>
-                </a:solidFill>
-              </a:rPr>
-              <a:t>切換買賣）</a:t>
-            </a:r>
-            <a:endParaRPr lang="en-US" dirty="0">
-              <a:solidFill>
-                <a:schemeClr val="tx1"/>
-              </a:solidFill>
-            </a:endParaRPr>
+          </a:p>
+        </p:txBody>
+      </p:sp>
+      <p:sp>
+        <p:nvSpPr>
+          <p:cNvPr id="14" name="Rectangle 13">
+            <a:extLst>
+              <a:ext uri="{FF2B5EF4-FFF2-40B4-BE49-F238E27FC236}">
+                <a16:creationId xmlns:a16="http://schemas.microsoft.com/office/drawing/2014/main" id="{214AA10B-4D75-F14A-A46F-83D47C738BFA}"/>
+              </a:ext>
+            </a:extLst>
+          </p:cNvPr>
+          <p:cNvSpPr/>
+          <p:nvPr/>
+        </p:nvSpPr>
+        <p:spPr>
+          <a:xfrm>
+            <a:off x="5424349" y="1648033"/>
+            <a:ext cx="3168352" cy="369332"/>
+          </a:xfrm>
+          <a:prstGeom prst="rect">
+            <a:avLst/>
+          </a:prstGeom>
+        </p:spPr>
+        <p:txBody>
+          <a:bodyPr wrap="square">
+            <a:spAutoFit/>
+          </a:bodyPr>
+          <a:lstStyle/>
+          <a:p>
+            <a:r>
+              <a:rPr lang="zh-TW" altLang="en-US" b="1" dirty="0"/>
+              <a:t>切換買賣管理</a:t>
+            </a:r>
+            <a:r>
+              <a:rPr lang="zh-Hant" altLang="en-US" b="1" dirty="0"/>
+              <a:t>之</a:t>
+            </a:r>
+            <a:r>
+              <a:rPr lang="zh-TW" altLang="en-US" b="1" dirty="0"/>
+              <a:t>第零階</a:t>
+            </a:r>
+            <a:r>
+              <a:rPr lang="en-US" b="1" dirty="0"/>
+              <a:t>DFD</a:t>
+            </a:r>
           </a:p>
         </p:txBody>
       </p:sp>
       <p:pic>
         <p:nvPicPr>
-          <p:cNvPr id="31" name="Picture 30">
+          <p:cNvPr id="5" name="Picture 4">
             <a:extLst>
               <a:ext uri="{FF2B5EF4-FFF2-40B4-BE49-F238E27FC236}">
-                <a16:creationId xmlns="" xmlns:a16="http://schemas.microsoft.com/office/drawing/2014/main" id="{4FFEC185-6FEF-3F42-8084-C69259FD5ADA}"/>
+                <a16:creationId xmlns:a16="http://schemas.microsoft.com/office/drawing/2014/main" id="{E043444D-B303-6B46-BAB1-1389E3106AAE}"/>
               </a:ext>
             </a:extLst>
           </p:cNvPr>
@@ -5374,146 +5088,21 @@
         </p:blipFill>
         <p:spPr>
           <a:xfrm>
-            <a:off x="395536" y="987574"/>
-            <a:ext cx="8095103" cy="1654542"/>
+            <a:off x="4860032" y="2017365"/>
+            <a:ext cx="3943172" cy="2995662"/>
           </a:xfrm>
           <a:prstGeom prst="rect">
             <a:avLst/>
           </a:prstGeom>
+          <a:solidFill>
+            <a:schemeClr val="bg1"/>
+          </a:solidFill>
         </p:spPr>
       </p:pic>
-      <p:pic>
-        <p:nvPicPr>
-          <p:cNvPr id="33" name="Picture 32">
-            <a:extLst>
-              <a:ext uri="{FF2B5EF4-FFF2-40B4-BE49-F238E27FC236}">
-                <a16:creationId xmlns="" xmlns:a16="http://schemas.microsoft.com/office/drawing/2014/main" id="{74DE0983-9153-194E-8E13-5F518B0C2D8A}"/>
-              </a:ext>
-            </a:extLst>
-          </p:cNvPr>
-          <p:cNvPicPr>
-            <a:picLocks noChangeAspect="1"/>
-          </p:cNvPicPr>
-          <p:nvPr/>
-        </p:nvPicPr>
-        <p:blipFill>
-          <a:blip r:embed="rId4">
-            <a:extLst>
-              <a:ext uri="{28A0092B-C50C-407E-A947-70E740481C1C}">
-                <a14:useLocalDpi xmlns:a14="http://schemas.microsoft.com/office/drawing/2010/main" val="0"/>
-              </a:ext>
-            </a:extLst>
-          </a:blip>
-          <a:stretch>
-            <a:fillRect/>
-          </a:stretch>
-        </p:blipFill>
-        <p:spPr>
-          <a:xfrm>
-            <a:off x="395536" y="3461659"/>
-            <a:ext cx="8172233" cy="862298"/>
-          </a:xfrm>
-          <a:prstGeom prst="rect">
-            <a:avLst/>
-          </a:prstGeom>
-        </p:spPr>
-      </p:pic>
-      <p:sp>
-        <p:nvSpPr>
-          <p:cNvPr id="34" name="Arrow: Down 128">
-            <a:extLst>
-              <a:ext uri="{FF2B5EF4-FFF2-40B4-BE49-F238E27FC236}">
-                <a16:creationId xmlns="" xmlns:a16="http://schemas.microsoft.com/office/drawing/2014/main" id="{007661F0-5D1F-F14E-AEA8-08A4A330E6D1}"/>
-              </a:ext>
-            </a:extLst>
-          </p:cNvPr>
-          <p:cNvSpPr/>
-          <p:nvPr/>
-        </p:nvSpPr>
-        <p:spPr>
-          <a:xfrm>
-            <a:off x="4139952" y="2846512"/>
-            <a:ext cx="864096" cy="419990"/>
-          </a:xfrm>
-          <a:prstGeom prst="downArrow">
-            <a:avLst/>
-          </a:prstGeom>
-        </p:spPr>
-        <p:style>
-          <a:lnRef idx="2">
-            <a:schemeClr val="accent1">
-              <a:shade val="50000"/>
-            </a:schemeClr>
-          </a:lnRef>
-          <a:fillRef idx="1">
-            <a:schemeClr val="accent1"/>
-          </a:fillRef>
-          <a:effectRef idx="0">
-            <a:schemeClr val="accent1"/>
-          </a:effectRef>
-          <a:fontRef idx="minor">
-            <a:schemeClr val="lt1"/>
-          </a:fontRef>
-        </p:style>
-        <p:txBody>
-          <a:bodyPr rot="0" spcFirstLastPara="0" vert="horz" wrap="square" lIns="91440" tIns="45720" rIns="91440" bIns="45720" numCol="1" spcCol="0" rtlCol="0" fromWordArt="0" anchor="ctr" anchorCtr="0" forceAA="0" compatLnSpc="1">
-            <a:prstTxWarp prst="textNoShape">
-              <a:avLst/>
-            </a:prstTxWarp>
-            <a:noAutofit/>
-          </a:bodyPr>
-          <a:lstStyle/>
-          <a:p>
-            <a:endParaRPr lang="en-US"/>
-          </a:p>
-        </p:txBody>
-      </p:sp>
-      <p:sp>
-        <p:nvSpPr>
-          <p:cNvPr id="35" name="Rectangle 34">
-            <a:extLst>
-              <a:ext uri="{FF2B5EF4-FFF2-40B4-BE49-F238E27FC236}">
-                <a16:creationId xmlns="" xmlns:a16="http://schemas.microsoft.com/office/drawing/2014/main" id="{45A947F6-B5AC-4F42-A660-15042FC37403}"/>
-              </a:ext>
-            </a:extLst>
-          </p:cNvPr>
-          <p:cNvSpPr/>
-          <p:nvPr/>
-        </p:nvSpPr>
-        <p:spPr>
-          <a:xfrm>
-            <a:off x="5148064" y="2873286"/>
-            <a:ext cx="1512168" cy="369332"/>
-          </a:xfrm>
-          <a:prstGeom prst="rect">
-            <a:avLst/>
-          </a:prstGeom>
-        </p:spPr>
-        <p:txBody>
-          <a:bodyPr wrap="square">
-            <a:spAutoFit/>
-          </a:bodyPr>
-          <a:lstStyle/>
-          <a:p>
-            <a:r>
-              <a:rPr lang="zh-CN" altLang="en-US" b="1" dirty="0">
-                <a:latin typeface="Calibri" panose="020F0502020204030204" pitchFamily="34" charset="0"/>
-                <a:ea typeface="PMingLiU" panose="02020500000000000000" pitchFamily="18" charset="-120"/>
-                <a:cs typeface="Times New Roman" panose="02020603050405020304" pitchFamily="18" charset="0"/>
-              </a:rPr>
-              <a:t>整合（聯集）</a:t>
-            </a:r>
-            <a:r>
-              <a:rPr lang="en-US" b="1" dirty="0"/>
-              <a:t> </a:t>
-            </a:r>
-          </a:p>
-        </p:txBody>
-      </p:sp>
     </p:spTree>
     <p:extLst>
       <p:ext uri="{BB962C8B-B14F-4D97-AF65-F5344CB8AC3E}">
-        <p14:creationId xmlns:p14="http://schemas.microsoft.com/office/powerpoint/2010/main" val="1448871009"/>
+        <p14:creationId xmlns:p14="http://schemas.microsoft.com/office/powerpoint/2010/main" val="898251310"/>
       </p:ext>
     </p:extLst>
   </p:cSld>
@@ -5568,84 +5157,62 @@
           <a:chExt cx="0" cy="0"/>
         </a:xfrm>
       </p:grpSpPr>
-      <p:pic>
-        <p:nvPicPr>
-          <p:cNvPr id="9" name="Content Placeholder 6">
+      <p:sp>
+        <p:nvSpPr>
+          <p:cNvPr id="15" name="Title 1">
             <a:extLst>
               <a:ext uri="{FF2B5EF4-FFF2-40B4-BE49-F238E27FC236}">
-                <a16:creationId xmlns="" xmlns:a16="http://schemas.microsoft.com/office/drawing/2014/main" id="{65B99FB5-8778-7F44-9454-FB20081C092A}"/>
+                <a16:creationId xmlns:a16="http://schemas.microsoft.com/office/drawing/2014/main" id="{F4C4A796-8AEB-7641-8B55-458C4FE2D291}"/>
               </a:ext>
             </a:extLst>
           </p:cNvPr>
-          <p:cNvPicPr>
-            <a:picLocks noGrp="1" noChangeAspect="1"/>
-          </p:cNvPicPr>
-          <p:nvPr>
-            <p:ph idx="1"/>
-          </p:nvPr>
-        </p:nvPicPr>
-        <p:blipFill>
-          <a:blip r:embed="rId2" cstate="print">
-            <a:extLst>
-              <a:ext uri="{28A0092B-C50C-407E-A947-70E740481C1C}">
-                <a14:useLocalDpi xmlns:a14="http://schemas.microsoft.com/office/drawing/2010/main" val="0"/>
-              </a:ext>
-            </a:extLst>
-          </a:blip>
-          <a:stretch>
-            <a:fillRect/>
-          </a:stretch>
-        </p:blipFill>
+          <p:cNvSpPr>
+            <a:spLocks noGrp="1"/>
+          </p:cNvSpPr>
+          <p:nvPr>
+            <p:ph type="title"/>
+          </p:nvPr>
+        </p:nvSpPr>
         <p:spPr>
           <a:xfrm>
-            <a:off x="508000" y="469953"/>
-            <a:ext cx="3240360" cy="2214501"/>
+            <a:off x="313317" y="31100"/>
+            <a:ext cx="8075107" cy="884466"/>
           </a:xfrm>
         </p:spPr>
-      </p:pic>
-      <p:pic>
-        <p:nvPicPr>
-          <p:cNvPr id="10" name="Picture 9">
+        <p:txBody>
+          <a:bodyPr/>
+          <a:lstStyle/>
+          <a:p>
+            <a:r>
+              <a:rPr lang="zh-Hant" altLang="en-US" dirty="0">
+                <a:solidFill>
+                  <a:schemeClr val="tx1"/>
+                </a:solidFill>
+              </a:rPr>
+              <a:t>資料流程圖 （</a:t>
+            </a:r>
+            <a:r>
+              <a:rPr lang="zh-TW" altLang="en-US" dirty="0">
+                <a:solidFill>
+                  <a:schemeClr val="tx1"/>
+                </a:solidFill>
+              </a:rPr>
+              <a:t>顯示銷售紀錄流程圖）</a:t>
+            </a:r>
+            <a:endParaRPr lang="en-US" dirty="0">
+              <a:solidFill>
+                <a:schemeClr val="tx1"/>
+              </a:solidFill>
+            </a:endParaRPr>
+          </a:p>
+        </p:txBody>
+      </p:sp>
+      <p:sp>
+        <p:nvSpPr>
+          <p:cNvPr id="34" name="Arrow: Down 128">
             <a:extLst>
               <a:ext uri="{FF2B5EF4-FFF2-40B4-BE49-F238E27FC236}">
-                <a16:creationId xmlns="" xmlns:a16="http://schemas.microsoft.com/office/drawing/2014/main" id="{F1251362-201C-3E43-822F-4765AF33BA16}"/>
-              </a:ext>
-            </a:extLst>
-          </p:cNvPr>
-          <p:cNvPicPr/>
-          <p:nvPr/>
-        </p:nvPicPr>
-        <p:blipFill>
-          <a:blip r:embed="rId3">
-            <a:extLst>
-              <a:ext uri="{28A0092B-C50C-407E-A947-70E740481C1C}">
-                <a14:useLocalDpi xmlns:a14="http://schemas.microsoft.com/office/drawing/2010/main" val="0"/>
-              </a:ext>
-            </a:extLst>
-          </a:blip>
-          <a:stretch>
-            <a:fillRect/>
-          </a:stretch>
-        </p:blipFill>
-        <p:spPr>
-          <a:xfrm>
-            <a:off x="3866357" y="2180397"/>
-            <a:ext cx="5654879" cy="2805521"/>
-          </a:xfrm>
-          <a:prstGeom prst="rect">
-            <a:avLst/>
-          </a:prstGeom>
-          <a:solidFill>
-            <a:schemeClr val="bg1"/>
-          </a:solidFill>
-        </p:spPr>
-      </p:pic>
-      <p:sp>
-        <p:nvSpPr>
-          <p:cNvPr id="11" name="Bent-Up Arrow 10">
-            <a:extLst>
-              <a:ext uri="{FF2B5EF4-FFF2-40B4-BE49-F238E27FC236}">
-                <a16:creationId xmlns="" xmlns:a16="http://schemas.microsoft.com/office/drawing/2014/main" id="{25C3EAC7-84DE-5D42-B13D-495D0184D8CA}"/>
+                <a16:creationId xmlns:a16="http://schemas.microsoft.com/office/drawing/2014/main" id="{007661F0-5D1F-F14E-AEA8-08A4A330E6D1}"/>
               </a:ext>
             </a:extLst>
           </p:cNvPr>
@@ -5653,11 +5220,11 @@
           <p:nvPr/>
         </p:nvSpPr>
         <p:spPr>
-          <a:xfrm rot="10800000" flipH="1">
-            <a:off x="4036392" y="902001"/>
-            <a:ext cx="1296000" cy="1008112"/>
+          <a:xfrm>
+            <a:off x="4176941" y="3160624"/>
+            <a:ext cx="864096" cy="419990"/>
           </a:xfrm>
-          <a:prstGeom prst="bentUpArrow">
+          <a:prstGeom prst="downArrow">
             <a:avLst/>
           </a:prstGeom>
         </p:spPr>
@@ -5678,20 +5245,24 @@
           </a:fontRef>
         </p:style>
         <p:txBody>
-          <a:bodyPr rtlCol="0" anchor="ctr"/>
+          <a:bodyPr rot="0" spcFirstLastPara="0" vert="horz" wrap="square" lIns="91440" tIns="45720" rIns="91440" bIns="45720" numCol="1" spcCol="0" rtlCol="0" fromWordArt="0" anchor="ctr" anchorCtr="0" forceAA="0" compatLnSpc="1">
+            <a:prstTxWarp prst="textNoShape">
+              <a:avLst/>
+            </a:prstTxWarp>
+            <a:noAutofit/>
+          </a:bodyPr>
           <a:lstStyle/>
           <a:p>
-            <a:pPr algn="ctr"/>
             <a:endParaRPr lang="en-US"/>
           </a:p>
         </p:txBody>
       </p:sp>
       <p:sp>
         <p:nvSpPr>
-          <p:cNvPr id="12" name="Rectangle 11">
+          <p:cNvPr id="35" name="Rectangle 34">
             <a:extLst>
               <a:ext uri="{FF2B5EF4-FFF2-40B4-BE49-F238E27FC236}">
-                <a16:creationId xmlns="" xmlns:a16="http://schemas.microsoft.com/office/drawing/2014/main" id="{241CE9AE-2559-F941-8795-C1BC68F0E16C}"/>
+                <a16:creationId xmlns:a16="http://schemas.microsoft.com/office/drawing/2014/main" id="{45A947F6-B5AC-4F42-A660-15042FC37403}"/>
               </a:ext>
             </a:extLst>
           </p:cNvPr>
@@ -5700,8 +5271,8 @@
         </p:nvSpPr>
         <p:spPr>
           <a:xfrm>
-            <a:off x="467544" y="50284"/>
-            <a:ext cx="3194113" cy="369332"/>
+            <a:off x="5220072" y="3157852"/>
+            <a:ext cx="1512168" cy="369332"/>
           </a:xfrm>
           <a:prstGeom prst="rect">
             <a:avLst/>
@@ -5714,92 +5285,96 @@
           <a:lstStyle/>
           <a:p>
             <a:r>
-              <a:rPr lang="zh-TW" altLang="en-US" b="1" dirty="0"/>
-              <a:t>切換買賣管理</a:t>
-            </a:r>
-            <a:r>
-              <a:rPr lang="zh-Hant" altLang="en-US" b="1" dirty="0"/>
-              <a:t>之</a:t>
-            </a:r>
-            <a:r>
-              <a:rPr lang="zh-TW" altLang="en-US" b="1" dirty="0">
-                <a:ea typeface="SimSun" panose="02010600030101010101" pitchFamily="2" charset="-122"/>
+              <a:rPr lang="zh-CN" altLang="en-US" b="1" dirty="0">
+                <a:latin typeface="Calibri" panose="020F0502020204030204" pitchFamily="34" charset="0"/>
+                <a:ea typeface="PMingLiU" panose="02020500000000000000" pitchFamily="18" charset="-120"/>
                 <a:cs typeface="Times New Roman" panose="02020603050405020304" pitchFamily="18" charset="0"/>
               </a:rPr>
-              <a:t>第一</a:t>
-            </a:r>
-            <a:r>
-              <a:rPr lang="zh-TW" altLang="en-US" b="1" dirty="0" smtClean="0">
-                <a:ea typeface="SimSun" panose="02010600030101010101" pitchFamily="2" charset="-122"/>
-                <a:cs typeface="Times New Roman" panose="02020603050405020304" pitchFamily="18" charset="0"/>
-              </a:rPr>
-              <a:t>階</a:t>
-            </a:r>
-            <a:r>
-              <a:rPr lang="en-US" altLang="zh-TW" b="1" dirty="0" smtClean="0">
-                <a:ea typeface="SimSun" panose="02010600030101010101" pitchFamily="2" charset="-122"/>
-                <a:cs typeface="Times New Roman" panose="02020603050405020304" pitchFamily="18" charset="0"/>
-              </a:rPr>
-              <a:t>DFD</a:t>
-            </a:r>
-            <a:r>
-              <a:rPr lang="en-US" dirty="0" smtClean="0"/>
+              <a:t>整合（聯集）</a:t>
+            </a:r>
+            <a:r>
+              <a:rPr lang="en-US" b="1" dirty="0"/>
               <a:t> </a:t>
             </a:r>
-            <a:endParaRPr lang="en-US" dirty="0"/>
-          </a:p>
-        </p:txBody>
-      </p:sp>
-      <p:sp>
-        <p:nvSpPr>
-          <p:cNvPr id="14" name="Rectangle 13">
+          </a:p>
+        </p:txBody>
+      </p:sp>
+      <p:pic>
+        <p:nvPicPr>
+          <p:cNvPr id="6" name="Picture 5">
             <a:extLst>
               <a:ext uri="{FF2B5EF4-FFF2-40B4-BE49-F238E27FC236}">
-                <a16:creationId xmlns="" xmlns:a16="http://schemas.microsoft.com/office/drawing/2014/main" id="{214AA10B-4D75-F14A-A46F-83D47C738BFA}"/>
+                <a16:creationId xmlns:a16="http://schemas.microsoft.com/office/drawing/2014/main" id="{9952234D-A5A3-9646-8FD0-040AE91DB55F}"/>
               </a:ext>
             </a:extLst>
           </p:cNvPr>
-          <p:cNvSpPr/>
+          <p:cNvPicPr>
+            <a:picLocks noChangeAspect="1"/>
+          </p:cNvPicPr>
           <p:nvPr/>
-        </p:nvSpPr>
+        </p:nvPicPr>
+        <p:blipFill>
+          <a:blip r:embed="rId3">
+            <a:extLst>
+              <a:ext uri="{28A0092B-C50C-407E-A947-70E740481C1C}">
+                <a14:useLocalDpi xmlns:a14="http://schemas.microsoft.com/office/drawing/2010/main" val="0"/>
+              </a:ext>
+            </a:extLst>
+          </a:blip>
+          <a:stretch>
+            <a:fillRect/>
+          </a:stretch>
+        </p:blipFill>
         <p:spPr>
           <a:xfrm>
-            <a:off x="5424349" y="1648033"/>
-            <a:ext cx="3168352" cy="369332"/>
+            <a:off x="395536" y="915566"/>
+            <a:ext cx="8390433" cy="2056948"/>
           </a:xfrm>
           <a:prstGeom prst="rect">
             <a:avLst/>
           </a:prstGeom>
         </p:spPr>
-        <p:txBody>
-          <a:bodyPr wrap="square">
-            <a:spAutoFit/>
-          </a:bodyPr>
-          <a:lstStyle/>
-          <a:p>
-            <a:r>
-              <a:rPr lang="zh-TW" altLang="en-US" b="1" dirty="0"/>
-              <a:t>切換買賣管理</a:t>
-            </a:r>
-            <a:r>
-              <a:rPr lang="zh-Hant" altLang="en-US" b="1" dirty="0"/>
-              <a:t>之</a:t>
-            </a:r>
-            <a:r>
-              <a:rPr lang="zh-TW" altLang="en-US" b="1" dirty="0"/>
-              <a:t>第零階</a:t>
-            </a:r>
-            <a:r>
-              <a:rPr lang="en-US" b="1" dirty="0"/>
-              <a:t>DFD</a:t>
-            </a:r>
-          </a:p>
-        </p:txBody>
-      </p:sp>
+      </p:pic>
+      <p:pic>
+        <p:nvPicPr>
+          <p:cNvPr id="8" name="Picture 7">
+            <a:extLst>
+              <a:ext uri="{FF2B5EF4-FFF2-40B4-BE49-F238E27FC236}">
+                <a16:creationId xmlns:a16="http://schemas.microsoft.com/office/drawing/2014/main" id="{041BCA3A-636B-B848-9EA7-7FCBEAA61954}"/>
+              </a:ext>
+            </a:extLst>
+          </p:cNvPr>
+          <p:cNvPicPr>
+            <a:picLocks noChangeAspect="1"/>
+          </p:cNvPicPr>
+          <p:nvPr/>
+        </p:nvPicPr>
+        <p:blipFill>
+          <a:blip r:embed="rId4">
+            <a:extLst>
+              <a:ext uri="{28A0092B-C50C-407E-A947-70E740481C1C}">
+                <a14:useLocalDpi xmlns:a14="http://schemas.microsoft.com/office/drawing/2010/main" val="0"/>
+              </a:ext>
+            </a:extLst>
+          </a:blip>
+          <a:stretch>
+            <a:fillRect/>
+          </a:stretch>
+        </p:blipFill>
+        <p:spPr>
+          <a:xfrm>
+            <a:off x="363538" y="3688390"/>
+            <a:ext cx="8490903" cy="763988"/>
+          </a:xfrm>
+          <a:prstGeom prst="rect">
+            <a:avLst/>
+          </a:prstGeom>
+        </p:spPr>
+      </p:pic>
     </p:spTree>
     <p:extLst>
       <p:ext uri="{BB962C8B-B14F-4D97-AF65-F5344CB8AC3E}">
-        <p14:creationId xmlns:p14="http://schemas.microsoft.com/office/powerpoint/2010/main" val="898251310"/>
+        <p14:creationId xmlns:p14="http://schemas.microsoft.com/office/powerpoint/2010/main" val="2858033114"/>
       </p:ext>
     </p:extLst>
   </p:cSld>
@@ -5856,92 +5431,10 @@
       </p:grpSpPr>
       <p:sp>
         <p:nvSpPr>
-          <p:cNvPr id="15" name="Title 1">
+          <p:cNvPr id="2" name="Rectangle 1">
             <a:extLst>
               <a:ext uri="{FF2B5EF4-FFF2-40B4-BE49-F238E27FC236}">
-                <a16:creationId xmlns="" xmlns:a16="http://schemas.microsoft.com/office/drawing/2014/main" id="{F4C4A796-8AEB-7641-8B55-458C4FE2D291}"/>
-              </a:ext>
-            </a:extLst>
-          </p:cNvPr>
-          <p:cNvSpPr>
-            <a:spLocks noGrp="1"/>
-          </p:cNvSpPr>
-          <p:nvPr>
-            <p:ph type="title"/>
-          </p:nvPr>
-        </p:nvSpPr>
-        <p:spPr>
-          <a:xfrm>
-            <a:off x="313317" y="31100"/>
-            <a:ext cx="8075107" cy="884466"/>
-          </a:xfrm>
-        </p:spPr>
-        <p:txBody>
-          <a:bodyPr/>
-          <a:lstStyle/>
-          <a:p>
-            <a:r>
-              <a:rPr lang="zh-Hant" altLang="en-US" dirty="0">
-                <a:solidFill>
-                  <a:schemeClr val="tx1"/>
-                </a:solidFill>
-              </a:rPr>
-              <a:t>資料</a:t>
-            </a:r>
-            <a:r>
-              <a:rPr lang="zh-Hant" altLang="en-US" dirty="0" smtClean="0">
-                <a:solidFill>
-                  <a:schemeClr val="tx1"/>
-                </a:solidFill>
-              </a:rPr>
-              <a:t>流</a:t>
-            </a:r>
-            <a:r>
-              <a:rPr lang="zh-CN" altLang="en-US" smtClean="0">
-                <a:solidFill>
-                  <a:schemeClr val="tx1"/>
-                </a:solidFill>
-              </a:rPr>
-              <a:t>向表</a:t>
-            </a:r>
-            <a:r>
-              <a:rPr lang="zh-Hant" altLang="en-US" dirty="0" smtClean="0">
-                <a:solidFill>
-                  <a:schemeClr val="tx1"/>
-                </a:solidFill>
-              </a:rPr>
-              <a:t>（</a:t>
-            </a:r>
-            <a:r>
-              <a:rPr lang="zh-TW" altLang="en-US" dirty="0">
-                <a:solidFill>
-                  <a:schemeClr val="tx1"/>
-                </a:solidFill>
-              </a:rPr>
-              <a:t>顯示銷售紀</a:t>
-            </a:r>
-            <a:r>
-              <a:rPr lang="zh-TW" altLang="en-US" dirty="0" smtClean="0">
-                <a:solidFill>
-                  <a:schemeClr val="tx1"/>
-                </a:solidFill>
-              </a:rPr>
-              <a:t>錄）</a:t>
-            </a:r>
-            <a:endParaRPr lang="en-US" dirty="0">
-              <a:solidFill>
-                <a:schemeClr val="tx1"/>
-              </a:solidFill>
-            </a:endParaRPr>
-          </a:p>
-        </p:txBody>
-      </p:sp>
-      <p:sp>
-        <p:nvSpPr>
-          <p:cNvPr id="34" name="Arrow: Down 128">
-            <a:extLst>
-              <a:ext uri="{FF2B5EF4-FFF2-40B4-BE49-F238E27FC236}">
-                <a16:creationId xmlns="" xmlns:a16="http://schemas.microsoft.com/office/drawing/2014/main" id="{007661F0-5D1F-F14E-AEA8-08A4A330E6D1}"/>
+                <a16:creationId xmlns:a16="http://schemas.microsoft.com/office/drawing/2014/main" id="{EB48C46F-EDFC-EB4B-B22B-751E02B2BD81}"/>
               </a:ext>
             </a:extLst>
           </p:cNvPr>
@@ -5950,58 +5443,8 @@
         </p:nvSpPr>
         <p:spPr>
           <a:xfrm>
-            <a:off x="4176941" y="3160624"/>
-            <a:ext cx="864096" cy="419990"/>
-          </a:xfrm>
-          <a:prstGeom prst="downArrow">
-            <a:avLst/>
-          </a:prstGeom>
-        </p:spPr>
-        <p:style>
-          <a:lnRef idx="2">
-            <a:schemeClr val="accent1">
-              <a:shade val="50000"/>
-            </a:schemeClr>
-          </a:lnRef>
-          <a:fillRef idx="1">
-            <a:schemeClr val="accent1"/>
-          </a:fillRef>
-          <a:effectRef idx="0">
-            <a:schemeClr val="accent1"/>
-          </a:effectRef>
-          <a:fontRef idx="minor">
-            <a:schemeClr val="lt1"/>
-          </a:fontRef>
-        </p:style>
-        <p:txBody>
-          <a:bodyPr rot="0" spcFirstLastPara="0" vert="horz" wrap="square" lIns="91440" tIns="45720" rIns="91440" bIns="45720" numCol="1" spcCol="0" rtlCol="0" fromWordArt="0" anchor="ctr" anchorCtr="0" forceAA="0" compatLnSpc="1">
-            <a:prstTxWarp prst="textNoShape">
-              <a:avLst/>
-            </a:prstTxWarp>
-            <a:noAutofit/>
-          </a:bodyPr>
-          <a:lstStyle/>
-          <a:p>
-            <a:endParaRPr lang="en-US"/>
-          </a:p>
-        </p:txBody>
-      </p:sp>
-      <p:sp>
-        <p:nvSpPr>
-          <p:cNvPr id="35" name="Rectangle 34">
-            <a:extLst>
-              <a:ext uri="{FF2B5EF4-FFF2-40B4-BE49-F238E27FC236}">
-                <a16:creationId xmlns="" xmlns:a16="http://schemas.microsoft.com/office/drawing/2014/main" id="{45A947F6-B5AC-4F42-A660-15042FC37403}"/>
-              </a:ext>
-            </a:extLst>
-          </p:cNvPr>
-          <p:cNvSpPr/>
-          <p:nvPr/>
-        </p:nvSpPr>
-        <p:spPr>
-          <a:xfrm>
-            <a:off x="5220072" y="3157852"/>
-            <a:ext cx="1512168" cy="369332"/>
+            <a:off x="908041" y="16817"/>
+            <a:ext cx="3847976" cy="461665"/>
           </a:xfrm>
           <a:prstGeom prst="rect">
             <a:avLst/>
@@ -6014,15 +5457,22 @@
           <a:lstStyle/>
           <a:p>
             <a:r>
-              <a:rPr lang="zh-CN" altLang="en-US" b="1" dirty="0">
-                <a:latin typeface="Calibri" panose="020F0502020204030204" pitchFamily="34" charset="0"/>
-                <a:ea typeface="PMingLiU" panose="02020500000000000000" pitchFamily="18" charset="-120"/>
+              <a:rPr lang="zh-TW" altLang="en-US" sz="2400" b="1" dirty="0"/>
+              <a:t>銷售顯示管理</a:t>
+            </a:r>
+            <a:r>
+              <a:rPr lang="zh-Hant" altLang="en-US" sz="2400" b="1" dirty="0"/>
+              <a:t>之</a:t>
+            </a:r>
+            <a:r>
+              <a:rPr lang="zh-TW" altLang="en-US" sz="2400" b="1" dirty="0">
+                <a:ea typeface="SimSun" panose="02010600030101010101" pitchFamily="2" charset="-122"/>
                 <a:cs typeface="Times New Roman" panose="02020603050405020304" pitchFamily="18" charset="0"/>
               </a:rPr>
-              <a:t>整合（聯集）</a:t>
-            </a:r>
-            <a:r>
-              <a:rPr lang="en-US" b="1" dirty="0"/>
+              <a:t>第一階段</a:t>
+            </a:r>
+            <a:r>
+              <a:rPr lang="en-US" sz="2400" dirty="0"/>
               <a:t> </a:t>
             </a:r>
           </a:p>
@@ -6030,10 +5480,10 @@
       </p:sp>
       <p:pic>
         <p:nvPicPr>
-          <p:cNvPr id="6" name="Picture 5">
+          <p:cNvPr id="5" name="Picture 4">
             <a:extLst>
               <a:ext uri="{FF2B5EF4-FFF2-40B4-BE49-F238E27FC236}">
-                <a16:creationId xmlns="" xmlns:a16="http://schemas.microsoft.com/office/drawing/2014/main" id="{9952234D-A5A3-9646-8FD0-040AE91DB55F}"/>
+                <a16:creationId xmlns:a16="http://schemas.microsoft.com/office/drawing/2014/main" id="{4A62907C-86F8-EF46-BAE5-A9991C7E2F0A}"/>
               </a:ext>
             </a:extLst>
           </p:cNvPr>
@@ -6043,7 +5493,7 @@
           <p:nvPr/>
         </p:nvPicPr>
         <p:blipFill>
-          <a:blip r:embed="rId3">
+          <a:blip r:embed="rId2">
             <a:extLst>
               <a:ext uri="{28A0092B-C50C-407E-A947-70E740481C1C}">
                 <a14:useLocalDpi xmlns:a14="http://schemas.microsoft.com/office/drawing/2010/main" val="0"/>
@@ -6056,54 +5506,21 @@
         </p:blipFill>
         <p:spPr>
           <a:xfrm>
-            <a:off x="395536" y="915566"/>
-            <a:ext cx="8390433" cy="2056948"/>
+            <a:off x="1475656" y="699542"/>
+            <a:ext cx="5435600" cy="4191000"/>
           </a:xfrm>
           <a:prstGeom prst="rect">
             <a:avLst/>
           </a:prstGeom>
-        </p:spPr>
-      </p:pic>
-      <p:pic>
-        <p:nvPicPr>
-          <p:cNvPr id="8" name="Picture 7">
-            <a:extLst>
-              <a:ext uri="{FF2B5EF4-FFF2-40B4-BE49-F238E27FC236}">
-                <a16:creationId xmlns="" xmlns:a16="http://schemas.microsoft.com/office/drawing/2014/main" id="{041BCA3A-636B-B848-9EA7-7FCBEAA61954}"/>
-              </a:ext>
-            </a:extLst>
-          </p:cNvPr>
-          <p:cNvPicPr>
-            <a:picLocks noChangeAspect="1"/>
-          </p:cNvPicPr>
-          <p:nvPr/>
-        </p:nvPicPr>
-        <p:blipFill>
-          <a:blip r:embed="rId4">
-            <a:extLst>
-              <a:ext uri="{28A0092B-C50C-407E-A947-70E740481C1C}">
-                <a14:useLocalDpi xmlns:a14="http://schemas.microsoft.com/office/drawing/2010/main" val="0"/>
-              </a:ext>
-            </a:extLst>
-          </a:blip>
-          <a:stretch>
-            <a:fillRect/>
-          </a:stretch>
-        </p:blipFill>
-        <p:spPr>
-          <a:xfrm>
-            <a:off x="363538" y="3688390"/>
-            <a:ext cx="8490903" cy="763988"/>
-          </a:xfrm>
-          <a:prstGeom prst="rect">
-            <a:avLst/>
-          </a:prstGeom>
+          <a:solidFill>
+            <a:schemeClr val="bg1"/>
+          </a:solidFill>
         </p:spPr>
       </p:pic>
     </p:spTree>
     <p:extLst>
       <p:ext uri="{BB962C8B-B14F-4D97-AF65-F5344CB8AC3E}">
-        <p14:creationId xmlns:p14="http://schemas.microsoft.com/office/powerpoint/2010/main" val="2858033114"/>
+        <p14:creationId xmlns:p14="http://schemas.microsoft.com/office/powerpoint/2010/main" val="857532296"/>
       </p:ext>
     </p:extLst>
   </p:cSld>
@@ -6160,10 +5577,10 @@
       </p:grpSpPr>
       <p:sp>
         <p:nvSpPr>
-          <p:cNvPr id="2" name="Rectangle 1">
+          <p:cNvPr id="12" name="Rectangle 11">
             <a:extLst>
               <a:ext uri="{FF2B5EF4-FFF2-40B4-BE49-F238E27FC236}">
-                <a16:creationId xmlns="" xmlns:a16="http://schemas.microsoft.com/office/drawing/2014/main" id="{EB48C46F-EDFC-EB4B-B22B-751E02B2BD81}"/>
+                <a16:creationId xmlns:a16="http://schemas.microsoft.com/office/drawing/2014/main" id="{C97B75BD-EF10-C44A-A586-429A6292B44D}"/>
               </a:ext>
             </a:extLst>
           </p:cNvPr>
@@ -6172,8 +5589,8 @@
         </p:nvSpPr>
         <p:spPr>
           <a:xfrm>
-            <a:off x="908040" y="16817"/>
-            <a:ext cx="4168015" cy="461665"/>
+            <a:off x="899592" y="50283"/>
+            <a:ext cx="4320480" cy="461665"/>
           </a:xfrm>
           <a:prstGeom prst="rect">
             <a:avLst/>
@@ -6194,29 +5611,12 @@
               <a:t>之</a:t>
             </a:r>
             <a:r>
-              <a:rPr lang="zh-TW" altLang="en-US" sz="2400" b="1" dirty="0">
-                <a:ea typeface="SimSun" panose="02010600030101010101" pitchFamily="2" charset="-122"/>
-                <a:cs typeface="Times New Roman" panose="02020603050405020304" pitchFamily="18" charset="0"/>
-              </a:rPr>
-              <a:t>第一</a:t>
-            </a:r>
-            <a:r>
-              <a:rPr lang="zh-TW" altLang="en-US" sz="2400" b="1" dirty="0" smtClean="0">
-                <a:ea typeface="SimSun" panose="02010600030101010101" pitchFamily="2" charset="-122"/>
-                <a:cs typeface="Times New Roman" panose="02020603050405020304" pitchFamily="18" charset="0"/>
-              </a:rPr>
-              <a:t>階</a:t>
-            </a:r>
-            <a:r>
-              <a:rPr lang="en-US" altLang="zh-TW" sz="2400" b="1" dirty="0" smtClean="0">
-                <a:ea typeface="SimSun" panose="02010600030101010101" pitchFamily="2" charset="-122"/>
-                <a:cs typeface="Times New Roman" panose="02020603050405020304" pitchFamily="18" charset="0"/>
-              </a:rPr>
+              <a:rPr lang="zh-TW" altLang="en-US" sz="2400" b="1" dirty="0"/>
+              <a:t>第零階</a:t>
+            </a:r>
+            <a:r>
+              <a:rPr lang="en-US" sz="2400" b="1" dirty="0"/>
               <a:t>DFD</a:t>
-            </a:r>
-            <a:r>
-              <a:rPr lang="en-US" sz="2400" dirty="0" smtClean="0"/>
-              <a:t> </a:t>
             </a:r>
             <a:endParaRPr lang="en-US" sz="2400" dirty="0"/>
           </a:p>
@@ -6227,11 +5627,13 @@
           <p:cNvPr id="3" name="Picture 2">
             <a:extLst>
               <a:ext uri="{FF2B5EF4-FFF2-40B4-BE49-F238E27FC236}">
-                <a16:creationId xmlns="" xmlns:a16="http://schemas.microsoft.com/office/drawing/2014/main" id="{8228CACA-4A23-9C4B-8BD6-E34BCE5CF66B}"/>
+                <a16:creationId xmlns:a16="http://schemas.microsoft.com/office/drawing/2014/main" id="{87201F2D-416C-C14F-8C5B-4C11979AA8FD}"/>
               </a:ext>
             </a:extLst>
           </p:cNvPr>
-          <p:cNvPicPr/>
+          <p:cNvPicPr>
+            <a:picLocks noChangeAspect="1"/>
+          </p:cNvPicPr>
           <p:nvPr/>
         </p:nvPicPr>
         <p:blipFill>
@@ -6248,8 +5650,8 @@
         </p:blipFill>
         <p:spPr>
           <a:xfrm>
-            <a:off x="2339752" y="566510"/>
-            <a:ext cx="4854798" cy="4361089"/>
+            <a:off x="1907704" y="756890"/>
+            <a:ext cx="5232400" cy="3975100"/>
           </a:xfrm>
           <a:prstGeom prst="rect">
             <a:avLst/>
@@ -6257,152 +5659,8 @@
           <a:solidFill>
             <a:schemeClr val="bg1"/>
           </a:solidFill>
-          <a:ln>
-            <a:solidFill>
-              <a:schemeClr val="bg1"/>
-            </a:solidFill>
-          </a:ln>
         </p:spPr>
       </p:pic>
-    </p:spTree>
-    <p:extLst>
-      <p:ext uri="{BB962C8B-B14F-4D97-AF65-F5344CB8AC3E}">
-        <p14:creationId xmlns:p14="http://schemas.microsoft.com/office/powerpoint/2010/main" val="857532296"/>
-      </p:ext>
-    </p:extLst>
-  </p:cSld>
-  <p:clrMapOvr>
-    <a:masterClrMapping/>
-  </p:clrMapOvr>
-</p:sld>
-</file>
-
-<file path=ppt/slides/slide15.xml><?xml version="1.0" encoding="utf-8"?>
-<p:sld xmlns:a="http://schemas.openxmlformats.org/drawingml/2006/main" xmlns:r="http://schemas.openxmlformats.org/officeDocument/2006/relationships" xmlns:p="http://schemas.openxmlformats.org/presentationml/2006/main">
-  <p:cSld>
-    <p:bg>
-      <p:bgPr>
-        <a:gradFill flip="none" rotWithShape="1">
-          <a:gsLst>
-            <a:gs pos="0">
-              <a:schemeClr val="tx2">
-                <a:lumMod val="20000"/>
-                <a:lumOff val="80000"/>
-              </a:schemeClr>
-            </a:gs>
-            <a:gs pos="35500">
-              <a:srgbClr val="00B0F0"/>
-            </a:gs>
-            <a:gs pos="71000">
-              <a:schemeClr val="tx2">
-                <a:lumMod val="60000"/>
-                <a:lumOff val="40000"/>
-              </a:schemeClr>
-            </a:gs>
-          </a:gsLst>
-          <a:path path="circle">
-            <a:fillToRect r="100000" b="100000"/>
-          </a:path>
-          <a:tileRect l="-100000" t="-100000"/>
-        </a:gradFill>
-        <a:effectLst/>
-      </p:bgPr>
-    </p:bg>
-    <p:spTree>
-      <p:nvGrpSpPr>
-        <p:cNvPr id="1" name=""/>
-        <p:cNvGrpSpPr/>
-        <p:nvPr/>
-      </p:nvGrpSpPr>
-      <p:grpSpPr>
-        <a:xfrm>
-          <a:off x="0" y="0"/>
-          <a:ext cx="0" cy="0"/>
-          <a:chOff x="0" y="0"/>
-          <a:chExt cx="0" cy="0"/>
-        </a:xfrm>
-      </p:grpSpPr>
-      <p:pic>
-        <p:nvPicPr>
-          <p:cNvPr id="11" name="Picture 10">
-            <a:extLst>
-              <a:ext uri="{FF2B5EF4-FFF2-40B4-BE49-F238E27FC236}">
-                <a16:creationId xmlns="" xmlns:a16="http://schemas.microsoft.com/office/drawing/2014/main" id="{7AD26D1F-531B-CD4D-B741-1E4D51D50455}"/>
-              </a:ext>
-            </a:extLst>
-          </p:cNvPr>
-          <p:cNvPicPr/>
-          <p:nvPr/>
-        </p:nvPicPr>
-        <p:blipFill>
-          <a:blip r:embed="rId2">
-            <a:extLst>
-              <a:ext uri="{28A0092B-C50C-407E-A947-70E740481C1C}">
-                <a14:useLocalDpi xmlns:a14="http://schemas.microsoft.com/office/drawing/2010/main" val="0"/>
-              </a:ext>
-            </a:extLst>
-          </a:blip>
-          <a:stretch>
-            <a:fillRect/>
-          </a:stretch>
-        </p:blipFill>
-        <p:spPr>
-          <a:xfrm>
-            <a:off x="1691680" y="675388"/>
-            <a:ext cx="5442234" cy="4468112"/>
-          </a:xfrm>
-          <a:prstGeom prst="rect">
-            <a:avLst/>
-          </a:prstGeom>
-        </p:spPr>
-      </p:pic>
-      <p:sp>
-        <p:nvSpPr>
-          <p:cNvPr id="12" name="Rectangle 11">
-            <a:extLst>
-              <a:ext uri="{FF2B5EF4-FFF2-40B4-BE49-F238E27FC236}">
-                <a16:creationId xmlns="" xmlns:a16="http://schemas.microsoft.com/office/drawing/2014/main" id="{C97B75BD-EF10-C44A-A586-429A6292B44D}"/>
-              </a:ext>
-            </a:extLst>
-          </p:cNvPr>
-          <p:cNvSpPr/>
-          <p:nvPr/>
-        </p:nvSpPr>
-        <p:spPr>
-          <a:xfrm>
-            <a:off x="899592" y="50283"/>
-            <a:ext cx="4320480" cy="461665"/>
-          </a:xfrm>
-          <a:prstGeom prst="rect">
-            <a:avLst/>
-          </a:prstGeom>
-        </p:spPr>
-        <p:txBody>
-          <a:bodyPr wrap="square">
-            <a:spAutoFit/>
-          </a:bodyPr>
-          <a:lstStyle/>
-          <a:p>
-            <a:r>
-              <a:rPr lang="zh-TW" altLang="en-US" sz="2400" b="1" dirty="0"/>
-              <a:t>銷售顯示管理</a:t>
-            </a:r>
-            <a:r>
-              <a:rPr lang="zh-Hant" altLang="en-US" sz="2400" b="1" dirty="0"/>
-              <a:t>之</a:t>
-            </a:r>
-            <a:r>
-              <a:rPr lang="zh-TW" altLang="en-US" sz="2400" b="1" dirty="0"/>
-              <a:t>第零階</a:t>
-            </a:r>
-            <a:r>
-              <a:rPr lang="en-US" sz="2400" b="1" dirty="0"/>
-              <a:t>DFD</a:t>
-            </a:r>
-            <a:endParaRPr lang="en-US" sz="2400" dirty="0"/>
-          </a:p>
-        </p:txBody>
-      </p:sp>
     </p:spTree>
     <p:extLst>
       <p:ext uri="{BB962C8B-B14F-4D97-AF65-F5344CB8AC3E}">
@@ -6416,7 +5674,7 @@
 </p:sld>
 </file>
 
-<file path=ppt/slides/slide16.xml><?xml version="1.0" encoding="utf-8"?>
+<file path=ppt/slides/slide15.xml><?xml version="1.0" encoding="utf-8"?>
 <p:sld xmlns:a="http://schemas.openxmlformats.org/drawingml/2006/main" xmlns:r="http://schemas.openxmlformats.org/officeDocument/2006/relationships" xmlns:p="http://schemas.openxmlformats.org/presentationml/2006/main">
   <p:cSld>
     <p:bg>
@@ -6524,7 +5782,7 @@
           <p:cNvPr id="8" name="Content Placeholder 7">
             <a:extLst>
               <a:ext uri="{FF2B5EF4-FFF2-40B4-BE49-F238E27FC236}">
-                <a16:creationId xmlns="" xmlns:a16="http://schemas.microsoft.com/office/drawing/2014/main" id="{D0F58796-F20D-2740-A72A-4E167EE31200}"/>
+                <a16:creationId xmlns:a16="http://schemas.microsoft.com/office/drawing/2014/main" id="{D0F58796-F20D-2740-A72A-4E167EE31200}"/>
               </a:ext>
             </a:extLst>
           </p:cNvPr>
@@ -6535,14 +5793,14 @@
             <p:ph idx="10"/>
             <p:extLst>
               <p:ext uri="{D42A27DB-BD31-4B8C-83A1-F6EECF244321}">
-                <p14:modId xmlns:p14="http://schemas.microsoft.com/office/powerpoint/2010/main" val="2870391898"/>
+                <p14:modId xmlns:p14="http://schemas.microsoft.com/office/powerpoint/2010/main" val="3787161922"/>
               </p:ext>
             </p:extLst>
           </p:nvPr>
         </p:nvGraphicFramePr>
         <p:xfrm>
           <a:off x="1255135" y="843558"/>
-          <a:ext cx="6633730" cy="4072609"/>
+          <a:ext cx="6633730" cy="3441883"/>
         </p:xfrm>
         <a:graphic>
           <a:graphicData uri="http://schemas.openxmlformats.org/drawingml/2006/table">
@@ -6554,14 +5812,14 @@
                 <a:gridCol w="3316865">
                   <a:extLst>
                     <a:ext uri="{9D8B030D-6E8A-4147-A177-3AD203B41FA5}">
-                      <a16:colId xmlns="" xmlns:a16="http://schemas.microsoft.com/office/drawing/2014/main" val="4170412860"/>
+                      <a16:colId xmlns:a16="http://schemas.microsoft.com/office/drawing/2014/main" val="4170412860"/>
                     </a:ext>
                   </a:extLst>
                 </a:gridCol>
                 <a:gridCol w="3316865">
                   <a:extLst>
                     <a:ext uri="{9D8B030D-6E8A-4147-A177-3AD203B41FA5}">
-                      <a16:colId xmlns="" xmlns:a16="http://schemas.microsoft.com/office/drawing/2014/main" val="4227658176"/>
+                      <a16:colId xmlns:a16="http://schemas.microsoft.com/office/drawing/2014/main" val="4227658176"/>
                     </a:ext>
                   </a:extLst>
                 </a:gridCol>
@@ -6641,11 +5899,11 @@
                 </a:tc>
                 <a:extLst>
                   <a:ext uri="{0D108BD9-81ED-4DB2-BD59-A6C34878D82A}">
-                    <a16:rowId xmlns="" xmlns:a16="http://schemas.microsoft.com/office/drawing/2014/main" val="608201287"/>
+                    <a16:rowId xmlns:a16="http://schemas.microsoft.com/office/drawing/2014/main" val="608201287"/>
                   </a:ext>
                 </a:extLst>
               </a:tr>
-              <a:tr h="2526172">
+              <a:tr h="1907102">
                 <a:tc>
                   <a:txBody>
                     <a:bodyPr/>
@@ -6662,61 +5920,61 @@
                         <a:buAutoNum type="arabicPeriod"/>
                       </a:pPr>
                       <a:r>
-                        <a:rPr lang="zh-TW" altLang="en-US" sz="1100" dirty="0" smtClean="0">
+                        <a:rPr lang="zh-TW" sz="1100" dirty="0">
                           <a:effectLst/>
                         </a:rPr>
                         <a:t>使用者</a:t>
                       </a:r>
                       <a:r>
-                        <a:rPr lang="zh-Hant" altLang="en-US" sz="1100" dirty="0" smtClean="0">
+                        <a:rPr lang="zh-Hant" altLang="en-US" sz="1100" dirty="0">
                           <a:effectLst/>
                         </a:rPr>
                         <a:t>在已</a:t>
                       </a:r>
                       <a:r>
-                        <a:rPr lang="zh-TW" altLang="en-US" sz="1100" dirty="0" smtClean="0">
+                        <a:rPr lang="zh-TW" sz="1100" dirty="0">
                           <a:effectLst/>
                         </a:rPr>
                         <a:t>登入</a:t>
                       </a:r>
                       <a:r>
-                        <a:rPr lang="zh-Hant" altLang="en-US" sz="1100" dirty="0" smtClean="0">
+                        <a:rPr lang="zh-Hant" altLang="en-US" sz="1100" dirty="0">
                           <a:effectLst/>
                         </a:rPr>
                         <a:t>狀態下</a:t>
                       </a:r>
                       <a:r>
-                        <a:rPr lang="zh-TW" altLang="en-US" sz="1100" dirty="0" smtClean="0">
+                        <a:rPr lang="zh-TW" sz="1100" dirty="0">
                           <a:effectLst/>
                         </a:rPr>
                         <a:t>，</a:t>
                       </a:r>
                       <a:r>
-                        <a:rPr lang="zh-CN" altLang="en-US" sz="1100" b="1" kern="1200" dirty="0" smtClean="0">
-                          <a:solidFill>
-                            <a:schemeClr val="dk1"/>
-                          </a:solidFill>
+                        <a:rPr lang="zh-Hant" altLang="en-US" sz="1100" dirty="0">
                           <a:effectLst/>
-                          <a:latin typeface="+mn-lt"/>
-                          <a:ea typeface="+mn-ea"/>
-                          <a:cs typeface="+mn-cs"/>
                         </a:rPr>
-                        <a:t>欲</a:t>
+                        <a:t>慾</a:t>
                       </a:r>
                       <a:r>
-                        <a:rPr lang="zh-TW" altLang="en-US" sz="1100" dirty="0" smtClean="0">
+                        <a:rPr lang="zh-TW" sz="1100" dirty="0">
                           <a:effectLst/>
                         </a:rPr>
-                        <a:t>切換至賣家身份，</a:t>
+                        <a:t>切換至賣家身份</a:t>
                       </a:r>
                       <a:r>
-                        <a:rPr lang="zh-Hant" altLang="en-US" sz="1100" dirty="0" smtClean="0">
+                        <a:rPr lang="zh-TW" altLang="en-US" sz="1100" dirty="0">
+                          <a:effectLst/>
+                        </a:rPr>
+                        <a:t>，</a:t>
+                      </a:r>
+                      <a:r>
+                        <a:rPr lang="zh-Hant" altLang="en-US" sz="1100" dirty="0">
                           <a:effectLst/>
                         </a:rPr>
                         <a:t>經系統驗證，更新使用模式</a:t>
                       </a:r>
                       <a:r>
-                        <a:rPr lang="zh-TW" altLang="en-US" sz="1100" dirty="0" smtClean="0">
+                        <a:rPr lang="zh-TW" sz="1100" dirty="0">
                           <a:effectLst/>
                         </a:rPr>
                         <a:t>。</a:t>
@@ -6745,7 +6003,7 @@
                         </a:spcAft>
                       </a:pPr>
                       <a:r>
-                        <a:rPr lang="zh-TW" altLang="en-US" sz="1100" b="1" dirty="0" smtClean="0">
+                        <a:rPr lang="zh-TW" sz="1100" b="1" dirty="0">
                           <a:solidFill>
                             <a:schemeClr val="tx1"/>
                           </a:solidFill>
@@ -6754,7 +6012,7 @@
                         <a:t>使用者</a:t>
                       </a:r>
                       <a:r>
-                        <a:rPr lang="en-MY" sz="1100" b="1" dirty="0" smtClean="0">
+                        <a:rPr lang="en-MY" sz="1100" b="1" dirty="0">
                           <a:solidFill>
                             <a:schemeClr val="tx1"/>
                           </a:solidFill>
@@ -6763,7 +6021,7 @@
                         <a:t>+</a:t>
                       </a:r>
                       <a:r>
-                        <a:rPr lang="zh-TW" altLang="en-US" sz="1100" b="1" dirty="0" smtClean="0">
+                        <a:rPr lang="zh-TW" sz="1100" b="1" dirty="0">
                           <a:solidFill>
                             <a:schemeClr val="tx1"/>
                           </a:solidFill>
@@ -6772,7 +6030,7 @@
                         <a:t>傳送</a:t>
                       </a:r>
                       <a:r>
-                        <a:rPr lang="en-MY" sz="1100" b="1" dirty="0" smtClean="0">
+                        <a:rPr lang="en-MY" sz="1100" b="1" dirty="0">
                           <a:solidFill>
                             <a:schemeClr val="tx1"/>
                           </a:solidFill>
@@ -6781,7 +6039,7 @@
                         <a:t>+</a:t>
                       </a:r>
                       <a:r>
-                        <a:rPr lang="zh-TW" altLang="en-US" sz="1100" b="1" dirty="0" smtClean="0">
+                        <a:rPr lang="zh-TW" sz="1100" b="1" dirty="0">
                           <a:solidFill>
                             <a:schemeClr val="tx1"/>
                           </a:solidFill>
@@ -6789,7 +6047,7 @@
                         </a:rPr>
                         <a:t>切換身份請求</a:t>
                       </a:r>
-                      <a:endParaRPr lang="en-US" sz="1100" b="1" dirty="0" smtClean="0">
+                      <a:endParaRPr lang="en-US" sz="1100" b="1" dirty="0">
                         <a:solidFill>
                           <a:schemeClr val="tx1"/>
                         </a:solidFill>
@@ -6806,7 +6064,7 @@
                         </a:spcAft>
                       </a:pPr>
                       <a:r>
-                        <a:rPr lang="zh-TW" altLang="en-US" sz="1100" b="0" dirty="0" smtClean="0">
+                        <a:rPr lang="zh-TW" sz="1100" b="0" dirty="0">
                           <a:solidFill>
                             <a:schemeClr val="tx1"/>
                           </a:solidFill>
@@ -6815,7 +6073,7 @@
                         <a:t>應用程式</a:t>
                       </a:r>
                       <a:r>
-                        <a:rPr lang="en-MY" sz="1100" b="0" dirty="0" smtClean="0">
+                        <a:rPr lang="en-MY" sz="1100" b="0" dirty="0">
                           <a:solidFill>
                             <a:schemeClr val="tx1"/>
                           </a:solidFill>
@@ -6824,7 +6082,7 @@
                         <a:t>+</a:t>
                       </a:r>
                       <a:r>
-                        <a:rPr lang="zh-TW" altLang="en-US" sz="1100" b="0" dirty="0" smtClean="0">
+                        <a:rPr lang="zh-TW" sz="1100" b="0" dirty="0">
                           <a:solidFill>
                             <a:schemeClr val="tx1"/>
                           </a:solidFill>
@@ -6833,7 +6091,7 @@
                         <a:t>傳送</a:t>
                       </a:r>
                       <a:r>
-                        <a:rPr lang="en-MY" sz="1100" b="0" dirty="0" smtClean="0">
+                        <a:rPr lang="en-MY" sz="1100" b="0" dirty="0">
                           <a:solidFill>
                             <a:schemeClr val="tx1"/>
                           </a:solidFill>
@@ -6842,7 +6100,7 @@
                         <a:t>+</a:t>
                       </a:r>
                       <a:r>
-                        <a:rPr lang="zh-TW" altLang="en-US" sz="1100" b="0" dirty="0" smtClean="0">
+                        <a:rPr lang="zh-TW" sz="1100" b="0" dirty="0">
                           <a:solidFill>
                             <a:schemeClr val="tx1"/>
                           </a:solidFill>
@@ -6850,7 +6108,7 @@
                         </a:rPr>
                         <a:t>切換請求</a:t>
                       </a:r>
-                      <a:endParaRPr lang="en-US" sz="1100" b="0" dirty="0" smtClean="0">
+                      <a:endParaRPr lang="en-US" sz="1100" b="0" dirty="0">
                         <a:solidFill>
                           <a:schemeClr val="tx1"/>
                         </a:solidFill>
@@ -6867,36 +6125,36 @@
                         </a:spcAft>
                       </a:pPr>
                       <a:r>
-                        <a:rPr lang="zh-TW" altLang="en-US" sz="1100" dirty="0" smtClean="0">
+                        <a:rPr lang="zh-TW" sz="1100" dirty="0">
                           <a:effectLst/>
                         </a:rPr>
                         <a:t>伺服器</a:t>
                       </a:r>
                       <a:r>
-                        <a:rPr lang="en-MY" sz="1100" dirty="0" smtClean="0">
+                        <a:rPr lang="en-MY" sz="1100" dirty="0">
                           <a:effectLst/>
                         </a:rPr>
                         <a:t>+</a:t>
                       </a:r>
                       <a:r>
-                        <a:rPr lang="zh-TW" altLang="en-US" sz="1100" dirty="0" smtClean="0">
+                        <a:rPr lang="zh-TW" sz="1100" dirty="0">
                           <a:effectLst/>
                         </a:rPr>
                         <a:t>接收</a:t>
                       </a:r>
                       <a:r>
-                        <a:rPr lang="en-MY" sz="1100" dirty="0" smtClean="0">
+                        <a:rPr lang="en-MY" sz="1100" dirty="0">
                           <a:effectLst/>
                         </a:rPr>
                         <a:t>+</a:t>
                       </a:r>
                       <a:r>
-                        <a:rPr lang="zh-TW" altLang="en-US" sz="1100" dirty="0" smtClean="0">
+                        <a:rPr lang="zh-TW" sz="1100" dirty="0">
                           <a:effectLst/>
                         </a:rPr>
                         <a:t>切換請求</a:t>
                       </a:r>
-                      <a:endParaRPr lang="en-US" sz="1100" dirty="0" smtClean="0">
+                      <a:endParaRPr lang="en-US" sz="1100" dirty="0">
                         <a:effectLst/>
                       </a:endParaRPr>
                     </a:p>
@@ -6910,36 +6168,36 @@
                         </a:spcAft>
                       </a:pPr>
                       <a:r>
-                        <a:rPr lang="zh-TW" altLang="en-US" sz="1100" dirty="0" smtClean="0">
+                        <a:rPr lang="zh-TW" sz="1100" dirty="0">
                           <a:effectLst/>
                         </a:rPr>
                         <a:t>伺服器</a:t>
                       </a:r>
                       <a:r>
-                        <a:rPr lang="en-MY" sz="1100" dirty="0" smtClean="0">
+                        <a:rPr lang="en-MY" sz="1100" dirty="0">
                           <a:effectLst/>
                         </a:rPr>
                         <a:t>+</a:t>
                       </a:r>
                       <a:r>
-                        <a:rPr lang="zh-TW" altLang="en-US" sz="1100" dirty="0" smtClean="0">
+                        <a:rPr lang="zh-TW" sz="1100" dirty="0">
                           <a:effectLst/>
                         </a:rPr>
                         <a:t>查詢</a:t>
                       </a:r>
                       <a:r>
-                        <a:rPr lang="en-MY" sz="1100" dirty="0" smtClean="0">
+                        <a:rPr lang="en-MY" sz="1100" dirty="0">
                           <a:effectLst/>
                         </a:rPr>
                         <a:t>+</a:t>
                       </a:r>
                       <a:r>
-                        <a:rPr lang="zh-TW" altLang="en-US" sz="1100" dirty="0" smtClean="0">
+                        <a:rPr lang="zh-TW" sz="1100" dirty="0">
                           <a:effectLst/>
                         </a:rPr>
                         <a:t>使用者設定</a:t>
                       </a:r>
-                      <a:endParaRPr lang="en-US" sz="1100" dirty="0" smtClean="0">
+                      <a:endParaRPr lang="en-US" sz="1100" dirty="0">
                         <a:effectLst/>
                       </a:endParaRPr>
                     </a:p>
@@ -6953,36 +6211,36 @@
                         </a:spcAft>
                       </a:pPr>
                       <a:r>
-                        <a:rPr lang="zh-TW" altLang="en-US" sz="1100" dirty="0" smtClean="0">
+                        <a:rPr lang="zh-TW" sz="1100" dirty="0">
                           <a:effectLst/>
                         </a:rPr>
                         <a:t>伺服器</a:t>
                       </a:r>
                       <a:r>
-                        <a:rPr lang="en-MY" sz="1100" dirty="0" smtClean="0">
+                        <a:rPr lang="en-MY" sz="1100" dirty="0">
                           <a:effectLst/>
                         </a:rPr>
                         <a:t>+</a:t>
                       </a:r>
                       <a:r>
-                        <a:rPr lang="zh-TW" altLang="en-US" sz="1100" dirty="0" smtClean="0">
+                        <a:rPr lang="zh-TW" sz="1100" dirty="0">
                           <a:effectLst/>
                         </a:rPr>
                         <a:t>更新</a:t>
                       </a:r>
                       <a:r>
-                        <a:rPr lang="en-MY" sz="1100" dirty="0" smtClean="0">
+                        <a:rPr lang="en-MY" sz="1100" dirty="0">
                           <a:effectLst/>
                         </a:rPr>
                         <a:t>+</a:t>
                       </a:r>
                       <a:r>
-                        <a:rPr lang="zh-TW" altLang="en-US" sz="1100" dirty="0" smtClean="0">
+                        <a:rPr lang="zh-TW" sz="1100" dirty="0">
                           <a:effectLst/>
                         </a:rPr>
                         <a:t>使用者登入狀態</a:t>
                       </a:r>
-                      <a:endParaRPr lang="en-US" altLang="zh-TW" sz="1100" dirty="0" smtClean="0">
+                      <a:endParaRPr lang="en-US" altLang="zh-TW" sz="1100" dirty="0">
                         <a:effectLst/>
                       </a:endParaRPr>
                     </a:p>
@@ -7005,7 +6263,7 @@
                         <a:defRPr/>
                       </a:pPr>
                       <a:r>
-                        <a:rPr lang="zh-TW" altLang="en-US" sz="1100" b="1" dirty="0" smtClean="0">
+                        <a:rPr lang="zh-TW" altLang="en-US" sz="1100" b="1" dirty="0">
                           <a:solidFill>
                             <a:schemeClr val="tx1"/>
                           </a:solidFill>
@@ -7014,7 +6272,7 @@
                         <a:t>應用程式</a:t>
                       </a:r>
                       <a:r>
-                        <a:rPr lang="en-MY" sz="1100" b="1" dirty="0" smtClean="0">
+                        <a:rPr lang="en-MY" sz="1100" b="1" dirty="0">
                           <a:solidFill>
                             <a:schemeClr val="tx1"/>
                           </a:solidFill>
@@ -7023,7 +6281,7 @@
                         <a:t>+</a:t>
                       </a:r>
                       <a:r>
-                        <a:rPr lang="zh-TW" altLang="en-US" sz="1100" b="1" dirty="0" smtClean="0">
+                        <a:rPr lang="zh-TW" altLang="en-US" sz="1100" b="1" dirty="0">
                           <a:solidFill>
                             <a:schemeClr val="tx1"/>
                           </a:solidFill>
@@ -7032,7 +6290,7 @@
                         <a:t>更新</a:t>
                       </a:r>
                       <a:r>
-                        <a:rPr lang="en-MY" sz="1100" b="1" dirty="0" smtClean="0">
+                        <a:rPr lang="en-MY" sz="1100" b="1" dirty="0">
                           <a:solidFill>
                             <a:schemeClr val="tx1"/>
                           </a:solidFill>
@@ -7041,7 +6299,7 @@
                         <a:t>+</a:t>
                       </a:r>
                       <a:r>
-                        <a:rPr lang="zh-TW" altLang="en-US" sz="1100" b="1" dirty="0" smtClean="0">
+                        <a:rPr lang="zh-TW" altLang="en-US" sz="1100" b="1" dirty="0">
                           <a:solidFill>
                             <a:schemeClr val="tx1"/>
                           </a:solidFill>
@@ -7050,7 +6308,7 @@
                         <a:t>使用</a:t>
                       </a:r>
                       <a:r>
-                        <a:rPr lang="zh-Hant" altLang="en-US" sz="1100" b="1" dirty="0" smtClean="0">
+                        <a:rPr lang="zh-Hant" altLang="en-US" sz="1100" b="1" dirty="0">
                           <a:solidFill>
                             <a:schemeClr val="tx1"/>
                           </a:solidFill>
@@ -7070,7 +6328,7 @@
                 </a:tc>
                 <a:extLst>
                   <a:ext uri="{0D108BD9-81ED-4DB2-BD59-A6C34878D82A}">
-                    <a16:rowId xmlns="" xmlns:a16="http://schemas.microsoft.com/office/drawing/2014/main" val="2915758028"/>
+                    <a16:rowId xmlns:a16="http://schemas.microsoft.com/office/drawing/2014/main" val="2915758028"/>
                   </a:ext>
                 </a:extLst>
               </a:tr>
@@ -7080,7 +6338,7 @@
                     <a:bodyPr/>
                     <a:lstStyle/>
                     <a:p>
-                      <a:pPr marL="0" lvl="0" indent="0" algn="l">
+                      <a:pPr marL="342900" lvl="0" indent="-342900" algn="l">
                         <a:lnSpc>
                           <a:spcPct val="115000"/>
                         </a:lnSpc>
@@ -7088,27 +6346,15 @@
                           <a:spcPts val="0"/>
                         </a:spcAft>
                         <a:buFont typeface="+mj-lt"/>
-                        <a:buNone/>
+                        <a:buAutoNum type="arabicPeriod"/>
                       </a:pPr>
                       <a:r>
-                        <a:rPr lang="en-US" altLang="zh-CN" sz="1100" dirty="0" smtClean="0">
+                        <a:rPr lang="zh-TW" sz="1100">
                           <a:effectLst/>
                         </a:rPr>
-                        <a:t>2.     </a:t>
+                        <a:t>賣家可瀏覽今日銷售記錄、單個商品銷售記錄</a:t>
                       </a:r>
-                      <a:r>
-                        <a:rPr lang="zh-TW" sz="1100" dirty="0" smtClean="0">
-                          <a:effectLst/>
-                        </a:rPr>
-                        <a:t>賣</a:t>
-                      </a:r>
-                      <a:r>
-                        <a:rPr lang="zh-TW" sz="1100" dirty="0">
-                          <a:effectLst/>
-                        </a:rPr>
-                        <a:t>家可瀏覽今日銷售記錄、單個商品銷售記錄</a:t>
-                      </a:r>
-                      <a:endParaRPr lang="en-US" sz="1100" dirty="0">
+                      <a:endParaRPr lang="en-US" sz="1100">
                         <a:effectLst/>
                         <a:latin typeface="Calibri" panose="020F0502020204030204" pitchFamily="34" charset="0"/>
                         <a:ea typeface="PMingLiU" panose="02020500000000000000" pitchFamily="18" charset="-120"/>
@@ -7132,36 +6378,36 @@
                         </a:spcAft>
                       </a:pPr>
                       <a:r>
-                        <a:rPr lang="zh-TW" altLang="en-US" sz="1100" b="1" dirty="0" smtClean="0">
+                        <a:rPr lang="zh-TW" sz="1100" b="1" dirty="0">
                           <a:effectLst/>
                         </a:rPr>
                         <a:t>賣家</a:t>
                       </a:r>
                       <a:r>
-                        <a:rPr lang="en-MY" sz="1100" b="1" dirty="0" smtClean="0">
+                        <a:rPr lang="en-MY" sz="1100" b="1" dirty="0">
                           <a:effectLst/>
                         </a:rPr>
                         <a:t>+</a:t>
                       </a:r>
                       <a:r>
-                        <a:rPr lang="zh-TW" altLang="en-US" sz="1100" b="1" dirty="0" smtClean="0">
+                        <a:rPr lang="zh-TW" sz="1100" b="1" dirty="0">
                           <a:effectLst/>
                         </a:rPr>
                         <a:t>發送</a:t>
                       </a:r>
                       <a:r>
-                        <a:rPr lang="en-MY" sz="1100" b="1" dirty="0" smtClean="0">
+                        <a:rPr lang="en-MY" sz="1100" b="1" dirty="0">
                           <a:effectLst/>
                         </a:rPr>
                         <a:t>+</a:t>
                       </a:r>
                       <a:r>
-                        <a:rPr lang="zh-TW" altLang="en-US" sz="1100" b="1" dirty="0" smtClean="0">
+                        <a:rPr lang="zh-TW" sz="1100" b="1" dirty="0">
                           <a:effectLst/>
                         </a:rPr>
                         <a:t>瀏覽請求</a:t>
                       </a:r>
-                      <a:endParaRPr lang="en-US" sz="1100" b="1" dirty="0" smtClean="0">
+                      <a:endParaRPr lang="en-US" sz="1100" b="1" dirty="0">
                         <a:effectLst/>
                       </a:endParaRPr>
                     </a:p>
@@ -7175,36 +6421,36 @@
                         </a:spcAft>
                       </a:pPr>
                       <a:r>
-                        <a:rPr lang="zh-TW" altLang="en-US" sz="1100" dirty="0" smtClean="0">
+                        <a:rPr lang="zh-TW" sz="1100" dirty="0">
                           <a:effectLst/>
                         </a:rPr>
                         <a:t>應用程式</a:t>
                       </a:r>
                       <a:r>
-                        <a:rPr lang="en-MY" sz="1100" dirty="0" smtClean="0">
+                        <a:rPr lang="en-MY" sz="1100" dirty="0">
                           <a:effectLst/>
                         </a:rPr>
                         <a:t>+</a:t>
                       </a:r>
                       <a:r>
-                        <a:rPr lang="zh-TW" altLang="en-US" sz="1100" dirty="0" smtClean="0">
+                        <a:rPr lang="zh-TW" sz="1100" dirty="0">
                           <a:effectLst/>
                         </a:rPr>
                         <a:t>接收</a:t>
                       </a:r>
                       <a:r>
-                        <a:rPr lang="en-MY" sz="1100" dirty="0" smtClean="0">
+                        <a:rPr lang="en-MY" sz="1100" dirty="0">
                           <a:effectLst/>
                         </a:rPr>
                         <a:t>+</a:t>
                       </a:r>
                       <a:r>
-                        <a:rPr lang="zh-TW" altLang="en-US" sz="1100" dirty="0" smtClean="0">
+                        <a:rPr lang="zh-TW" sz="1100" dirty="0">
                           <a:effectLst/>
                         </a:rPr>
                         <a:t>瀏覽請求</a:t>
                       </a:r>
-                      <a:endParaRPr lang="en-US" sz="1100" dirty="0" smtClean="0">
+                      <a:endParaRPr lang="en-US" sz="1100" dirty="0">
                         <a:effectLst/>
                       </a:endParaRPr>
                     </a:p>
@@ -7218,36 +6464,36 @@
                         </a:spcAft>
                       </a:pPr>
                       <a:r>
-                        <a:rPr lang="zh-TW" altLang="en-US" sz="1100" dirty="0" smtClean="0">
+                        <a:rPr lang="zh-TW" sz="1100" dirty="0">
                           <a:effectLst/>
                         </a:rPr>
                         <a:t>應用程式</a:t>
                       </a:r>
                       <a:r>
-                        <a:rPr lang="en-MY" sz="1100" dirty="0" smtClean="0">
+                        <a:rPr lang="en-MY" sz="1100" dirty="0">
                           <a:effectLst/>
                         </a:rPr>
                         <a:t>+</a:t>
                       </a:r>
                       <a:r>
-                        <a:rPr lang="zh-TW" altLang="en-US" sz="1100" dirty="0" smtClean="0">
+                        <a:rPr lang="zh-TW" sz="1100" dirty="0">
                           <a:effectLst/>
                         </a:rPr>
                         <a:t>發送</a:t>
                       </a:r>
                       <a:r>
-                        <a:rPr lang="en-MY" sz="1100" dirty="0" smtClean="0">
+                        <a:rPr lang="en-MY" sz="1100" dirty="0">
                           <a:effectLst/>
                         </a:rPr>
                         <a:t>+</a:t>
                       </a:r>
                       <a:r>
-                        <a:rPr lang="zh-TW" altLang="en-US" sz="1100" dirty="0" smtClean="0">
+                        <a:rPr lang="zh-TW" sz="1100" dirty="0">
                           <a:effectLst/>
                         </a:rPr>
                         <a:t>瀏覽請求</a:t>
                       </a:r>
-                      <a:endParaRPr lang="en-US" sz="1100" dirty="0" smtClean="0">
+                      <a:endParaRPr lang="en-US" sz="1100" dirty="0">
                         <a:effectLst/>
                       </a:endParaRPr>
                     </a:p>
@@ -7261,36 +6507,36 @@
                         </a:spcAft>
                       </a:pPr>
                       <a:r>
-                        <a:rPr lang="zh-TW" altLang="en-US" sz="1100" dirty="0" smtClean="0">
+                        <a:rPr lang="zh-TW" sz="1100" dirty="0">
                           <a:effectLst/>
                         </a:rPr>
                         <a:t>伺服器</a:t>
                       </a:r>
                       <a:r>
-                        <a:rPr lang="en-MY" sz="1100" dirty="0" smtClean="0">
+                        <a:rPr lang="en-MY" sz="1100" dirty="0">
                           <a:effectLst/>
                         </a:rPr>
                         <a:t>+</a:t>
                       </a:r>
                       <a:r>
-                        <a:rPr lang="zh-TW" altLang="en-US" sz="1100" dirty="0" smtClean="0">
+                        <a:rPr lang="zh-TW" sz="1100" dirty="0">
                           <a:effectLst/>
                         </a:rPr>
                         <a:t>接收</a:t>
                       </a:r>
                       <a:r>
-                        <a:rPr lang="en-MY" sz="1100" dirty="0" smtClean="0">
+                        <a:rPr lang="en-MY" sz="1100" dirty="0">
                           <a:effectLst/>
                         </a:rPr>
                         <a:t>+</a:t>
                       </a:r>
                       <a:r>
-                        <a:rPr lang="zh-TW" altLang="en-US" sz="1100" dirty="0" smtClean="0">
+                        <a:rPr lang="zh-TW" sz="1100" dirty="0">
                           <a:effectLst/>
                         </a:rPr>
                         <a:t>瀏覽請求</a:t>
                       </a:r>
-                      <a:endParaRPr lang="en-US" sz="1100" dirty="0" smtClean="0">
+                      <a:endParaRPr lang="en-US" sz="1100" dirty="0">
                         <a:effectLst/>
                       </a:endParaRPr>
                     </a:p>
@@ -7304,36 +6550,36 @@
                         </a:spcAft>
                       </a:pPr>
                       <a:r>
-                        <a:rPr lang="zh-TW" altLang="en-US" sz="1100" dirty="0" smtClean="0">
+                        <a:rPr lang="zh-TW" sz="1100" dirty="0">
                           <a:effectLst/>
                         </a:rPr>
                         <a:t>伺服器</a:t>
                       </a:r>
                       <a:r>
-                        <a:rPr lang="en-MY" sz="1100" dirty="0" smtClean="0">
+                        <a:rPr lang="en-MY" sz="1100" dirty="0">
                           <a:effectLst/>
                         </a:rPr>
                         <a:t>+</a:t>
                       </a:r>
                       <a:r>
-                        <a:rPr lang="zh-TW" altLang="en-US" sz="1100" dirty="0" smtClean="0">
+                        <a:rPr lang="zh-TW" sz="1100" dirty="0">
                           <a:effectLst/>
                         </a:rPr>
                         <a:t>回傳</a:t>
                       </a:r>
                       <a:r>
-                        <a:rPr lang="en-MY" sz="1100" dirty="0" smtClean="0">
+                        <a:rPr lang="en-MY" sz="1100" dirty="0">
                           <a:effectLst/>
                         </a:rPr>
                         <a:t>+</a:t>
                       </a:r>
                       <a:r>
-                        <a:rPr lang="zh-TW" altLang="en-US" sz="1100" dirty="0" smtClean="0">
+                        <a:rPr lang="zh-TW" sz="1100" dirty="0">
                           <a:effectLst/>
                         </a:rPr>
                         <a:t>銷售記錄資料</a:t>
                       </a:r>
-                      <a:endParaRPr lang="en-US" sz="1100" dirty="0" smtClean="0">
+                      <a:endParaRPr lang="en-US" sz="1100" dirty="0">
                         <a:effectLst/>
                       </a:endParaRPr>
                     </a:p>
@@ -7347,36 +6593,36 @@
                         </a:spcAft>
                       </a:pPr>
                       <a:r>
-                        <a:rPr lang="zh-TW" altLang="en-US" sz="1100" dirty="0" smtClean="0">
+                        <a:rPr lang="zh-TW" sz="1100" dirty="0">
                           <a:effectLst/>
                         </a:rPr>
                         <a:t>應用程式</a:t>
                       </a:r>
                       <a:r>
-                        <a:rPr lang="en-MY" sz="1100" dirty="0" smtClean="0">
+                        <a:rPr lang="en-MY" sz="1100" dirty="0">
                           <a:effectLst/>
                         </a:rPr>
                         <a:t>+</a:t>
                       </a:r>
                       <a:r>
-                        <a:rPr lang="zh-TW" altLang="en-US" sz="1100" dirty="0" smtClean="0">
+                        <a:rPr lang="zh-TW" sz="1100" dirty="0">
                           <a:effectLst/>
                         </a:rPr>
                         <a:t>接收</a:t>
                       </a:r>
                       <a:r>
-                        <a:rPr lang="en-MY" sz="1100" dirty="0" smtClean="0">
+                        <a:rPr lang="en-MY" sz="1100" dirty="0">
                           <a:effectLst/>
                         </a:rPr>
                         <a:t>+</a:t>
                       </a:r>
                       <a:r>
-                        <a:rPr lang="zh-TW" altLang="en-US" sz="1100" dirty="0" smtClean="0">
+                        <a:rPr lang="zh-TW" sz="1100" dirty="0">
                           <a:effectLst/>
                         </a:rPr>
                         <a:t>銷售記錄資料</a:t>
                       </a:r>
-                      <a:endParaRPr lang="en-US" sz="1100" dirty="0" smtClean="0">
+                      <a:endParaRPr lang="en-US" sz="1100" dirty="0">
                         <a:effectLst/>
                       </a:endParaRPr>
                     </a:p>
@@ -7390,31 +6636,31 @@
                         </a:spcAft>
                       </a:pPr>
                       <a:r>
-                        <a:rPr lang="zh-TW" altLang="en-US" sz="1100" b="1" dirty="0" smtClean="0">
+                        <a:rPr lang="zh-TW" sz="1100" b="1" dirty="0">
                           <a:effectLst/>
                         </a:rPr>
                         <a:t>應用程式</a:t>
                       </a:r>
                       <a:r>
-                        <a:rPr lang="en-MY" sz="1100" b="1" dirty="0" smtClean="0">
+                        <a:rPr lang="en-MY" sz="1100" b="1" dirty="0">
                           <a:effectLst/>
                         </a:rPr>
                         <a:t>+</a:t>
                       </a:r>
                       <a:r>
-                        <a:rPr lang="zh-TW" altLang="en-US" sz="1100" b="1" dirty="0" smtClean="0">
+                        <a:rPr lang="zh-TW" sz="1100" b="1" dirty="0">
                           <a:effectLst/>
                         </a:rPr>
                         <a:t>顯示</a:t>
                       </a:r>
                       <a:r>
-                        <a:rPr lang="en-MY" sz="1100" b="1" dirty="0" smtClean="0">
+                        <a:rPr lang="en-MY" sz="1100" b="1" dirty="0">
                           <a:effectLst/>
                         </a:rPr>
                         <a:t>+</a:t>
                       </a:r>
                       <a:r>
-                        <a:rPr lang="zh-TW" altLang="en-US" sz="1100" b="1" dirty="0" smtClean="0">
+                        <a:rPr lang="zh-TW" sz="1100" b="1" dirty="0">
                           <a:effectLst/>
                         </a:rPr>
                         <a:t>銷售記錄</a:t>
@@ -7431,7 +6677,7 @@
                 </a:tc>
                 <a:extLst>
                   <a:ext uri="{0D108BD9-81ED-4DB2-BD59-A6C34878D82A}">
-                    <a16:rowId xmlns="" xmlns:a16="http://schemas.microsoft.com/office/drawing/2014/main" val="4263870807"/>
+                    <a16:rowId xmlns:a16="http://schemas.microsoft.com/office/drawing/2014/main" val="4263870807"/>
                   </a:ext>
                 </a:extLst>
               </a:tr>
@@ -7444,7 +6690,7 @@
           <p:cNvPr id="9" name="Title 1">
             <a:extLst>
               <a:ext uri="{FF2B5EF4-FFF2-40B4-BE49-F238E27FC236}">
-                <a16:creationId xmlns="" xmlns:a16="http://schemas.microsoft.com/office/drawing/2014/main" id="{C31DB15B-7C35-8E4A-98EF-B2D7793BE7F1}"/>
+                <a16:creationId xmlns:a16="http://schemas.microsoft.com/office/drawing/2014/main" id="{C31DB15B-7C35-8E4A-98EF-B2D7793BE7F1}"/>
               </a:ext>
             </a:extLst>
           </p:cNvPr>
@@ -7539,13 +6785,6 @@
   <p:clrMapOvr>
     <a:masterClrMapping/>
   </p:clrMapOvr>
-  <p:timing>
-    <p:tnLst>
-      <p:par>
-        <p:cTn id="1" dur="indefinite" restart="never" nodeType="tmRoot"/>
-      </p:par>
-    </p:tnLst>
-  </p:timing>
 </p:sld>
 </file>
 
@@ -7599,7 +6838,7 @@
           <p:cNvPr id="2" name="Title 1">
             <a:extLst>
               <a:ext uri="{FF2B5EF4-FFF2-40B4-BE49-F238E27FC236}">
-                <a16:creationId xmlns="" xmlns:a16="http://schemas.microsoft.com/office/drawing/2014/main" id="{5DE67083-97B1-0448-8E01-02F477F3C7EB}"/>
+                <a16:creationId xmlns:a16="http://schemas.microsoft.com/office/drawing/2014/main" id="{5DE67083-97B1-0448-8E01-02F477F3C7EB}"/>
               </a:ext>
             </a:extLst>
           </p:cNvPr>
@@ -7638,16 +6877,22 @@
       </p:sp>
       <p:pic>
         <p:nvPicPr>
-          <p:cNvPr id="4" name="Content Placeholder 3"/>
+          <p:cNvPr id="5" name="Content Placeholder 4">
+            <a:extLst>
+              <a:ext uri="{FF2B5EF4-FFF2-40B4-BE49-F238E27FC236}">
+                <a16:creationId xmlns:a16="http://schemas.microsoft.com/office/drawing/2014/main" id="{BF551C20-977F-5D49-A5D4-CA3BAEE2078F}"/>
+              </a:ext>
+            </a:extLst>
+          </p:cNvPr>
           <p:cNvPicPr>
-            <a:picLocks noGrp="1" noChangeAspect="1"/>
+            <a:picLocks noGrp="1"/>
           </p:cNvPicPr>
           <p:nvPr>
             <p:ph idx="10"/>
           </p:nvPr>
         </p:nvPicPr>
         <p:blipFill>
-          <a:blip r:embed="rId2">
+          <a:blip r:embed="rId2" cstate="print">
             <a:extLst>
               <a:ext uri="{28A0092B-C50C-407E-A947-70E740481C1C}">
                 <a14:useLocalDpi xmlns:a14="http://schemas.microsoft.com/office/drawing/2010/main" val="0"/>
@@ -7660,9 +6905,12 @@
         </p:blipFill>
         <p:spPr>
           <a:xfrm>
-            <a:off x="827584" y="1347614"/>
+            <a:off x="745363" y="1203598"/>
             <a:ext cx="7653273" cy="2995612"/>
           </a:xfrm>
+          <a:prstGeom prst="rect">
+            <a:avLst/>
+          </a:prstGeom>
         </p:spPr>
       </p:pic>
     </p:spTree>
@@ -7675,13 +6923,6 @@
   <p:clrMapOvr>
     <a:masterClrMapping/>
   </p:clrMapOvr>
-  <p:timing>
-    <p:tnLst>
-      <p:par>
-        <p:cTn id="1" dur="indefinite" restart="never" nodeType="tmRoot"/>
-      </p:par>
-    </p:tnLst>
-  </p:timing>
 </p:sld>
 </file>
 
@@ -7735,7 +6976,7 @@
           <p:cNvPr id="5" name="Content Placeholder 4">
             <a:extLst>
               <a:ext uri="{FF2B5EF4-FFF2-40B4-BE49-F238E27FC236}">
-                <a16:creationId xmlns="" xmlns:a16="http://schemas.microsoft.com/office/drawing/2014/main" id="{34E024CD-D143-6144-9F2E-85B8187FB907}"/>
+                <a16:creationId xmlns:a16="http://schemas.microsoft.com/office/drawing/2014/main" id="{34E024CD-D143-6144-9F2E-85B8187FB907}"/>
               </a:ext>
             </a:extLst>
           </p:cNvPr>
@@ -7773,7 +7014,7 @@
           <p:cNvPr id="6" name="Picture 5">
             <a:extLst>
               <a:ext uri="{FF2B5EF4-FFF2-40B4-BE49-F238E27FC236}">
-                <a16:creationId xmlns="" xmlns:a16="http://schemas.microsoft.com/office/drawing/2014/main" id="{BBC23686-A54D-3948-970F-F39190C7947D}"/>
+                <a16:creationId xmlns:a16="http://schemas.microsoft.com/office/drawing/2014/main" id="{BBC23686-A54D-3948-970F-F39190C7947D}"/>
               </a:ext>
             </a:extLst>
           </p:cNvPr>
@@ -7794,8 +7035,8 @@
         </p:blipFill>
         <p:spPr>
           <a:xfrm>
-            <a:off x="4355975" y="3036550"/>
-            <a:ext cx="4094477" cy="1551423"/>
+            <a:off x="3804664" y="2826528"/>
+            <a:ext cx="5131124" cy="1944215"/>
           </a:xfrm>
           <a:prstGeom prst="rect">
             <a:avLst/>
@@ -7807,7 +7048,7 @@
           <p:cNvPr id="9" name="Down Arrow 8">
             <a:extLst>
               <a:ext uri="{FF2B5EF4-FFF2-40B4-BE49-F238E27FC236}">
-                <a16:creationId xmlns="" xmlns:a16="http://schemas.microsoft.com/office/drawing/2014/main" id="{EEF4B0DB-5DA9-5D40-A305-3CC05FEA97C4}"/>
+                <a16:creationId xmlns:a16="http://schemas.microsoft.com/office/drawing/2014/main" id="{EEF4B0DB-5DA9-5D40-A305-3CC05FEA97C4}"/>
               </a:ext>
             </a:extLst>
           </p:cNvPr>
@@ -7853,7 +7094,7 @@
           <p:cNvPr id="15" name="Title 1">
             <a:extLst>
               <a:ext uri="{FF2B5EF4-FFF2-40B4-BE49-F238E27FC236}">
-                <a16:creationId xmlns="" xmlns:a16="http://schemas.microsoft.com/office/drawing/2014/main" id="{F4C4A796-8AEB-7641-8B55-458C4FE2D291}"/>
+                <a16:creationId xmlns:a16="http://schemas.microsoft.com/office/drawing/2014/main" id="{F4C4A796-8AEB-7641-8B55-458C4FE2D291}"/>
               </a:ext>
             </a:extLst>
           </p:cNvPr>
@@ -7924,13 +7165,6 @@
   <p:clrMapOvr>
     <a:masterClrMapping/>
   </p:clrMapOvr>
-  <p:timing>
-    <p:tnLst>
-      <p:par>
-        <p:cTn id="1" dur="indefinite" restart="never" nodeType="tmRoot"/>
-      </p:par>
-    </p:tnLst>
-  </p:timing>
 </p:sld>
 </file>
 
@@ -7984,7 +7218,7 @@
           <p:cNvPr id="9" name="Down Arrow 8">
             <a:extLst>
               <a:ext uri="{FF2B5EF4-FFF2-40B4-BE49-F238E27FC236}">
-                <a16:creationId xmlns="" xmlns:a16="http://schemas.microsoft.com/office/drawing/2014/main" id="{EEF4B0DB-5DA9-5D40-A305-3CC05FEA97C4}"/>
+                <a16:creationId xmlns:a16="http://schemas.microsoft.com/office/drawing/2014/main" id="{EEF4B0DB-5DA9-5D40-A305-3CC05FEA97C4}"/>
               </a:ext>
             </a:extLst>
           </p:cNvPr>
@@ -8030,7 +7264,7 @@
           <p:cNvPr id="15" name="Title 1">
             <a:extLst>
               <a:ext uri="{FF2B5EF4-FFF2-40B4-BE49-F238E27FC236}">
-                <a16:creationId xmlns="" xmlns:a16="http://schemas.microsoft.com/office/drawing/2014/main" id="{F4C4A796-8AEB-7641-8B55-458C4FE2D291}"/>
+                <a16:creationId xmlns:a16="http://schemas.microsoft.com/office/drawing/2014/main" id="{F4C4A796-8AEB-7641-8B55-458C4FE2D291}"/>
               </a:ext>
             </a:extLst>
           </p:cNvPr>
@@ -8096,7 +7330,7 @@
           <p:cNvPr id="8" name="Picture 7">
             <a:extLst>
               <a:ext uri="{FF2B5EF4-FFF2-40B4-BE49-F238E27FC236}">
-                <a16:creationId xmlns="" xmlns:a16="http://schemas.microsoft.com/office/drawing/2014/main" id="{49D1363A-6243-6A4B-AF55-C10C2EFCDC21}"/>
+                <a16:creationId xmlns:a16="http://schemas.microsoft.com/office/drawing/2014/main" id="{49D1363A-6243-6A4B-AF55-C10C2EFCDC21}"/>
               </a:ext>
             </a:extLst>
           </p:cNvPr>
@@ -8130,7 +7364,7 @@
           <p:cNvPr id="10" name="Picture 9">
             <a:extLst>
               <a:ext uri="{FF2B5EF4-FFF2-40B4-BE49-F238E27FC236}">
-                <a16:creationId xmlns="" xmlns:a16="http://schemas.microsoft.com/office/drawing/2014/main" id="{5B7994C7-D4E8-4C4E-AA71-0106FD979C8A}"/>
+                <a16:creationId xmlns:a16="http://schemas.microsoft.com/office/drawing/2014/main" id="{5B7994C7-D4E8-4C4E-AA71-0106FD979C8A}"/>
               </a:ext>
             </a:extLst>
           </p:cNvPr>
@@ -8151,8 +7385,8 @@
         </p:blipFill>
         <p:spPr>
           <a:xfrm>
-            <a:off x="4248234" y="3291830"/>
-            <a:ext cx="3420110" cy="1322070"/>
+            <a:off x="4248234" y="2932386"/>
+            <a:ext cx="4349968" cy="1681514"/>
           </a:xfrm>
           <a:prstGeom prst="rect">
             <a:avLst/>
@@ -8169,13 +7403,6 @@
   <p:clrMapOvr>
     <a:masterClrMapping/>
   </p:clrMapOvr>
-  <p:timing>
-    <p:tnLst>
-      <p:par>
-        <p:cTn id="1" dur="indefinite" restart="never" nodeType="tmRoot"/>
-      </p:par>
-    </p:tnLst>
-  </p:timing>
 </p:sld>
 </file>
 
@@ -8229,7 +7456,7 @@
           <p:cNvPr id="15" name="Title 1">
             <a:extLst>
               <a:ext uri="{FF2B5EF4-FFF2-40B4-BE49-F238E27FC236}">
-                <a16:creationId xmlns="" xmlns:a16="http://schemas.microsoft.com/office/drawing/2014/main" id="{F4C4A796-8AEB-7641-8B55-458C4FE2D291}"/>
+                <a16:creationId xmlns:a16="http://schemas.microsoft.com/office/drawing/2014/main" id="{F4C4A796-8AEB-7641-8B55-458C4FE2D291}"/>
               </a:ext>
             </a:extLst>
           </p:cNvPr>
@@ -8271,7 +7498,7 @@
           <p:cNvPr id="13" name="Object 12">
             <a:extLst>
               <a:ext uri="{FF2B5EF4-FFF2-40B4-BE49-F238E27FC236}">
-                <a16:creationId xmlns="" xmlns:a16="http://schemas.microsoft.com/office/drawing/2014/main" id="{DB914DDF-21ED-D342-968B-D15374B57C19}"/>
+                <a16:creationId xmlns:a16="http://schemas.microsoft.com/office/drawing/2014/main" id="{DB914DDF-21ED-D342-968B-D15374B57C19}"/>
               </a:ext>
             </a:extLst>
           </p:cNvPr>
@@ -8294,7 +7521,7 @@
           <a:graphicData uri="http://schemas.openxmlformats.org/presentationml/2006/ole">
             <mc:AlternateContent xmlns:mc="http://schemas.openxmlformats.org/markup-compatibility/2006">
               <mc:Choice xmlns:v="urn:schemas-microsoft-com:vml" Requires="v">
-                <p:oleObj spid="_x0000_s2066" name="Document" r:id="rId3" imgW="6921500" imgH="1333500" progId="Word.Document.12">
+                <p:oleObj spid="_x0000_s2064" name="Document" r:id="rId3" imgW="6921500" imgH="1333500" progId="Word.Document.12">
                   <p:embed/>
                 </p:oleObj>
               </mc:Choice>
@@ -8334,7 +7561,7 @@
           <p:cNvPr id="16" name="Rectangle 15">
             <a:extLst>
               <a:ext uri="{FF2B5EF4-FFF2-40B4-BE49-F238E27FC236}">
-                <a16:creationId xmlns="" xmlns:a16="http://schemas.microsoft.com/office/drawing/2014/main" id="{E196E731-7B44-5748-8622-8F33F1FB9AE8}"/>
+                <a16:creationId xmlns:a16="http://schemas.microsoft.com/office/drawing/2014/main" id="{E196E731-7B44-5748-8622-8F33F1FB9AE8}"/>
               </a:ext>
             </a:extLst>
           </p:cNvPr>
@@ -8369,7 +7596,7 @@
           <p:cNvPr id="17" name="Rectangle 16">
             <a:extLst>
               <a:ext uri="{FF2B5EF4-FFF2-40B4-BE49-F238E27FC236}">
-                <a16:creationId xmlns="" xmlns:a16="http://schemas.microsoft.com/office/drawing/2014/main" id="{AF632D80-4D78-DA4D-A95F-73C5BD52E449}"/>
+                <a16:creationId xmlns:a16="http://schemas.microsoft.com/office/drawing/2014/main" id="{AF632D80-4D78-DA4D-A95F-73C5BD52E449}"/>
               </a:ext>
             </a:extLst>
           </p:cNvPr>
@@ -8518,7 +7745,7 @@
           <p:cNvPr id="15" name="Title 1">
             <a:extLst>
               <a:ext uri="{FF2B5EF4-FFF2-40B4-BE49-F238E27FC236}">
-                <a16:creationId xmlns="" xmlns:a16="http://schemas.microsoft.com/office/drawing/2014/main" id="{F4C4A796-8AEB-7641-8B55-458C4FE2D291}"/>
+                <a16:creationId xmlns:a16="http://schemas.microsoft.com/office/drawing/2014/main" id="{F4C4A796-8AEB-7641-8B55-458C4FE2D291}"/>
               </a:ext>
             </a:extLst>
           </p:cNvPr>
@@ -8545,39 +7772,7 @@
                   <a:schemeClr val="tx1"/>
                 </a:solidFill>
               </a:rPr>
-              <a:t>藍</a:t>
-            </a:r>
-            <a:r>
-              <a:rPr lang="zh-Hant" altLang="en-US" dirty="0" smtClean="0">
-                <a:solidFill>
-                  <a:schemeClr val="tx1"/>
-                </a:solidFill>
-              </a:rPr>
-              <a:t>圖</a:t>
-            </a:r>
-            <a:r>
-              <a:rPr lang="zh-CN" altLang="en-US" dirty="0" smtClean="0">
-                <a:solidFill>
-                  <a:schemeClr val="tx1"/>
-                </a:solidFill>
-              </a:rPr>
-              <a:t>（</a:t>
-            </a:r>
-            <a:r>
-              <a:rPr lang="zh-TW" altLang="en-US" dirty="0">
-                <a:solidFill>
-                  <a:schemeClr val="tx1"/>
-                </a:solidFill>
-              </a:rPr>
-              <a:t>今日銷售記錄</a:t>
-            </a:r>
-            <a:r>
-              <a:rPr lang="zh-CN" altLang="en-US" dirty="0">
-                <a:solidFill>
-                  <a:schemeClr val="tx1"/>
-                </a:solidFill>
-              </a:rPr>
-              <a:t>）</a:t>
+              <a:t>藍圖</a:t>
             </a:r>
             <a:endParaRPr lang="en-US" dirty="0">
               <a:solidFill>
@@ -8592,7 +7787,7 @@
           <p:cNvPr id="8" name="Picture 7">
             <a:extLst>
               <a:ext uri="{FF2B5EF4-FFF2-40B4-BE49-F238E27FC236}">
-                <a16:creationId xmlns="" xmlns:a16="http://schemas.microsoft.com/office/drawing/2014/main" id="{A575FBA1-D496-934A-AE00-290AA7595822}"/>
+                <a16:creationId xmlns:a16="http://schemas.microsoft.com/office/drawing/2014/main" id="{A575FBA1-D496-934A-AE00-290AA7595822}"/>
               </a:ext>
             </a:extLst>
           </p:cNvPr>
@@ -8686,7 +7881,7 @@
           <p:cNvPr id="15" name="Title 1">
             <a:extLst>
               <a:ext uri="{FF2B5EF4-FFF2-40B4-BE49-F238E27FC236}">
-                <a16:creationId xmlns="" xmlns:a16="http://schemas.microsoft.com/office/drawing/2014/main" id="{F4C4A796-8AEB-7641-8B55-458C4FE2D291}"/>
+                <a16:creationId xmlns:a16="http://schemas.microsoft.com/office/drawing/2014/main" id="{F4C4A796-8AEB-7641-8B55-458C4FE2D291}"/>
               </a:ext>
             </a:extLst>
           </p:cNvPr>
@@ -8728,7 +7923,7 @@
           <p:cNvPr id="3" name="Picture 2">
             <a:extLst>
               <a:ext uri="{FF2B5EF4-FFF2-40B4-BE49-F238E27FC236}">
-                <a16:creationId xmlns="" xmlns:a16="http://schemas.microsoft.com/office/drawing/2014/main" id="{D0DDB850-3EB4-D64D-8FC9-01CDCA1B5E7A}"/>
+                <a16:creationId xmlns:a16="http://schemas.microsoft.com/office/drawing/2014/main" id="{D0DDB850-3EB4-D64D-8FC9-01CDCA1B5E7A}"/>
               </a:ext>
             </a:extLst>
           </p:cNvPr>
@@ -8822,7 +8017,7 @@
           <p:cNvPr id="15" name="Title 1">
             <a:extLst>
               <a:ext uri="{FF2B5EF4-FFF2-40B4-BE49-F238E27FC236}">
-                <a16:creationId xmlns="" xmlns:a16="http://schemas.microsoft.com/office/drawing/2014/main" id="{F4C4A796-8AEB-7641-8B55-458C4FE2D291}"/>
+                <a16:creationId xmlns:a16="http://schemas.microsoft.com/office/drawing/2014/main" id="{F4C4A796-8AEB-7641-8B55-458C4FE2D291}"/>
               </a:ext>
             </a:extLst>
           </p:cNvPr>
@@ -8843,46 +8038,13 @@
           <a:bodyPr/>
           <a:lstStyle/>
           <a:p>
-            <a:pPr lvl="0"/>
             <a:r>
               <a:rPr lang="zh-Hant" altLang="en-US" dirty="0">
                 <a:solidFill>
                   <a:schemeClr val="tx1"/>
                 </a:solidFill>
               </a:rPr>
-              <a:t>藍</a:t>
-            </a:r>
-            <a:r>
-              <a:rPr lang="zh-Hant" altLang="en-US" dirty="0" smtClean="0">
-                <a:solidFill>
-                  <a:schemeClr val="tx1"/>
-                </a:solidFill>
-              </a:rPr>
-              <a:t>圖</a:t>
-            </a:r>
-            <a:r>
-              <a:rPr lang="zh-CN" altLang="en-US" dirty="0" smtClean="0">
-                <a:solidFill>
-                  <a:schemeClr val="tx1"/>
-                </a:solidFill>
-              </a:rPr>
-              <a:t>（</a:t>
-            </a:r>
-            <a:r>
-              <a:rPr lang="zh-TW" altLang="en-US" dirty="0">
-                <a:solidFill>
-                  <a:schemeClr val="tx1"/>
-                </a:solidFill>
-              </a:rPr>
-              <a:t>單個商品銷售記錄</a:t>
-            </a:r>
-            <a:r>
-              <a:rPr lang="zh-CN" altLang="en-US" dirty="0">
-                <a:solidFill>
-                  <a:schemeClr val="tx1"/>
-                </a:solidFill>
-              </a:rPr>
-              <a:t>）</a:t>
+              <a:t>藍圖</a:t>
             </a:r>
             <a:endParaRPr lang="en-US" dirty="0">
               <a:solidFill>
@@ -8897,7 +8059,7 @@
           <p:cNvPr id="3" name="Picture 2">
             <a:extLst>
               <a:ext uri="{FF2B5EF4-FFF2-40B4-BE49-F238E27FC236}">
-                <a16:creationId xmlns="" xmlns:a16="http://schemas.microsoft.com/office/drawing/2014/main" id="{C89FF32C-708B-A246-A4A9-3A91DF58208B}"/>
+                <a16:creationId xmlns:a16="http://schemas.microsoft.com/office/drawing/2014/main" id="{C89FF32C-708B-A246-A4A9-3A91DF58208B}"/>
               </a:ext>
             </a:extLst>
           </p:cNvPr>
@@ -9800,7 +8962,7 @@
   <a:extraClrSchemeLst/>
   <a:extLst>
     <a:ext uri="{05A4C25C-085E-4340-85A3-A5531E510DB2}">
-      <thm15:themeFamily xmlns="" xmlns:thm15="http://schemas.microsoft.com/office/thememl/2012/main" name="Office Theme" id="{62F939B6-93AF-4DB8-9C6B-D6C7DFDC589F}" vid="{4A3C46E8-61CC-4603-A589-7422A47A8E4A}"/>
+      <thm15:themeFamily xmlns:thm15="http://schemas.microsoft.com/office/thememl/2012/main" name="Office Theme" id="{62F939B6-93AF-4DB8-9C6B-D6C7DFDC589F}" vid="{4A3C46E8-61CC-4603-A589-7422A47A8E4A}"/>
     </a:ext>
   </a:extLst>
 </a:theme>

--- a/系統分析/系統分析期中報告.pptx
+++ b/系統分析/系統分析期中報告.pptx
@@ -6,7 +6,7 @@
     <p:sldMasterId id="2147483661" r:id="rId2"/>
   </p:sldMasterIdLst>
   <p:notesMasterIdLst>
-    <p:notesMasterId r:id="rId19"/>
+    <p:notesMasterId r:id="rId22"/>
   </p:notesMasterIdLst>
   <p:sldIdLst>
     <p:sldId id="256" r:id="rId3"/>
@@ -25,6 +25,9 @@
     <p:sldId id="273" r:id="rId16"/>
     <p:sldId id="270" r:id="rId17"/>
     <p:sldId id="274" r:id="rId18"/>
+    <p:sldId id="276" r:id="rId19"/>
+    <p:sldId id="277" r:id="rId20"/>
+    <p:sldId id="278" r:id="rId21"/>
   </p:sldIdLst>
   <p:sldSz cx="9144000" cy="5143500" type="screen16x9"/>
   <p:notesSz cx="6858000" cy="9144000"/>
@@ -125,7 +128,7 @@
   </p:defaultTextStyle>
   <p:extLst>
     <p:ext uri="{EFAFB233-063F-42B5-8137-9DF3F51BA10A}">
-      <p15:sldGuideLst xmlns:p15="http://schemas.microsoft.com/office/powerpoint/2012/main" xmlns="">
+      <p15:sldGuideLst xmlns:p15="http://schemas.microsoft.com/office/powerpoint/2012/main">
         <p15:guide id="1" orient="horz" pos="1620">
           <p15:clr>
             <a:srgbClr val="A4A3A4"/>
@@ -224,7 +227,7 @@
           <a:p>
             <a:fld id="{4ABF6D0B-8263-8241-BF99-08149363C526}" type="datetimeFigureOut">
               <a:rPr lang="en-US" smtClean="0"/>
-              <a:t>4/25/2018</a:t>
+              <a:t>26-Apr-18</a:t>
             </a:fld>
             <a:endParaRPr lang="en-US"/>
           </a:p>
@@ -536,7 +539,7 @@
           <a:lstStyle/>
           <a:p>
             <a:r>
-              <a:rPr lang="zh-CN" altLang="en-US" dirty="0" smtClean="0"/>
+              <a:rPr lang="zh-CN" altLang="en-US" dirty="0"/>
               <a:t>第一階至第零階的處理與資料流整合</a:t>
             </a:r>
             <a:endParaRPr lang="en-MY" dirty="0"/>
@@ -666,20 +669,6 @@
 <file path=ppt/slideLayouts/slideLayout1.xml><?xml version="1.0" encoding="utf-8"?>
 <p:sldLayout xmlns:a="http://schemas.openxmlformats.org/drawingml/2006/main" xmlns:r="http://schemas.openxmlformats.org/officeDocument/2006/relationships" xmlns:p="http://schemas.openxmlformats.org/presentationml/2006/main" preserve="1" userDrawn="1">
   <p:cSld name="Title Slide">
-    <p:bg>
-      <p:bgPr>
-        <a:blipFill dpi="0" rotWithShape="1">
-          <a:blip r:embed="rId2">
-            <a:lum/>
-          </a:blip>
-          <a:srcRect/>
-          <a:stretch>
-            <a:fillRect/>
-          </a:stretch>
-        </a:blipFill>
-        <a:effectLst/>
-      </p:bgPr>
-    </p:bg>
     <p:spTree>
       <p:nvGrpSpPr>
         <p:cNvPr id="1" name=""/>
@@ -741,7 +730,7 @@
           <a:p>
             <a:fld id="{63937D59-5EDB-4C39-B697-625748F703B6}" type="datetimeFigureOut">
               <a:rPr lang="en-US" smtClean="0"/>
-              <a:t>4/25/2018</a:t>
+              <a:t>26-Apr-18</a:t>
             </a:fld>
             <a:endParaRPr lang="en-US"/>
           </a:p>
@@ -1016,7 +1005,7 @@
           <a:p>
             <a:fld id="{63937D59-5EDB-4C39-B697-625748F703B6}" type="datetimeFigureOut">
               <a:rPr lang="en-US" smtClean="0"/>
-              <a:t>4/25/2018</a:t>
+              <a:t>26-Apr-18</a:t>
             </a:fld>
             <a:endParaRPr lang="en-US"/>
           </a:p>
@@ -1268,7 +1257,7 @@
           <a:p>
             <a:fld id="{63937D59-5EDB-4C39-B697-625748F703B6}" type="datetimeFigureOut">
               <a:rPr lang="en-US" smtClean="0"/>
-              <a:t>4/25/2018</a:t>
+              <a:t>26-Apr-18</a:t>
             </a:fld>
             <a:endParaRPr lang="en-US"/>
           </a:p>
@@ -1436,7 +1425,7 @@
           <a:p>
             <a:fld id="{63937D59-5EDB-4C39-B697-625748F703B6}" type="datetimeFigureOut">
               <a:rPr lang="en-US" smtClean="0"/>
-              <a:t>4/25/2018</a:t>
+              <a:t>26-Apr-18</a:t>
             </a:fld>
             <a:endParaRPr lang="en-US"/>
           </a:p>
@@ -1614,7 +1603,7 @@
           <a:p>
             <a:fld id="{63937D59-5EDB-4C39-B697-625748F703B6}" type="datetimeFigureOut">
               <a:rPr lang="en-US" smtClean="0"/>
-              <a:t>4/25/2018</a:t>
+              <a:t>26-Apr-18</a:t>
             </a:fld>
             <a:endParaRPr lang="en-US"/>
           </a:p>
@@ -1678,20 +1667,6 @@
 <file path=ppt/slideLayouts/slideLayout2.xml><?xml version="1.0" encoding="utf-8"?>
 <p:sldLayout xmlns:a="http://schemas.openxmlformats.org/drawingml/2006/main" xmlns:r="http://schemas.openxmlformats.org/officeDocument/2006/relationships" xmlns:p="http://schemas.openxmlformats.org/presentationml/2006/main" preserve="1" userDrawn="1">
   <p:cSld name="Title and Content">
-    <p:bg>
-      <p:bgPr>
-        <a:blipFill dpi="0" rotWithShape="1">
-          <a:blip r:embed="rId2">
-            <a:lum/>
-          </a:blip>
-          <a:srcRect/>
-          <a:stretch>
-            <a:fillRect/>
-          </a:stretch>
-        </a:blipFill>
-        <a:effectLst/>
-      </p:bgPr>
-    </p:bg>
     <p:spTree>
       <p:nvGrpSpPr>
         <p:cNvPr id="1" name=""/>
@@ -1847,20 +1822,6 @@
 <file path=ppt/slideLayouts/slideLayout3.xml><?xml version="1.0" encoding="utf-8"?>
 <p:sldLayout xmlns:a="http://schemas.openxmlformats.org/drawingml/2006/main" xmlns:r="http://schemas.openxmlformats.org/officeDocument/2006/relationships" xmlns:p="http://schemas.openxmlformats.org/presentationml/2006/main" preserve="1" userDrawn="1">
   <p:cSld name="1_Title and Content">
-    <p:bg>
-      <p:bgPr>
-        <a:blipFill dpi="0" rotWithShape="1">
-          <a:blip r:embed="rId2">
-            <a:lum/>
-          </a:blip>
-          <a:srcRect/>
-          <a:stretch>
-            <a:fillRect/>
-          </a:stretch>
-        </a:blipFill>
-        <a:effectLst/>
-      </p:bgPr>
-    </p:bg>
     <p:spTree>
       <p:nvGrpSpPr>
         <p:cNvPr id="1" name=""/>
@@ -2192,7 +2153,7 @@
           <a:p>
             <a:fld id="{63937D59-5EDB-4C39-B697-625748F703B6}" type="datetimeFigureOut">
               <a:rPr lang="en-US" smtClean="0"/>
-              <a:t>4/25/2018</a:t>
+              <a:t>26-Apr-18</a:t>
             </a:fld>
             <a:endParaRPr lang="en-US"/>
           </a:p>
@@ -2360,7 +2321,7 @@
           <a:p>
             <a:fld id="{63937D59-5EDB-4C39-B697-625748F703B6}" type="datetimeFigureOut">
               <a:rPr lang="en-US" smtClean="0"/>
-              <a:t>4/25/2018</a:t>
+              <a:t>26-Apr-18</a:t>
             </a:fld>
             <a:endParaRPr lang="en-US"/>
           </a:p>
@@ -2605,7 +2566,7 @@
           <a:p>
             <a:fld id="{63937D59-5EDB-4C39-B697-625748F703B6}" type="datetimeFigureOut">
               <a:rPr lang="en-US" smtClean="0"/>
-              <a:t>4/25/2018</a:t>
+              <a:t>26-Apr-18</a:t>
             </a:fld>
             <a:endParaRPr lang="en-US"/>
           </a:p>
@@ -2890,7 +2851,7 @@
           <a:p>
             <a:fld id="{63937D59-5EDB-4C39-B697-625748F703B6}" type="datetimeFigureOut">
               <a:rPr lang="en-US" smtClean="0"/>
-              <a:t>4/25/2018</a:t>
+              <a:t>26-Apr-18</a:t>
             </a:fld>
             <a:endParaRPr lang="en-US"/>
           </a:p>
@@ -3309,7 +3270,7 @@
           <a:p>
             <a:fld id="{63937D59-5EDB-4C39-B697-625748F703B6}" type="datetimeFigureOut">
               <a:rPr lang="en-US" smtClean="0"/>
-              <a:t>4/25/2018</a:t>
+              <a:t>26-Apr-18</a:t>
             </a:fld>
             <a:endParaRPr lang="en-US"/>
           </a:p>
@@ -3426,7 +3387,7 @@
           <a:p>
             <a:fld id="{63937D59-5EDB-4C39-B697-625748F703B6}" type="datetimeFigureOut">
               <a:rPr lang="en-US" smtClean="0"/>
-              <a:t>4/25/2018</a:t>
+              <a:t>26-Apr-18</a:t>
             </a:fld>
             <a:endParaRPr lang="en-US"/>
           </a:p>
@@ -3492,9 +3453,29 @@
   <p:cSld>
     <p:bg>
       <p:bgPr>
-        <a:solidFill>
-          <a:schemeClr val="bg1"/>
-        </a:solidFill>
+        <a:gradFill flip="none" rotWithShape="1">
+          <a:gsLst>
+            <a:gs pos="0">
+              <a:schemeClr val="tx2">
+                <a:lumMod val="20000"/>
+                <a:lumOff val="80000"/>
+              </a:schemeClr>
+            </a:gs>
+            <a:gs pos="35500">
+              <a:srgbClr val="00B0F0"/>
+            </a:gs>
+            <a:gs pos="71000">
+              <a:schemeClr val="tx2">
+                <a:lumMod val="60000"/>
+                <a:lumOff val="40000"/>
+              </a:schemeClr>
+            </a:gs>
+          </a:gsLst>
+          <a:path path="circle">
+            <a:fillToRect r="100000" b="100000"/>
+          </a:path>
+          <a:tileRect l="-100000" t="-100000"/>
+        </a:gradFill>
         <a:effectLst/>
       </p:bgPr>
     </p:bg>
@@ -3782,9 +3763,32 @@
 <p:sldMaster xmlns:a="http://schemas.openxmlformats.org/drawingml/2006/main" xmlns:r="http://schemas.openxmlformats.org/officeDocument/2006/relationships" xmlns:p="http://schemas.openxmlformats.org/presentationml/2006/main" preserve="1">
   <p:cSld>
     <p:bg>
-      <p:bgRef idx="1001">
-        <a:schemeClr val="bg1"/>
-      </p:bgRef>
+      <p:bgPr>
+        <a:gradFill flip="none" rotWithShape="1">
+          <a:gsLst>
+            <a:gs pos="0">
+              <a:schemeClr val="tx2">
+                <a:lumMod val="20000"/>
+                <a:lumOff val="80000"/>
+              </a:schemeClr>
+            </a:gs>
+            <a:gs pos="35500">
+              <a:srgbClr val="00B0F0"/>
+            </a:gs>
+            <a:gs pos="71000">
+              <a:schemeClr val="tx2">
+                <a:lumMod val="60000"/>
+                <a:lumOff val="40000"/>
+              </a:schemeClr>
+            </a:gs>
+          </a:gsLst>
+          <a:path path="circle">
+            <a:fillToRect r="100000" b="100000"/>
+          </a:path>
+          <a:tileRect l="-100000" t="-100000"/>
+        </a:gradFill>
+        <a:effectLst/>
+      </p:bgPr>
     </p:bg>
     <p:spTree>
       <p:nvGrpSpPr>
@@ -3928,7 +3932,7 @@
           <a:p>
             <a:fld id="{63937D59-5EDB-4C39-B697-625748F703B6}" type="datetimeFigureOut">
               <a:rPr lang="en-US" smtClean="0"/>
-              <a:t>4/25/2018</a:t>
+              <a:t>26-Apr-18</a:t>
             </a:fld>
             <a:endParaRPr lang="en-US"/>
           </a:p>
@@ -4289,34 +4293,6 @@
 <file path=ppt/slides/slide1.xml><?xml version="1.0" encoding="utf-8"?>
 <p:sld xmlns:a="http://schemas.openxmlformats.org/drawingml/2006/main" xmlns:r="http://schemas.openxmlformats.org/officeDocument/2006/relationships" xmlns:p="http://schemas.openxmlformats.org/presentationml/2006/main">
   <p:cSld>
-    <p:bg>
-      <p:bgPr>
-        <a:gradFill flip="none" rotWithShape="1">
-          <a:gsLst>
-            <a:gs pos="0">
-              <a:schemeClr val="tx2">
-                <a:lumMod val="20000"/>
-                <a:lumOff val="80000"/>
-              </a:schemeClr>
-            </a:gs>
-            <a:gs pos="35500">
-              <a:srgbClr val="00B0F0"/>
-            </a:gs>
-            <a:gs pos="71000">
-              <a:schemeClr val="tx2">
-                <a:lumMod val="60000"/>
-                <a:lumOff val="40000"/>
-              </a:schemeClr>
-            </a:gs>
-          </a:gsLst>
-          <a:path path="circle">
-            <a:fillToRect r="100000" b="100000"/>
-          </a:path>
-          <a:tileRect l="-100000" t="-100000"/>
-        </a:gradFill>
-        <a:effectLst/>
-      </p:bgPr>
-    </p:bg>
     <p:spTree>
       <p:nvGrpSpPr>
         <p:cNvPr id="1" name=""/>
@@ -4459,26 +4435,15 @@
                 <a:latin typeface="Arial" pitchFamily="34" charset="0"/>
                 <a:cs typeface="Arial" pitchFamily="34" charset="0"/>
               </a:rPr>
-              <a:t>陳欣</a:t>
-            </a:r>
-            <a:r>
-              <a:rPr kumimoji="0" lang="zh-Hant" altLang="en-US" sz="1400" b="1" dirty="0" smtClean="0">
-                <a:latin typeface="Arial" pitchFamily="34" charset="0"/>
-                <a:cs typeface="Arial" pitchFamily="34" charset="0"/>
-              </a:rPr>
-              <a:t>惠 </a:t>
-            </a:r>
-            <a:r>
-              <a:rPr kumimoji="0" lang="en-US" altLang="zh-Hant" sz="1400" b="1" dirty="0" smtClean="0">
+              <a:t>陳欣惠 </a:t>
+            </a:r>
+            <a:r>
+              <a:rPr kumimoji="0" lang="en-US" altLang="zh-Hant" sz="1400" b="1" dirty="0">
                 <a:latin typeface="Arial" pitchFamily="34" charset="0"/>
                 <a:cs typeface="Arial" pitchFamily="34" charset="0"/>
               </a:rPr>
               <a:t>D0527783</a:t>
             </a:r>
-            <a:endParaRPr kumimoji="0" lang="en-US" altLang="zh-Hant" sz="1400" b="1" dirty="0">
-              <a:latin typeface="Arial" pitchFamily="34" charset="0"/>
-              <a:cs typeface="Arial" pitchFamily="34" charset="0"/>
-            </a:endParaRPr>
           </a:p>
           <a:p>
             <a:pPr algn="ctr">
@@ -4489,17 +4454,10 @@
                 <a:latin typeface="Arial" pitchFamily="34" charset="0"/>
                 <a:cs typeface="Arial" pitchFamily="34" charset="0"/>
               </a:rPr>
-              <a:t>羅少</a:t>
-            </a:r>
-            <a:r>
-              <a:rPr kumimoji="0" lang="zh-Hant" altLang="en-US" sz="1400" b="1" dirty="0" smtClean="0">
-                <a:latin typeface="Arial" pitchFamily="34" charset="0"/>
-                <a:cs typeface="Arial" pitchFamily="34" charset="0"/>
-              </a:rPr>
-              <a:t>欽</a:t>
-            </a:r>
-            <a:r>
-              <a:rPr lang="en-US" altLang="zh-Hant" sz="1400" b="1" dirty="0" smtClean="0">
+              <a:t>羅少欽</a:t>
+            </a:r>
+            <a:r>
+              <a:rPr lang="en-US" altLang="zh-Hant" sz="1400" b="1" dirty="0">
                 <a:latin typeface="Arial" pitchFamily="34" charset="0"/>
                 <a:cs typeface="Arial" pitchFamily="34" charset="0"/>
               </a:rPr>
@@ -4569,47 +4527,12 @@
   <p:clrMapOvr>
     <a:masterClrMapping/>
   </p:clrMapOvr>
-  <p:timing>
-    <p:tnLst>
-      <p:par>
-        <p:cTn id="1" dur="indefinite" restart="never" nodeType="tmRoot"/>
-      </p:par>
-    </p:tnLst>
-  </p:timing>
 </p:sld>
 </file>
 
 <file path=ppt/slides/slide10.xml><?xml version="1.0" encoding="utf-8"?>
 <p:sld xmlns:a="http://schemas.openxmlformats.org/drawingml/2006/main" xmlns:r="http://schemas.openxmlformats.org/officeDocument/2006/relationships" xmlns:p="http://schemas.openxmlformats.org/presentationml/2006/main">
   <p:cSld>
-    <p:bg>
-      <p:bgPr>
-        <a:gradFill flip="none" rotWithShape="1">
-          <a:gsLst>
-            <a:gs pos="0">
-              <a:schemeClr val="tx2">
-                <a:lumMod val="20000"/>
-                <a:lumOff val="80000"/>
-              </a:schemeClr>
-            </a:gs>
-            <a:gs pos="35500">
-              <a:srgbClr val="00B0F0"/>
-            </a:gs>
-            <a:gs pos="71000">
-              <a:schemeClr val="tx2">
-                <a:lumMod val="60000"/>
-                <a:lumOff val="40000"/>
-              </a:schemeClr>
-            </a:gs>
-          </a:gsLst>
-          <a:path path="circle">
-            <a:fillToRect r="100000" b="100000"/>
-          </a:path>
-          <a:tileRect l="-100000" t="-100000"/>
-        </a:gradFill>
-        <a:effectLst/>
-      </p:bgPr>
-    </p:bg>
     <p:spTree>
       <p:nvGrpSpPr>
         <p:cNvPr id="1" name=""/>
@@ -4629,7 +4552,7 @@
           <p:cNvPr id="15" name="Title 1">
             <a:extLst>
               <a:ext uri="{FF2B5EF4-FFF2-40B4-BE49-F238E27FC236}">
-                <a16:creationId xmlns:a16="http://schemas.microsoft.com/office/drawing/2014/main" xmlns="" id="{F4C4A796-8AEB-7641-8B55-458C4FE2D291}"/>
+                <a16:creationId xmlns:a16="http://schemas.microsoft.com/office/drawing/2014/main" id="{F4C4A796-8AEB-7641-8B55-458C4FE2D291}"/>
               </a:ext>
             </a:extLst>
           </p:cNvPr>
@@ -4657,18 +4580,10 @@
                   <a:schemeClr val="tx1"/>
                 </a:solidFill>
               </a:rPr>
-              <a:t>藍</a:t>
-            </a:r>
-            <a:r>
-              <a:rPr lang="zh-Hant" altLang="en-US" dirty="0" smtClean="0">
-                <a:solidFill>
-                  <a:schemeClr val="tx1"/>
-                </a:solidFill>
-              </a:rPr>
-              <a:t>圖</a:t>
-            </a:r>
-            <a:r>
-              <a:rPr lang="zh-CN" altLang="en-US" dirty="0" smtClean="0">
+              <a:t>藍圖</a:t>
+            </a:r>
+            <a:r>
+              <a:rPr lang="zh-CN" altLang="en-US" dirty="0">
                 <a:solidFill>
                   <a:schemeClr val="tx1"/>
                 </a:solidFill>
@@ -4704,7 +4619,7 @@
           <p:cNvPr id="3" name="Picture 2">
             <a:extLst>
               <a:ext uri="{FF2B5EF4-FFF2-40B4-BE49-F238E27FC236}">
-                <a16:creationId xmlns:a16="http://schemas.microsoft.com/office/drawing/2014/main" xmlns="" id="{C89FF32C-708B-A246-A4A9-3A91DF58208B}"/>
+                <a16:creationId xmlns:a16="http://schemas.microsoft.com/office/drawing/2014/main" id="{C89FF32C-708B-A246-A4A9-3A91DF58208B}"/>
               </a:ext>
             </a:extLst>
           </p:cNvPr>
@@ -4921,23 +4836,7 @@
                   <a:prstClr val="black"/>
                 </a:solidFill>
               </a:rPr>
-              <a:t>商店</a:t>
-            </a:r>
-            <a:r>
-              <a:rPr lang="zh-CN" altLang="en-US" dirty="0" smtClean="0">
-                <a:solidFill>
-                  <a:prstClr val="black"/>
-                </a:solidFill>
-              </a:rPr>
-              <a:t>資</a:t>
-            </a:r>
-            <a:r>
-              <a:rPr lang="zh-CN" altLang="en-US" dirty="0">
-                <a:solidFill>
-                  <a:prstClr val="black"/>
-                </a:solidFill>
-              </a:rPr>
-              <a:t>料</a:t>
+              <a:t>商店資料</a:t>
             </a:r>
             <a:endParaRPr lang="en-MY" dirty="0">
               <a:solidFill>
@@ -5119,7 +5018,7 @@
           <a:p>
             <a:pPr algn="ctr"/>
             <a:r>
-              <a:rPr lang="zh-CN" altLang="en-US" dirty="0" smtClean="0">
+              <a:rPr lang="zh-CN" altLang="en-US" dirty="0">
                 <a:solidFill>
                   <a:prstClr val="black"/>
                 </a:solidFill>
@@ -5209,47 +5108,12 @@
   <p:clrMapOvr>
     <a:masterClrMapping/>
   </p:clrMapOvr>
-  <p:timing>
-    <p:tnLst>
-      <p:par>
-        <p:cTn id="1" dur="indefinite" restart="never" nodeType="tmRoot"/>
-      </p:par>
-    </p:tnLst>
-  </p:timing>
 </p:sld>
 </file>
 
 <file path=ppt/slides/slide11.xml><?xml version="1.0" encoding="utf-8"?>
 <p:sld xmlns:a="http://schemas.openxmlformats.org/drawingml/2006/main" xmlns:r="http://schemas.openxmlformats.org/officeDocument/2006/relationships" xmlns:p="http://schemas.openxmlformats.org/presentationml/2006/main">
   <p:cSld>
-    <p:bg>
-      <p:bgPr>
-        <a:gradFill flip="none" rotWithShape="1">
-          <a:gsLst>
-            <a:gs pos="0">
-              <a:schemeClr val="tx2">
-                <a:lumMod val="20000"/>
-                <a:lumOff val="80000"/>
-              </a:schemeClr>
-            </a:gs>
-            <a:gs pos="35500">
-              <a:srgbClr val="00B0F0"/>
-            </a:gs>
-            <a:gs pos="71000">
-              <a:schemeClr val="tx2">
-                <a:lumMod val="60000"/>
-                <a:lumOff val="40000"/>
-              </a:schemeClr>
-            </a:gs>
-          </a:gsLst>
-          <a:path path="circle">
-            <a:fillToRect r="100000" b="100000"/>
-          </a:path>
-          <a:tileRect l="-100000" t="-100000"/>
-        </a:gradFill>
-        <a:effectLst/>
-      </p:bgPr>
-    </p:bg>
     <p:spTree>
       <p:nvGrpSpPr>
         <p:cNvPr id="1" name=""/>
@@ -5269,7 +5133,7 @@
           <p:cNvPr id="15" name="Title 1">
             <a:extLst>
               <a:ext uri="{FF2B5EF4-FFF2-40B4-BE49-F238E27FC236}">
-                <a16:creationId xmlns:a16="http://schemas.microsoft.com/office/drawing/2014/main" xmlns="" id="{F4C4A796-8AEB-7641-8B55-458C4FE2D291}"/>
+                <a16:creationId xmlns:a16="http://schemas.microsoft.com/office/drawing/2014/main" id="{F4C4A796-8AEB-7641-8B55-458C4FE2D291}"/>
               </a:ext>
             </a:extLst>
           </p:cNvPr>
@@ -5296,18 +5160,10 @@
                   <a:schemeClr val="tx1"/>
                 </a:solidFill>
               </a:rPr>
-              <a:t>資料</a:t>
-            </a:r>
-            <a:r>
-              <a:rPr lang="zh-TW" altLang="en-US" dirty="0" smtClean="0">
-                <a:solidFill>
-                  <a:schemeClr val="tx1"/>
-                </a:solidFill>
-              </a:rPr>
-              <a:t>流</a:t>
-            </a:r>
-            <a:r>
-              <a:rPr lang="zh-CN" altLang="en-US" dirty="0" smtClean="0">
+              <a:t>資料流</a:t>
+            </a:r>
+            <a:r>
+              <a:rPr lang="zh-CN" altLang="en-US" dirty="0">
                 <a:solidFill>
                   <a:schemeClr val="tx1"/>
                 </a:solidFill>
@@ -5315,20 +5171,12 @@
               <a:t>向表</a:t>
             </a:r>
             <a:r>
-              <a:rPr lang="zh-Hant" altLang="en-US" dirty="0" smtClean="0">
-                <a:solidFill>
-                  <a:schemeClr val="tx1"/>
-                </a:solidFill>
-              </a:rPr>
-              <a:t> </a:t>
-            </a:r>
-            <a:r>
               <a:rPr lang="zh-Hant" altLang="en-US" dirty="0">
                 <a:solidFill>
                   <a:schemeClr val="tx1"/>
                 </a:solidFill>
               </a:rPr>
-              <a:t>（</a:t>
+              <a:t> （</a:t>
             </a:r>
             <a:r>
               <a:rPr lang="zh-TW" altLang="en-US" dirty="0">
@@ -5351,7 +5199,7 @@
           <p:cNvPr id="31" name="Picture 30">
             <a:extLst>
               <a:ext uri="{FF2B5EF4-FFF2-40B4-BE49-F238E27FC236}">
-                <a16:creationId xmlns:a16="http://schemas.microsoft.com/office/drawing/2014/main" xmlns="" id="{4FFEC185-6FEF-3F42-8084-C69259FD5ADA}"/>
+                <a16:creationId xmlns:a16="http://schemas.microsoft.com/office/drawing/2014/main" id="{4FFEC185-6FEF-3F42-8084-C69259FD5ADA}"/>
               </a:ext>
             </a:extLst>
           </p:cNvPr>
@@ -5387,7 +5235,7 @@
           <p:cNvPr id="33" name="Picture 32">
             <a:extLst>
               <a:ext uri="{FF2B5EF4-FFF2-40B4-BE49-F238E27FC236}">
-                <a16:creationId xmlns:a16="http://schemas.microsoft.com/office/drawing/2014/main" xmlns="" id="{74DE0983-9153-194E-8E13-5F518B0C2D8A}"/>
+                <a16:creationId xmlns:a16="http://schemas.microsoft.com/office/drawing/2014/main" id="{74DE0983-9153-194E-8E13-5F518B0C2D8A}"/>
               </a:ext>
             </a:extLst>
           </p:cNvPr>
@@ -5423,7 +5271,7 @@
           <p:cNvPr id="34" name="Arrow: Down 128">
             <a:extLst>
               <a:ext uri="{FF2B5EF4-FFF2-40B4-BE49-F238E27FC236}">
-                <a16:creationId xmlns:a16="http://schemas.microsoft.com/office/drawing/2014/main" xmlns="" id="{007661F0-5D1F-F14E-AEA8-08A4A330E6D1}"/>
+                <a16:creationId xmlns:a16="http://schemas.microsoft.com/office/drawing/2014/main" id="{007661F0-5D1F-F14E-AEA8-08A4A330E6D1}"/>
               </a:ext>
             </a:extLst>
           </p:cNvPr>
@@ -5473,7 +5321,7 @@
           <p:cNvPr id="35" name="Rectangle 34">
             <a:extLst>
               <a:ext uri="{FF2B5EF4-FFF2-40B4-BE49-F238E27FC236}">
-                <a16:creationId xmlns:a16="http://schemas.microsoft.com/office/drawing/2014/main" xmlns="" id="{45A947F6-B5AC-4F42-A660-15042FC37403}"/>
+                <a16:creationId xmlns:a16="http://schemas.microsoft.com/office/drawing/2014/main" id="{45A947F6-B5AC-4F42-A660-15042FC37403}"/>
               </a:ext>
             </a:extLst>
           </p:cNvPr>
@@ -5526,34 +5374,6 @@
 <file path=ppt/slides/slide12.xml><?xml version="1.0" encoding="utf-8"?>
 <p:sld xmlns:a="http://schemas.openxmlformats.org/drawingml/2006/main" xmlns:r="http://schemas.openxmlformats.org/officeDocument/2006/relationships" xmlns:p="http://schemas.openxmlformats.org/presentationml/2006/main">
   <p:cSld>
-    <p:bg>
-      <p:bgPr>
-        <a:gradFill flip="none" rotWithShape="1">
-          <a:gsLst>
-            <a:gs pos="0">
-              <a:schemeClr val="tx2">
-                <a:lumMod val="20000"/>
-                <a:lumOff val="80000"/>
-              </a:schemeClr>
-            </a:gs>
-            <a:gs pos="35500">
-              <a:srgbClr val="00B0F0"/>
-            </a:gs>
-            <a:gs pos="71000">
-              <a:schemeClr val="tx2">
-                <a:lumMod val="60000"/>
-                <a:lumOff val="40000"/>
-              </a:schemeClr>
-            </a:gs>
-          </a:gsLst>
-          <a:path path="circle">
-            <a:fillToRect r="100000" b="100000"/>
-          </a:path>
-          <a:tileRect l="-100000" t="-100000"/>
-        </a:gradFill>
-        <a:effectLst/>
-      </p:bgPr>
-    </p:bg>
     <p:spTree>
       <p:nvGrpSpPr>
         <p:cNvPr id="1" name=""/>
@@ -5573,7 +5393,7 @@
           <p:cNvPr id="9" name="Content Placeholder 6">
             <a:extLst>
               <a:ext uri="{FF2B5EF4-FFF2-40B4-BE49-F238E27FC236}">
-                <a16:creationId xmlns:a16="http://schemas.microsoft.com/office/drawing/2014/main" xmlns="" id="{65B99FB5-8778-7F44-9454-FB20081C092A}"/>
+                <a16:creationId xmlns:a16="http://schemas.microsoft.com/office/drawing/2014/main" id="{65B99FB5-8778-7F44-9454-FB20081C092A}"/>
               </a:ext>
             </a:extLst>
           </p:cNvPr>
@@ -5608,7 +5428,7 @@
           <p:cNvPr id="10" name="Picture 9">
             <a:extLst>
               <a:ext uri="{FF2B5EF4-FFF2-40B4-BE49-F238E27FC236}">
-                <a16:creationId xmlns:a16="http://schemas.microsoft.com/office/drawing/2014/main" xmlns="" id="{F1251362-201C-3E43-822F-4765AF33BA16}"/>
+                <a16:creationId xmlns:a16="http://schemas.microsoft.com/office/drawing/2014/main" id="{F1251362-201C-3E43-822F-4765AF33BA16}"/>
               </a:ext>
             </a:extLst>
           </p:cNvPr>
@@ -5645,7 +5465,7 @@
           <p:cNvPr id="11" name="Bent-Up Arrow 10">
             <a:extLst>
               <a:ext uri="{FF2B5EF4-FFF2-40B4-BE49-F238E27FC236}">
-                <a16:creationId xmlns:a16="http://schemas.microsoft.com/office/drawing/2014/main" xmlns="" id="{25C3EAC7-84DE-5D42-B13D-495D0184D8CA}"/>
+                <a16:creationId xmlns:a16="http://schemas.microsoft.com/office/drawing/2014/main" id="{25C3EAC7-84DE-5D42-B13D-495D0184D8CA}"/>
               </a:ext>
             </a:extLst>
           </p:cNvPr>
@@ -5691,7 +5511,7 @@
           <p:cNvPr id="12" name="Rectangle 11">
             <a:extLst>
               <a:ext uri="{FF2B5EF4-FFF2-40B4-BE49-F238E27FC236}">
-                <a16:creationId xmlns:a16="http://schemas.microsoft.com/office/drawing/2014/main" xmlns="" id="{241CE9AE-2559-F941-8795-C1BC68F0E16C}"/>
+                <a16:creationId xmlns:a16="http://schemas.microsoft.com/office/drawing/2014/main" id="{241CE9AE-2559-F941-8795-C1BC68F0E16C}"/>
               </a:ext>
             </a:extLst>
           </p:cNvPr>
@@ -5726,27 +5546,19 @@
                 <a:ea typeface="SimSun" panose="02010600030101010101" pitchFamily="2" charset="-122"/>
                 <a:cs typeface="Times New Roman" panose="02020603050405020304" pitchFamily="18" charset="0"/>
               </a:rPr>
-              <a:t>第一</a:t>
-            </a:r>
-            <a:r>
-              <a:rPr lang="zh-TW" altLang="en-US" b="1" dirty="0" smtClean="0">
-                <a:ea typeface="SimSun" panose="02010600030101010101" pitchFamily="2" charset="-122"/>
-                <a:cs typeface="Times New Roman" panose="02020603050405020304" pitchFamily="18" charset="0"/>
-              </a:rPr>
-              <a:t>階</a:t>
-            </a:r>
-            <a:r>
-              <a:rPr lang="en-US" altLang="zh-TW" b="1" dirty="0" smtClean="0">
+              <a:t>第一階</a:t>
+            </a:r>
+            <a:r>
+              <a:rPr lang="en-US" altLang="zh-TW" b="1" dirty="0">
                 <a:ea typeface="SimSun" panose="02010600030101010101" pitchFamily="2" charset="-122"/>
                 <a:cs typeface="Times New Roman" panose="02020603050405020304" pitchFamily="18" charset="0"/>
               </a:rPr>
               <a:t>DFD</a:t>
             </a:r>
             <a:r>
-              <a:rPr lang="en-US" dirty="0" smtClean="0"/>
+              <a:rPr lang="en-US" dirty="0"/>
               <a:t> </a:t>
             </a:r>
-            <a:endParaRPr lang="en-US" dirty="0"/>
           </a:p>
         </p:txBody>
       </p:sp>
@@ -5755,7 +5567,7 @@
           <p:cNvPr id="14" name="Rectangle 13">
             <a:extLst>
               <a:ext uri="{FF2B5EF4-FFF2-40B4-BE49-F238E27FC236}">
-                <a16:creationId xmlns:a16="http://schemas.microsoft.com/office/drawing/2014/main" xmlns="" id="{214AA10B-4D75-F14A-A46F-83D47C738BFA}"/>
+                <a16:creationId xmlns:a16="http://schemas.microsoft.com/office/drawing/2014/main" id="{214AA10B-4D75-F14A-A46F-83D47C738BFA}"/>
               </a:ext>
             </a:extLst>
           </p:cNvPr>
@@ -5812,34 +5624,6 @@
 <file path=ppt/slides/slide13.xml><?xml version="1.0" encoding="utf-8"?>
 <p:sld xmlns:a="http://schemas.openxmlformats.org/drawingml/2006/main" xmlns:r="http://schemas.openxmlformats.org/officeDocument/2006/relationships" xmlns:p="http://schemas.openxmlformats.org/presentationml/2006/main">
   <p:cSld>
-    <p:bg>
-      <p:bgPr>
-        <a:gradFill flip="none" rotWithShape="1">
-          <a:gsLst>
-            <a:gs pos="0">
-              <a:schemeClr val="tx2">
-                <a:lumMod val="20000"/>
-                <a:lumOff val="80000"/>
-              </a:schemeClr>
-            </a:gs>
-            <a:gs pos="35500">
-              <a:srgbClr val="00B0F0"/>
-            </a:gs>
-            <a:gs pos="71000">
-              <a:schemeClr val="tx2">
-                <a:lumMod val="60000"/>
-                <a:lumOff val="40000"/>
-              </a:schemeClr>
-            </a:gs>
-          </a:gsLst>
-          <a:path path="circle">
-            <a:fillToRect r="100000" b="100000"/>
-          </a:path>
-          <a:tileRect l="-100000" t="-100000"/>
-        </a:gradFill>
-        <a:effectLst/>
-      </p:bgPr>
-    </p:bg>
     <p:spTree>
       <p:nvGrpSpPr>
         <p:cNvPr id="1" name=""/>
@@ -5859,7 +5643,7 @@
           <p:cNvPr id="15" name="Title 1">
             <a:extLst>
               <a:ext uri="{FF2B5EF4-FFF2-40B4-BE49-F238E27FC236}">
-                <a16:creationId xmlns:a16="http://schemas.microsoft.com/office/drawing/2014/main" xmlns="" id="{F4C4A796-8AEB-7641-8B55-458C4FE2D291}"/>
+                <a16:creationId xmlns:a16="http://schemas.microsoft.com/office/drawing/2014/main" id="{F4C4A796-8AEB-7641-8B55-458C4FE2D291}"/>
               </a:ext>
             </a:extLst>
           </p:cNvPr>
@@ -5886,18 +5670,10 @@
                   <a:schemeClr val="tx1"/>
                 </a:solidFill>
               </a:rPr>
-              <a:t>資料</a:t>
-            </a:r>
-            <a:r>
-              <a:rPr lang="zh-Hant" altLang="en-US" dirty="0" smtClean="0">
-                <a:solidFill>
-                  <a:schemeClr val="tx1"/>
-                </a:solidFill>
-              </a:rPr>
-              <a:t>流</a:t>
-            </a:r>
-            <a:r>
-              <a:rPr lang="zh-CN" altLang="en-US" smtClean="0">
+              <a:t>資料流</a:t>
+            </a:r>
+            <a:r>
+              <a:rPr lang="zh-CN" altLang="en-US">
                 <a:solidFill>
                   <a:schemeClr val="tx1"/>
                 </a:solidFill>
@@ -5905,7 +5681,7 @@
               <a:t>向表</a:t>
             </a:r>
             <a:r>
-              <a:rPr lang="zh-Hant" altLang="en-US" dirty="0" smtClean="0">
+              <a:rPr lang="zh-Hant" altLang="en-US" dirty="0">
                 <a:solidFill>
                   <a:schemeClr val="tx1"/>
                 </a:solidFill>
@@ -5918,15 +5694,7 @@
                   <a:schemeClr val="tx1"/>
                 </a:solidFill>
               </a:rPr>
-              <a:t>顯示銷售紀</a:t>
-            </a:r>
-            <a:r>
-              <a:rPr lang="zh-TW" altLang="en-US" dirty="0" smtClean="0">
-                <a:solidFill>
-                  <a:schemeClr val="tx1"/>
-                </a:solidFill>
-              </a:rPr>
-              <a:t>錄）</a:t>
+              <a:t>顯示銷售紀錄）</a:t>
             </a:r>
             <a:endParaRPr lang="en-US" dirty="0">
               <a:solidFill>
@@ -5941,7 +5709,7 @@
           <p:cNvPr id="34" name="Arrow: Down 128">
             <a:extLst>
               <a:ext uri="{FF2B5EF4-FFF2-40B4-BE49-F238E27FC236}">
-                <a16:creationId xmlns:a16="http://schemas.microsoft.com/office/drawing/2014/main" xmlns="" id="{007661F0-5D1F-F14E-AEA8-08A4A330E6D1}"/>
+                <a16:creationId xmlns:a16="http://schemas.microsoft.com/office/drawing/2014/main" id="{007661F0-5D1F-F14E-AEA8-08A4A330E6D1}"/>
               </a:ext>
             </a:extLst>
           </p:cNvPr>
@@ -5991,7 +5759,7 @@
           <p:cNvPr id="35" name="Rectangle 34">
             <a:extLst>
               <a:ext uri="{FF2B5EF4-FFF2-40B4-BE49-F238E27FC236}">
-                <a16:creationId xmlns:a16="http://schemas.microsoft.com/office/drawing/2014/main" xmlns="" id="{45A947F6-B5AC-4F42-A660-15042FC37403}"/>
+                <a16:creationId xmlns:a16="http://schemas.microsoft.com/office/drawing/2014/main" id="{45A947F6-B5AC-4F42-A660-15042FC37403}"/>
               </a:ext>
             </a:extLst>
           </p:cNvPr>
@@ -6033,7 +5801,7 @@
           <p:cNvPr id="6" name="Picture 5">
             <a:extLst>
               <a:ext uri="{FF2B5EF4-FFF2-40B4-BE49-F238E27FC236}">
-                <a16:creationId xmlns:a16="http://schemas.microsoft.com/office/drawing/2014/main" xmlns="" id="{9952234D-A5A3-9646-8FD0-040AE91DB55F}"/>
+                <a16:creationId xmlns:a16="http://schemas.microsoft.com/office/drawing/2014/main" id="{9952234D-A5A3-9646-8FD0-040AE91DB55F}"/>
               </a:ext>
             </a:extLst>
           </p:cNvPr>
@@ -6069,7 +5837,7 @@
           <p:cNvPr id="8" name="Picture 7">
             <a:extLst>
               <a:ext uri="{FF2B5EF4-FFF2-40B4-BE49-F238E27FC236}">
-                <a16:creationId xmlns:a16="http://schemas.microsoft.com/office/drawing/2014/main" xmlns="" id="{041BCA3A-636B-B848-9EA7-7FCBEAA61954}"/>
+                <a16:creationId xmlns:a16="http://schemas.microsoft.com/office/drawing/2014/main" id="{041BCA3A-636B-B848-9EA7-7FCBEAA61954}"/>
               </a:ext>
             </a:extLst>
           </p:cNvPr>
@@ -6116,34 +5884,6 @@
 <file path=ppt/slides/slide14.xml><?xml version="1.0" encoding="utf-8"?>
 <p:sld xmlns:a="http://schemas.openxmlformats.org/drawingml/2006/main" xmlns:r="http://schemas.openxmlformats.org/officeDocument/2006/relationships" xmlns:p="http://schemas.openxmlformats.org/presentationml/2006/main">
   <p:cSld>
-    <p:bg>
-      <p:bgPr>
-        <a:gradFill flip="none" rotWithShape="1">
-          <a:gsLst>
-            <a:gs pos="0">
-              <a:schemeClr val="tx2">
-                <a:lumMod val="20000"/>
-                <a:lumOff val="80000"/>
-              </a:schemeClr>
-            </a:gs>
-            <a:gs pos="35500">
-              <a:srgbClr val="00B0F0"/>
-            </a:gs>
-            <a:gs pos="71000">
-              <a:schemeClr val="tx2">
-                <a:lumMod val="60000"/>
-                <a:lumOff val="40000"/>
-              </a:schemeClr>
-            </a:gs>
-          </a:gsLst>
-          <a:path path="circle">
-            <a:fillToRect r="100000" b="100000"/>
-          </a:path>
-          <a:tileRect l="-100000" t="-100000"/>
-        </a:gradFill>
-        <a:effectLst/>
-      </p:bgPr>
-    </p:bg>
     <p:spTree>
       <p:nvGrpSpPr>
         <p:cNvPr id="1" name=""/>
@@ -6163,7 +5903,7 @@
           <p:cNvPr id="2" name="Rectangle 1">
             <a:extLst>
               <a:ext uri="{FF2B5EF4-FFF2-40B4-BE49-F238E27FC236}">
-                <a16:creationId xmlns:a16="http://schemas.microsoft.com/office/drawing/2014/main" xmlns="" id="{EB48C46F-EDFC-EB4B-B22B-751E02B2BD81}"/>
+                <a16:creationId xmlns:a16="http://schemas.microsoft.com/office/drawing/2014/main" id="{EB48C46F-EDFC-EB4B-B22B-751E02B2BD81}"/>
               </a:ext>
             </a:extLst>
           </p:cNvPr>
@@ -6198,27 +5938,19 @@
                 <a:ea typeface="SimSun" panose="02010600030101010101" pitchFamily="2" charset="-122"/>
                 <a:cs typeface="Times New Roman" panose="02020603050405020304" pitchFamily="18" charset="0"/>
               </a:rPr>
-              <a:t>第一</a:t>
-            </a:r>
-            <a:r>
-              <a:rPr lang="zh-TW" altLang="en-US" sz="2400" b="1" dirty="0" smtClean="0">
-                <a:ea typeface="SimSun" panose="02010600030101010101" pitchFamily="2" charset="-122"/>
-                <a:cs typeface="Times New Roman" panose="02020603050405020304" pitchFamily="18" charset="0"/>
-              </a:rPr>
-              <a:t>階</a:t>
-            </a:r>
-            <a:r>
-              <a:rPr lang="en-US" altLang="zh-TW" sz="2400" b="1" dirty="0" smtClean="0">
+              <a:t>第一階</a:t>
+            </a:r>
+            <a:r>
+              <a:rPr lang="en-US" altLang="zh-TW" sz="2400" b="1" dirty="0">
                 <a:ea typeface="SimSun" panose="02010600030101010101" pitchFamily="2" charset="-122"/>
                 <a:cs typeface="Times New Roman" panose="02020603050405020304" pitchFamily="18" charset="0"/>
               </a:rPr>
               <a:t>DFD</a:t>
             </a:r>
             <a:r>
-              <a:rPr lang="en-US" sz="2400" dirty="0" smtClean="0"/>
+              <a:rPr lang="en-US" sz="2400" dirty="0"/>
               <a:t> </a:t>
             </a:r>
-            <a:endParaRPr lang="en-US" sz="2400" dirty="0"/>
           </a:p>
         </p:txBody>
       </p:sp>
@@ -6227,7 +5959,7 @@
           <p:cNvPr id="3" name="Picture 2">
             <a:extLst>
               <a:ext uri="{FF2B5EF4-FFF2-40B4-BE49-F238E27FC236}">
-                <a16:creationId xmlns:a16="http://schemas.microsoft.com/office/drawing/2014/main" xmlns="" id="{8228CACA-4A23-9C4B-8BD6-E34BCE5CF66B}"/>
+                <a16:creationId xmlns:a16="http://schemas.microsoft.com/office/drawing/2014/main" id="{8228CACA-4A23-9C4B-8BD6-E34BCE5CF66B}"/>
               </a:ext>
             </a:extLst>
           </p:cNvPr>
@@ -6280,34 +6012,6 @@
 <file path=ppt/slides/slide15.xml><?xml version="1.0" encoding="utf-8"?>
 <p:sld xmlns:a="http://schemas.openxmlformats.org/drawingml/2006/main" xmlns:r="http://schemas.openxmlformats.org/officeDocument/2006/relationships" xmlns:p="http://schemas.openxmlformats.org/presentationml/2006/main">
   <p:cSld>
-    <p:bg>
-      <p:bgPr>
-        <a:gradFill flip="none" rotWithShape="1">
-          <a:gsLst>
-            <a:gs pos="0">
-              <a:schemeClr val="tx2">
-                <a:lumMod val="20000"/>
-                <a:lumOff val="80000"/>
-              </a:schemeClr>
-            </a:gs>
-            <a:gs pos="35500">
-              <a:srgbClr val="00B0F0"/>
-            </a:gs>
-            <a:gs pos="71000">
-              <a:schemeClr val="tx2">
-                <a:lumMod val="60000"/>
-                <a:lumOff val="40000"/>
-              </a:schemeClr>
-            </a:gs>
-          </a:gsLst>
-          <a:path path="circle">
-            <a:fillToRect r="100000" b="100000"/>
-          </a:path>
-          <a:tileRect l="-100000" t="-100000"/>
-        </a:gradFill>
-        <a:effectLst/>
-      </p:bgPr>
-    </p:bg>
     <p:spTree>
       <p:nvGrpSpPr>
         <p:cNvPr id="1" name=""/>
@@ -6327,7 +6031,7 @@
           <p:cNvPr id="11" name="Picture 10">
             <a:extLst>
               <a:ext uri="{FF2B5EF4-FFF2-40B4-BE49-F238E27FC236}">
-                <a16:creationId xmlns:a16="http://schemas.microsoft.com/office/drawing/2014/main" xmlns="" id="{7AD26D1F-531B-CD4D-B741-1E4D51D50455}"/>
+                <a16:creationId xmlns:a16="http://schemas.microsoft.com/office/drawing/2014/main" id="{7AD26D1F-531B-CD4D-B741-1E4D51D50455}"/>
               </a:ext>
             </a:extLst>
           </p:cNvPr>
@@ -6361,7 +6065,7 @@
           <p:cNvPr id="12" name="Rectangle 11">
             <a:extLst>
               <a:ext uri="{FF2B5EF4-FFF2-40B4-BE49-F238E27FC236}">
-                <a16:creationId xmlns:a16="http://schemas.microsoft.com/office/drawing/2014/main" xmlns="" id="{C97B75BD-EF10-C44A-A586-429A6292B44D}"/>
+                <a16:creationId xmlns:a16="http://schemas.microsoft.com/office/drawing/2014/main" id="{C97B75BD-EF10-C44A-A586-429A6292B44D}"/>
               </a:ext>
             </a:extLst>
           </p:cNvPr>
@@ -6419,34 +6123,6 @@
 <file path=ppt/slides/slide16.xml><?xml version="1.0" encoding="utf-8"?>
 <p:sld xmlns:a="http://schemas.openxmlformats.org/drawingml/2006/main" xmlns:r="http://schemas.openxmlformats.org/officeDocument/2006/relationships" xmlns:p="http://schemas.openxmlformats.org/presentationml/2006/main">
   <p:cSld>
-    <p:bg>
-      <p:bgPr>
-        <a:gradFill flip="none" rotWithShape="1">
-          <a:gsLst>
-            <a:gs pos="0">
-              <a:schemeClr val="tx2">
-                <a:lumMod val="20000"/>
-                <a:lumOff val="80000"/>
-              </a:schemeClr>
-            </a:gs>
-            <a:gs pos="35500">
-              <a:srgbClr val="00B0F0"/>
-            </a:gs>
-            <a:gs pos="71000">
-              <a:schemeClr val="tx2">
-                <a:lumMod val="60000"/>
-                <a:lumOff val="40000"/>
-              </a:schemeClr>
-            </a:gs>
-          </a:gsLst>
-          <a:path path="circle">
-            <a:fillToRect r="100000" b="100000"/>
-          </a:path>
-          <a:tileRect l="-100000" t="-100000"/>
-        </a:gradFill>
-        <a:effectLst/>
-      </p:bgPr>
-    </p:bg>
     <p:spTree>
       <p:nvGrpSpPr>
         <p:cNvPr id="1" name=""/>
@@ -6461,6 +6137,82 @@
           <a:chExt cx="0" cy="0"/>
         </a:xfrm>
       </p:grpSpPr>
+      <p:sp>
+        <p:nvSpPr>
+          <p:cNvPr id="2" name="Title 1">
+            <a:extLst>
+              <a:ext uri="{FF2B5EF4-FFF2-40B4-BE49-F238E27FC236}">
+                <a16:creationId xmlns:a16="http://schemas.microsoft.com/office/drawing/2014/main" id="{ACB20A91-F311-4EE9-BB06-A528A21E1189}"/>
+              </a:ext>
+            </a:extLst>
+          </p:cNvPr>
+          <p:cNvSpPr>
+            <a:spLocks noGrp="1"/>
+          </p:cNvSpPr>
+          <p:nvPr>
+            <p:ph type="title"/>
+          </p:nvPr>
+        </p:nvSpPr>
+        <p:spPr>
+          <a:xfrm>
+            <a:off x="0" y="-92546"/>
+            <a:ext cx="4176464" cy="1152128"/>
+          </a:xfrm>
+        </p:spPr>
+        <p:txBody>
+          <a:bodyPr/>
+          <a:lstStyle/>
+          <a:p>
+            <a:r>
+              <a:rPr lang="zh-TW" altLang="en-US" sz="2600" dirty="0">
+                <a:solidFill>
+                  <a:schemeClr val="tx1"/>
+                </a:solidFill>
+              </a:rPr>
+              <a:t>結構圖</a:t>
+            </a:r>
+            <a:br>
+              <a:rPr lang="en-US" dirty="0"/>
+            </a:br>
+            <a:endParaRPr lang="en-US" dirty="0"/>
+          </a:p>
+        </p:txBody>
+      </p:sp>
+      <p:pic>
+        <p:nvPicPr>
+          <p:cNvPr id="6" name="Content Placeholder 5" descr="A screenshot of a cell phone&#10;&#10;Description generated with very high confidence">
+            <a:extLst>
+              <a:ext uri="{FF2B5EF4-FFF2-40B4-BE49-F238E27FC236}">
+                <a16:creationId xmlns:a16="http://schemas.microsoft.com/office/drawing/2014/main" id="{7F11891B-D93A-42F6-96AF-F345B5C67651}"/>
+              </a:ext>
+            </a:extLst>
+          </p:cNvPr>
+          <p:cNvPicPr>
+            <a:picLocks noGrp="1" noChangeAspect="1"/>
+          </p:cNvPicPr>
+          <p:nvPr>
+            <p:ph idx="10"/>
+          </p:nvPr>
+        </p:nvPicPr>
+        <p:blipFill>
+          <a:blip r:embed="rId2">
+            <a:extLst>
+              <a:ext uri="{28A0092B-C50C-407E-A947-70E740481C1C}">
+                <a14:useLocalDpi xmlns:a14="http://schemas.microsoft.com/office/drawing/2010/main" val="0"/>
+              </a:ext>
+            </a:extLst>
+          </a:blip>
+          <a:stretch>
+            <a:fillRect/>
+          </a:stretch>
+        </p:blipFill>
+        <p:spPr>
+          <a:xfrm>
+            <a:off x="827584" y="539276"/>
+            <a:ext cx="7047274" cy="4611180"/>
+          </a:xfrm>
+        </p:spPr>
+      </p:pic>
     </p:spTree>
     <p:extLst>
       <p:ext uri="{BB962C8B-B14F-4D97-AF65-F5344CB8AC3E}">
@@ -6474,37 +6226,345 @@
 </p:sld>
 </file>
 
+<file path=ppt/slides/slide17.xml><?xml version="1.0" encoding="utf-8"?>
+<p:sld xmlns:a="http://schemas.openxmlformats.org/drawingml/2006/main" xmlns:r="http://schemas.openxmlformats.org/officeDocument/2006/relationships" xmlns:p="http://schemas.openxmlformats.org/presentationml/2006/main">
+  <p:cSld>
+    <p:spTree>
+      <p:nvGrpSpPr>
+        <p:cNvPr id="1" name=""/>
+        <p:cNvGrpSpPr/>
+        <p:nvPr/>
+      </p:nvGrpSpPr>
+      <p:grpSpPr>
+        <a:xfrm>
+          <a:off x="0" y="0"/>
+          <a:ext cx="0" cy="0"/>
+          <a:chOff x="0" y="0"/>
+          <a:chExt cx="0" cy="0"/>
+        </a:xfrm>
+      </p:grpSpPr>
+      <p:sp>
+        <p:nvSpPr>
+          <p:cNvPr id="2" name="Title 1">
+            <a:extLst>
+              <a:ext uri="{FF2B5EF4-FFF2-40B4-BE49-F238E27FC236}">
+                <a16:creationId xmlns:a16="http://schemas.microsoft.com/office/drawing/2014/main" id="{6B00E618-529E-4589-BEEA-18D1EB206760}"/>
+              </a:ext>
+            </a:extLst>
+          </p:cNvPr>
+          <p:cNvSpPr>
+            <a:spLocks noGrp="1"/>
+          </p:cNvSpPr>
+          <p:nvPr>
+            <p:ph type="title"/>
+          </p:nvPr>
+        </p:nvSpPr>
+        <p:spPr>
+          <a:xfrm>
+            <a:off x="0" y="0"/>
+            <a:ext cx="4355976" cy="460648"/>
+          </a:xfrm>
+        </p:spPr>
+        <p:txBody>
+          <a:bodyPr/>
+          <a:lstStyle/>
+          <a:p>
+            <a:r>
+              <a:rPr lang="zh-TW" altLang="en-US" sz="2600" dirty="0">
+                <a:solidFill>
+                  <a:schemeClr val="tx1"/>
+                </a:solidFill>
+              </a:rPr>
+              <a:t>結構圖（切換</a:t>
+            </a:r>
+            <a:r>
+              <a:rPr lang="zh-TW" altLang="en-US" sz="2600">
+                <a:solidFill>
+                  <a:schemeClr val="tx1"/>
+                </a:solidFill>
+              </a:rPr>
+              <a:t>買賣管理）</a:t>
+            </a:r>
+            <a:endParaRPr lang="en-US" sz="2600" dirty="0">
+              <a:solidFill>
+                <a:schemeClr val="tx1"/>
+              </a:solidFill>
+            </a:endParaRPr>
+          </a:p>
+        </p:txBody>
+      </p:sp>
+      <p:sp>
+        <p:nvSpPr>
+          <p:cNvPr id="3" name="Content Placeholder 2">
+            <a:extLst>
+              <a:ext uri="{FF2B5EF4-FFF2-40B4-BE49-F238E27FC236}">
+                <a16:creationId xmlns:a16="http://schemas.microsoft.com/office/drawing/2014/main" id="{31FD0C94-C811-4C88-B3EB-C8ABD549196A}"/>
+              </a:ext>
+            </a:extLst>
+          </p:cNvPr>
+          <p:cNvSpPr>
+            <a:spLocks noGrp="1"/>
+          </p:cNvSpPr>
+          <p:nvPr>
+            <p:ph idx="1"/>
+          </p:nvPr>
+        </p:nvSpPr>
+        <p:spPr/>
+        <p:txBody>
+          <a:bodyPr/>
+          <a:lstStyle/>
+          <a:p>
+            <a:endParaRPr lang="en-US"/>
+          </a:p>
+        </p:txBody>
+      </p:sp>
+      <p:pic>
+        <p:nvPicPr>
+          <p:cNvPr id="18" name="Content Placeholder 17" descr="A screenshot of a cell phone&#10;&#10;Description generated with very high confidence">
+            <a:extLst>
+              <a:ext uri="{FF2B5EF4-FFF2-40B4-BE49-F238E27FC236}">
+                <a16:creationId xmlns:a16="http://schemas.microsoft.com/office/drawing/2014/main" id="{2E93F54E-CC78-4D4E-994E-FB91878B1A69}"/>
+              </a:ext>
+            </a:extLst>
+          </p:cNvPr>
+          <p:cNvPicPr>
+            <a:picLocks noGrp="1" noChangeAspect="1"/>
+          </p:cNvPicPr>
+          <p:nvPr>
+            <p:ph idx="10"/>
+          </p:nvPr>
+        </p:nvPicPr>
+        <p:blipFill>
+          <a:blip r:embed="rId2">
+            <a:extLst>
+              <a:ext uri="{28A0092B-C50C-407E-A947-70E740481C1C}">
+                <a14:useLocalDpi xmlns:a14="http://schemas.microsoft.com/office/drawing/2010/main" val="0"/>
+              </a:ext>
+            </a:extLst>
+          </a:blip>
+          <a:stretch>
+            <a:fillRect/>
+          </a:stretch>
+        </p:blipFill>
+        <p:spPr>
+          <a:xfrm>
+            <a:off x="1444814" y="431773"/>
+            <a:ext cx="5719474" cy="4804274"/>
+          </a:xfrm>
+        </p:spPr>
+      </p:pic>
+    </p:spTree>
+    <p:extLst>
+      <p:ext uri="{BB962C8B-B14F-4D97-AF65-F5344CB8AC3E}">
+        <p14:creationId xmlns:p14="http://schemas.microsoft.com/office/powerpoint/2010/main" val="3600582846"/>
+      </p:ext>
+    </p:extLst>
+  </p:cSld>
+  <p:clrMapOvr>
+    <a:masterClrMapping/>
+  </p:clrMapOvr>
+</p:sld>
+</file>
+
+<file path=ppt/slides/slide18.xml><?xml version="1.0" encoding="utf-8"?>
+<p:sld xmlns:a="http://schemas.openxmlformats.org/drawingml/2006/main" xmlns:r="http://schemas.openxmlformats.org/officeDocument/2006/relationships" xmlns:p="http://schemas.openxmlformats.org/presentationml/2006/main">
+  <p:cSld>
+    <p:spTree>
+      <p:nvGrpSpPr>
+        <p:cNvPr id="1" name=""/>
+        <p:cNvGrpSpPr/>
+        <p:nvPr/>
+      </p:nvGrpSpPr>
+      <p:grpSpPr>
+        <a:xfrm>
+          <a:off x="0" y="0"/>
+          <a:ext cx="0" cy="0"/>
+          <a:chOff x="0" y="0"/>
+          <a:chExt cx="0" cy="0"/>
+        </a:xfrm>
+      </p:grpSpPr>
+      <p:sp>
+        <p:nvSpPr>
+          <p:cNvPr id="3" name="Content Placeholder 2">
+            <a:extLst>
+              <a:ext uri="{FF2B5EF4-FFF2-40B4-BE49-F238E27FC236}">
+                <a16:creationId xmlns:a16="http://schemas.microsoft.com/office/drawing/2014/main" id="{5F878CBA-861C-49CD-B576-5A173DB38DB2}"/>
+              </a:ext>
+            </a:extLst>
+          </p:cNvPr>
+          <p:cNvSpPr>
+            <a:spLocks noGrp="1"/>
+          </p:cNvSpPr>
+          <p:nvPr>
+            <p:ph idx="1"/>
+          </p:nvPr>
+        </p:nvSpPr>
+        <p:spPr/>
+        <p:txBody>
+          <a:bodyPr/>
+          <a:lstStyle/>
+          <a:p>
+            <a:endParaRPr lang="en-US"/>
+          </a:p>
+        </p:txBody>
+      </p:sp>
+      <p:pic>
+        <p:nvPicPr>
+          <p:cNvPr id="7" name="Content Placeholder 6" descr="A screenshot of a cell phone&#10;&#10;Description generated with very high confidence">
+            <a:extLst>
+              <a:ext uri="{FF2B5EF4-FFF2-40B4-BE49-F238E27FC236}">
+                <a16:creationId xmlns:a16="http://schemas.microsoft.com/office/drawing/2014/main" id="{96C37BCC-1EC2-4427-9556-25A04DDC7CC6}"/>
+              </a:ext>
+            </a:extLst>
+          </p:cNvPr>
+          <p:cNvPicPr>
+            <a:picLocks noGrp="1" noChangeAspect="1"/>
+          </p:cNvPicPr>
+          <p:nvPr>
+            <p:ph idx="10"/>
+          </p:nvPr>
+        </p:nvPicPr>
+        <p:blipFill>
+          <a:blip r:embed="rId2">
+            <a:extLst>
+              <a:ext uri="{28A0092B-C50C-407E-A947-70E740481C1C}">
+                <a14:useLocalDpi xmlns:a14="http://schemas.microsoft.com/office/drawing/2010/main" val="0"/>
+              </a:ext>
+            </a:extLst>
+          </a:blip>
+          <a:stretch>
+            <a:fillRect/>
+          </a:stretch>
+        </p:blipFill>
+        <p:spPr>
+          <a:xfrm>
+            <a:off x="1331640" y="411510"/>
+            <a:ext cx="5616624" cy="4826483"/>
+          </a:xfrm>
+        </p:spPr>
+      </p:pic>
+      <p:sp>
+        <p:nvSpPr>
+          <p:cNvPr id="5" name="Title 1">
+            <a:extLst>
+              <a:ext uri="{FF2B5EF4-FFF2-40B4-BE49-F238E27FC236}">
+                <a16:creationId xmlns:a16="http://schemas.microsoft.com/office/drawing/2014/main" id="{51179EAD-C618-4BEF-AD98-544A96528E9C}"/>
+              </a:ext>
+            </a:extLst>
+          </p:cNvPr>
+          <p:cNvSpPr>
+            <a:spLocks noGrp="1"/>
+          </p:cNvSpPr>
+          <p:nvPr>
+            <p:ph type="title"/>
+          </p:nvPr>
+        </p:nvSpPr>
+        <p:spPr>
+          <a:xfrm>
+            <a:off x="0" y="0"/>
+            <a:ext cx="4788024" cy="411510"/>
+          </a:xfrm>
+        </p:spPr>
+        <p:txBody>
+          <a:bodyPr/>
+          <a:lstStyle/>
+          <a:p>
+            <a:r>
+              <a:rPr lang="zh-TW" altLang="en-US" sz="2600" dirty="0">
+                <a:solidFill>
+                  <a:schemeClr val="tx1"/>
+                </a:solidFill>
+              </a:rPr>
+              <a:t>結構圖（銷售記錄管理）</a:t>
+            </a:r>
+            <a:endParaRPr lang="en-US" sz="2600" dirty="0">
+              <a:solidFill>
+                <a:schemeClr val="tx1"/>
+              </a:solidFill>
+            </a:endParaRPr>
+          </a:p>
+        </p:txBody>
+      </p:sp>
+    </p:spTree>
+    <p:extLst>
+      <p:ext uri="{BB962C8B-B14F-4D97-AF65-F5344CB8AC3E}">
+        <p14:creationId xmlns:p14="http://schemas.microsoft.com/office/powerpoint/2010/main" val="1430022718"/>
+      </p:ext>
+    </p:extLst>
+  </p:cSld>
+  <p:clrMapOvr>
+    <a:masterClrMapping/>
+  </p:clrMapOvr>
+</p:sld>
+</file>
+
+<file path=ppt/slides/slide19.xml><?xml version="1.0" encoding="utf-8"?>
+<p:sld xmlns:a="http://schemas.openxmlformats.org/drawingml/2006/main" xmlns:r="http://schemas.openxmlformats.org/officeDocument/2006/relationships" xmlns:p="http://schemas.openxmlformats.org/presentationml/2006/main">
+  <p:cSld>
+    <p:spTree>
+      <p:nvGrpSpPr>
+        <p:cNvPr id="1" name=""/>
+        <p:cNvGrpSpPr/>
+        <p:nvPr/>
+      </p:nvGrpSpPr>
+      <p:grpSpPr>
+        <a:xfrm>
+          <a:off x="0" y="0"/>
+          <a:ext cx="0" cy="0"/>
+          <a:chOff x="0" y="0"/>
+          <a:chExt cx="0" cy="0"/>
+        </a:xfrm>
+      </p:grpSpPr>
+      <p:sp>
+        <p:nvSpPr>
+          <p:cNvPr id="2" name="Title 1">
+            <a:extLst>
+              <a:ext uri="{FF2B5EF4-FFF2-40B4-BE49-F238E27FC236}">
+                <a16:creationId xmlns:a16="http://schemas.microsoft.com/office/drawing/2014/main" id="{840C08F5-228D-41A2-BFE2-433FD0E60BF2}"/>
+              </a:ext>
+            </a:extLst>
+          </p:cNvPr>
+          <p:cNvSpPr>
+            <a:spLocks noGrp="1"/>
+          </p:cNvSpPr>
+          <p:nvPr>
+            <p:ph type="title"/>
+          </p:nvPr>
+        </p:nvSpPr>
+        <p:spPr>
+          <a:xfrm>
+            <a:off x="-108520" y="2427734"/>
+            <a:ext cx="9144000" cy="884466"/>
+          </a:xfrm>
+        </p:spPr>
+        <p:txBody>
+          <a:bodyPr/>
+          <a:lstStyle/>
+          <a:p>
+            <a:pPr algn="ctr"/>
+            <a:r>
+              <a:rPr lang="en-US" sz="5000" dirty="0"/>
+              <a:t>THE   END</a:t>
+            </a:r>
+          </a:p>
+        </p:txBody>
+      </p:sp>
+    </p:spTree>
+    <p:extLst>
+      <p:ext uri="{BB962C8B-B14F-4D97-AF65-F5344CB8AC3E}">
+        <p14:creationId xmlns:p14="http://schemas.microsoft.com/office/powerpoint/2010/main" val="3188044624"/>
+      </p:ext>
+    </p:extLst>
+  </p:cSld>
+  <p:clrMapOvr>
+    <a:masterClrMapping/>
+  </p:clrMapOvr>
+</p:sld>
+</file>
+
 <file path=ppt/slides/slide2.xml><?xml version="1.0" encoding="utf-8"?>
 <p:sld xmlns:a="http://schemas.openxmlformats.org/drawingml/2006/main" xmlns:r="http://schemas.openxmlformats.org/officeDocument/2006/relationships" xmlns:p="http://schemas.openxmlformats.org/presentationml/2006/main">
   <p:cSld>
-    <p:bg>
-      <p:bgPr>
-        <a:gradFill flip="none" rotWithShape="1">
-          <a:gsLst>
-            <a:gs pos="0">
-              <a:schemeClr val="tx2">
-                <a:lumMod val="20000"/>
-                <a:lumOff val="80000"/>
-              </a:schemeClr>
-            </a:gs>
-            <a:gs pos="35500">
-              <a:srgbClr val="00B0F0"/>
-            </a:gs>
-            <a:gs pos="71000">
-              <a:schemeClr val="tx2">
-                <a:lumMod val="60000"/>
-                <a:lumOff val="40000"/>
-              </a:schemeClr>
-            </a:gs>
-          </a:gsLst>
-          <a:path path="circle">
-            <a:fillToRect r="100000" b="100000"/>
-          </a:path>
-          <a:tileRect l="-100000" t="-100000"/>
-        </a:gradFill>
-        <a:effectLst/>
-      </p:bgPr>
-    </p:bg>
     <p:spTree>
       <p:nvGrpSpPr>
         <p:cNvPr id="1" name=""/>
@@ -6524,7 +6584,7 @@
           <p:cNvPr id="8" name="Content Placeholder 7">
             <a:extLst>
               <a:ext uri="{FF2B5EF4-FFF2-40B4-BE49-F238E27FC236}">
-                <a16:creationId xmlns:a16="http://schemas.microsoft.com/office/drawing/2014/main" xmlns="" id="{D0F58796-F20D-2740-A72A-4E167EE31200}"/>
+                <a16:creationId xmlns:a16="http://schemas.microsoft.com/office/drawing/2014/main" id="{D0F58796-F20D-2740-A72A-4E167EE31200}"/>
               </a:ext>
             </a:extLst>
           </p:cNvPr>
@@ -6554,14 +6614,14 @@
                 <a:gridCol w="3316865">
                   <a:extLst>
                     <a:ext uri="{9D8B030D-6E8A-4147-A177-3AD203B41FA5}">
-                      <a16:colId xmlns:a16="http://schemas.microsoft.com/office/drawing/2014/main" xmlns="" val="4170412860"/>
+                      <a16:colId xmlns:a16="http://schemas.microsoft.com/office/drawing/2014/main" val="4170412860"/>
                     </a:ext>
                   </a:extLst>
                 </a:gridCol>
                 <a:gridCol w="3316865">
                   <a:extLst>
                     <a:ext uri="{9D8B030D-6E8A-4147-A177-3AD203B41FA5}">
-                      <a16:colId xmlns:a16="http://schemas.microsoft.com/office/drawing/2014/main" xmlns="" val="4227658176"/>
+                      <a16:colId xmlns:a16="http://schemas.microsoft.com/office/drawing/2014/main" val="4227658176"/>
                     </a:ext>
                   </a:extLst>
                 </a:gridCol>
@@ -6641,7 +6701,7 @@
                 </a:tc>
                 <a:extLst>
                   <a:ext uri="{0D108BD9-81ED-4DB2-BD59-A6C34878D82A}">
-                    <a16:rowId xmlns:a16="http://schemas.microsoft.com/office/drawing/2014/main" xmlns="" val="608201287"/>
+                    <a16:rowId xmlns:a16="http://schemas.microsoft.com/office/drawing/2014/main" val="608201287"/>
                   </a:ext>
                 </a:extLst>
               </a:tr>
@@ -6662,37 +6722,37 @@
                         <a:buAutoNum type="arabicPeriod"/>
                       </a:pPr>
                       <a:r>
-                        <a:rPr lang="zh-TW" altLang="en-US" sz="1100" dirty="0" smtClean="0">
+                        <a:rPr lang="zh-TW" altLang="en-US" sz="1100" dirty="0">
                           <a:effectLst/>
                         </a:rPr>
                         <a:t>使用者</a:t>
                       </a:r>
                       <a:r>
-                        <a:rPr lang="zh-Hant" altLang="en-US" sz="1100" dirty="0" smtClean="0">
+                        <a:rPr lang="zh-Hant" altLang="en-US" sz="1100" dirty="0">
                           <a:effectLst/>
                         </a:rPr>
                         <a:t>在已</a:t>
                       </a:r>
                       <a:r>
-                        <a:rPr lang="zh-TW" altLang="en-US" sz="1100" dirty="0" smtClean="0">
+                        <a:rPr lang="zh-TW" altLang="en-US" sz="1100" dirty="0">
                           <a:effectLst/>
                         </a:rPr>
                         <a:t>登入</a:t>
                       </a:r>
                       <a:r>
-                        <a:rPr lang="zh-Hant" altLang="en-US" sz="1100" dirty="0" smtClean="0">
+                        <a:rPr lang="zh-Hant" altLang="en-US" sz="1100" dirty="0">
                           <a:effectLst/>
                         </a:rPr>
                         <a:t>狀態下</a:t>
                       </a:r>
                       <a:r>
-                        <a:rPr lang="zh-TW" altLang="en-US" sz="1100" dirty="0" smtClean="0">
+                        <a:rPr lang="zh-TW" altLang="en-US" sz="1100" dirty="0">
                           <a:effectLst/>
                         </a:rPr>
                         <a:t>，</a:t>
                       </a:r>
                       <a:r>
-                        <a:rPr lang="zh-CN" altLang="en-US" sz="1100" b="1" kern="1200" dirty="0" smtClean="0">
+                        <a:rPr lang="zh-CN" altLang="en-US" sz="1100" b="1" kern="1200" dirty="0">
                           <a:solidFill>
                             <a:schemeClr val="dk1"/>
                           </a:solidFill>
@@ -6704,19 +6764,19 @@
                         <a:t>欲</a:t>
                       </a:r>
                       <a:r>
-                        <a:rPr lang="zh-TW" altLang="en-US" sz="1100" dirty="0" smtClean="0">
+                        <a:rPr lang="zh-TW" altLang="en-US" sz="1100" dirty="0">
                           <a:effectLst/>
                         </a:rPr>
                         <a:t>切換至賣家身份，</a:t>
                       </a:r>
                       <a:r>
-                        <a:rPr lang="zh-Hant" altLang="en-US" sz="1100" dirty="0" smtClean="0">
+                        <a:rPr lang="zh-Hant" altLang="en-US" sz="1100" dirty="0">
                           <a:effectLst/>
                         </a:rPr>
                         <a:t>經系統驗證，更新使用模式</a:t>
                       </a:r>
                       <a:r>
-                        <a:rPr lang="zh-TW" altLang="en-US" sz="1100" dirty="0" smtClean="0">
+                        <a:rPr lang="zh-TW" altLang="en-US" sz="1100" dirty="0">
                           <a:effectLst/>
                         </a:rPr>
                         <a:t>。</a:t>
@@ -6745,7 +6805,7 @@
                         </a:spcAft>
                       </a:pPr>
                       <a:r>
-                        <a:rPr lang="zh-TW" altLang="en-US" sz="1100" b="1" dirty="0" smtClean="0">
+                        <a:rPr lang="zh-TW" altLang="en-US" sz="1100" b="1" dirty="0">
                           <a:solidFill>
                             <a:schemeClr val="tx1"/>
                           </a:solidFill>
@@ -6754,7 +6814,7 @@
                         <a:t>使用者</a:t>
                       </a:r>
                       <a:r>
-                        <a:rPr lang="en-MY" sz="1100" b="1" dirty="0" smtClean="0">
+                        <a:rPr lang="en-MY" sz="1100" b="1" dirty="0">
                           <a:solidFill>
                             <a:schemeClr val="tx1"/>
                           </a:solidFill>
@@ -6763,7 +6823,7 @@
                         <a:t>+</a:t>
                       </a:r>
                       <a:r>
-                        <a:rPr lang="zh-TW" altLang="en-US" sz="1100" b="1" dirty="0" smtClean="0">
+                        <a:rPr lang="zh-TW" altLang="en-US" sz="1100" b="1" dirty="0">
                           <a:solidFill>
                             <a:schemeClr val="tx1"/>
                           </a:solidFill>
@@ -6772,7 +6832,7 @@
                         <a:t>傳送</a:t>
                       </a:r>
                       <a:r>
-                        <a:rPr lang="en-MY" sz="1100" b="1" dirty="0" smtClean="0">
+                        <a:rPr lang="en-MY" sz="1100" b="1" dirty="0">
                           <a:solidFill>
                             <a:schemeClr val="tx1"/>
                           </a:solidFill>
@@ -6781,7 +6841,7 @@
                         <a:t>+</a:t>
                       </a:r>
                       <a:r>
-                        <a:rPr lang="zh-TW" altLang="en-US" sz="1100" b="1" dirty="0" smtClean="0">
+                        <a:rPr lang="zh-TW" altLang="en-US" sz="1100" b="1" dirty="0">
                           <a:solidFill>
                             <a:schemeClr val="tx1"/>
                           </a:solidFill>
@@ -6789,7 +6849,7 @@
                         </a:rPr>
                         <a:t>切換身份請求</a:t>
                       </a:r>
-                      <a:endParaRPr lang="en-US" sz="1100" b="1" dirty="0" smtClean="0">
+                      <a:endParaRPr lang="en-US" sz="1100" b="1" dirty="0">
                         <a:solidFill>
                           <a:schemeClr val="tx1"/>
                         </a:solidFill>
@@ -6806,7 +6866,7 @@
                         </a:spcAft>
                       </a:pPr>
                       <a:r>
-                        <a:rPr lang="zh-TW" altLang="en-US" sz="1100" b="0" dirty="0" smtClean="0">
+                        <a:rPr lang="zh-TW" altLang="en-US" sz="1100" b="0" dirty="0">
                           <a:solidFill>
                             <a:schemeClr val="tx1"/>
                           </a:solidFill>
@@ -6815,7 +6875,7 @@
                         <a:t>應用程式</a:t>
                       </a:r>
                       <a:r>
-                        <a:rPr lang="en-MY" sz="1100" b="0" dirty="0" smtClean="0">
+                        <a:rPr lang="en-MY" sz="1100" b="0" dirty="0">
                           <a:solidFill>
                             <a:schemeClr val="tx1"/>
                           </a:solidFill>
@@ -6824,7 +6884,7 @@
                         <a:t>+</a:t>
                       </a:r>
                       <a:r>
-                        <a:rPr lang="zh-TW" altLang="en-US" sz="1100" b="0" dirty="0" smtClean="0">
+                        <a:rPr lang="zh-TW" altLang="en-US" sz="1100" b="0" dirty="0">
                           <a:solidFill>
                             <a:schemeClr val="tx1"/>
                           </a:solidFill>
@@ -6833,7 +6893,7 @@
                         <a:t>傳送</a:t>
                       </a:r>
                       <a:r>
-                        <a:rPr lang="en-MY" sz="1100" b="0" dirty="0" smtClean="0">
+                        <a:rPr lang="en-MY" sz="1100" b="0" dirty="0">
                           <a:solidFill>
                             <a:schemeClr val="tx1"/>
                           </a:solidFill>
@@ -6842,7 +6902,7 @@
                         <a:t>+</a:t>
                       </a:r>
                       <a:r>
-                        <a:rPr lang="zh-TW" altLang="en-US" sz="1100" b="0" dirty="0" smtClean="0">
+                        <a:rPr lang="zh-TW" altLang="en-US" sz="1100" b="0" dirty="0">
                           <a:solidFill>
                             <a:schemeClr val="tx1"/>
                           </a:solidFill>
@@ -6850,7 +6910,7 @@
                         </a:rPr>
                         <a:t>切換請求</a:t>
                       </a:r>
-                      <a:endParaRPr lang="en-US" sz="1100" b="0" dirty="0" smtClean="0">
+                      <a:endParaRPr lang="en-US" sz="1100" b="0" dirty="0">
                         <a:solidFill>
                           <a:schemeClr val="tx1"/>
                         </a:solidFill>
@@ -6867,36 +6927,36 @@
                         </a:spcAft>
                       </a:pPr>
                       <a:r>
-                        <a:rPr lang="zh-TW" altLang="en-US" sz="1100" dirty="0" smtClean="0">
+                        <a:rPr lang="zh-TW" altLang="en-US" sz="1100" dirty="0">
                           <a:effectLst/>
                         </a:rPr>
                         <a:t>伺服器</a:t>
                       </a:r>
                       <a:r>
-                        <a:rPr lang="en-MY" sz="1100" dirty="0" smtClean="0">
+                        <a:rPr lang="en-MY" sz="1100" dirty="0">
                           <a:effectLst/>
                         </a:rPr>
                         <a:t>+</a:t>
                       </a:r>
                       <a:r>
-                        <a:rPr lang="zh-TW" altLang="en-US" sz="1100" dirty="0" smtClean="0">
+                        <a:rPr lang="zh-TW" altLang="en-US" sz="1100" dirty="0">
                           <a:effectLst/>
                         </a:rPr>
                         <a:t>接收</a:t>
                       </a:r>
                       <a:r>
-                        <a:rPr lang="en-MY" sz="1100" dirty="0" smtClean="0">
+                        <a:rPr lang="en-MY" sz="1100" dirty="0">
                           <a:effectLst/>
                         </a:rPr>
                         <a:t>+</a:t>
                       </a:r>
                       <a:r>
-                        <a:rPr lang="zh-TW" altLang="en-US" sz="1100" dirty="0" smtClean="0">
+                        <a:rPr lang="zh-TW" altLang="en-US" sz="1100" dirty="0">
                           <a:effectLst/>
                         </a:rPr>
                         <a:t>切換請求</a:t>
                       </a:r>
-                      <a:endParaRPr lang="en-US" sz="1100" dirty="0" smtClean="0">
+                      <a:endParaRPr lang="en-US" sz="1100" dirty="0">
                         <a:effectLst/>
                       </a:endParaRPr>
                     </a:p>
@@ -6910,36 +6970,36 @@
                         </a:spcAft>
                       </a:pPr>
                       <a:r>
-                        <a:rPr lang="zh-TW" altLang="en-US" sz="1100" dirty="0" smtClean="0">
+                        <a:rPr lang="zh-TW" altLang="en-US" sz="1100" dirty="0">
                           <a:effectLst/>
                         </a:rPr>
                         <a:t>伺服器</a:t>
                       </a:r>
                       <a:r>
-                        <a:rPr lang="en-MY" sz="1100" dirty="0" smtClean="0">
+                        <a:rPr lang="en-MY" sz="1100" dirty="0">
                           <a:effectLst/>
                         </a:rPr>
                         <a:t>+</a:t>
                       </a:r>
                       <a:r>
-                        <a:rPr lang="zh-TW" altLang="en-US" sz="1100" dirty="0" smtClean="0">
+                        <a:rPr lang="zh-TW" altLang="en-US" sz="1100" dirty="0">
                           <a:effectLst/>
                         </a:rPr>
                         <a:t>查詢</a:t>
                       </a:r>
                       <a:r>
-                        <a:rPr lang="en-MY" sz="1100" dirty="0" smtClean="0">
+                        <a:rPr lang="en-MY" sz="1100" dirty="0">
                           <a:effectLst/>
                         </a:rPr>
                         <a:t>+</a:t>
                       </a:r>
                       <a:r>
-                        <a:rPr lang="zh-TW" altLang="en-US" sz="1100" dirty="0" smtClean="0">
+                        <a:rPr lang="zh-TW" altLang="en-US" sz="1100" dirty="0">
                           <a:effectLst/>
                         </a:rPr>
                         <a:t>使用者設定</a:t>
                       </a:r>
-                      <a:endParaRPr lang="en-US" sz="1100" dirty="0" smtClean="0">
+                      <a:endParaRPr lang="en-US" sz="1100" dirty="0">
                         <a:effectLst/>
                       </a:endParaRPr>
                     </a:p>
@@ -6953,36 +7013,36 @@
                         </a:spcAft>
                       </a:pPr>
                       <a:r>
-                        <a:rPr lang="zh-TW" altLang="en-US" sz="1100" dirty="0" smtClean="0">
+                        <a:rPr lang="zh-TW" altLang="en-US" sz="1100" dirty="0">
                           <a:effectLst/>
                         </a:rPr>
                         <a:t>伺服器</a:t>
                       </a:r>
                       <a:r>
-                        <a:rPr lang="en-MY" sz="1100" dirty="0" smtClean="0">
+                        <a:rPr lang="en-MY" sz="1100" dirty="0">
                           <a:effectLst/>
                         </a:rPr>
                         <a:t>+</a:t>
                       </a:r>
                       <a:r>
-                        <a:rPr lang="zh-TW" altLang="en-US" sz="1100" dirty="0" smtClean="0">
+                        <a:rPr lang="zh-TW" altLang="en-US" sz="1100" dirty="0">
                           <a:effectLst/>
                         </a:rPr>
                         <a:t>更新</a:t>
                       </a:r>
                       <a:r>
-                        <a:rPr lang="en-MY" sz="1100" dirty="0" smtClean="0">
+                        <a:rPr lang="en-MY" sz="1100" dirty="0">
                           <a:effectLst/>
                         </a:rPr>
                         <a:t>+</a:t>
                       </a:r>
                       <a:r>
-                        <a:rPr lang="zh-TW" altLang="en-US" sz="1100" dirty="0" smtClean="0">
+                        <a:rPr lang="zh-TW" altLang="en-US" sz="1100" dirty="0">
                           <a:effectLst/>
                         </a:rPr>
                         <a:t>使用者登入狀態</a:t>
                       </a:r>
-                      <a:endParaRPr lang="en-US" altLang="zh-TW" sz="1100" dirty="0" smtClean="0">
+                      <a:endParaRPr lang="en-US" altLang="zh-TW" sz="1100" dirty="0">
                         <a:effectLst/>
                       </a:endParaRPr>
                     </a:p>
@@ -7005,7 +7065,7 @@
                         <a:defRPr/>
                       </a:pPr>
                       <a:r>
-                        <a:rPr lang="zh-TW" altLang="en-US" sz="1100" b="1" dirty="0" smtClean="0">
+                        <a:rPr lang="zh-TW" altLang="en-US" sz="1100" b="1" dirty="0">
                           <a:solidFill>
                             <a:schemeClr val="tx1"/>
                           </a:solidFill>
@@ -7014,7 +7074,7 @@
                         <a:t>應用程式</a:t>
                       </a:r>
                       <a:r>
-                        <a:rPr lang="en-MY" sz="1100" b="1" dirty="0" smtClean="0">
+                        <a:rPr lang="en-MY" sz="1100" b="1" dirty="0">
                           <a:solidFill>
                             <a:schemeClr val="tx1"/>
                           </a:solidFill>
@@ -7023,7 +7083,7 @@
                         <a:t>+</a:t>
                       </a:r>
                       <a:r>
-                        <a:rPr lang="zh-TW" altLang="en-US" sz="1100" b="1" dirty="0" smtClean="0">
+                        <a:rPr lang="zh-TW" altLang="en-US" sz="1100" b="1" dirty="0">
                           <a:solidFill>
                             <a:schemeClr val="tx1"/>
                           </a:solidFill>
@@ -7032,7 +7092,7 @@
                         <a:t>更新</a:t>
                       </a:r>
                       <a:r>
-                        <a:rPr lang="en-MY" sz="1100" b="1" dirty="0" smtClean="0">
+                        <a:rPr lang="en-MY" sz="1100" b="1" dirty="0">
                           <a:solidFill>
                             <a:schemeClr val="tx1"/>
                           </a:solidFill>
@@ -7041,7 +7101,7 @@
                         <a:t>+</a:t>
                       </a:r>
                       <a:r>
-                        <a:rPr lang="zh-TW" altLang="en-US" sz="1100" b="1" dirty="0" smtClean="0">
+                        <a:rPr lang="zh-TW" altLang="en-US" sz="1100" b="1" dirty="0">
                           <a:solidFill>
                             <a:schemeClr val="tx1"/>
                           </a:solidFill>
@@ -7050,7 +7110,7 @@
                         <a:t>使用</a:t>
                       </a:r>
                       <a:r>
-                        <a:rPr lang="zh-Hant" altLang="en-US" sz="1100" b="1" dirty="0" smtClean="0">
+                        <a:rPr lang="zh-Hant" altLang="en-US" sz="1100" b="1" dirty="0">
                           <a:solidFill>
                             <a:schemeClr val="tx1"/>
                           </a:solidFill>
@@ -7070,7 +7130,7 @@
                 </a:tc>
                 <a:extLst>
                   <a:ext uri="{0D108BD9-81ED-4DB2-BD59-A6C34878D82A}">
-                    <a16:rowId xmlns:a16="http://schemas.microsoft.com/office/drawing/2014/main" xmlns="" val="2915758028"/>
+                    <a16:rowId xmlns:a16="http://schemas.microsoft.com/office/drawing/2014/main" val="2915758028"/>
                   </a:ext>
                 </a:extLst>
               </a:tr>
@@ -7091,22 +7151,16 @@
                         <a:buNone/>
                       </a:pPr>
                       <a:r>
-                        <a:rPr lang="en-US" altLang="zh-CN" sz="1100" dirty="0" smtClean="0">
+                        <a:rPr lang="en-US" altLang="zh-CN" sz="1100" dirty="0">
                           <a:effectLst/>
                         </a:rPr>
                         <a:t>2.     </a:t>
                       </a:r>
                       <a:r>
-                        <a:rPr lang="zh-TW" sz="1100" dirty="0" smtClean="0">
-                          <a:effectLst/>
-                        </a:rPr>
-                        <a:t>賣</a:t>
-                      </a:r>
-                      <a:r>
                         <a:rPr lang="zh-TW" sz="1100" dirty="0">
                           <a:effectLst/>
                         </a:rPr>
-                        <a:t>家可瀏覽今日銷售記錄、單個商品銷售記錄</a:t>
+                        <a:t>賣家可瀏覽今日銷售記錄、單個商品銷售記錄</a:t>
                       </a:r>
                       <a:endParaRPr lang="en-US" sz="1100" dirty="0">
                         <a:effectLst/>
@@ -7132,36 +7186,36 @@
                         </a:spcAft>
                       </a:pPr>
                       <a:r>
-                        <a:rPr lang="zh-TW" altLang="en-US" sz="1100" b="1" dirty="0" smtClean="0">
+                        <a:rPr lang="zh-TW" altLang="en-US" sz="1100" b="1" dirty="0">
                           <a:effectLst/>
                         </a:rPr>
                         <a:t>賣家</a:t>
                       </a:r>
                       <a:r>
-                        <a:rPr lang="en-MY" sz="1100" b="1" dirty="0" smtClean="0">
+                        <a:rPr lang="en-MY" sz="1100" b="1" dirty="0">
                           <a:effectLst/>
                         </a:rPr>
                         <a:t>+</a:t>
                       </a:r>
                       <a:r>
-                        <a:rPr lang="zh-TW" altLang="en-US" sz="1100" b="1" dirty="0" smtClean="0">
+                        <a:rPr lang="zh-TW" altLang="en-US" sz="1100" b="1" dirty="0">
                           <a:effectLst/>
                         </a:rPr>
                         <a:t>發送</a:t>
                       </a:r>
                       <a:r>
-                        <a:rPr lang="en-MY" sz="1100" b="1" dirty="0" smtClean="0">
+                        <a:rPr lang="en-MY" sz="1100" b="1" dirty="0">
                           <a:effectLst/>
                         </a:rPr>
                         <a:t>+</a:t>
                       </a:r>
                       <a:r>
-                        <a:rPr lang="zh-TW" altLang="en-US" sz="1100" b="1" dirty="0" smtClean="0">
+                        <a:rPr lang="zh-TW" altLang="en-US" sz="1100" b="1" dirty="0">
                           <a:effectLst/>
                         </a:rPr>
                         <a:t>瀏覽請求</a:t>
                       </a:r>
-                      <a:endParaRPr lang="en-US" sz="1100" b="1" dirty="0" smtClean="0">
+                      <a:endParaRPr lang="en-US" sz="1100" b="1" dirty="0">
                         <a:effectLst/>
                       </a:endParaRPr>
                     </a:p>
@@ -7175,36 +7229,36 @@
                         </a:spcAft>
                       </a:pPr>
                       <a:r>
-                        <a:rPr lang="zh-TW" altLang="en-US" sz="1100" dirty="0" smtClean="0">
+                        <a:rPr lang="zh-TW" altLang="en-US" sz="1100" dirty="0">
                           <a:effectLst/>
                         </a:rPr>
                         <a:t>應用程式</a:t>
                       </a:r>
                       <a:r>
-                        <a:rPr lang="en-MY" sz="1100" dirty="0" smtClean="0">
+                        <a:rPr lang="en-MY" sz="1100" dirty="0">
                           <a:effectLst/>
                         </a:rPr>
                         <a:t>+</a:t>
                       </a:r>
                       <a:r>
-                        <a:rPr lang="zh-TW" altLang="en-US" sz="1100" dirty="0" smtClean="0">
+                        <a:rPr lang="zh-TW" altLang="en-US" sz="1100" dirty="0">
                           <a:effectLst/>
                         </a:rPr>
                         <a:t>接收</a:t>
                       </a:r>
                       <a:r>
-                        <a:rPr lang="en-MY" sz="1100" dirty="0" smtClean="0">
+                        <a:rPr lang="en-MY" sz="1100" dirty="0">
                           <a:effectLst/>
                         </a:rPr>
                         <a:t>+</a:t>
                       </a:r>
                       <a:r>
-                        <a:rPr lang="zh-TW" altLang="en-US" sz="1100" dirty="0" smtClean="0">
+                        <a:rPr lang="zh-TW" altLang="en-US" sz="1100" dirty="0">
                           <a:effectLst/>
                         </a:rPr>
                         <a:t>瀏覽請求</a:t>
                       </a:r>
-                      <a:endParaRPr lang="en-US" sz="1100" dirty="0" smtClean="0">
+                      <a:endParaRPr lang="en-US" sz="1100" dirty="0">
                         <a:effectLst/>
                       </a:endParaRPr>
                     </a:p>
@@ -7218,36 +7272,36 @@
                         </a:spcAft>
                       </a:pPr>
                       <a:r>
-                        <a:rPr lang="zh-TW" altLang="en-US" sz="1100" dirty="0" smtClean="0">
+                        <a:rPr lang="zh-TW" altLang="en-US" sz="1100" dirty="0">
                           <a:effectLst/>
                         </a:rPr>
                         <a:t>應用程式</a:t>
                       </a:r>
                       <a:r>
-                        <a:rPr lang="en-MY" sz="1100" dirty="0" smtClean="0">
+                        <a:rPr lang="en-MY" sz="1100" dirty="0">
                           <a:effectLst/>
                         </a:rPr>
                         <a:t>+</a:t>
                       </a:r>
                       <a:r>
-                        <a:rPr lang="zh-TW" altLang="en-US" sz="1100" dirty="0" smtClean="0">
+                        <a:rPr lang="zh-TW" altLang="en-US" sz="1100" dirty="0">
                           <a:effectLst/>
                         </a:rPr>
                         <a:t>發送</a:t>
                       </a:r>
                       <a:r>
-                        <a:rPr lang="en-MY" sz="1100" dirty="0" smtClean="0">
+                        <a:rPr lang="en-MY" sz="1100" dirty="0">
                           <a:effectLst/>
                         </a:rPr>
                         <a:t>+</a:t>
                       </a:r>
                       <a:r>
-                        <a:rPr lang="zh-TW" altLang="en-US" sz="1100" dirty="0" smtClean="0">
+                        <a:rPr lang="zh-TW" altLang="en-US" sz="1100" dirty="0">
                           <a:effectLst/>
                         </a:rPr>
                         <a:t>瀏覽請求</a:t>
                       </a:r>
-                      <a:endParaRPr lang="en-US" sz="1100" dirty="0" smtClean="0">
+                      <a:endParaRPr lang="en-US" sz="1100" dirty="0">
                         <a:effectLst/>
                       </a:endParaRPr>
                     </a:p>
@@ -7261,36 +7315,36 @@
                         </a:spcAft>
                       </a:pPr>
                       <a:r>
-                        <a:rPr lang="zh-TW" altLang="en-US" sz="1100" dirty="0" smtClean="0">
+                        <a:rPr lang="zh-TW" altLang="en-US" sz="1100" dirty="0">
                           <a:effectLst/>
                         </a:rPr>
                         <a:t>伺服器</a:t>
                       </a:r>
                       <a:r>
-                        <a:rPr lang="en-MY" sz="1100" dirty="0" smtClean="0">
+                        <a:rPr lang="en-MY" sz="1100" dirty="0">
                           <a:effectLst/>
                         </a:rPr>
                         <a:t>+</a:t>
                       </a:r>
                       <a:r>
-                        <a:rPr lang="zh-TW" altLang="en-US" sz="1100" dirty="0" smtClean="0">
+                        <a:rPr lang="zh-TW" altLang="en-US" sz="1100" dirty="0">
                           <a:effectLst/>
                         </a:rPr>
                         <a:t>接收</a:t>
                       </a:r>
                       <a:r>
-                        <a:rPr lang="en-MY" sz="1100" dirty="0" smtClean="0">
+                        <a:rPr lang="en-MY" sz="1100" dirty="0">
                           <a:effectLst/>
                         </a:rPr>
                         <a:t>+</a:t>
                       </a:r>
                       <a:r>
-                        <a:rPr lang="zh-TW" altLang="en-US" sz="1100" dirty="0" smtClean="0">
+                        <a:rPr lang="zh-TW" altLang="en-US" sz="1100" dirty="0">
                           <a:effectLst/>
                         </a:rPr>
                         <a:t>瀏覽請求</a:t>
                       </a:r>
-                      <a:endParaRPr lang="en-US" sz="1100" dirty="0" smtClean="0">
+                      <a:endParaRPr lang="en-US" sz="1100" dirty="0">
                         <a:effectLst/>
                       </a:endParaRPr>
                     </a:p>
@@ -7304,36 +7358,36 @@
                         </a:spcAft>
                       </a:pPr>
                       <a:r>
-                        <a:rPr lang="zh-TW" altLang="en-US" sz="1100" dirty="0" smtClean="0">
+                        <a:rPr lang="zh-TW" altLang="en-US" sz="1100" dirty="0">
                           <a:effectLst/>
                         </a:rPr>
                         <a:t>伺服器</a:t>
                       </a:r>
                       <a:r>
-                        <a:rPr lang="en-MY" sz="1100" dirty="0" smtClean="0">
+                        <a:rPr lang="en-MY" sz="1100" dirty="0">
                           <a:effectLst/>
                         </a:rPr>
                         <a:t>+</a:t>
                       </a:r>
                       <a:r>
-                        <a:rPr lang="zh-TW" altLang="en-US" sz="1100" dirty="0" smtClean="0">
+                        <a:rPr lang="zh-TW" altLang="en-US" sz="1100" dirty="0">
                           <a:effectLst/>
                         </a:rPr>
                         <a:t>回傳</a:t>
                       </a:r>
                       <a:r>
-                        <a:rPr lang="en-MY" sz="1100" dirty="0" smtClean="0">
+                        <a:rPr lang="en-MY" sz="1100" dirty="0">
                           <a:effectLst/>
                         </a:rPr>
                         <a:t>+</a:t>
                       </a:r>
                       <a:r>
-                        <a:rPr lang="zh-TW" altLang="en-US" sz="1100" dirty="0" smtClean="0">
+                        <a:rPr lang="zh-TW" altLang="en-US" sz="1100" dirty="0">
                           <a:effectLst/>
                         </a:rPr>
                         <a:t>銷售記錄資料</a:t>
                       </a:r>
-                      <a:endParaRPr lang="en-US" sz="1100" dirty="0" smtClean="0">
+                      <a:endParaRPr lang="en-US" sz="1100" dirty="0">
                         <a:effectLst/>
                       </a:endParaRPr>
                     </a:p>
@@ -7347,36 +7401,36 @@
                         </a:spcAft>
                       </a:pPr>
                       <a:r>
-                        <a:rPr lang="zh-TW" altLang="en-US" sz="1100" dirty="0" smtClean="0">
+                        <a:rPr lang="zh-TW" altLang="en-US" sz="1100" dirty="0">
                           <a:effectLst/>
                         </a:rPr>
                         <a:t>應用程式</a:t>
                       </a:r>
                       <a:r>
-                        <a:rPr lang="en-MY" sz="1100" dirty="0" smtClean="0">
+                        <a:rPr lang="en-MY" sz="1100" dirty="0">
                           <a:effectLst/>
                         </a:rPr>
                         <a:t>+</a:t>
                       </a:r>
                       <a:r>
-                        <a:rPr lang="zh-TW" altLang="en-US" sz="1100" dirty="0" smtClean="0">
+                        <a:rPr lang="zh-TW" altLang="en-US" sz="1100" dirty="0">
                           <a:effectLst/>
                         </a:rPr>
                         <a:t>接收</a:t>
                       </a:r>
                       <a:r>
-                        <a:rPr lang="en-MY" sz="1100" dirty="0" smtClean="0">
+                        <a:rPr lang="en-MY" sz="1100" dirty="0">
                           <a:effectLst/>
                         </a:rPr>
                         <a:t>+</a:t>
                       </a:r>
                       <a:r>
-                        <a:rPr lang="zh-TW" altLang="en-US" sz="1100" dirty="0" smtClean="0">
+                        <a:rPr lang="zh-TW" altLang="en-US" sz="1100" dirty="0">
                           <a:effectLst/>
                         </a:rPr>
                         <a:t>銷售記錄資料</a:t>
                       </a:r>
-                      <a:endParaRPr lang="en-US" sz="1100" dirty="0" smtClean="0">
+                      <a:endParaRPr lang="en-US" sz="1100" dirty="0">
                         <a:effectLst/>
                       </a:endParaRPr>
                     </a:p>
@@ -7390,31 +7444,31 @@
                         </a:spcAft>
                       </a:pPr>
                       <a:r>
-                        <a:rPr lang="zh-TW" altLang="en-US" sz="1100" b="1" dirty="0" smtClean="0">
+                        <a:rPr lang="zh-TW" altLang="en-US" sz="1100" b="1" dirty="0">
                           <a:effectLst/>
                         </a:rPr>
                         <a:t>應用程式</a:t>
                       </a:r>
                       <a:r>
-                        <a:rPr lang="en-MY" sz="1100" b="1" dirty="0" smtClean="0">
+                        <a:rPr lang="en-MY" sz="1100" b="1" dirty="0">
                           <a:effectLst/>
                         </a:rPr>
                         <a:t>+</a:t>
                       </a:r>
                       <a:r>
-                        <a:rPr lang="zh-TW" altLang="en-US" sz="1100" b="1" dirty="0" smtClean="0">
+                        <a:rPr lang="zh-TW" altLang="en-US" sz="1100" b="1" dirty="0">
                           <a:effectLst/>
                         </a:rPr>
                         <a:t>顯示</a:t>
                       </a:r>
                       <a:r>
-                        <a:rPr lang="en-MY" sz="1100" b="1" dirty="0" smtClean="0">
+                        <a:rPr lang="en-MY" sz="1100" b="1" dirty="0">
                           <a:effectLst/>
                         </a:rPr>
                         <a:t>+</a:t>
                       </a:r>
                       <a:r>
-                        <a:rPr lang="zh-TW" altLang="en-US" sz="1100" b="1" dirty="0" smtClean="0">
+                        <a:rPr lang="zh-TW" altLang="en-US" sz="1100" b="1" dirty="0">
                           <a:effectLst/>
                         </a:rPr>
                         <a:t>銷售記錄</a:t>
@@ -7431,7 +7485,7 @@
                 </a:tc>
                 <a:extLst>
                   <a:ext uri="{0D108BD9-81ED-4DB2-BD59-A6C34878D82A}">
-                    <a16:rowId xmlns:a16="http://schemas.microsoft.com/office/drawing/2014/main" xmlns="" val="4263870807"/>
+                    <a16:rowId xmlns:a16="http://schemas.microsoft.com/office/drawing/2014/main" val="4263870807"/>
                   </a:ext>
                 </a:extLst>
               </a:tr>
@@ -7444,7 +7498,7 @@
           <p:cNvPr id="9" name="Title 1">
             <a:extLst>
               <a:ext uri="{FF2B5EF4-FFF2-40B4-BE49-F238E27FC236}">
-                <a16:creationId xmlns:a16="http://schemas.microsoft.com/office/drawing/2014/main" xmlns="" id="{C31DB15B-7C35-8E4A-98EF-B2D7793BE7F1}"/>
+                <a16:creationId xmlns:a16="http://schemas.microsoft.com/office/drawing/2014/main" id="{C31DB15B-7C35-8E4A-98EF-B2D7793BE7F1}"/>
               </a:ext>
             </a:extLst>
           </p:cNvPr>
@@ -7539,47 +7593,12 @@
   <p:clrMapOvr>
     <a:masterClrMapping/>
   </p:clrMapOvr>
-  <p:timing>
-    <p:tnLst>
-      <p:par>
-        <p:cTn id="1" dur="indefinite" restart="never" nodeType="tmRoot"/>
-      </p:par>
-    </p:tnLst>
-  </p:timing>
 </p:sld>
 </file>
 
 <file path=ppt/slides/slide3.xml><?xml version="1.0" encoding="utf-8"?>
 <p:sld xmlns:a="http://schemas.openxmlformats.org/drawingml/2006/main" xmlns:r="http://schemas.openxmlformats.org/officeDocument/2006/relationships" xmlns:p="http://schemas.openxmlformats.org/presentationml/2006/main">
   <p:cSld>
-    <p:bg>
-      <p:bgPr>
-        <a:gradFill flip="none" rotWithShape="1">
-          <a:gsLst>
-            <a:gs pos="0">
-              <a:schemeClr val="tx2">
-                <a:lumMod val="20000"/>
-                <a:lumOff val="80000"/>
-              </a:schemeClr>
-            </a:gs>
-            <a:gs pos="35500">
-              <a:srgbClr val="00B0F0"/>
-            </a:gs>
-            <a:gs pos="71000">
-              <a:schemeClr val="tx2">
-                <a:lumMod val="60000"/>
-                <a:lumOff val="40000"/>
-              </a:schemeClr>
-            </a:gs>
-          </a:gsLst>
-          <a:path path="circle">
-            <a:fillToRect r="100000" b="100000"/>
-          </a:path>
-          <a:tileRect l="-100000" t="-100000"/>
-        </a:gradFill>
-        <a:effectLst/>
-      </p:bgPr>
-    </p:bg>
     <p:spTree>
       <p:nvGrpSpPr>
         <p:cNvPr id="1" name=""/>
@@ -7599,7 +7618,7 @@
           <p:cNvPr id="2" name="Title 1">
             <a:extLst>
               <a:ext uri="{FF2B5EF4-FFF2-40B4-BE49-F238E27FC236}">
-                <a16:creationId xmlns:a16="http://schemas.microsoft.com/office/drawing/2014/main" xmlns="" id="{5DE67083-97B1-0448-8E01-02F477F3C7EB}"/>
+                <a16:creationId xmlns:a16="http://schemas.microsoft.com/office/drawing/2014/main" id="{5DE67083-97B1-0448-8E01-02F477F3C7EB}"/>
               </a:ext>
             </a:extLst>
           </p:cNvPr>
@@ -7675,47 +7694,12 @@
   <p:clrMapOvr>
     <a:masterClrMapping/>
   </p:clrMapOvr>
-  <p:timing>
-    <p:tnLst>
-      <p:par>
-        <p:cTn id="1" dur="indefinite" restart="never" nodeType="tmRoot"/>
-      </p:par>
-    </p:tnLst>
-  </p:timing>
 </p:sld>
 </file>
 
 <file path=ppt/slides/slide4.xml><?xml version="1.0" encoding="utf-8"?>
 <p:sld xmlns:a="http://schemas.openxmlformats.org/drawingml/2006/main" xmlns:r="http://schemas.openxmlformats.org/officeDocument/2006/relationships" xmlns:p="http://schemas.openxmlformats.org/presentationml/2006/main">
   <p:cSld>
-    <p:bg>
-      <p:bgPr>
-        <a:gradFill flip="none" rotWithShape="1">
-          <a:gsLst>
-            <a:gs pos="0">
-              <a:schemeClr val="tx2">
-                <a:lumMod val="20000"/>
-                <a:lumOff val="80000"/>
-              </a:schemeClr>
-            </a:gs>
-            <a:gs pos="35500">
-              <a:srgbClr val="00B0F0"/>
-            </a:gs>
-            <a:gs pos="71000">
-              <a:schemeClr val="tx2">
-                <a:lumMod val="60000"/>
-                <a:lumOff val="40000"/>
-              </a:schemeClr>
-            </a:gs>
-          </a:gsLst>
-          <a:path path="circle">
-            <a:fillToRect r="100000" b="100000"/>
-          </a:path>
-          <a:tileRect l="-100000" t="-100000"/>
-        </a:gradFill>
-        <a:effectLst/>
-      </p:bgPr>
-    </p:bg>
     <p:spTree>
       <p:nvGrpSpPr>
         <p:cNvPr id="1" name=""/>
@@ -7735,7 +7719,7 @@
           <p:cNvPr id="5" name="Content Placeholder 4">
             <a:extLst>
               <a:ext uri="{FF2B5EF4-FFF2-40B4-BE49-F238E27FC236}">
-                <a16:creationId xmlns:a16="http://schemas.microsoft.com/office/drawing/2014/main" xmlns="" id="{34E024CD-D143-6144-9F2E-85B8187FB907}"/>
+                <a16:creationId xmlns:a16="http://schemas.microsoft.com/office/drawing/2014/main" id="{34E024CD-D143-6144-9F2E-85B8187FB907}"/>
               </a:ext>
             </a:extLst>
           </p:cNvPr>
@@ -7773,7 +7757,7 @@
           <p:cNvPr id="6" name="Picture 5">
             <a:extLst>
               <a:ext uri="{FF2B5EF4-FFF2-40B4-BE49-F238E27FC236}">
-                <a16:creationId xmlns:a16="http://schemas.microsoft.com/office/drawing/2014/main" xmlns="" id="{BBC23686-A54D-3948-970F-F39190C7947D}"/>
+                <a16:creationId xmlns:a16="http://schemas.microsoft.com/office/drawing/2014/main" id="{BBC23686-A54D-3948-970F-F39190C7947D}"/>
               </a:ext>
             </a:extLst>
           </p:cNvPr>
@@ -7807,7 +7791,7 @@
           <p:cNvPr id="9" name="Down Arrow 8">
             <a:extLst>
               <a:ext uri="{FF2B5EF4-FFF2-40B4-BE49-F238E27FC236}">
-                <a16:creationId xmlns:a16="http://schemas.microsoft.com/office/drawing/2014/main" xmlns="" id="{EEF4B0DB-5DA9-5D40-A305-3CC05FEA97C4}"/>
+                <a16:creationId xmlns:a16="http://schemas.microsoft.com/office/drawing/2014/main" id="{EEF4B0DB-5DA9-5D40-A305-3CC05FEA97C4}"/>
               </a:ext>
             </a:extLst>
           </p:cNvPr>
@@ -7853,7 +7837,7 @@
           <p:cNvPr id="15" name="Title 1">
             <a:extLst>
               <a:ext uri="{FF2B5EF4-FFF2-40B4-BE49-F238E27FC236}">
-                <a16:creationId xmlns:a16="http://schemas.microsoft.com/office/drawing/2014/main" xmlns="" id="{F4C4A796-8AEB-7641-8B55-458C4FE2D291}"/>
+                <a16:creationId xmlns:a16="http://schemas.microsoft.com/office/drawing/2014/main" id="{F4C4A796-8AEB-7641-8B55-458C4FE2D291}"/>
               </a:ext>
             </a:extLst>
           </p:cNvPr>
@@ -7924,47 +7908,12 @@
   <p:clrMapOvr>
     <a:masterClrMapping/>
   </p:clrMapOvr>
-  <p:timing>
-    <p:tnLst>
-      <p:par>
-        <p:cTn id="1" dur="indefinite" restart="never" nodeType="tmRoot"/>
-      </p:par>
-    </p:tnLst>
-  </p:timing>
 </p:sld>
 </file>
 
 <file path=ppt/slides/slide5.xml><?xml version="1.0" encoding="utf-8"?>
 <p:sld xmlns:a="http://schemas.openxmlformats.org/drawingml/2006/main" xmlns:r="http://schemas.openxmlformats.org/officeDocument/2006/relationships" xmlns:p="http://schemas.openxmlformats.org/presentationml/2006/main">
   <p:cSld>
-    <p:bg>
-      <p:bgPr>
-        <a:gradFill flip="none" rotWithShape="1">
-          <a:gsLst>
-            <a:gs pos="0">
-              <a:schemeClr val="tx2">
-                <a:lumMod val="20000"/>
-                <a:lumOff val="80000"/>
-              </a:schemeClr>
-            </a:gs>
-            <a:gs pos="35500">
-              <a:srgbClr val="00B0F0"/>
-            </a:gs>
-            <a:gs pos="71000">
-              <a:schemeClr val="tx2">
-                <a:lumMod val="60000"/>
-                <a:lumOff val="40000"/>
-              </a:schemeClr>
-            </a:gs>
-          </a:gsLst>
-          <a:path path="circle">
-            <a:fillToRect r="100000" b="100000"/>
-          </a:path>
-          <a:tileRect l="-100000" t="-100000"/>
-        </a:gradFill>
-        <a:effectLst/>
-      </p:bgPr>
-    </p:bg>
     <p:spTree>
       <p:nvGrpSpPr>
         <p:cNvPr id="1" name=""/>
@@ -7984,7 +7933,7 @@
           <p:cNvPr id="9" name="Down Arrow 8">
             <a:extLst>
               <a:ext uri="{FF2B5EF4-FFF2-40B4-BE49-F238E27FC236}">
-                <a16:creationId xmlns:a16="http://schemas.microsoft.com/office/drawing/2014/main" xmlns="" id="{EEF4B0DB-5DA9-5D40-A305-3CC05FEA97C4}"/>
+                <a16:creationId xmlns:a16="http://schemas.microsoft.com/office/drawing/2014/main" id="{EEF4B0DB-5DA9-5D40-A305-3CC05FEA97C4}"/>
               </a:ext>
             </a:extLst>
           </p:cNvPr>
@@ -8030,7 +7979,7 @@
           <p:cNvPr id="15" name="Title 1">
             <a:extLst>
               <a:ext uri="{FF2B5EF4-FFF2-40B4-BE49-F238E27FC236}">
-                <a16:creationId xmlns:a16="http://schemas.microsoft.com/office/drawing/2014/main" xmlns="" id="{F4C4A796-8AEB-7641-8B55-458C4FE2D291}"/>
+                <a16:creationId xmlns:a16="http://schemas.microsoft.com/office/drawing/2014/main" id="{F4C4A796-8AEB-7641-8B55-458C4FE2D291}"/>
               </a:ext>
             </a:extLst>
           </p:cNvPr>
@@ -8096,7 +8045,7 @@
           <p:cNvPr id="8" name="Picture 7">
             <a:extLst>
               <a:ext uri="{FF2B5EF4-FFF2-40B4-BE49-F238E27FC236}">
-                <a16:creationId xmlns:a16="http://schemas.microsoft.com/office/drawing/2014/main" xmlns="" id="{49D1363A-6243-6A4B-AF55-C10C2EFCDC21}"/>
+                <a16:creationId xmlns:a16="http://schemas.microsoft.com/office/drawing/2014/main" id="{49D1363A-6243-6A4B-AF55-C10C2EFCDC21}"/>
               </a:ext>
             </a:extLst>
           </p:cNvPr>
@@ -8130,7 +8079,7 @@
           <p:cNvPr id="10" name="Picture 9">
             <a:extLst>
               <a:ext uri="{FF2B5EF4-FFF2-40B4-BE49-F238E27FC236}">
-                <a16:creationId xmlns:a16="http://schemas.microsoft.com/office/drawing/2014/main" xmlns="" id="{5B7994C7-D4E8-4C4E-AA71-0106FD979C8A}"/>
+                <a16:creationId xmlns:a16="http://schemas.microsoft.com/office/drawing/2014/main" id="{5B7994C7-D4E8-4C4E-AA71-0106FD979C8A}"/>
               </a:ext>
             </a:extLst>
           </p:cNvPr>
@@ -8169,47 +8118,12 @@
   <p:clrMapOvr>
     <a:masterClrMapping/>
   </p:clrMapOvr>
-  <p:timing>
-    <p:tnLst>
-      <p:par>
-        <p:cTn id="1" dur="indefinite" restart="never" nodeType="tmRoot"/>
-      </p:par>
-    </p:tnLst>
-  </p:timing>
 </p:sld>
 </file>
 
 <file path=ppt/slides/slide6.xml><?xml version="1.0" encoding="utf-8"?>
 <p:sld xmlns:a="http://schemas.openxmlformats.org/drawingml/2006/main" xmlns:r="http://schemas.openxmlformats.org/officeDocument/2006/relationships" xmlns:p="http://schemas.openxmlformats.org/presentationml/2006/main">
   <p:cSld>
-    <p:bg>
-      <p:bgPr>
-        <a:gradFill flip="none" rotWithShape="1">
-          <a:gsLst>
-            <a:gs pos="0">
-              <a:schemeClr val="tx2">
-                <a:lumMod val="20000"/>
-                <a:lumOff val="80000"/>
-              </a:schemeClr>
-            </a:gs>
-            <a:gs pos="35500">
-              <a:srgbClr val="00B0F0"/>
-            </a:gs>
-            <a:gs pos="71000">
-              <a:schemeClr val="tx2">
-                <a:lumMod val="60000"/>
-                <a:lumOff val="40000"/>
-              </a:schemeClr>
-            </a:gs>
-          </a:gsLst>
-          <a:path path="circle">
-            <a:fillToRect r="100000" b="100000"/>
-          </a:path>
-          <a:tileRect l="-100000" t="-100000"/>
-        </a:gradFill>
-        <a:effectLst/>
-      </p:bgPr>
-    </p:bg>
     <p:spTree>
       <p:nvGrpSpPr>
         <p:cNvPr id="1" name=""/>
@@ -8229,7 +8143,7 @@
           <p:cNvPr id="15" name="Title 1">
             <a:extLst>
               <a:ext uri="{FF2B5EF4-FFF2-40B4-BE49-F238E27FC236}">
-                <a16:creationId xmlns:a16="http://schemas.microsoft.com/office/drawing/2014/main" xmlns="" id="{F4C4A796-8AEB-7641-8B55-458C4FE2D291}"/>
+                <a16:creationId xmlns:a16="http://schemas.microsoft.com/office/drawing/2014/main" id="{F4C4A796-8AEB-7641-8B55-458C4FE2D291}"/>
               </a:ext>
             </a:extLst>
           </p:cNvPr>
@@ -8271,7 +8185,7 @@
           <p:cNvPr id="13" name="Object 12">
             <a:extLst>
               <a:ext uri="{FF2B5EF4-FFF2-40B4-BE49-F238E27FC236}">
-                <a16:creationId xmlns:a16="http://schemas.microsoft.com/office/drawing/2014/main" xmlns="" id="{DB914DDF-21ED-D342-968B-D15374B57C19}"/>
+                <a16:creationId xmlns:a16="http://schemas.microsoft.com/office/drawing/2014/main" id="{DB914DDF-21ED-D342-968B-D15374B57C19}"/>
               </a:ext>
             </a:extLst>
           </p:cNvPr>
@@ -8294,7 +8208,7 @@
           <a:graphicData uri="http://schemas.openxmlformats.org/presentationml/2006/ole">
             <mc:AlternateContent xmlns:mc="http://schemas.openxmlformats.org/markup-compatibility/2006">
               <mc:Choice xmlns:v="urn:schemas-microsoft-com:vml" Requires="v">
-                <p:oleObj spid="_x0000_s2067" name="Document" r:id="rId3" imgW="6921500" imgH="1333500" progId="Word.Document.12">
+                <p:oleObj spid="_x0000_s2069" name="Document" r:id="rId3" imgW="6921500" imgH="1333500" progId="Word.Document.12">
                   <p:embed/>
                 </p:oleObj>
               </mc:Choice>
@@ -8334,7 +8248,7 @@
           <p:cNvPr id="16" name="Rectangle 15">
             <a:extLst>
               <a:ext uri="{FF2B5EF4-FFF2-40B4-BE49-F238E27FC236}">
-                <a16:creationId xmlns:a16="http://schemas.microsoft.com/office/drawing/2014/main" xmlns="" id="{E196E731-7B44-5748-8622-8F33F1FB9AE8}"/>
+                <a16:creationId xmlns:a16="http://schemas.microsoft.com/office/drawing/2014/main" id="{E196E731-7B44-5748-8622-8F33F1FB9AE8}"/>
               </a:ext>
             </a:extLst>
           </p:cNvPr>
@@ -8369,7 +8283,7 @@
           <p:cNvPr id="17" name="Rectangle 16">
             <a:extLst>
               <a:ext uri="{FF2B5EF4-FFF2-40B4-BE49-F238E27FC236}">
-                <a16:creationId xmlns:a16="http://schemas.microsoft.com/office/drawing/2014/main" xmlns="" id="{AF632D80-4D78-DA4D-A95F-73C5BD52E449}"/>
+                <a16:creationId xmlns:a16="http://schemas.microsoft.com/office/drawing/2014/main" id="{AF632D80-4D78-DA4D-A95F-73C5BD52E449}"/>
               </a:ext>
             </a:extLst>
           </p:cNvPr>
@@ -8471,34 +8385,6 @@
 <file path=ppt/slides/slide7.xml><?xml version="1.0" encoding="utf-8"?>
 <p:sld xmlns:a="http://schemas.openxmlformats.org/drawingml/2006/main" xmlns:r="http://schemas.openxmlformats.org/officeDocument/2006/relationships" xmlns:p="http://schemas.openxmlformats.org/presentationml/2006/main">
   <p:cSld>
-    <p:bg>
-      <p:bgPr>
-        <a:gradFill flip="none" rotWithShape="1">
-          <a:gsLst>
-            <a:gs pos="0">
-              <a:schemeClr val="tx2">
-                <a:lumMod val="20000"/>
-                <a:lumOff val="80000"/>
-              </a:schemeClr>
-            </a:gs>
-            <a:gs pos="35500">
-              <a:srgbClr val="00B0F0"/>
-            </a:gs>
-            <a:gs pos="71000">
-              <a:schemeClr val="tx2">
-                <a:lumMod val="60000"/>
-                <a:lumOff val="40000"/>
-              </a:schemeClr>
-            </a:gs>
-          </a:gsLst>
-          <a:path path="circle">
-            <a:fillToRect r="100000" b="100000"/>
-          </a:path>
-          <a:tileRect l="-100000" t="-100000"/>
-        </a:gradFill>
-        <a:effectLst/>
-      </p:bgPr>
-    </p:bg>
     <p:spTree>
       <p:nvGrpSpPr>
         <p:cNvPr id="1" name=""/>
@@ -8518,7 +8404,7 @@
           <p:cNvPr id="15" name="Title 1">
             <a:extLst>
               <a:ext uri="{FF2B5EF4-FFF2-40B4-BE49-F238E27FC236}">
-                <a16:creationId xmlns:a16="http://schemas.microsoft.com/office/drawing/2014/main" xmlns="" id="{F4C4A796-8AEB-7641-8B55-458C4FE2D291}"/>
+                <a16:creationId xmlns:a16="http://schemas.microsoft.com/office/drawing/2014/main" id="{F4C4A796-8AEB-7641-8B55-458C4FE2D291}"/>
               </a:ext>
             </a:extLst>
           </p:cNvPr>
@@ -8545,18 +8431,10 @@
                   <a:schemeClr val="tx1"/>
                 </a:solidFill>
               </a:rPr>
-              <a:t>藍</a:t>
-            </a:r>
-            <a:r>
-              <a:rPr lang="zh-Hant" altLang="en-US" dirty="0" smtClean="0">
-                <a:solidFill>
-                  <a:schemeClr val="tx1"/>
-                </a:solidFill>
-              </a:rPr>
-              <a:t>圖</a:t>
-            </a:r>
-            <a:r>
-              <a:rPr lang="zh-CN" altLang="en-US" dirty="0" smtClean="0">
+              <a:t>藍圖</a:t>
+            </a:r>
+            <a:r>
+              <a:rPr lang="zh-CN" altLang="en-US" dirty="0">
                 <a:solidFill>
                   <a:schemeClr val="tx1"/>
                 </a:solidFill>
@@ -8592,7 +8470,7 @@
           <p:cNvPr id="8" name="Picture 7">
             <a:extLst>
               <a:ext uri="{FF2B5EF4-FFF2-40B4-BE49-F238E27FC236}">
-                <a16:creationId xmlns:a16="http://schemas.microsoft.com/office/drawing/2014/main" xmlns="" id="{A575FBA1-D496-934A-AE00-290AA7595822}"/>
+                <a16:creationId xmlns:a16="http://schemas.microsoft.com/office/drawing/2014/main" id="{A575FBA1-D496-934A-AE00-290AA7595822}"/>
               </a:ext>
             </a:extLst>
           </p:cNvPr>
@@ -8639,34 +8517,6 @@
 <file path=ppt/slides/slide8.xml><?xml version="1.0" encoding="utf-8"?>
 <p:sld xmlns:a="http://schemas.openxmlformats.org/drawingml/2006/main" xmlns:r="http://schemas.openxmlformats.org/officeDocument/2006/relationships" xmlns:p="http://schemas.openxmlformats.org/presentationml/2006/main">
   <p:cSld>
-    <p:bg>
-      <p:bgPr>
-        <a:gradFill flip="none" rotWithShape="1">
-          <a:gsLst>
-            <a:gs pos="0">
-              <a:schemeClr val="tx2">
-                <a:lumMod val="20000"/>
-                <a:lumOff val="80000"/>
-              </a:schemeClr>
-            </a:gs>
-            <a:gs pos="35500">
-              <a:srgbClr val="00B0F0"/>
-            </a:gs>
-            <a:gs pos="71000">
-              <a:schemeClr val="tx2">
-                <a:lumMod val="60000"/>
-                <a:lumOff val="40000"/>
-              </a:schemeClr>
-            </a:gs>
-          </a:gsLst>
-          <a:path path="circle">
-            <a:fillToRect r="100000" b="100000"/>
-          </a:path>
-          <a:tileRect l="-100000" t="-100000"/>
-        </a:gradFill>
-        <a:effectLst/>
-      </p:bgPr>
-    </p:bg>
     <p:spTree>
       <p:nvGrpSpPr>
         <p:cNvPr id="1" name=""/>
@@ -8686,7 +8536,7 @@
           <p:cNvPr id="15" name="Title 1">
             <a:extLst>
               <a:ext uri="{FF2B5EF4-FFF2-40B4-BE49-F238E27FC236}">
-                <a16:creationId xmlns:a16="http://schemas.microsoft.com/office/drawing/2014/main" xmlns="" id="{F4C4A796-8AEB-7641-8B55-458C4FE2D291}"/>
+                <a16:creationId xmlns:a16="http://schemas.microsoft.com/office/drawing/2014/main" id="{F4C4A796-8AEB-7641-8B55-458C4FE2D291}"/>
               </a:ext>
             </a:extLst>
           </p:cNvPr>
@@ -8728,7 +8578,7 @@
           <p:cNvPr id="3" name="Picture 2">
             <a:extLst>
               <a:ext uri="{FF2B5EF4-FFF2-40B4-BE49-F238E27FC236}">
-                <a16:creationId xmlns:a16="http://schemas.microsoft.com/office/drawing/2014/main" xmlns="" id="{D0DDB850-3EB4-D64D-8FC9-01CDCA1B5E7A}"/>
+                <a16:creationId xmlns:a16="http://schemas.microsoft.com/office/drawing/2014/main" id="{D0DDB850-3EB4-D64D-8FC9-01CDCA1B5E7A}"/>
               </a:ext>
             </a:extLst>
           </p:cNvPr>
@@ -8775,34 +8625,6 @@
 <file path=ppt/slides/slide9.xml><?xml version="1.0" encoding="utf-8"?>
 <p:sld xmlns:a="http://schemas.openxmlformats.org/drawingml/2006/main" xmlns:r="http://schemas.openxmlformats.org/officeDocument/2006/relationships" xmlns:p="http://schemas.openxmlformats.org/presentationml/2006/main">
   <p:cSld>
-    <p:bg>
-      <p:bgPr>
-        <a:gradFill flip="none" rotWithShape="1">
-          <a:gsLst>
-            <a:gs pos="0">
-              <a:schemeClr val="tx2">
-                <a:lumMod val="20000"/>
-                <a:lumOff val="80000"/>
-              </a:schemeClr>
-            </a:gs>
-            <a:gs pos="35500">
-              <a:srgbClr val="00B0F0"/>
-            </a:gs>
-            <a:gs pos="71000">
-              <a:schemeClr val="tx2">
-                <a:lumMod val="60000"/>
-                <a:lumOff val="40000"/>
-              </a:schemeClr>
-            </a:gs>
-          </a:gsLst>
-          <a:path path="circle">
-            <a:fillToRect r="100000" b="100000"/>
-          </a:path>
-          <a:tileRect l="-100000" t="-100000"/>
-        </a:gradFill>
-        <a:effectLst/>
-      </p:bgPr>
-    </p:bg>
     <p:spTree>
       <p:nvGrpSpPr>
         <p:cNvPr id="1" name=""/>
@@ -8822,7 +8644,7 @@
           <p:cNvPr id="15" name="Title 1">
             <a:extLst>
               <a:ext uri="{FF2B5EF4-FFF2-40B4-BE49-F238E27FC236}">
-                <a16:creationId xmlns:a16="http://schemas.microsoft.com/office/drawing/2014/main" xmlns="" id="{F4C4A796-8AEB-7641-8B55-458C4FE2D291}"/>
+                <a16:creationId xmlns:a16="http://schemas.microsoft.com/office/drawing/2014/main" id="{F4C4A796-8AEB-7641-8B55-458C4FE2D291}"/>
               </a:ext>
             </a:extLst>
           </p:cNvPr>
@@ -8850,18 +8672,10 @@
                   <a:schemeClr val="tx1"/>
                 </a:solidFill>
               </a:rPr>
-              <a:t>藍</a:t>
-            </a:r>
-            <a:r>
-              <a:rPr lang="zh-Hant" altLang="en-US" dirty="0" smtClean="0">
-                <a:solidFill>
-                  <a:schemeClr val="tx1"/>
-                </a:solidFill>
-              </a:rPr>
-              <a:t>圖</a:t>
-            </a:r>
-            <a:r>
-              <a:rPr lang="zh-CN" altLang="en-US" dirty="0" smtClean="0">
+              <a:t>藍圖</a:t>
+            </a:r>
+            <a:r>
+              <a:rPr lang="zh-CN" altLang="en-US" dirty="0">
                 <a:solidFill>
                   <a:schemeClr val="tx1"/>
                 </a:solidFill>
@@ -8897,7 +8711,7 @@
           <p:cNvPr id="3" name="Picture 2">
             <a:extLst>
               <a:ext uri="{FF2B5EF4-FFF2-40B4-BE49-F238E27FC236}">
-                <a16:creationId xmlns:a16="http://schemas.microsoft.com/office/drawing/2014/main" xmlns="" id="{C89FF32C-708B-A246-A4A9-3A91DF58208B}"/>
+                <a16:creationId xmlns:a16="http://schemas.microsoft.com/office/drawing/2014/main" id="{C89FF32C-708B-A246-A4A9-3A91DF58208B}"/>
               </a:ext>
             </a:extLst>
           </p:cNvPr>
@@ -9800,7 +9614,7 @@
   <a:extraClrSchemeLst/>
   <a:extLst>
     <a:ext uri="{05A4C25C-085E-4340-85A3-A5531E510DB2}">
-      <thm15:themeFamily xmlns:thm15="http://schemas.microsoft.com/office/thememl/2012/main" xmlns="" name="Office Theme" id="{62F939B6-93AF-4DB8-9C6B-D6C7DFDC589F}" vid="{4A3C46E8-61CC-4603-A589-7422A47A8E4A}"/>
+      <thm15:themeFamily xmlns:thm15="http://schemas.microsoft.com/office/thememl/2012/main" name="Office Theme" id="{62F939B6-93AF-4DB8-9C6B-D6C7DFDC589F}" vid="{4A3C46E8-61CC-4603-A589-7422A47A8E4A}"/>
     </a:ext>
   </a:extLst>
 </a:theme>
